--- a/Slides/Lesson 4.2 Using the List Template.pptx
+++ b/Slides/Lesson 4.2 Using the List Template.pptx
@@ -240,7 +240,7 @@
             <a:fld id="{CF8F25F6-E1EF-4065-8525-42EDEBD9BD22}" type="datetimeFigureOut">
               <a:rPr lang="en-US" smtClean="0"/>
               <a:pPr/>
-              <a:t>8/24/2015</a:t>
+              <a:t>8/25/2015</a:t>
             </a:fld>
             <a:endParaRPr lang="en-US"/>
           </a:p>
@@ -779,7 +779,7 @@
           <a:p>
             <a:fld id="{2F1F79F5-7BEC-496A-AFC7-876E38F64D71}" type="datetime1">
               <a:rPr lang="en-US" smtClean="0"/>
-              <a:t>8/24/2015</a:t>
+              <a:t>8/25/2015</a:t>
             </a:fld>
             <a:endParaRPr lang="en-US"/>
           </a:p>
@@ -881,7 +881,7 @@
           <a:p>
             <a:fld id="{0A05703A-7669-4FEA-9056-25299B4D29D4}" type="datetime1">
               <a:rPr lang="en-US" smtClean="0"/>
-              <a:t>8/24/2015</a:t>
+              <a:t>8/25/2015</a:t>
             </a:fld>
             <a:endParaRPr lang="en-US"/>
           </a:p>
@@ -1158,7 +1158,7 @@
           <a:p>
             <a:fld id="{6E5077B5-BB57-49DB-88CA-226A139E5C01}" type="datetime1">
               <a:rPr lang="en-US" smtClean="0"/>
-              <a:t>8/24/2015</a:t>
+              <a:t>8/25/2015</a:t>
             </a:fld>
             <a:endParaRPr lang="en-US"/>
           </a:p>
@@ -1411,7 +1411,7 @@
           <a:p>
             <a:fld id="{C48D9447-CBD6-49A1-89FD-8512A8CF8999}" type="datetime1">
               <a:rPr lang="en-US" smtClean="0"/>
-              <a:t>8/24/2015</a:t>
+              <a:t>8/25/2015</a:t>
             </a:fld>
             <a:endParaRPr lang="en-US"/>
           </a:p>
@@ -1581,7 +1581,7 @@
           <a:p>
             <a:fld id="{A3639A2A-823D-48B7-9ACE-7FAF42870BA9}" type="datetime1">
               <a:rPr lang="en-US" smtClean="0"/>
-              <a:t>8/24/2015</a:t>
+              <a:t>8/25/2015</a:t>
             </a:fld>
             <a:endParaRPr lang="en-US"/>
           </a:p>
@@ -1761,7 +1761,7 @@
           <a:p>
             <a:fld id="{ED1B6996-82E9-463C-972C-7B56056E426C}" type="datetime1">
               <a:rPr lang="en-US" smtClean="0"/>
-              <a:t>8/24/2015</a:t>
+              <a:t>8/25/2015</a:t>
             </a:fld>
             <a:endParaRPr lang="en-US"/>
           </a:p>
@@ -1937,7 +1937,7 @@
           <a:p>
             <a:fld id="{E22ED4DA-448D-4BB1-B935-CC112220207B}" type="datetime1">
               <a:rPr lang="en-US" smtClean="0"/>
-              <a:t>8/24/2015</a:t>
+              <a:t>8/25/2015</a:t>
             </a:fld>
             <a:endParaRPr lang="en-US"/>
           </a:p>
@@ -2119,7 +2119,7 @@
           <a:p>
             <a:fld id="{E22ED4DA-448D-4BB1-B935-CC112220207B}" type="datetime1">
               <a:rPr lang="en-US" smtClean="0"/>
-              <a:t>8/24/2015</a:t>
+              <a:t>8/25/2015</a:t>
             </a:fld>
             <a:endParaRPr lang="en-US"/>
           </a:p>
@@ -2388,7 +2388,7 @@
           <a:p>
             <a:fld id="{FF5D65A6-AB94-4435-B0B7-3743215FA46C}" type="datetime1">
               <a:rPr lang="en-US" smtClean="0"/>
-              <a:t>8/24/2015</a:t>
+              <a:t>8/25/2015</a:t>
             </a:fld>
             <a:endParaRPr lang="en-US"/>
           </a:p>
@@ -2573,7 +2573,7 @@
           <a:p>
             <a:fld id="{FF5D65A6-AB94-4435-B0B7-3743215FA46C}" type="datetime1">
               <a:rPr lang="en-US" smtClean="0"/>
-              <a:t>8/24/2015</a:t>
+              <a:t>8/25/2015</a:t>
             </a:fld>
             <a:endParaRPr lang="en-US"/>
           </a:p>
@@ -2875,7 +2875,7 @@
           <a:p>
             <a:fld id="{7C193DC4-6EF0-48C9-B29C-616106A645E1}" type="datetime1">
               <a:rPr lang="en-US" smtClean="0"/>
-              <a:t>8/24/2015</a:t>
+              <a:t>8/25/2015</a:t>
             </a:fld>
             <a:endParaRPr lang="en-US"/>
           </a:p>
@@ -3163,7 +3163,7 @@
           <a:p>
             <a:fld id="{5D1846AD-9252-4647-9435-4C2AC365653A}" type="datetime1">
               <a:rPr lang="en-US" smtClean="0"/>
-              <a:t>8/24/2015</a:t>
+              <a:t>8/25/2015</a:t>
             </a:fld>
             <a:endParaRPr lang="en-US"/>
           </a:p>
@@ -3585,7 +3585,7 @@
           <a:p>
             <a:fld id="{CE56DC10-3561-4063-A6AF-C1CC7A41040A}" type="datetime1">
               <a:rPr lang="en-US" smtClean="0"/>
-              <a:t>8/24/2015</a:t>
+              <a:t>8/25/2015</a:t>
             </a:fld>
             <a:endParaRPr lang="en-US"/>
           </a:p>
@@ -3703,7 +3703,7 @@
           <a:p>
             <a:fld id="{2F7B77F5-1464-4F6B-92A8-64FC8A508293}" type="datetime1">
               <a:rPr lang="en-US" smtClean="0"/>
-              <a:t>8/24/2015</a:t>
+              <a:t>8/25/2015</a:t>
             </a:fld>
             <a:endParaRPr lang="en-US"/>
           </a:p>
@@ -3935,7 +3935,7 @@
           <a:p>
             <a:fld id="{02B3F677-983B-48DB-ADFD-63FE6CBC7FB2}" type="datetime1">
               <a:rPr lang="en-US" smtClean="0"/>
-              <a:t>8/24/2015</a:t>
+              <a:t>8/25/2015</a:t>
             </a:fld>
             <a:endParaRPr lang="en-US"/>
           </a:p>
@@ -5334,14 +5334,7 @@
                 <a:latin typeface="Consolas" pitchFamily="49" charset="0"/>
                 <a:cs typeface="Consolas" pitchFamily="49" charset="0"/>
               </a:rPr>
-              <a:t> </a:t>
-            </a:r>
-            <a:r>
-              <a:rPr lang="en-US" sz="2800" b="1" dirty="0" smtClean="0">
-                <a:latin typeface="Consolas" pitchFamily="49" charset="0"/>
-                <a:cs typeface="Consolas" pitchFamily="49" charset="0"/>
-              </a:rPr>
-              <a:t>-&gt; ??</a:t>
+              <a:t> -&gt; ??</a:t>
             </a:r>
           </a:p>
           <a:p>
@@ -6378,14 +6371,7 @@
                 <a:latin typeface="Consolas" pitchFamily="49" charset="0"/>
                 <a:cs typeface="Consolas" pitchFamily="49" charset="0"/>
               </a:rPr>
-              <a:t>STRATEGY: </a:t>
-            </a:r>
-            <a:r>
-              <a:rPr lang="en-US" sz="2400" b="1" dirty="0" smtClean="0">
-                <a:latin typeface="Consolas" pitchFamily="49" charset="0"/>
-                <a:cs typeface="Consolas" pitchFamily="49" charset="0"/>
-              </a:rPr>
-              <a:t>Use template for </a:t>
+              <a:t>STRATEGY: Use template for </a:t>
             </a:r>
             <a:r>
               <a:rPr lang="en-US" sz="2400" b="1" dirty="0" err="1" smtClean="0">
@@ -8936,14 +8922,7 @@
                 <a:latin typeface="Consolas" pitchFamily="49" charset="0"/>
                 <a:cs typeface="Consolas" pitchFamily="49" charset="0"/>
               </a:rPr>
-              <a:t>STRATEGY: </a:t>
-            </a:r>
-            <a:r>
-              <a:rPr lang="en-US" sz="2000" b="1" dirty="0" smtClean="0">
-                <a:latin typeface="Consolas" pitchFamily="49" charset="0"/>
-                <a:cs typeface="Consolas" pitchFamily="49" charset="0"/>
-              </a:rPr>
-              <a:t>Use template for LON on </a:t>
+              <a:t>STRATEGY: Use template for LON on </a:t>
             </a:r>
             <a:r>
               <a:rPr lang="en-US" sz="2000" b="1" dirty="0" err="1" smtClean="0">
@@ -10955,15 +10934,7 @@
             </a:r>
             <a:r>
               <a:rPr lang="en-US" dirty="0" smtClean="0"/>
-              <a:t>use the </a:t>
-            </a:r>
-            <a:r>
-              <a:rPr lang="en-US" dirty="0" smtClean="0"/>
-              <a:t>template</a:t>
-            </a:r>
-            <a:r>
-              <a:rPr lang="en-US" dirty="0" smtClean="0"/>
-              <a:t> </a:t>
+              <a:t>use the template </a:t>
             </a:r>
             <a:r>
               <a:rPr lang="en-US" dirty="0"/>
@@ -11208,33 +11179,22 @@
                 <a:latin typeface="Consolas" pitchFamily="49" charset="0"/>
                 <a:cs typeface="Consolas" pitchFamily="49" charset="0"/>
               </a:rPr>
-              <a:t>STRATEGY: </a:t>
+              <a:t>STRATEGY: Use template for LON on </a:t>
+            </a:r>
+            <a:r>
+              <a:rPr lang="en-US" sz="2800" b="1" dirty="0" err="1" smtClean="0">
+                <a:latin typeface="Consolas" pitchFamily="49" charset="0"/>
+                <a:cs typeface="Consolas" pitchFamily="49" charset="0"/>
+              </a:rPr>
+              <a:t>lst</a:t>
             </a:r>
             <a:r>
               <a:rPr lang="en-US" sz="2800" b="1" dirty="0" smtClean="0">
                 <a:latin typeface="Consolas" pitchFamily="49" charset="0"/>
                 <a:cs typeface="Consolas" pitchFamily="49" charset="0"/>
               </a:rPr>
-              <a:t>Use template for LON on </a:t>
-            </a:r>
-            <a:r>
-              <a:rPr lang="en-US" sz="2800" b="1" dirty="0" err="1" smtClean="0">
-                <a:latin typeface="Consolas" pitchFamily="49" charset="0"/>
-                <a:cs typeface="Consolas" pitchFamily="49" charset="0"/>
-              </a:rPr>
-              <a:t>lst</a:t>
-            </a:r>
-            <a:r>
-              <a:rPr lang="en-US" sz="2800" b="1" dirty="0" smtClean="0">
-                <a:latin typeface="Consolas" pitchFamily="49" charset="0"/>
-                <a:cs typeface="Consolas" pitchFamily="49" charset="0"/>
-              </a:rPr>
               <a:t> </a:t>
             </a:r>
-            <a:endParaRPr lang="en-US" sz="2800" b="1" dirty="0" smtClean="0">
-              <a:latin typeface="Consolas" pitchFamily="49" charset="0"/>
-              <a:cs typeface="Consolas" pitchFamily="49" charset="0"/>
-            </a:endParaRPr>
           </a:p>
         </p:txBody>
       </p:sp>
@@ -12717,14 +12677,7 @@
                 <a:latin typeface="Consolas" pitchFamily="49" charset="0"/>
                 <a:cs typeface="Consolas" pitchFamily="49" charset="0"/>
               </a:rPr>
-              <a:t>STRATEGY: </a:t>
-            </a:r>
-            <a:r>
-              <a:rPr lang="en-US" sz="2000" b="1" dirty="0" smtClean="0">
-                <a:latin typeface="Consolas" pitchFamily="49" charset="0"/>
-                <a:cs typeface="Consolas" pitchFamily="49" charset="0"/>
-              </a:rPr>
-              <a:t>Use template for LOI on </a:t>
+              <a:t>STRATEGY: Use template for LOI on </a:t>
             </a:r>
             <a:r>
               <a:rPr lang="en-US" sz="2000" b="1" dirty="0" err="1" smtClean="0">
@@ -14825,14 +14778,7 @@
                 <a:latin typeface="Consolas" pitchFamily="49" charset="0"/>
                 <a:cs typeface="Consolas" pitchFamily="49" charset="0"/>
               </a:rPr>
-              <a:t>STRATEGY: </a:t>
-            </a:r>
-            <a:r>
-              <a:rPr lang="en-US" sz="2000" b="1" dirty="0" smtClean="0">
-                <a:latin typeface="Consolas" pitchFamily="49" charset="0"/>
-                <a:cs typeface="Consolas" pitchFamily="49" charset="0"/>
-              </a:rPr>
-              <a:t>Use template for LOI on </a:t>
+              <a:t>STRATEGY: Use template for LOI on </a:t>
             </a:r>
             <a:r>
               <a:rPr lang="en-US" sz="2000" b="1" dirty="0" err="1" smtClean="0">
@@ -17166,18 +17112,19 @@
           </a:p>
           <a:p>
             <a:r>
+              <a:rPr lang="en-US" smtClean="0"/>
+              <a:t>Do </a:t>
+            </a:r>
+            <a:r>
+              <a:rPr lang="en-US" smtClean="0"/>
+              <a:t>Guided Practice 4.3</a:t>
+            </a:r>
+            <a:endParaRPr lang="en-US" dirty="0" smtClean="0"/>
+          </a:p>
+          <a:p>
+            <a:r>
               <a:rPr lang="en-US" dirty="0" smtClean="0"/>
-              <a:t>Do the Guided Practices</a:t>
-            </a:r>
-          </a:p>
-          <a:p>
-            <a:r>
-              <a:rPr lang="en-US" dirty="0" smtClean="0"/>
-              <a:t>Go on to </a:t>
-            </a:r>
-            <a:r>
-              <a:rPr lang="en-US" smtClean="0"/>
-              <a:t>the next lesson</a:t>
+              <a:t>Go on to the next lesson</a:t>
             </a:r>
             <a:endParaRPr lang="en-US" dirty="0"/>
           </a:p>
@@ -17271,11 +17218,7 @@
             </a:r>
             <a:r>
               <a:rPr lang="en-US" dirty="0" smtClean="0"/>
-              <a:t> </a:t>
-            </a:r>
-            <a:r>
-              <a:rPr lang="en-US" dirty="0" smtClean="0"/>
-              <a:t>Data Definition</a:t>
+              <a:t> Data Definition</a:t>
             </a:r>
             <a:endParaRPr lang="en-US" dirty="0"/>
           </a:p>
@@ -17739,14 +17682,7 @@
                 <a:latin typeface="Consolas" pitchFamily="49" charset="0"/>
                 <a:cs typeface="Consolas" pitchFamily="49" charset="0"/>
               </a:rPr>
-              <a:t> </a:t>
-            </a:r>
-            <a:r>
-              <a:rPr lang="en-US" sz="2800" b="1" dirty="0" smtClean="0">
-                <a:latin typeface="Consolas" pitchFamily="49" charset="0"/>
-                <a:cs typeface="Consolas" pitchFamily="49" charset="0"/>
-              </a:rPr>
-              <a:t>-&gt; ??</a:t>
+              <a:t> -&gt; ??</a:t>
             </a:r>
           </a:p>
           <a:p>
@@ -18276,14 +18212,7 @@
                 <a:latin typeface="Consolas" pitchFamily="49" charset="0"/>
                 <a:cs typeface="Consolas" pitchFamily="49" charset="0"/>
               </a:rPr>
-              <a:t> </a:t>
-            </a:r>
-            <a:r>
-              <a:rPr lang="en-US" sz="2800" b="1" dirty="0" smtClean="0">
-                <a:latin typeface="Consolas" pitchFamily="49" charset="0"/>
-                <a:cs typeface="Consolas" pitchFamily="49" charset="0"/>
-              </a:rPr>
-              <a:t>-&gt; ??</a:t>
+              <a:t> -&gt; ??</a:t>
             </a:r>
           </a:p>
           <a:p>
@@ -19306,14 +19235,7 @@
                 <a:latin typeface="Consolas" pitchFamily="49" charset="0"/>
                 <a:cs typeface="Consolas" pitchFamily="49" charset="0"/>
               </a:rPr>
-              <a:t> </a:t>
-            </a:r>
-            <a:r>
-              <a:rPr lang="en-US" sz="2800" b="1" dirty="0" smtClean="0">
-                <a:latin typeface="Consolas" pitchFamily="49" charset="0"/>
-                <a:cs typeface="Consolas" pitchFamily="49" charset="0"/>
-              </a:rPr>
-              <a:t>-&gt; ??</a:t>
+              <a:t> -&gt; ??</a:t>
             </a:r>
           </a:p>
           <a:p>
@@ -19618,14 +19540,7 @@
                 <a:latin typeface="Consolas" pitchFamily="49" charset="0"/>
                 <a:cs typeface="Consolas" pitchFamily="49" charset="0"/>
               </a:rPr>
-              <a:t> </a:t>
-            </a:r>
-            <a:r>
-              <a:rPr lang="en-US" sz="2800" b="1" dirty="0" smtClean="0">
-                <a:latin typeface="Consolas" pitchFamily="49" charset="0"/>
-                <a:cs typeface="Consolas" pitchFamily="49" charset="0"/>
-              </a:rPr>
-              <a:t>-&gt; ??</a:t>
+              <a:t> -&gt; ??</a:t>
             </a:r>
           </a:p>
           <a:p>
@@ -19932,11 +19847,7 @@
             </a:r>
             <a:r>
               <a:rPr lang="en-US" sz="2800" dirty="0" smtClean="0"/>
-              <a:t> </a:t>
-            </a:r>
-            <a:r>
-              <a:rPr lang="en-US" sz="2800" dirty="0" smtClean="0"/>
-              <a:t>-&gt; ??</a:t>
+              <a:t> -&gt; ??</a:t>
             </a:r>
           </a:p>
           <a:p>
@@ -20209,11 +20120,7 @@
             </a:r>
             <a:r>
               <a:rPr lang="en-US" sz="2800" dirty="0" smtClean="0"/>
-              <a:t> </a:t>
-            </a:r>
-            <a:r>
-              <a:rPr lang="en-US" sz="2800" dirty="0" smtClean="0"/>
-              <a:t>-&gt; ??</a:t>
+              <a:t> -&gt; ??</a:t>
             </a:r>
           </a:p>
           <a:p>
@@ -21728,15 +21635,7 @@
           <a:p>
             <a:r>
               <a:rPr lang="en-US" dirty="0" smtClean="0"/>
-              <a:t>Remember that when we </a:t>
-            </a:r>
-            <a:r>
-              <a:rPr lang="en-US" dirty="0" smtClean="0"/>
-              <a:t>use a template, </a:t>
-            </a:r>
-            <a:r>
-              <a:rPr lang="en-US" dirty="0" smtClean="0"/>
-              <a:t>all we do is fill in the blanks.</a:t>
+              <a:t>Remember that when we use a template, all we do is fill in the blanks.</a:t>
             </a:r>
           </a:p>
           <a:p>

--- a/Slides/Lesson 4.2 Using the List Template.pptx
+++ b/Slides/Lesson 4.2 Using the List Template.pptx
@@ -240,7 +240,7 @@
             <a:fld id="{CF8F25F6-E1EF-4065-8525-42EDEBD9BD22}" type="datetimeFigureOut">
               <a:rPr lang="en-US" smtClean="0"/>
               <a:pPr/>
-              <a:t>8/25/2015</a:t>
+              <a:t>10/3/2015</a:t>
             </a:fld>
             <a:endParaRPr lang="en-US"/>
           </a:p>
@@ -779,7 +779,7 @@
           <a:p>
             <a:fld id="{2F1F79F5-7BEC-496A-AFC7-876E38F64D71}" type="datetime1">
               <a:rPr lang="en-US" smtClean="0"/>
-              <a:t>8/25/2015</a:t>
+              <a:t>10/3/2015</a:t>
             </a:fld>
             <a:endParaRPr lang="en-US"/>
           </a:p>
@@ -881,7 +881,7 @@
           <a:p>
             <a:fld id="{0A05703A-7669-4FEA-9056-25299B4D29D4}" type="datetime1">
               <a:rPr lang="en-US" smtClean="0"/>
-              <a:t>8/25/2015</a:t>
+              <a:t>10/3/2015</a:t>
             </a:fld>
             <a:endParaRPr lang="en-US"/>
           </a:p>
@@ -1158,7 +1158,7 @@
           <a:p>
             <a:fld id="{6E5077B5-BB57-49DB-88CA-226A139E5C01}" type="datetime1">
               <a:rPr lang="en-US" smtClean="0"/>
-              <a:t>8/25/2015</a:t>
+              <a:t>10/3/2015</a:t>
             </a:fld>
             <a:endParaRPr lang="en-US"/>
           </a:p>
@@ -1411,7 +1411,7 @@
           <a:p>
             <a:fld id="{C48D9447-CBD6-49A1-89FD-8512A8CF8999}" type="datetime1">
               <a:rPr lang="en-US" smtClean="0"/>
-              <a:t>8/25/2015</a:t>
+              <a:t>10/3/2015</a:t>
             </a:fld>
             <a:endParaRPr lang="en-US"/>
           </a:p>
@@ -1581,7 +1581,7 @@
           <a:p>
             <a:fld id="{A3639A2A-823D-48B7-9ACE-7FAF42870BA9}" type="datetime1">
               <a:rPr lang="en-US" smtClean="0"/>
-              <a:t>8/25/2015</a:t>
+              <a:t>10/3/2015</a:t>
             </a:fld>
             <a:endParaRPr lang="en-US"/>
           </a:p>
@@ -1761,7 +1761,7 @@
           <a:p>
             <a:fld id="{ED1B6996-82E9-463C-972C-7B56056E426C}" type="datetime1">
               <a:rPr lang="en-US" smtClean="0"/>
-              <a:t>8/25/2015</a:t>
+              <a:t>10/3/2015</a:t>
             </a:fld>
             <a:endParaRPr lang="en-US"/>
           </a:p>
@@ -1937,7 +1937,7 @@
           <a:p>
             <a:fld id="{E22ED4DA-448D-4BB1-B935-CC112220207B}" type="datetime1">
               <a:rPr lang="en-US" smtClean="0"/>
-              <a:t>8/25/2015</a:t>
+              <a:t>10/3/2015</a:t>
             </a:fld>
             <a:endParaRPr lang="en-US"/>
           </a:p>
@@ -2119,7 +2119,7 @@
           <a:p>
             <a:fld id="{E22ED4DA-448D-4BB1-B935-CC112220207B}" type="datetime1">
               <a:rPr lang="en-US" smtClean="0"/>
-              <a:t>8/25/2015</a:t>
+              <a:t>10/3/2015</a:t>
             </a:fld>
             <a:endParaRPr lang="en-US"/>
           </a:p>
@@ -2388,7 +2388,7 @@
           <a:p>
             <a:fld id="{FF5D65A6-AB94-4435-B0B7-3743215FA46C}" type="datetime1">
               <a:rPr lang="en-US" smtClean="0"/>
-              <a:t>8/25/2015</a:t>
+              <a:t>10/3/2015</a:t>
             </a:fld>
             <a:endParaRPr lang="en-US"/>
           </a:p>
@@ -2573,7 +2573,7 @@
           <a:p>
             <a:fld id="{FF5D65A6-AB94-4435-B0B7-3743215FA46C}" type="datetime1">
               <a:rPr lang="en-US" smtClean="0"/>
-              <a:t>8/25/2015</a:t>
+              <a:t>10/3/2015</a:t>
             </a:fld>
             <a:endParaRPr lang="en-US"/>
           </a:p>
@@ -2875,7 +2875,7 @@
           <a:p>
             <a:fld id="{7C193DC4-6EF0-48C9-B29C-616106A645E1}" type="datetime1">
               <a:rPr lang="en-US" smtClean="0"/>
-              <a:t>8/25/2015</a:t>
+              <a:t>10/3/2015</a:t>
             </a:fld>
             <a:endParaRPr lang="en-US"/>
           </a:p>
@@ -3163,7 +3163,7 @@
           <a:p>
             <a:fld id="{5D1846AD-9252-4647-9435-4C2AC365653A}" type="datetime1">
               <a:rPr lang="en-US" smtClean="0"/>
-              <a:t>8/25/2015</a:t>
+              <a:t>10/3/2015</a:t>
             </a:fld>
             <a:endParaRPr lang="en-US"/>
           </a:p>
@@ -3585,7 +3585,7 @@
           <a:p>
             <a:fld id="{CE56DC10-3561-4063-A6AF-C1CC7A41040A}" type="datetime1">
               <a:rPr lang="en-US" smtClean="0"/>
-              <a:t>8/25/2015</a:t>
+              <a:t>10/3/2015</a:t>
             </a:fld>
             <a:endParaRPr lang="en-US"/>
           </a:p>
@@ -3703,7 +3703,7 @@
           <a:p>
             <a:fld id="{2F7B77F5-1464-4F6B-92A8-64FC8A508293}" type="datetime1">
               <a:rPr lang="en-US" smtClean="0"/>
-              <a:t>8/25/2015</a:t>
+              <a:t>10/3/2015</a:t>
             </a:fld>
             <a:endParaRPr lang="en-US"/>
           </a:p>
@@ -3935,7 +3935,7 @@
           <a:p>
             <a:fld id="{02B3F677-983B-48DB-ADFD-63FE6CBC7FB2}" type="datetime1">
               <a:rPr lang="en-US" smtClean="0"/>
-              <a:t>8/25/2015</a:t>
+              <a:t>10/3/2015</a:t>
             </a:fld>
             <a:endParaRPr lang="en-US"/>
           </a:p>
@@ -10930,11 +10930,15 @@
             <a:pPr lvl="0"/>
             <a:r>
               <a:rPr lang="en-US" dirty="0"/>
-              <a:t>Use the </a:t>
+              <a:t>Use </a:t>
             </a:r>
             <a:r>
               <a:rPr lang="en-US" dirty="0" smtClean="0"/>
-              <a:t>use the template </a:t>
+              <a:t>the </a:t>
+            </a:r>
+            <a:r>
+              <a:rPr lang="en-US" dirty="0" smtClean="0"/>
+              <a:t>template </a:t>
             </a:r>
             <a:r>
               <a:rPr lang="en-US" dirty="0"/>
@@ -14818,119 +14822,84 @@
           </a:p>
         </p:txBody>
       </p:sp>
-      <p:grpSp>
-        <p:nvGrpSpPr>
-          <p:cNvPr id="19" name="Group 18"/>
-          <p:cNvGrpSpPr/>
+      <p:sp>
+        <p:nvSpPr>
+          <p:cNvPr id="4" name="Rectangle 3"/>
+          <p:cNvSpPr/>
           <p:nvPr/>
-        </p:nvGrpSpPr>
-        <p:grpSpPr>
+        </p:nvSpPr>
+        <p:spPr>
           <a:xfrm>
-            <a:off x="609600" y="5486400"/>
-            <a:ext cx="3276600" cy="1295400"/>
-            <a:chOff x="609600" y="5486400"/>
-            <a:chExt cx="3276600" cy="1295400"/>
+            <a:off x="609600" y="6019800"/>
+            <a:ext cx="3276600" cy="762000"/>
           </a:xfrm>
-        </p:grpSpPr>
-        <p:sp>
-          <p:nvSpPr>
-            <p:cNvPr id="4" name="Rectangle 3"/>
-            <p:cNvSpPr/>
-            <p:nvPr/>
-          </p:nvSpPr>
-          <p:spPr>
-            <a:xfrm>
-              <a:off x="609600" y="6019800"/>
-              <a:ext cx="3276600" cy="762000"/>
-            </a:xfrm>
-            <a:prstGeom prst="rect">
+          <a:prstGeom prst="rect">
+            <a:avLst/>
+          </a:prstGeom>
+          <a:solidFill>
+            <a:schemeClr val="accent3">
+              <a:lumMod val="40000"/>
+              <a:lumOff val="60000"/>
+            </a:schemeClr>
+          </a:solidFill>
+          <a:ln/>
+        </p:spPr>
+        <p:style>
+          <a:lnRef idx="2">
+            <a:schemeClr val="accent1"/>
+          </a:lnRef>
+          <a:fillRef idx="1">
+            <a:schemeClr val="lt1"/>
+          </a:fillRef>
+          <a:effectRef idx="0">
+            <a:schemeClr val="accent1"/>
+          </a:effectRef>
+          <a:fontRef idx="minor">
+            <a:schemeClr val="dk1"/>
+          </a:fontRef>
+        </p:style>
+        <p:txBody>
+          <a:bodyPr rot="0" spcFirstLastPara="0" vertOverflow="overflow" horzOverflow="overflow" vert="horz" wrap="square" lIns="91440" tIns="45720" rIns="91440" bIns="45720" numCol="1" spcCol="0" rtlCol="0" fromWordArt="0" anchor="ctr" anchorCtr="0" forceAA="0" compatLnSpc="1">
+            <a:prstTxWarp prst="textNoShape">
               <a:avLst/>
-            </a:prstGeom>
-            <a:solidFill>
-              <a:schemeClr val="accent3">
-                <a:lumMod val="40000"/>
-                <a:lumOff val="60000"/>
-              </a:schemeClr>
-            </a:solidFill>
-            <a:ln/>
-          </p:spPr>
-          <p:style>
-            <a:lnRef idx="2">
-              <a:schemeClr val="accent1"/>
-            </a:lnRef>
-            <a:fillRef idx="1">
-              <a:schemeClr val="lt1"/>
-            </a:fillRef>
-            <a:effectRef idx="0">
-              <a:schemeClr val="accent1"/>
-            </a:effectRef>
-            <a:fontRef idx="minor">
-              <a:schemeClr val="dk1"/>
-            </a:fontRef>
-          </p:style>
-          <p:txBody>
-            <a:bodyPr rot="0" spcFirstLastPara="0" vertOverflow="overflow" horzOverflow="overflow" vert="horz" wrap="square" lIns="91440" tIns="45720" rIns="91440" bIns="45720" numCol="1" spcCol="0" rtlCol="0" fromWordArt="0" anchor="ctr" anchorCtr="0" forceAA="0" compatLnSpc="1">
-              <a:prstTxWarp prst="textNoShape">
-                <a:avLst/>
-              </a:prstTxWarp>
-              <a:noAutofit/>
-            </a:bodyPr>
-            <a:lstStyle/>
-            <a:p>
-              <a:pPr algn="ctr"/>
-              <a:r>
-                <a:rPr lang="en-US" sz="2000" dirty="0" smtClean="0">
-                  <a:solidFill>
-                    <a:schemeClr val="tx1"/>
-                  </a:solidFill>
-                </a:rPr>
-                <a:t>Question: Why is this not a very good example?</a:t>
-              </a:r>
-            </a:p>
-          </p:txBody>
-        </p:sp>
-        <p:cxnSp>
-          <p:nvCxnSpPr>
-            <p:cNvPr id="6" name="Elbow Connector 5"/>
-            <p:cNvCxnSpPr>
-              <a:stCxn id="4" idx="1"/>
-            </p:cNvCxnSpPr>
-            <p:nvPr/>
-          </p:nvCxnSpPr>
-          <p:spPr>
-            <a:xfrm rot="10800000" flipH="1">
-              <a:off x="609600" y="5486400"/>
-              <a:ext cx="114298" cy="914400"/>
-            </a:xfrm>
-            <a:prstGeom prst="bentConnector4">
-              <a:avLst>
-                <a:gd name="adj1" fmla="val -200003"/>
-                <a:gd name="adj2" fmla="val 100000"/>
-              </a:avLst>
-            </a:prstGeom>
-            <a:ln w="12700">
+            </a:prstTxWarp>
+            <a:noAutofit/>
+          </a:bodyPr>
+          <a:lstStyle/>
+          <a:p>
+            <a:pPr algn="ctr"/>
+            <a:r>
+              <a:rPr lang="en-US" sz="2000" dirty="0" smtClean="0">
+                <a:solidFill>
+                  <a:schemeClr val="tx1"/>
+                </a:solidFill>
+              </a:rPr>
+              <a:t>Why </a:t>
+            </a:r>
+            <a:r>
+              <a:rPr lang="en-US" sz="2000" dirty="0" smtClean="0">
+                <a:solidFill>
+                  <a:schemeClr val="tx1"/>
+                </a:solidFill>
+              </a:rPr>
+              <a:t>is this not a </a:t>
+            </a:r>
+            <a:r>
+              <a:rPr lang="en-US" sz="2000" dirty="0" smtClean="0">
+                <a:solidFill>
+                  <a:schemeClr val="tx1"/>
+                </a:solidFill>
+              </a:rPr>
+              <a:t>good set of examples?</a:t>
+            </a:r>
+            <a:endParaRPr lang="en-US" sz="2000" dirty="0" smtClean="0">
               <a:solidFill>
                 <a:schemeClr val="tx1"/>
               </a:solidFill>
-              <a:tailEnd type="arrow"/>
-            </a:ln>
-          </p:spPr>
-          <p:style>
-            <a:lnRef idx="1">
-              <a:schemeClr val="accent1"/>
-            </a:lnRef>
-            <a:fillRef idx="0">
-              <a:schemeClr val="accent1"/>
-            </a:fillRef>
-            <a:effectRef idx="0">
-              <a:schemeClr val="accent1"/>
-            </a:effectRef>
-            <a:fontRef idx="minor">
-              <a:schemeClr val="tx1"/>
-            </a:fontRef>
-          </p:style>
-        </p:cxnSp>
-      </p:grpSp>
+            </a:endParaRPr>
+          </a:p>
+        </p:txBody>
+      </p:sp>
       <p:sp>
         <p:nvSpPr>
           <p:cNvPr id="21" name="Rectangle 20"/>
@@ -14983,8 +14952,13 @@
                   <a:schemeClr val="tx1"/>
                 </a:solidFill>
               </a:rPr>
-              <a:t>Answer: it only shows what happens when the first even is the first element of the list.</a:t>
-            </a:r>
+              <a:t>Answer: None of them show what happens when the first element of the list is odd</a:t>
+            </a:r>
+            <a:endParaRPr lang="en-US" sz="2000" dirty="0" smtClean="0">
+              <a:solidFill>
+                <a:schemeClr val="tx1"/>
+              </a:solidFill>
+            </a:endParaRPr>
           </a:p>
         </p:txBody>
       </p:sp>
@@ -15019,7 +14993,7 @@
                             </p:stCondLst>
                             <p:childTnLst>
                               <p:par>
-                                <p:cTn id="5" presetID="1" presetClass="entr" presetSubtype="0" fill="hold" nodeType="clickEffect">
+                                <p:cTn id="5" presetID="22" presetClass="entr" presetSubtype="1" fill="hold" grpId="0" nodeType="clickEffect">
                                   <p:stCondLst>
                                     <p:cond delay="0"/>
                                   </p:stCondLst>
@@ -15027,51 +15001,6 @@
                                     <p:set>
                                       <p:cBhvr>
                                         <p:cTn id="6" dur="1" fill="hold">
-                                          <p:stCondLst>
-                                            <p:cond delay="0"/>
-                                          </p:stCondLst>
-                                        </p:cTn>
-                                        <p:tgtEl>
-                                          <p:spTgt spid="19"/>
-                                        </p:tgtEl>
-                                        <p:attrNameLst>
-                                          <p:attrName>style.visibility</p:attrName>
-                                        </p:attrNameLst>
-                                      </p:cBhvr>
-                                      <p:to>
-                                        <p:strVal val="visible"/>
-                                      </p:to>
-                                    </p:set>
-                                  </p:childTnLst>
-                                </p:cTn>
-                              </p:par>
-                            </p:childTnLst>
-                          </p:cTn>
-                        </p:par>
-                      </p:childTnLst>
-                    </p:cTn>
-                  </p:par>
-                  <p:par>
-                    <p:cTn id="7" fill="hold">
-                      <p:stCondLst>
-                        <p:cond delay="indefinite"/>
-                      </p:stCondLst>
-                      <p:childTnLst>
-                        <p:par>
-                          <p:cTn id="8" fill="hold">
-                            <p:stCondLst>
-                              <p:cond delay="0"/>
-                            </p:stCondLst>
-                            <p:childTnLst>
-                              <p:par>
-                                <p:cTn id="9" presetID="22" presetClass="entr" presetSubtype="1" fill="hold" grpId="0" nodeType="clickEffect">
-                                  <p:stCondLst>
-                                    <p:cond delay="0"/>
-                                  </p:stCondLst>
-                                  <p:childTnLst>
-                                    <p:set>
-                                      <p:cBhvr>
-                                        <p:cTn id="10" dur="1" fill="hold">
                                           <p:stCondLst>
                                             <p:cond delay="0"/>
                                           </p:stCondLst>
@@ -15089,7 +15018,7 @@
                                     </p:set>
                                     <p:animEffect transition="in" filter="wipe(up)">
                                       <p:cBhvr>
-                                        <p:cTn id="11" dur="500"/>
+                                        <p:cTn id="7" dur="500"/>
                                         <p:tgtEl>
                                           <p:spTgt spid="21"/>
                                         </p:tgtEl>
@@ -17113,11 +17042,7 @@
           <a:p>
             <a:r>
               <a:rPr lang="en-US" smtClean="0"/>
-              <a:t>Do </a:t>
-            </a:r>
-            <a:r>
-              <a:rPr lang="en-US" smtClean="0"/>
-              <a:t>Guided Practice 4.3</a:t>
+              <a:t>Do Guided Practice 4.3</a:t>
             </a:r>
             <a:endParaRPr lang="en-US" dirty="0" smtClean="0"/>
           </a:p>
@@ -17959,7 +17884,15 @@
             </a:r>
             <a:r>
               <a:rPr lang="en-US" dirty="0" smtClean="0"/>
-              <a:t> are called, so their invariants are satisfied.</a:t>
+              <a:t> are called, so their </a:t>
+            </a:r>
+            <a:r>
+              <a:rPr lang="en-US" dirty="0" smtClean="0"/>
+              <a:t>WHERE-clauses are </a:t>
+            </a:r>
+            <a:r>
+              <a:rPr lang="en-US" dirty="0" smtClean="0"/>
+              <a:t>satisfied.</a:t>
             </a:r>
             <a:endParaRPr lang="en-US" dirty="0"/>
           </a:p>

--- a/Slides/Lesson 4.2 Using the List Template.pptx
+++ b/Slides/Lesson 4.2 Using the List Template.pptx
@@ -240,7 +240,7 @@
             <a:fld id="{CF8F25F6-E1EF-4065-8525-42EDEBD9BD22}" type="datetimeFigureOut">
               <a:rPr lang="en-US" smtClean="0"/>
               <a:pPr/>
-              <a:t>10/3/2015</a:t>
+              <a:t>8/11/2016</a:t>
             </a:fld>
             <a:endParaRPr lang="en-US"/>
           </a:p>
@@ -306,38 +306,37 @@
           <a:p>
             <a:pPr lvl="0"/>
             <a:r>
-              <a:rPr lang="en-US" smtClean="0"/>
+              <a:rPr lang="en-US"/>
               <a:t>Click to edit Master text styles</a:t>
             </a:r>
           </a:p>
           <a:p>
             <a:pPr lvl="1"/>
             <a:r>
-              <a:rPr lang="en-US" smtClean="0"/>
+              <a:rPr lang="en-US"/>
               <a:t>Second level</a:t>
             </a:r>
           </a:p>
           <a:p>
             <a:pPr lvl="2"/>
             <a:r>
-              <a:rPr lang="en-US" smtClean="0"/>
+              <a:rPr lang="en-US"/>
               <a:t>Third level</a:t>
             </a:r>
           </a:p>
           <a:p>
             <a:pPr lvl="3"/>
             <a:r>
-              <a:rPr lang="en-US" smtClean="0"/>
+              <a:rPr lang="en-US"/>
               <a:t>Fourth level</a:t>
             </a:r>
           </a:p>
           <a:p>
             <a:pPr lvl="4"/>
             <a:r>
-              <a:rPr lang="en-US" smtClean="0"/>
+              <a:rPr lang="en-US"/>
               <a:t>Fifth level</a:t>
             </a:r>
-            <a:endParaRPr lang="en-US"/>
           </a:p>
         </p:txBody>
       </p:sp>
@@ -636,10 +635,9 @@
           <a:lstStyle/>
           <a:p>
             <a:r>
-              <a:rPr lang="en-US" smtClean="0"/>
+              <a:rPr lang="en-US"/>
               <a:t>Click to edit Master title style</a:t>
             </a:r>
-            <a:endParaRPr lang="en-US"/>
           </a:p>
         </p:txBody>
       </p:sp>
@@ -755,10 +753,9 @@
           </a:lstStyle>
           <a:p>
             <a:r>
-              <a:rPr lang="en-US" smtClean="0"/>
+              <a:rPr lang="en-US"/>
               <a:t>Click to edit Master subtitle style</a:t>
             </a:r>
-            <a:endParaRPr lang="en-US"/>
           </a:p>
         </p:txBody>
       </p:sp>
@@ -779,7 +776,7 @@
           <a:p>
             <a:fld id="{2F1F79F5-7BEC-496A-AFC7-876E38F64D71}" type="datetime1">
               <a:rPr lang="en-US" smtClean="0"/>
-              <a:t>10/3/2015</a:t>
+              <a:t>8/11/2016</a:t>
             </a:fld>
             <a:endParaRPr lang="en-US"/>
           </a:p>
@@ -837,13 +834,6 @@
   <p:clrMapOvr>
     <a:masterClrMapping/>
   </p:clrMapOvr>
-  <p:timing>
-    <p:tnLst>
-      <p:par>
-        <p:cTn id="1" dur="indefinite" restart="never" nodeType="tmRoot"/>
-      </p:par>
-    </p:tnLst>
-  </p:timing>
 </p:sldLayout>
 </file>
 
@@ -881,7 +871,7 @@
           <a:p>
             <a:fld id="{0A05703A-7669-4FEA-9056-25299B4D29D4}" type="datetime1">
               <a:rPr lang="en-US" smtClean="0"/>
-              <a:t>10/3/2015</a:t>
+              <a:t>8/11/2016</a:t>
             </a:fld>
             <a:endParaRPr lang="en-US"/>
           </a:p>
@@ -984,10 +974,9 @@
           </a:lstStyle>
           <a:p>
             <a:r>
-              <a:rPr lang="en-US" smtClean="0"/>
+              <a:rPr lang="en-US"/>
               <a:t>Click to edit Master title style</a:t>
             </a:r>
-            <a:endParaRPr lang="en-US"/>
           </a:p>
         </p:txBody>
       </p:sp>
@@ -1041,38 +1030,37 @@
           <a:p>
             <a:pPr lvl="0"/>
             <a:r>
-              <a:rPr lang="en-US" smtClean="0"/>
+              <a:rPr lang="en-US"/>
               <a:t>Click to edit Master text styles</a:t>
             </a:r>
           </a:p>
           <a:p>
             <a:pPr lvl="1"/>
             <a:r>
-              <a:rPr lang="en-US" smtClean="0"/>
+              <a:rPr lang="en-US"/>
               <a:t>Second level</a:t>
             </a:r>
           </a:p>
           <a:p>
             <a:pPr lvl="2"/>
             <a:r>
-              <a:rPr lang="en-US" smtClean="0"/>
+              <a:rPr lang="en-US"/>
               <a:t>Third level</a:t>
             </a:r>
           </a:p>
           <a:p>
             <a:pPr lvl="3"/>
             <a:r>
-              <a:rPr lang="en-US" smtClean="0"/>
+              <a:rPr lang="en-US"/>
               <a:t>Fourth level</a:t>
             </a:r>
           </a:p>
           <a:p>
             <a:pPr lvl="4"/>
             <a:r>
-              <a:rPr lang="en-US" smtClean="0"/>
+              <a:rPr lang="en-US"/>
               <a:t>Fifth level</a:t>
             </a:r>
-            <a:endParaRPr lang="en-US"/>
           </a:p>
         </p:txBody>
       </p:sp>
@@ -1135,7 +1123,7 @@
           <a:p>
             <a:pPr lvl="0"/>
             <a:r>
-              <a:rPr lang="en-US" smtClean="0"/>
+              <a:rPr lang="en-US"/>
               <a:t>Click to edit Master text styles</a:t>
             </a:r>
           </a:p>
@@ -1158,7 +1146,7 @@
           <a:p>
             <a:fld id="{6E5077B5-BB57-49DB-88CA-226A139E5C01}" type="datetime1">
               <a:rPr lang="en-US" smtClean="0"/>
-              <a:t>10/3/2015</a:t>
+              <a:t>8/11/2016</a:t>
             </a:fld>
             <a:endParaRPr lang="en-US"/>
           </a:p>
@@ -1261,10 +1249,9 @@
           </a:lstStyle>
           <a:p>
             <a:r>
-              <a:rPr lang="en-US" smtClean="0"/>
+              <a:rPr lang="en-US"/>
               <a:t>Click to edit Master title style</a:t>
             </a:r>
-            <a:endParaRPr lang="en-US"/>
           </a:p>
         </p:txBody>
       </p:sp>
@@ -1388,7 +1375,7 @@
           <a:p>
             <a:pPr lvl="0"/>
             <a:r>
-              <a:rPr lang="en-US" smtClean="0"/>
+              <a:rPr lang="en-US"/>
               <a:t>Click to edit Master text styles</a:t>
             </a:r>
           </a:p>
@@ -1411,7 +1398,7 @@
           <a:p>
             <a:fld id="{C48D9447-CBD6-49A1-89FD-8512A8CF8999}" type="datetime1">
               <a:rPr lang="en-US" smtClean="0"/>
-              <a:t>10/3/2015</a:t>
+              <a:t>8/11/2016</a:t>
             </a:fld>
             <a:endParaRPr lang="en-US"/>
           </a:p>
@@ -1505,10 +1492,9 @@
           <a:lstStyle/>
           <a:p>
             <a:r>
-              <a:rPr lang="en-US" smtClean="0"/>
+              <a:rPr lang="en-US"/>
               <a:t>Click to edit Master title style</a:t>
             </a:r>
-            <a:endParaRPr lang="en-US"/>
           </a:p>
         </p:txBody>
       </p:sp>
@@ -1529,38 +1515,37 @@
           <a:p>
             <a:pPr lvl="0"/>
             <a:r>
-              <a:rPr lang="en-US" smtClean="0"/>
+              <a:rPr lang="en-US"/>
               <a:t>Click to edit Master text styles</a:t>
             </a:r>
           </a:p>
           <a:p>
             <a:pPr lvl="1"/>
             <a:r>
-              <a:rPr lang="en-US" smtClean="0"/>
+              <a:rPr lang="en-US"/>
               <a:t>Second level</a:t>
             </a:r>
           </a:p>
           <a:p>
             <a:pPr lvl="2"/>
             <a:r>
-              <a:rPr lang="en-US" smtClean="0"/>
+              <a:rPr lang="en-US"/>
               <a:t>Third level</a:t>
             </a:r>
           </a:p>
           <a:p>
             <a:pPr lvl="3"/>
             <a:r>
-              <a:rPr lang="en-US" smtClean="0"/>
+              <a:rPr lang="en-US"/>
               <a:t>Fourth level</a:t>
             </a:r>
           </a:p>
           <a:p>
             <a:pPr lvl="4"/>
             <a:r>
-              <a:rPr lang="en-US" smtClean="0"/>
+              <a:rPr lang="en-US"/>
               <a:t>Fifth level</a:t>
             </a:r>
-            <a:endParaRPr lang="en-US"/>
           </a:p>
         </p:txBody>
       </p:sp>
@@ -1581,7 +1566,7 @@
           <a:p>
             <a:fld id="{A3639A2A-823D-48B7-9ACE-7FAF42870BA9}" type="datetime1">
               <a:rPr lang="en-US" smtClean="0"/>
-              <a:t>10/3/2015</a:t>
+              <a:t>8/11/2016</a:t>
             </a:fld>
             <a:endParaRPr lang="en-US"/>
           </a:p>
@@ -1680,10 +1665,9 @@
           <a:lstStyle/>
           <a:p>
             <a:r>
-              <a:rPr lang="en-US" smtClean="0"/>
+              <a:rPr lang="en-US"/>
               <a:t>Click to edit Master title style</a:t>
             </a:r>
-            <a:endParaRPr lang="en-US"/>
           </a:p>
         </p:txBody>
       </p:sp>
@@ -1709,38 +1693,37 @@
           <a:p>
             <a:pPr lvl="0"/>
             <a:r>
-              <a:rPr lang="en-US" smtClean="0"/>
+              <a:rPr lang="en-US"/>
               <a:t>Click to edit Master text styles</a:t>
             </a:r>
           </a:p>
           <a:p>
             <a:pPr lvl="1"/>
             <a:r>
-              <a:rPr lang="en-US" smtClean="0"/>
+              <a:rPr lang="en-US"/>
               <a:t>Second level</a:t>
             </a:r>
           </a:p>
           <a:p>
             <a:pPr lvl="2"/>
             <a:r>
-              <a:rPr lang="en-US" smtClean="0"/>
+              <a:rPr lang="en-US"/>
               <a:t>Third level</a:t>
             </a:r>
           </a:p>
           <a:p>
             <a:pPr lvl="3"/>
             <a:r>
-              <a:rPr lang="en-US" smtClean="0"/>
+              <a:rPr lang="en-US"/>
               <a:t>Fourth level</a:t>
             </a:r>
           </a:p>
           <a:p>
             <a:pPr lvl="4"/>
             <a:r>
-              <a:rPr lang="en-US" smtClean="0"/>
+              <a:rPr lang="en-US"/>
               <a:t>Fifth level</a:t>
             </a:r>
-            <a:endParaRPr lang="en-US"/>
           </a:p>
         </p:txBody>
       </p:sp>
@@ -1761,7 +1744,7 @@
           <a:p>
             <a:fld id="{ED1B6996-82E9-463C-972C-7B56056E426C}" type="datetime1">
               <a:rPr lang="en-US" smtClean="0"/>
-              <a:t>10/3/2015</a:t>
+              <a:t>8/11/2016</a:t>
             </a:fld>
             <a:endParaRPr lang="en-US"/>
           </a:p>
@@ -1861,10 +1844,9 @@
           <a:lstStyle/>
           <a:p>
             <a:r>
-              <a:rPr lang="en-US" dirty="0" smtClean="0"/>
+              <a:rPr lang="en-US" dirty="0"/>
               <a:t>Click to edit Master title style</a:t>
             </a:r>
-            <a:endParaRPr lang="en-US" dirty="0"/>
           </a:p>
         </p:txBody>
       </p:sp>
@@ -1885,38 +1867,37 @@
           <a:p>
             <a:pPr lvl="0"/>
             <a:r>
-              <a:rPr lang="en-US" smtClean="0"/>
+              <a:rPr lang="en-US"/>
               <a:t>Click to edit Master text styles</a:t>
             </a:r>
           </a:p>
           <a:p>
             <a:pPr lvl="1"/>
             <a:r>
-              <a:rPr lang="en-US" smtClean="0"/>
+              <a:rPr lang="en-US"/>
               <a:t>Second level</a:t>
             </a:r>
           </a:p>
           <a:p>
             <a:pPr lvl="2"/>
             <a:r>
-              <a:rPr lang="en-US" smtClean="0"/>
+              <a:rPr lang="en-US"/>
               <a:t>Third level</a:t>
             </a:r>
           </a:p>
           <a:p>
             <a:pPr lvl="3"/>
             <a:r>
-              <a:rPr lang="en-US" smtClean="0"/>
+              <a:rPr lang="en-US"/>
               <a:t>Fourth level</a:t>
             </a:r>
           </a:p>
           <a:p>
             <a:pPr lvl="4"/>
             <a:r>
-              <a:rPr lang="en-US" smtClean="0"/>
+              <a:rPr lang="en-US"/>
               <a:t>Fifth level</a:t>
             </a:r>
-            <a:endParaRPr lang="en-US"/>
           </a:p>
         </p:txBody>
       </p:sp>
@@ -1937,7 +1918,7 @@
           <a:p>
             <a:fld id="{E22ED4DA-448D-4BB1-B935-CC112220207B}" type="datetime1">
               <a:rPr lang="en-US" smtClean="0"/>
-              <a:t>10/3/2015</a:t>
+              <a:t>8/11/2016</a:t>
             </a:fld>
             <a:endParaRPr lang="en-US"/>
           </a:p>
@@ -1995,13 +1976,6 @@
   <p:clrMapOvr>
     <a:masterClrMapping/>
   </p:clrMapOvr>
-  <p:timing>
-    <p:tnLst>
-      <p:par>
-        <p:cTn id="1" dur="indefinite" restart="never" nodeType="tmRoot"/>
-      </p:par>
-    </p:tnLst>
-  </p:timing>
 </p:sldLayout>
 </file>
 
@@ -2038,10 +2012,9 @@
           <a:lstStyle/>
           <a:p>
             <a:r>
-              <a:rPr lang="en-US" smtClean="0"/>
+              <a:rPr lang="en-US"/>
               <a:t>Click to edit Master title style</a:t>
             </a:r>
-            <a:endParaRPr lang="en-US"/>
           </a:p>
         </p:txBody>
       </p:sp>
@@ -2067,38 +2040,37 @@
           <a:p>
             <a:pPr lvl="0"/>
             <a:r>
-              <a:rPr lang="en-US" dirty="0" smtClean="0"/>
+              <a:rPr lang="en-US" dirty="0"/>
               <a:t>Click to edit Master text styles</a:t>
             </a:r>
           </a:p>
           <a:p>
             <a:pPr lvl="1"/>
             <a:r>
-              <a:rPr lang="en-US" dirty="0" smtClean="0"/>
+              <a:rPr lang="en-US" dirty="0"/>
               <a:t>Second level</a:t>
             </a:r>
           </a:p>
           <a:p>
             <a:pPr lvl="2"/>
             <a:r>
-              <a:rPr lang="en-US" dirty="0" smtClean="0"/>
+              <a:rPr lang="en-US" dirty="0"/>
               <a:t>Third level</a:t>
             </a:r>
           </a:p>
           <a:p>
             <a:pPr lvl="3"/>
             <a:r>
-              <a:rPr lang="en-US" dirty="0" smtClean="0"/>
+              <a:rPr lang="en-US" dirty="0"/>
               <a:t>Fourth level</a:t>
             </a:r>
           </a:p>
           <a:p>
             <a:pPr lvl="4"/>
             <a:r>
-              <a:rPr lang="en-US" dirty="0" smtClean="0"/>
+              <a:rPr lang="en-US" dirty="0"/>
               <a:t>Fifth level</a:t>
             </a:r>
-            <a:endParaRPr lang="en-US" dirty="0"/>
           </a:p>
         </p:txBody>
       </p:sp>
@@ -2119,7 +2091,7 @@
           <a:p>
             <a:fld id="{E22ED4DA-448D-4BB1-B935-CC112220207B}" type="datetime1">
               <a:rPr lang="en-US" smtClean="0"/>
-              <a:t>10/3/2015</a:t>
+              <a:t>8/11/2016</a:t>
             </a:fld>
             <a:endParaRPr lang="en-US"/>
           </a:p>
@@ -2209,7 +2181,7 @@
           <a:lstStyle/>
           <a:p>
             <a:pPr algn="ctr"/>
-            <a:endParaRPr lang="en-US" dirty="0" smtClean="0">
+            <a:endParaRPr lang="en-US" dirty="0">
               <a:solidFill>
                 <a:schemeClr val="tx1"/>
               </a:solidFill>
@@ -2240,11 +2212,11 @@
           <a:lstStyle/>
           <a:p>
             <a:r>
-              <a:rPr lang="en-US" dirty="0" smtClean="0"/>
+              <a:rPr lang="en-US" dirty="0"/>
               <a:t>Resize video to this</a:t>
             </a:r>
             <a:r>
-              <a:rPr lang="en-US" baseline="0" dirty="0" smtClean="0"/>
+              <a:rPr lang="en-US" baseline="0" dirty="0"/>
               <a:t> box.</a:t>
             </a:r>
             <a:endParaRPr lang="en-US" dirty="0"/>
@@ -2261,13 +2233,6 @@
   <p:clrMapOvr>
     <a:masterClrMapping/>
   </p:clrMapOvr>
-  <p:timing>
-    <p:tnLst>
-      <p:par>
-        <p:cTn id="1" dur="indefinite" restart="never" nodeType="tmRoot"/>
-      </p:par>
-    </p:tnLst>
-  </p:timing>
 </p:sldLayout>
 </file>
 
@@ -2304,10 +2269,9 @@
           <a:lstStyle/>
           <a:p>
             <a:r>
-              <a:rPr lang="en-US" smtClean="0"/>
+              <a:rPr lang="en-US"/>
               <a:t>Click to edit Master title style</a:t>
             </a:r>
-            <a:endParaRPr lang="en-US"/>
           </a:p>
         </p:txBody>
       </p:sp>
@@ -2336,38 +2300,37 @@
           <a:p>
             <a:pPr lvl="0"/>
             <a:r>
-              <a:rPr lang="en-US" dirty="0" smtClean="0"/>
+              <a:rPr lang="en-US" dirty="0"/>
               <a:t>Click to edit Master text styles</a:t>
             </a:r>
           </a:p>
           <a:p>
             <a:pPr lvl="1"/>
             <a:r>
-              <a:rPr lang="en-US" dirty="0" smtClean="0"/>
+              <a:rPr lang="en-US" dirty="0"/>
               <a:t>Second level</a:t>
             </a:r>
           </a:p>
           <a:p>
             <a:pPr lvl="2"/>
             <a:r>
-              <a:rPr lang="en-US" dirty="0" smtClean="0"/>
+              <a:rPr lang="en-US" dirty="0"/>
               <a:t>Third level</a:t>
             </a:r>
           </a:p>
           <a:p>
             <a:pPr lvl="3"/>
             <a:r>
-              <a:rPr lang="en-US" dirty="0" smtClean="0"/>
+              <a:rPr lang="en-US" dirty="0"/>
               <a:t>Fourth level</a:t>
             </a:r>
           </a:p>
           <a:p>
             <a:pPr lvl="4"/>
             <a:r>
-              <a:rPr lang="en-US" dirty="0" smtClean="0"/>
+              <a:rPr lang="en-US" dirty="0"/>
               <a:t>Fifth level</a:t>
             </a:r>
-            <a:endParaRPr lang="en-US" dirty="0"/>
           </a:p>
         </p:txBody>
       </p:sp>
@@ -2388,7 +2351,7 @@
           <a:p>
             <a:fld id="{FF5D65A6-AB94-4435-B0B7-3743215FA46C}" type="datetime1">
               <a:rPr lang="en-US" smtClean="0"/>
-              <a:t>10/3/2015</a:t>
+              <a:t>8/11/2016</a:t>
             </a:fld>
             <a:endParaRPr lang="en-US"/>
           </a:p>
@@ -2446,13 +2409,6 @@
   <p:clrMapOvr>
     <a:masterClrMapping/>
   </p:clrMapOvr>
-  <p:timing>
-    <p:tnLst>
-      <p:par>
-        <p:cTn id="1" dur="indefinite" restart="never" nodeType="tmRoot"/>
-      </p:par>
-    </p:tnLst>
-  </p:timing>
 </p:sldLayout>
 </file>
 
@@ -2489,10 +2445,9 @@
           <a:lstStyle/>
           <a:p>
             <a:r>
-              <a:rPr lang="en-US" smtClean="0"/>
+              <a:rPr lang="en-US"/>
               <a:t>Click to edit Master title style</a:t>
             </a:r>
-            <a:endParaRPr lang="en-US"/>
           </a:p>
         </p:txBody>
       </p:sp>
@@ -2521,38 +2476,37 @@
           <a:p>
             <a:pPr lvl="0"/>
             <a:r>
-              <a:rPr lang="en-US" dirty="0" smtClean="0"/>
+              <a:rPr lang="en-US" dirty="0"/>
               <a:t>Click to edit Master text styles</a:t>
             </a:r>
           </a:p>
           <a:p>
             <a:pPr lvl="1"/>
             <a:r>
-              <a:rPr lang="en-US" dirty="0" smtClean="0"/>
+              <a:rPr lang="en-US" dirty="0"/>
               <a:t>Second level</a:t>
             </a:r>
           </a:p>
           <a:p>
             <a:pPr lvl="2"/>
             <a:r>
-              <a:rPr lang="en-US" dirty="0" smtClean="0"/>
+              <a:rPr lang="en-US" dirty="0"/>
               <a:t>Third level</a:t>
             </a:r>
           </a:p>
           <a:p>
             <a:pPr lvl="3"/>
             <a:r>
-              <a:rPr lang="en-US" dirty="0" smtClean="0"/>
+              <a:rPr lang="en-US" dirty="0"/>
               <a:t>Fourth level</a:t>
             </a:r>
           </a:p>
           <a:p>
             <a:pPr lvl="4"/>
             <a:r>
-              <a:rPr lang="en-US" dirty="0" smtClean="0"/>
+              <a:rPr lang="en-US" dirty="0"/>
               <a:t>Fifth level</a:t>
             </a:r>
-            <a:endParaRPr lang="en-US" dirty="0"/>
           </a:p>
         </p:txBody>
       </p:sp>
@@ -2573,7 +2527,7 @@
           <a:p>
             <a:fld id="{FF5D65A6-AB94-4435-B0B7-3743215FA46C}" type="datetime1">
               <a:rPr lang="en-US" smtClean="0"/>
-              <a:t>10/3/2015</a:t>
+              <a:t>8/11/2016</a:t>
             </a:fld>
             <a:endParaRPr lang="en-US"/>
           </a:p>
@@ -2680,13 +2634,6 @@
   <p:clrMapOvr>
     <a:masterClrMapping/>
   </p:clrMapOvr>
-  <p:timing>
-    <p:tnLst>
-      <p:par>
-        <p:cTn id="1" dur="indefinite" restart="never" nodeType="tmRoot"/>
-      </p:par>
-    </p:tnLst>
-  </p:timing>
 </p:sldLayout>
 </file>
 
@@ -2732,10 +2679,9 @@
           </a:lstStyle>
           <a:p>
             <a:r>
-              <a:rPr lang="en-US" smtClean="0"/>
+              <a:rPr lang="en-US"/>
               <a:t>Click to edit Master title style</a:t>
             </a:r>
-            <a:endParaRPr lang="en-US"/>
           </a:p>
         </p:txBody>
       </p:sp>
@@ -2852,7 +2798,7 @@
           <a:p>
             <a:pPr lvl="0"/>
             <a:r>
-              <a:rPr lang="en-US" smtClean="0"/>
+              <a:rPr lang="en-US"/>
               <a:t>Click to edit Master text styles</a:t>
             </a:r>
           </a:p>
@@ -2875,7 +2821,7 @@
           <a:p>
             <a:fld id="{7C193DC4-6EF0-48C9-B29C-616106A645E1}" type="datetime1">
               <a:rPr lang="en-US" smtClean="0"/>
-              <a:t>10/3/2015</a:t>
+              <a:t>8/11/2016</a:t>
             </a:fld>
             <a:endParaRPr lang="en-US"/>
           </a:p>
@@ -2969,10 +2915,9 @@
           <a:lstStyle/>
           <a:p>
             <a:r>
-              <a:rPr lang="en-US" smtClean="0"/>
+              <a:rPr lang="en-US"/>
               <a:t>Click to edit Master title style</a:t>
             </a:r>
-            <a:endParaRPr lang="en-US"/>
           </a:p>
         </p:txBody>
       </p:sp>
@@ -3026,38 +2971,37 @@
           <a:p>
             <a:pPr lvl="0"/>
             <a:r>
-              <a:rPr lang="en-US" smtClean="0"/>
+              <a:rPr lang="en-US"/>
               <a:t>Click to edit Master text styles</a:t>
             </a:r>
           </a:p>
           <a:p>
             <a:pPr lvl="1"/>
             <a:r>
-              <a:rPr lang="en-US" smtClean="0"/>
+              <a:rPr lang="en-US"/>
               <a:t>Second level</a:t>
             </a:r>
           </a:p>
           <a:p>
             <a:pPr lvl="2"/>
             <a:r>
-              <a:rPr lang="en-US" smtClean="0"/>
+              <a:rPr lang="en-US"/>
               <a:t>Third level</a:t>
             </a:r>
           </a:p>
           <a:p>
             <a:pPr lvl="3"/>
             <a:r>
-              <a:rPr lang="en-US" smtClean="0"/>
+              <a:rPr lang="en-US"/>
               <a:t>Fourth level</a:t>
             </a:r>
           </a:p>
           <a:p>
             <a:pPr lvl="4"/>
             <a:r>
-              <a:rPr lang="en-US" smtClean="0"/>
+              <a:rPr lang="en-US"/>
               <a:t>Fifth level</a:t>
             </a:r>
-            <a:endParaRPr lang="en-US"/>
           </a:p>
         </p:txBody>
       </p:sp>
@@ -3111,38 +3055,37 @@
           <a:p>
             <a:pPr lvl="0"/>
             <a:r>
-              <a:rPr lang="en-US" smtClean="0"/>
+              <a:rPr lang="en-US"/>
               <a:t>Click to edit Master text styles</a:t>
             </a:r>
           </a:p>
           <a:p>
             <a:pPr lvl="1"/>
             <a:r>
-              <a:rPr lang="en-US" smtClean="0"/>
+              <a:rPr lang="en-US"/>
               <a:t>Second level</a:t>
             </a:r>
           </a:p>
           <a:p>
             <a:pPr lvl="2"/>
             <a:r>
-              <a:rPr lang="en-US" smtClean="0"/>
+              <a:rPr lang="en-US"/>
               <a:t>Third level</a:t>
             </a:r>
           </a:p>
           <a:p>
             <a:pPr lvl="3"/>
             <a:r>
-              <a:rPr lang="en-US" smtClean="0"/>
+              <a:rPr lang="en-US"/>
               <a:t>Fourth level</a:t>
             </a:r>
           </a:p>
           <a:p>
             <a:pPr lvl="4"/>
             <a:r>
-              <a:rPr lang="en-US" smtClean="0"/>
+              <a:rPr lang="en-US"/>
               <a:t>Fifth level</a:t>
             </a:r>
-            <a:endParaRPr lang="en-US"/>
           </a:p>
         </p:txBody>
       </p:sp>
@@ -3163,7 +3106,7 @@
           <a:p>
             <a:fld id="{5D1846AD-9252-4647-9435-4C2AC365653A}" type="datetime1">
               <a:rPr lang="en-US" smtClean="0"/>
-              <a:t>10/3/2015</a:t>
+              <a:t>8/11/2016</a:t>
             </a:fld>
             <a:endParaRPr lang="en-US"/>
           </a:p>
@@ -3261,10 +3204,9 @@
           </a:lstStyle>
           <a:p>
             <a:r>
-              <a:rPr lang="en-US" smtClean="0"/>
+              <a:rPr lang="en-US"/>
               <a:t>Click to edit Master title style</a:t>
             </a:r>
-            <a:endParaRPr lang="en-US"/>
           </a:p>
         </p:txBody>
       </p:sp>
@@ -3327,7 +3269,7 @@
           <a:p>
             <a:pPr lvl="0"/>
             <a:r>
-              <a:rPr lang="en-US" smtClean="0"/>
+              <a:rPr lang="en-US"/>
               <a:t>Click to edit Master text styles</a:t>
             </a:r>
           </a:p>
@@ -3383,38 +3325,37 @@
           <a:p>
             <a:pPr lvl="0"/>
             <a:r>
-              <a:rPr lang="en-US" smtClean="0"/>
+              <a:rPr lang="en-US"/>
               <a:t>Click to edit Master text styles</a:t>
             </a:r>
           </a:p>
           <a:p>
             <a:pPr lvl="1"/>
             <a:r>
-              <a:rPr lang="en-US" smtClean="0"/>
+              <a:rPr lang="en-US"/>
               <a:t>Second level</a:t>
             </a:r>
           </a:p>
           <a:p>
             <a:pPr lvl="2"/>
             <a:r>
-              <a:rPr lang="en-US" smtClean="0"/>
+              <a:rPr lang="en-US"/>
               <a:t>Third level</a:t>
             </a:r>
           </a:p>
           <a:p>
             <a:pPr lvl="3"/>
             <a:r>
-              <a:rPr lang="en-US" smtClean="0"/>
+              <a:rPr lang="en-US"/>
               <a:t>Fourth level</a:t>
             </a:r>
           </a:p>
           <a:p>
             <a:pPr lvl="4"/>
             <a:r>
-              <a:rPr lang="en-US" smtClean="0"/>
+              <a:rPr lang="en-US"/>
               <a:t>Fifth level</a:t>
             </a:r>
-            <a:endParaRPr lang="en-US"/>
           </a:p>
         </p:txBody>
       </p:sp>
@@ -3477,7 +3418,7 @@
           <a:p>
             <a:pPr lvl="0"/>
             <a:r>
-              <a:rPr lang="en-US" smtClean="0"/>
+              <a:rPr lang="en-US"/>
               <a:t>Click to edit Master text styles</a:t>
             </a:r>
           </a:p>
@@ -3533,38 +3474,37 @@
           <a:p>
             <a:pPr lvl="0"/>
             <a:r>
-              <a:rPr lang="en-US" smtClean="0"/>
+              <a:rPr lang="en-US"/>
               <a:t>Click to edit Master text styles</a:t>
             </a:r>
           </a:p>
           <a:p>
             <a:pPr lvl="1"/>
             <a:r>
-              <a:rPr lang="en-US" smtClean="0"/>
+              <a:rPr lang="en-US"/>
               <a:t>Second level</a:t>
             </a:r>
           </a:p>
           <a:p>
             <a:pPr lvl="2"/>
             <a:r>
-              <a:rPr lang="en-US" smtClean="0"/>
+              <a:rPr lang="en-US"/>
               <a:t>Third level</a:t>
             </a:r>
           </a:p>
           <a:p>
             <a:pPr lvl="3"/>
             <a:r>
-              <a:rPr lang="en-US" smtClean="0"/>
+              <a:rPr lang="en-US"/>
               <a:t>Fourth level</a:t>
             </a:r>
           </a:p>
           <a:p>
             <a:pPr lvl="4"/>
             <a:r>
-              <a:rPr lang="en-US" smtClean="0"/>
+              <a:rPr lang="en-US"/>
               <a:t>Fifth level</a:t>
             </a:r>
-            <a:endParaRPr lang="en-US"/>
           </a:p>
         </p:txBody>
       </p:sp>
@@ -3585,7 +3525,7 @@
           <a:p>
             <a:fld id="{CE56DC10-3561-4063-A6AF-C1CC7A41040A}" type="datetime1">
               <a:rPr lang="en-US" smtClean="0"/>
-              <a:t>10/3/2015</a:t>
+              <a:t>8/11/2016</a:t>
             </a:fld>
             <a:endParaRPr lang="en-US"/>
           </a:p>
@@ -3679,10 +3619,9 @@
           <a:lstStyle/>
           <a:p>
             <a:r>
-              <a:rPr lang="en-US" smtClean="0"/>
+              <a:rPr lang="en-US"/>
               <a:t>Click to edit Master title style</a:t>
             </a:r>
-            <a:endParaRPr lang="en-US"/>
           </a:p>
         </p:txBody>
       </p:sp>
@@ -3703,7 +3642,7 @@
           <a:p>
             <a:fld id="{2F7B77F5-1464-4F6B-92A8-64FC8A508293}" type="datetime1">
               <a:rPr lang="en-US" smtClean="0"/>
-              <a:t>10/3/2015</a:t>
+              <a:t>8/11/2016</a:t>
             </a:fld>
             <a:endParaRPr lang="en-US"/>
           </a:p>
@@ -3761,13 +3700,6 @@
   <p:clrMapOvr>
     <a:masterClrMapping/>
   </p:clrMapOvr>
-  <p:timing>
-    <p:tnLst>
-      <p:par>
-        <p:cTn id="1" dur="indefinite" restart="never" nodeType="tmRoot"/>
-      </p:par>
-    </p:tnLst>
-  </p:timing>
 </p:sldLayout>
 </file>
 
@@ -3831,10 +3763,9 @@
           <a:lstStyle/>
           <a:p>
             <a:r>
-              <a:rPr lang="en-US" smtClean="0"/>
+              <a:rPr lang="en-US"/>
               <a:t>Click to edit Master title style</a:t>
             </a:r>
-            <a:endParaRPr lang="en-US"/>
           </a:p>
         </p:txBody>
       </p:sp>
@@ -3865,38 +3796,37 @@
           <a:p>
             <a:pPr lvl="0"/>
             <a:r>
-              <a:rPr lang="en-US" smtClean="0"/>
+              <a:rPr lang="en-US"/>
               <a:t>Click to edit Master text styles</a:t>
             </a:r>
           </a:p>
           <a:p>
             <a:pPr lvl="1"/>
             <a:r>
-              <a:rPr lang="en-US" smtClean="0"/>
+              <a:rPr lang="en-US"/>
               <a:t>Second level</a:t>
             </a:r>
           </a:p>
           <a:p>
             <a:pPr lvl="2"/>
             <a:r>
-              <a:rPr lang="en-US" smtClean="0"/>
+              <a:rPr lang="en-US"/>
               <a:t>Third level</a:t>
             </a:r>
           </a:p>
           <a:p>
             <a:pPr lvl="3"/>
             <a:r>
-              <a:rPr lang="en-US" smtClean="0"/>
+              <a:rPr lang="en-US"/>
               <a:t>Fourth level</a:t>
             </a:r>
           </a:p>
           <a:p>
             <a:pPr lvl="4"/>
             <a:r>
-              <a:rPr lang="en-US" smtClean="0"/>
+              <a:rPr lang="en-US"/>
               <a:t>Fifth level</a:t>
             </a:r>
-            <a:endParaRPr lang="en-US"/>
           </a:p>
         </p:txBody>
       </p:sp>
@@ -3935,7 +3865,7 @@
           <a:p>
             <a:fld id="{02B3F677-983B-48DB-ADFD-63FE6CBC7FB2}" type="datetime1">
               <a:rPr lang="en-US" smtClean="0"/>
-              <a:t>10/3/2015</a:t>
+              <a:t>8/11/2016</a:t>
             </a:fld>
             <a:endParaRPr lang="en-US"/>
           </a:p>
@@ -4043,13 +3973,6 @@
     <p:sldLayoutId id="2147483674" r:id="rId13"/>
     <p:sldLayoutId id="2147483675" r:id="rId14"/>
   </p:sldLayoutIdLst>
-  <p:timing>
-    <p:tnLst>
-      <p:par>
-        <p:cTn id="1" dur="indefinite" restart="never" nodeType="tmRoot"/>
-      </p:par>
-    </p:tnLst>
-  </p:timing>
   <p:hf hdr="0" ftr="0" dt="0"/>
   <p:txStyles>
     <p:titleStyle>
@@ -4337,10 +4260,9 @@
           <a:lstStyle/>
           <a:p>
             <a:r>
-              <a:rPr lang="en-US" dirty="0" smtClean="0"/>
+              <a:rPr lang="en-US" dirty="0"/>
               <a:t>Using the List Template</a:t>
             </a:r>
-            <a:endParaRPr lang="en-US" dirty="0"/>
           </a:p>
         </p:txBody>
       </p:sp>
@@ -4360,21 +4282,21 @@
           <a:lstStyle/>
           <a:p>
             <a:r>
-              <a:rPr lang="en-US" dirty="0" smtClean="0"/>
+              <a:rPr lang="en-US" dirty="0"/>
               <a:t>CS 5010 Program Design Paradigms “</a:t>
             </a:r>
             <a:r>
-              <a:rPr lang="en-US" dirty="0" err="1" smtClean="0"/>
+              <a:rPr lang="en-US" dirty="0" err="1"/>
               <a:t>Bootcamp</a:t>
             </a:r>
             <a:r>
-              <a:rPr lang="en-US" dirty="0" smtClean="0"/>
+              <a:rPr lang="en-US" dirty="0"/>
               <a:t>”</a:t>
             </a:r>
           </a:p>
           <a:p>
             <a:r>
-              <a:rPr lang="en-US" dirty="0" smtClean="0"/>
+              <a:rPr lang="en-US" dirty="0"/>
               <a:t>Lesson 4.2</a:t>
             </a:r>
           </a:p>
@@ -4434,29 +4356,29 @@
           <a:lstStyle/>
           <a:p>
             <a:r>
-              <a:rPr lang="en-US" smtClean="0"/>
+              <a:rPr lang="en-US"/>
               <a:t>TexPoint fonts used in EMF. </a:t>
             </a:r>
           </a:p>
           <a:p>
             <a:r>
-              <a:rPr lang="en-US" smtClean="0"/>
+              <a:rPr lang="en-US"/>
               <a:t>Read the TexPoint manual before you delete this box.: </a:t>
             </a:r>
             <a:r>
-              <a:rPr lang="en-US" smtClean="0">
+              <a:rPr lang="en-US">
                 <a:latin typeface="CMMI10"/>
               </a:rPr>
               <a:t>A</a:t>
             </a:r>
             <a:r>
-              <a:rPr lang="en-US" smtClean="0">
+              <a:rPr lang="en-US">
                 <a:latin typeface="CMR10"/>
               </a:rPr>
               <a:t>A</a:t>
             </a:r>
             <a:r>
-              <a:rPr lang="en-US" smtClean="0">
+              <a:rPr lang="en-US">
                 <a:latin typeface="CMSY10ORIG"/>
               </a:rPr>
               <a:t>A</a:t>
@@ -4533,27 +4455,13 @@
             <a:p>
               <a:r>
                 <a:rPr lang="en-US" sz="1000" dirty="0"/>
-                <a:t>© Mitchell Wand, </a:t>
-              </a:r>
-              <a:r>
-                <a:rPr lang="en-US" sz="1000" dirty="0" smtClean="0"/>
-                <a:t>2012-2014</a:t>
+                <a:t>© Mitchell Wand, 2012-2014</a:t>
               </a:r>
             </a:p>
             <a:p>
               <a:r>
-                <a:rPr lang="en-US" sz="1000" dirty="0" smtClean="0"/>
+                <a:rPr lang="en-US" sz="1000" dirty="0"/>
                 <a:t>This work is licensed under a </a:t>
-              </a:r>
-              <a:r>
-                <a:rPr lang="en-US" altLang="en-US" sz="1000" dirty="0" smtClean="0">
-                  <a:solidFill>
-                    <a:srgbClr val="4374B7"/>
-                  </a:solidFill>
-                  <a:latin typeface="Helvetica Neue"/>
-                  <a:hlinkClick r:id="rId5"/>
-                </a:rPr>
-                <a:t>Creative </a:t>
               </a:r>
               <a:r>
                 <a:rPr lang="en-US" altLang="en-US" sz="1000" dirty="0">
@@ -4563,7 +4471,7 @@
                   <a:latin typeface="Helvetica Neue"/>
                   <a:hlinkClick r:id="rId5"/>
                 </a:rPr>
-                <a:t>Commons Attribution-</a:t>
+                <a:t>Creative Commons Attribution-</a:t>
               </a:r>
               <a:r>
                 <a:rPr lang="en-US" altLang="en-US" sz="1000" dirty="0" err="1">
@@ -4586,10 +4494,9 @@
                 <a:t> 4.0 International License</a:t>
               </a:r>
               <a:r>
-                <a:rPr lang="en-US" sz="1000" dirty="0" smtClean="0"/>
+                <a:rPr lang="en-US" sz="1000" dirty="0"/>
                 <a:t>.</a:t>
               </a:r>
-              <a:endParaRPr lang="en-US" sz="1000" dirty="0"/>
             </a:p>
           </p:txBody>
         </p:sp>
@@ -4599,13 +4506,6 @@
   <p:clrMapOvr>
     <a:masterClrMapping/>
   </p:clrMapOvr>
-  <p:timing>
-    <p:tnLst>
-      <p:par>
-        <p:cTn id="1" dur="indefinite" restart="never" nodeType="tmRoot"/>
-      </p:par>
-    </p:tnLst>
-  </p:timing>
 </p:sld>
 </file>
 
@@ -4642,11 +4542,11 @@
           <a:lstStyle/>
           <a:p>
             <a:r>
-              <a:rPr lang="en-US" dirty="0" smtClean="0"/>
+              <a:rPr lang="en-US" dirty="0"/>
               <a:t>Template Questions for </a:t>
             </a:r>
             <a:r>
-              <a:rPr lang="en-US" dirty="0" err="1" smtClean="0"/>
+              <a:rPr lang="en-US" dirty="0" err="1"/>
               <a:t>TLState</a:t>
             </a:r>
             <a:endParaRPr lang="en-US" dirty="0"/>
@@ -4682,7 +4582,7 @@
               <a:buNone/>
             </a:pPr>
             <a:r>
-              <a:rPr lang="en-US" sz="2400" b="1" dirty="0" smtClean="0">
+              <a:rPr lang="en-US" sz="2400" b="1" dirty="0">
                 <a:latin typeface="Consolas" pitchFamily="49" charset="0"/>
                 <a:cs typeface="Consolas" pitchFamily="49" charset="0"/>
               </a:rPr>
@@ -4940,7 +4840,7 @@
           <a:p>
             <a:pPr algn="ctr"/>
             <a:r>
-              <a:rPr lang="en-US" sz="2000" dirty="0" smtClean="0">
+              <a:rPr lang="en-US" sz="2000" dirty="0">
                 <a:solidFill>
                   <a:schemeClr val="tx1"/>
                 </a:solidFill>
@@ -4997,7 +4897,7 @@
           <a:p>
             <a:pPr algn="ctr"/>
             <a:r>
-              <a:rPr lang="en-US" sz="2000" dirty="0" smtClean="0">
+              <a:rPr lang="en-US" sz="2000" dirty="0">
                 <a:solidFill>
                   <a:schemeClr val="tx1"/>
                 </a:solidFill>
@@ -5054,7 +4954,7 @@
           <a:p>
             <a:pPr algn="ctr"/>
             <a:r>
-              <a:rPr lang="en-US" sz="2000" dirty="0" smtClean="0">
+              <a:rPr lang="en-US" sz="2000" dirty="0">
                 <a:solidFill>
                   <a:schemeClr val="tx1"/>
                 </a:solidFill>
@@ -5111,7 +5011,7 @@
           <a:p>
             <a:pPr algn="ctr"/>
             <a:r>
-              <a:rPr lang="en-US" sz="2400" dirty="0" smtClean="0">
+              <a:rPr lang="en-US" sz="2400" dirty="0">
                 <a:solidFill>
                   <a:schemeClr val="tx1"/>
                 </a:solidFill>
@@ -5130,7 +5030,7 @@
           <a:p>
             <a:pPr algn="ctr"/>
             <a:r>
-              <a:rPr lang="en-US" sz="2400" dirty="0" smtClean="0">
+              <a:rPr lang="en-US" sz="2400" dirty="0">
                 <a:solidFill>
                   <a:schemeClr val="tx1"/>
                 </a:solidFill>
@@ -5264,13 +5164,6 @@
   <p:clrMapOvr>
     <a:masterClrMapping/>
   </p:clrMapOvr>
-  <p:timing>
-    <p:tnLst>
-      <p:par>
-        <p:cTn id="1" dur="indefinite" restart="never" nodeType="tmRoot"/>
-      </p:par>
-    </p:tnLst>
-  </p:timing>
 </p:sld>
 </file>
 
@@ -5316,21 +5209,21 @@
               <a:buNone/>
             </a:pPr>
             <a:r>
-              <a:rPr lang="en-US" sz="2800" b="1" dirty="0" smtClean="0">
+              <a:rPr lang="en-US" sz="2800" b="1" dirty="0">
                 <a:latin typeface="Consolas" pitchFamily="49" charset="0"/>
                 <a:cs typeface="Consolas" pitchFamily="49" charset="0"/>
               </a:rPr>
               <a:t>;; list-fn : </a:t>
             </a:r>
             <a:r>
-              <a:rPr lang="en-US" sz="2800" b="1" dirty="0" err="1" smtClean="0">
+              <a:rPr lang="en-US" sz="2800" b="1" dirty="0" err="1">
                 <a:latin typeface="Consolas" pitchFamily="49" charset="0"/>
                 <a:cs typeface="Consolas" pitchFamily="49" charset="0"/>
               </a:rPr>
               <a:t>ListOfX</a:t>
             </a:r>
             <a:r>
-              <a:rPr lang="en-US" sz="2800" b="1" dirty="0" smtClean="0">
+              <a:rPr lang="en-US" sz="2800" b="1" dirty="0">
                 <a:latin typeface="Consolas" pitchFamily="49" charset="0"/>
                 <a:cs typeface="Consolas" pitchFamily="49" charset="0"/>
               </a:rPr>
@@ -5342,14 +5235,14 @@
               <a:buNone/>
             </a:pPr>
             <a:r>
-              <a:rPr lang="en-US" sz="2800" b="1" dirty="0" smtClean="0">
+              <a:rPr lang="en-US" sz="2800" b="1" dirty="0">
                 <a:latin typeface="Consolas" pitchFamily="49" charset="0"/>
                 <a:cs typeface="Consolas" pitchFamily="49" charset="0"/>
               </a:rPr>
               <a:t>(define (</a:t>
             </a:r>
             <a:r>
-              <a:rPr lang="en-US" sz="2800" b="1" dirty="0" smtClean="0">
+              <a:rPr lang="en-US" sz="2800" b="1" dirty="0">
                 <a:solidFill>
                   <a:srgbClr val="FF0000"/>
                 </a:solidFill>
@@ -5359,21 +5252,21 @@
               <a:t>list-fn</a:t>
             </a:r>
             <a:r>
-              <a:rPr lang="en-US" sz="2800" b="1" dirty="0" smtClean="0">
+              <a:rPr lang="en-US" sz="2800" b="1" dirty="0">
                 <a:latin typeface="Consolas" pitchFamily="49" charset="0"/>
                 <a:cs typeface="Consolas" pitchFamily="49" charset="0"/>
               </a:rPr>
               <a:t> </a:t>
             </a:r>
             <a:r>
-              <a:rPr lang="en-US" sz="2800" b="1" dirty="0" err="1" smtClean="0">
+              <a:rPr lang="en-US" sz="2800" b="1" dirty="0" err="1">
                 <a:latin typeface="Consolas" pitchFamily="49" charset="0"/>
                 <a:cs typeface="Consolas" pitchFamily="49" charset="0"/>
               </a:rPr>
               <a:t>lst</a:t>
             </a:r>
             <a:r>
-              <a:rPr lang="en-US" sz="2800" b="1" dirty="0" smtClean="0">
+              <a:rPr lang="en-US" sz="2800" b="1" dirty="0">
                 <a:latin typeface="Consolas" pitchFamily="49" charset="0"/>
                 <a:cs typeface="Consolas" pitchFamily="49" charset="0"/>
               </a:rPr>
@@ -5385,122 +5278,118 @@
               <a:buNone/>
             </a:pPr>
             <a:r>
-              <a:rPr lang="en-US" sz="2800" b="1" dirty="0" smtClean="0">
+              <a:rPr lang="en-US" sz="2800" b="1" dirty="0">
                 <a:latin typeface="Consolas" pitchFamily="49" charset="0"/>
                 <a:cs typeface="Consolas" pitchFamily="49" charset="0"/>
               </a:rPr>
               <a:t>  (</a:t>
             </a:r>
             <a:r>
-              <a:rPr lang="en-US" sz="2800" b="1" dirty="0" err="1" smtClean="0">
+              <a:rPr lang="en-US" sz="2800" b="1" dirty="0" err="1">
                 <a:latin typeface="Consolas" pitchFamily="49" charset="0"/>
                 <a:cs typeface="Consolas" pitchFamily="49" charset="0"/>
               </a:rPr>
               <a:t>cond</a:t>
-            </a:r>
-            <a:endParaRPr lang="en-US" sz="2800" b="1" dirty="0" smtClean="0">
-              <a:latin typeface="Consolas" pitchFamily="49" charset="0"/>
-              <a:cs typeface="Consolas" pitchFamily="49" charset="0"/>
-            </a:endParaRPr>
-          </a:p>
-          <a:p>
-            <a:pPr>
-              <a:buNone/>
-            </a:pPr>
-            <a:r>
-              <a:rPr lang="en-US" sz="2800" b="1" dirty="0" smtClean="0">
-                <a:latin typeface="Consolas" pitchFamily="49" charset="0"/>
-                <a:cs typeface="Consolas" pitchFamily="49" charset="0"/>
-              </a:rPr>
-              <a:t>    [(empty? </a:t>
-            </a:r>
-            <a:r>
-              <a:rPr lang="en-US" sz="2800" b="1" dirty="0" err="1" smtClean="0">
-                <a:latin typeface="Consolas" pitchFamily="49" charset="0"/>
-                <a:cs typeface="Consolas" pitchFamily="49" charset="0"/>
-              </a:rPr>
-              <a:t>lst</a:t>
-            </a:r>
-            <a:r>
-              <a:rPr lang="en-US" sz="2800" b="1" dirty="0" smtClean="0">
-                <a:latin typeface="Consolas" pitchFamily="49" charset="0"/>
-                <a:cs typeface="Consolas" pitchFamily="49" charset="0"/>
-              </a:rPr>
-              <a:t>) ...]</a:t>
-            </a:r>
-          </a:p>
-          <a:p>
-            <a:pPr>
-              <a:buNone/>
-            </a:pPr>
-            <a:r>
-              <a:rPr lang="en-US" sz="2800" b="1" dirty="0" smtClean="0">
-                <a:latin typeface="Consolas" pitchFamily="49" charset="0"/>
-                <a:cs typeface="Consolas" pitchFamily="49" charset="0"/>
-              </a:rPr>
-              <a:t>    [else (... (first </a:t>
-            </a:r>
-            <a:r>
-              <a:rPr lang="en-US" sz="2800" b="1" dirty="0" err="1" smtClean="0">
-                <a:latin typeface="Consolas" pitchFamily="49" charset="0"/>
-                <a:cs typeface="Consolas" pitchFamily="49" charset="0"/>
-              </a:rPr>
-              <a:t>lst</a:t>
-            </a:r>
-            <a:r>
-              <a:rPr lang="en-US" sz="2800" b="1" dirty="0" smtClean="0">
-                <a:latin typeface="Consolas" pitchFamily="49" charset="0"/>
-                <a:cs typeface="Consolas" pitchFamily="49" charset="0"/>
-              </a:rPr>
-              <a:t>)</a:t>
-            </a:r>
-          </a:p>
-          <a:p>
-            <a:pPr>
-              <a:buNone/>
-            </a:pPr>
-            <a:r>
-              <a:rPr lang="en-US" sz="2800" b="1" dirty="0" smtClean="0">
-                <a:latin typeface="Consolas" pitchFamily="49" charset="0"/>
-                <a:cs typeface="Consolas" pitchFamily="49" charset="0"/>
-              </a:rPr>
-              <a:t>               (</a:t>
-            </a:r>
-            <a:r>
-              <a:rPr lang="en-US" sz="2800" b="1" dirty="0" smtClean="0">
-                <a:solidFill>
-                  <a:srgbClr val="FF0000"/>
-                </a:solidFill>
-                <a:latin typeface="Consolas" pitchFamily="49" charset="0"/>
-                <a:cs typeface="Consolas" pitchFamily="49" charset="0"/>
-              </a:rPr>
-              <a:t>list-fn</a:t>
-            </a:r>
-            <a:r>
-              <a:rPr lang="en-US" sz="2800" b="1" dirty="0" smtClean="0">
-                <a:latin typeface="Consolas" pitchFamily="49" charset="0"/>
-                <a:cs typeface="Consolas" pitchFamily="49" charset="0"/>
-              </a:rPr>
-              <a:t> (rest </a:t>
-            </a:r>
-            <a:r>
-              <a:rPr lang="en-US" sz="2800" b="1" dirty="0" err="1" smtClean="0">
-                <a:latin typeface="Consolas" pitchFamily="49" charset="0"/>
-                <a:cs typeface="Consolas" pitchFamily="49" charset="0"/>
-              </a:rPr>
-              <a:t>lst</a:t>
-            </a:r>
-            <a:r>
-              <a:rPr lang="en-US" sz="2800" b="1" dirty="0" smtClean="0">
-                <a:latin typeface="Consolas" pitchFamily="49" charset="0"/>
-                <a:cs typeface="Consolas" pitchFamily="49" charset="0"/>
-              </a:rPr>
-              <a:t>)))]))</a:t>
             </a:r>
             <a:endParaRPr lang="en-US" sz="2800" b="1" dirty="0">
               <a:latin typeface="Consolas" pitchFamily="49" charset="0"/>
               <a:cs typeface="Consolas" pitchFamily="49" charset="0"/>
             </a:endParaRPr>
+          </a:p>
+          <a:p>
+            <a:pPr>
+              <a:buNone/>
+            </a:pPr>
+            <a:r>
+              <a:rPr lang="en-US" sz="2800" b="1" dirty="0">
+                <a:latin typeface="Consolas" pitchFamily="49" charset="0"/>
+                <a:cs typeface="Consolas" pitchFamily="49" charset="0"/>
+              </a:rPr>
+              <a:t>    [(empty? </a:t>
+            </a:r>
+            <a:r>
+              <a:rPr lang="en-US" sz="2800" b="1" dirty="0" err="1">
+                <a:latin typeface="Consolas" pitchFamily="49" charset="0"/>
+                <a:cs typeface="Consolas" pitchFamily="49" charset="0"/>
+              </a:rPr>
+              <a:t>lst</a:t>
+            </a:r>
+            <a:r>
+              <a:rPr lang="en-US" sz="2800" b="1" dirty="0">
+                <a:latin typeface="Consolas" pitchFamily="49" charset="0"/>
+                <a:cs typeface="Consolas" pitchFamily="49" charset="0"/>
+              </a:rPr>
+              <a:t>) ...]</a:t>
+            </a:r>
+          </a:p>
+          <a:p>
+            <a:pPr>
+              <a:buNone/>
+            </a:pPr>
+            <a:r>
+              <a:rPr lang="en-US" sz="2800" b="1" dirty="0">
+                <a:latin typeface="Consolas" pitchFamily="49" charset="0"/>
+                <a:cs typeface="Consolas" pitchFamily="49" charset="0"/>
+              </a:rPr>
+              <a:t>    [else (... (first </a:t>
+            </a:r>
+            <a:r>
+              <a:rPr lang="en-US" sz="2800" b="1" dirty="0" err="1">
+                <a:latin typeface="Consolas" pitchFamily="49" charset="0"/>
+                <a:cs typeface="Consolas" pitchFamily="49" charset="0"/>
+              </a:rPr>
+              <a:t>lst</a:t>
+            </a:r>
+            <a:r>
+              <a:rPr lang="en-US" sz="2800" b="1" dirty="0">
+                <a:latin typeface="Consolas" pitchFamily="49" charset="0"/>
+                <a:cs typeface="Consolas" pitchFamily="49" charset="0"/>
+              </a:rPr>
+              <a:t>)</a:t>
+            </a:r>
+          </a:p>
+          <a:p>
+            <a:pPr>
+              <a:buNone/>
+            </a:pPr>
+            <a:r>
+              <a:rPr lang="en-US" sz="2800" b="1" dirty="0">
+                <a:latin typeface="Consolas" pitchFamily="49" charset="0"/>
+                <a:cs typeface="Consolas" pitchFamily="49" charset="0"/>
+              </a:rPr>
+              <a:t>               (</a:t>
+            </a:r>
+            <a:r>
+              <a:rPr lang="en-US" sz="2800" b="1" dirty="0">
+                <a:solidFill>
+                  <a:srgbClr val="FF0000"/>
+                </a:solidFill>
+                <a:latin typeface="Consolas" pitchFamily="49" charset="0"/>
+                <a:cs typeface="Consolas" pitchFamily="49" charset="0"/>
+              </a:rPr>
+              <a:t>list-fn</a:t>
+            </a:r>
+            <a:r>
+              <a:rPr lang="en-US" sz="2800" b="1" dirty="0">
+                <a:latin typeface="Consolas" pitchFamily="49" charset="0"/>
+                <a:cs typeface="Consolas" pitchFamily="49" charset="0"/>
+              </a:rPr>
+              <a:t> (rest </a:t>
+            </a:r>
+            <a:r>
+              <a:rPr lang="en-US" sz="2800" b="1" dirty="0" err="1">
+                <a:latin typeface="Consolas" pitchFamily="49" charset="0"/>
+                <a:cs typeface="Consolas" pitchFamily="49" charset="0"/>
+              </a:rPr>
+              <a:t>lst</a:t>
+            </a:r>
+            <a:r>
+              <a:rPr lang="en-US" sz="2800" b="1" dirty="0">
+                <a:latin typeface="Consolas" pitchFamily="49" charset="0"/>
+                <a:cs typeface="Consolas" pitchFamily="49" charset="0"/>
+              </a:rPr>
+              <a:t>)))]))</a:t>
+            </a:r>
           </a:p>
         </p:txBody>
       </p:sp>
@@ -5551,7 +5440,7 @@
           <a:p>
             <a:pPr algn="ctr"/>
             <a:r>
-              <a:rPr lang="en-US" sz="2400" dirty="0" smtClean="0">
+              <a:rPr lang="en-US" sz="2400" dirty="0">
                 <a:solidFill>
                   <a:schemeClr val="tx1"/>
                 </a:solidFill>
@@ -5577,16 +5466,12 @@
           <a:lstStyle/>
           <a:p>
             <a:r>
-              <a:rPr lang="en-US" dirty="0" smtClean="0"/>
+              <a:rPr lang="en-US" dirty="0"/>
               <a:t>Template questions for </a:t>
             </a:r>
             <a:r>
-              <a:rPr lang="en-US" dirty="0" err="1" smtClean="0"/>
-              <a:t>ListOf</a:t>
-            </a:r>
-            <a:r>
-              <a:rPr lang="en-US" dirty="0" smtClean="0"/>
-              <a:t>&lt;X&gt;</a:t>
+              <a:rPr lang="en-US" dirty="0" err="1"/>
+              <a:t>ListOfX</a:t>
             </a:r>
             <a:endParaRPr lang="en-US" dirty="0"/>
           </a:p>
@@ -5672,7 +5557,7 @@
             <a:p>
               <a:pPr algn="ctr"/>
               <a:r>
-                <a:rPr lang="en-US" sz="2400" dirty="0" smtClean="0">
+                <a:rPr lang="en-US" sz="2400" dirty="0">
                   <a:solidFill>
                     <a:schemeClr val="tx1"/>
                   </a:solidFill>
@@ -5829,7 +5714,7 @@
             <a:p>
               <a:pPr algn="ctr"/>
               <a:r>
-                <a:rPr lang="en-US" sz="2400" dirty="0" smtClean="0">
+                <a:rPr lang="en-US" sz="2400" dirty="0">
                   <a:solidFill>
                     <a:schemeClr val="tx1"/>
                   </a:solidFill>
@@ -6060,10 +5945,9 @@
           <a:lstStyle/>
           <a:p>
             <a:r>
-              <a:rPr lang="en-US" dirty="0" smtClean="0"/>
+              <a:rPr lang="en-US" dirty="0"/>
               <a:t>Let’s do some examples</a:t>
             </a:r>
-            <a:endParaRPr lang="en-US" dirty="0"/>
           </a:p>
         </p:txBody>
       </p:sp>
@@ -6083,16 +5967,15 @@
           <a:lstStyle/>
           <a:p>
             <a:r>
-              <a:rPr lang="en-US" dirty="0" smtClean="0"/>
+              <a:rPr lang="en-US" dirty="0"/>
               <a:t>We’ll be working with the list template a lot, so let’s do some examples to illustrate how it goes.</a:t>
             </a:r>
           </a:p>
           <a:p>
             <a:r>
-              <a:rPr lang="en-US" dirty="0" smtClean="0"/>
+              <a:rPr lang="en-US" dirty="0"/>
               <a:t>We’ll do 5 examples, starting with one that’s very simple and working up to more complicated ones.</a:t>
             </a:r>
-            <a:endParaRPr lang="en-US" dirty="0"/>
           </a:p>
         </p:txBody>
       </p:sp>
@@ -6130,13 +6013,6 @@
   <p:clrMapOvr>
     <a:masterClrMapping/>
   </p:clrMapOvr>
-  <p:timing>
-    <p:tnLst>
-      <p:par>
-        <p:cTn id="1" dur="indefinite" restart="never" nodeType="tmRoot"/>
-      </p:par>
-    </p:tnLst>
-  </p:timing>
 </p:sld>
 </file>
 
@@ -6173,18 +6049,17 @@
           <a:lstStyle/>
           <a:p>
             <a:r>
-              <a:rPr lang="en-US" dirty="0" smtClean="0"/>
+              <a:rPr lang="en-US" dirty="0"/>
               <a:t>Example 1: </a:t>
             </a:r>
             <a:r>
-              <a:rPr lang="en-US" dirty="0" err="1" smtClean="0"/>
+              <a:rPr lang="en-US" dirty="0" err="1"/>
               <a:t>lon</a:t>
             </a:r>
             <a:r>
-              <a:rPr lang="en-US" dirty="0" smtClean="0"/>
+              <a:rPr lang="en-US" dirty="0"/>
               <a:t>-length</a:t>
             </a:r>
-            <a:endParaRPr lang="en-US" dirty="0"/>
           </a:p>
         </p:txBody>
       </p:sp>
@@ -6209,28 +6084,28 @@
               <a:buNone/>
             </a:pPr>
             <a:r>
-              <a:rPr lang="en-US" sz="2400" b="1" dirty="0" err="1" smtClean="0">
+              <a:rPr lang="en-US" sz="2400" b="1" dirty="0" err="1">
                 <a:latin typeface="Consolas" pitchFamily="49" charset="0"/>
                 <a:cs typeface="Consolas" pitchFamily="49" charset="0"/>
               </a:rPr>
               <a:t>lon</a:t>
             </a:r>
             <a:r>
-              <a:rPr lang="en-US" sz="2400" b="1" dirty="0" smtClean="0">
+              <a:rPr lang="en-US" sz="2400" b="1" dirty="0">
                 <a:latin typeface="Consolas" pitchFamily="49" charset="0"/>
                 <a:cs typeface="Consolas" pitchFamily="49" charset="0"/>
               </a:rPr>
               <a:t>-length : </a:t>
             </a:r>
             <a:r>
-              <a:rPr lang="en-US" sz="2400" b="1" dirty="0" err="1" smtClean="0">
+              <a:rPr lang="en-US" sz="2400" b="1" dirty="0" err="1">
                 <a:latin typeface="Consolas" pitchFamily="49" charset="0"/>
                 <a:cs typeface="Consolas" pitchFamily="49" charset="0"/>
               </a:rPr>
               <a:t>ListOfNumber</a:t>
             </a:r>
             <a:r>
-              <a:rPr lang="en-US" sz="2400" b="1" dirty="0" smtClean="0">
+              <a:rPr lang="en-US" sz="2400" b="1" dirty="0">
                 <a:latin typeface="Consolas" pitchFamily="49" charset="0"/>
                 <a:cs typeface="Consolas" pitchFamily="49" charset="0"/>
               </a:rPr>
@@ -6242,185 +6117,174 @@
               <a:buNone/>
             </a:pPr>
             <a:r>
-              <a:rPr lang="en-US" sz="2400" b="1" dirty="0" smtClean="0">
+              <a:rPr lang="en-US" sz="2400" b="1" dirty="0">
                 <a:latin typeface="Consolas" pitchFamily="49" charset="0"/>
                 <a:cs typeface="Consolas" pitchFamily="49" charset="0"/>
               </a:rPr>
               <a:t>GIVEN: a </a:t>
             </a:r>
             <a:r>
-              <a:rPr lang="en-US" sz="2400" b="1" dirty="0" err="1" smtClean="0">
+              <a:rPr lang="en-US" sz="2400" b="1" dirty="0" err="1">
                 <a:latin typeface="Consolas" pitchFamily="49" charset="0"/>
                 <a:cs typeface="Consolas" pitchFamily="49" charset="0"/>
               </a:rPr>
               <a:t>ListOfNumber</a:t>
-            </a:r>
-            <a:endParaRPr lang="en-US" sz="2400" b="1" dirty="0" smtClean="0">
-              <a:latin typeface="Consolas" pitchFamily="49" charset="0"/>
-              <a:cs typeface="Consolas" pitchFamily="49" charset="0"/>
-            </a:endParaRPr>
-          </a:p>
-          <a:p>
-            <a:pPr>
-              <a:buNone/>
-            </a:pPr>
-            <a:r>
-              <a:rPr lang="en-US" sz="2400" b="1" dirty="0" smtClean="0">
-                <a:latin typeface="Consolas" pitchFamily="49" charset="0"/>
-                <a:cs typeface="Consolas" pitchFamily="49" charset="0"/>
-              </a:rPr>
-              <a:t>RETURNS: its length</a:t>
-            </a:r>
-          </a:p>
-          <a:p>
-            <a:pPr>
-              <a:buNone/>
-            </a:pPr>
-            <a:r>
-              <a:rPr lang="en-US" sz="2400" b="1" dirty="0" smtClean="0">
-                <a:latin typeface="Consolas" pitchFamily="49" charset="0"/>
-                <a:cs typeface="Consolas" pitchFamily="49" charset="0"/>
-              </a:rPr>
-              <a:t>EXAMPLES:</a:t>
-            </a:r>
-          </a:p>
-          <a:p>
-            <a:pPr>
-              <a:buNone/>
-            </a:pPr>
-            <a:r>
-              <a:rPr lang="en-US" sz="2400" b="1" dirty="0" smtClean="0">
-                <a:latin typeface="Consolas" pitchFamily="49" charset="0"/>
-                <a:cs typeface="Consolas" pitchFamily="49" charset="0"/>
-              </a:rPr>
-              <a:t>(</a:t>
-            </a:r>
-            <a:r>
-              <a:rPr lang="en-US" sz="2400" b="1" dirty="0" err="1" smtClean="0">
-                <a:latin typeface="Consolas" pitchFamily="49" charset="0"/>
-                <a:cs typeface="Consolas" pitchFamily="49" charset="0"/>
-              </a:rPr>
-              <a:t>lon</a:t>
-            </a:r>
-            <a:r>
-              <a:rPr lang="en-US" sz="2400" b="1" dirty="0" smtClean="0">
-                <a:latin typeface="Consolas" pitchFamily="49" charset="0"/>
-                <a:cs typeface="Consolas" pitchFamily="49" charset="0"/>
-              </a:rPr>
-              <a:t>-length empty) = 0</a:t>
-            </a:r>
-          </a:p>
-          <a:p>
-            <a:pPr>
-              <a:buNone/>
-            </a:pPr>
-            <a:r>
-              <a:rPr lang="en-US" sz="2400" b="1" dirty="0" smtClean="0">
-                <a:latin typeface="Consolas" pitchFamily="49" charset="0"/>
-                <a:cs typeface="Consolas" pitchFamily="49" charset="0"/>
-              </a:rPr>
-              <a:t>(</a:t>
-            </a:r>
-            <a:r>
-              <a:rPr lang="en-US" sz="2400" b="1" dirty="0" err="1" smtClean="0">
-                <a:latin typeface="Consolas" pitchFamily="49" charset="0"/>
-                <a:cs typeface="Consolas" pitchFamily="49" charset="0"/>
-              </a:rPr>
-              <a:t>lon</a:t>
-            </a:r>
-            <a:r>
-              <a:rPr lang="en-US" sz="2400" b="1" dirty="0" smtClean="0">
-                <a:latin typeface="Consolas" pitchFamily="49" charset="0"/>
-                <a:cs typeface="Consolas" pitchFamily="49" charset="0"/>
-              </a:rPr>
-              <a:t>-length (cons 11 empty)) = 1</a:t>
-            </a:r>
-          </a:p>
-          <a:p>
-            <a:pPr>
-              <a:buNone/>
-            </a:pPr>
-            <a:r>
-              <a:rPr lang="en-US" sz="2400" b="1" dirty="0" smtClean="0">
-                <a:latin typeface="Consolas" pitchFamily="49" charset="0"/>
-                <a:cs typeface="Consolas" pitchFamily="49" charset="0"/>
-              </a:rPr>
-              <a:t>(</a:t>
-            </a:r>
-            <a:r>
-              <a:rPr lang="en-US" sz="2400" b="1" dirty="0" err="1" smtClean="0">
-                <a:latin typeface="Consolas" pitchFamily="49" charset="0"/>
-                <a:cs typeface="Consolas" pitchFamily="49" charset="0"/>
-              </a:rPr>
-              <a:t>lon</a:t>
-            </a:r>
-            <a:r>
-              <a:rPr lang="en-US" sz="2400" b="1" dirty="0" smtClean="0">
-                <a:latin typeface="Consolas" pitchFamily="49" charset="0"/>
-                <a:cs typeface="Consolas" pitchFamily="49" charset="0"/>
-              </a:rPr>
-              <a:t>-length (cons 33 (cons 11 empty))) = 2</a:t>
-            </a:r>
-          </a:p>
-          <a:p>
-            <a:pPr>
-              <a:buNone/>
-            </a:pPr>
-            <a:r>
-              <a:rPr lang="en-US" sz="2400" b="1" dirty="0" smtClean="0">
-                <a:latin typeface="Consolas" pitchFamily="49" charset="0"/>
-                <a:cs typeface="Consolas" pitchFamily="49" charset="0"/>
-              </a:rPr>
-              <a:t>STRATEGY: Use template for </a:t>
-            </a:r>
-            <a:r>
-              <a:rPr lang="en-US" sz="2400" b="1" dirty="0" err="1" smtClean="0">
-                <a:latin typeface="Consolas" pitchFamily="49" charset="0"/>
-                <a:cs typeface="Consolas" pitchFamily="49" charset="0"/>
-              </a:rPr>
-              <a:t>ListOfNumber</a:t>
-            </a:r>
-            <a:r>
-              <a:rPr lang="en-US" sz="2400" b="1" dirty="0" smtClean="0">
-                <a:latin typeface="Consolas" pitchFamily="49" charset="0"/>
-                <a:cs typeface="Consolas" pitchFamily="49" charset="0"/>
-              </a:rPr>
-              <a:t> on </a:t>
-            </a:r>
-            <a:r>
-              <a:rPr lang="en-US" sz="2400" b="1" dirty="0" err="1" smtClean="0">
-                <a:latin typeface="Consolas" pitchFamily="49" charset="0"/>
-                <a:cs typeface="Consolas" pitchFamily="49" charset="0"/>
-              </a:rPr>
-              <a:t>lst</a:t>
-            </a:r>
-            <a:endParaRPr lang="en-US" sz="2400" b="1" dirty="0" smtClean="0">
-              <a:latin typeface="Consolas" pitchFamily="49" charset="0"/>
-              <a:cs typeface="Consolas" pitchFamily="49" charset="0"/>
-            </a:endParaRPr>
-          </a:p>
-          <a:p>
-            <a:pPr>
-              <a:buNone/>
-            </a:pPr>
-            <a:r>
-              <a:rPr lang="en-US" sz="2400" b="1" dirty="0">
-                <a:latin typeface="Consolas" pitchFamily="49" charset="0"/>
-                <a:cs typeface="Consolas" pitchFamily="49" charset="0"/>
-              </a:rPr>
-              <a:t> </a:t>
-            </a:r>
-            <a:r>
-              <a:rPr lang="en-US" sz="2400" b="1" dirty="0" smtClean="0">
-                <a:latin typeface="Consolas" pitchFamily="49" charset="0"/>
-                <a:cs typeface="Consolas" pitchFamily="49" charset="0"/>
-              </a:rPr>
-              <a:t> </a:t>
             </a:r>
             <a:endParaRPr lang="en-US" sz="2400" b="1" dirty="0">
               <a:latin typeface="Consolas" pitchFamily="49" charset="0"/>
               <a:cs typeface="Consolas" pitchFamily="49" charset="0"/>
             </a:endParaRPr>
+          </a:p>
+          <a:p>
+            <a:pPr>
+              <a:buNone/>
+            </a:pPr>
+            <a:r>
+              <a:rPr lang="en-US" sz="2400" b="1" dirty="0">
+                <a:latin typeface="Consolas" pitchFamily="49" charset="0"/>
+                <a:cs typeface="Consolas" pitchFamily="49" charset="0"/>
+              </a:rPr>
+              <a:t>RETURNS: its length</a:t>
+            </a:r>
+          </a:p>
+          <a:p>
+            <a:pPr>
+              <a:buNone/>
+            </a:pPr>
+            <a:r>
+              <a:rPr lang="en-US" sz="2400" b="1" dirty="0">
+                <a:latin typeface="Consolas" pitchFamily="49" charset="0"/>
+                <a:cs typeface="Consolas" pitchFamily="49" charset="0"/>
+              </a:rPr>
+              <a:t>EXAMPLES:</a:t>
+            </a:r>
+          </a:p>
+          <a:p>
+            <a:pPr>
+              <a:buNone/>
+            </a:pPr>
+            <a:r>
+              <a:rPr lang="en-US" sz="2400" b="1" dirty="0">
+                <a:latin typeface="Consolas" pitchFamily="49" charset="0"/>
+                <a:cs typeface="Consolas" pitchFamily="49" charset="0"/>
+              </a:rPr>
+              <a:t>(</a:t>
+            </a:r>
+            <a:r>
+              <a:rPr lang="en-US" sz="2400" b="1" dirty="0" err="1">
+                <a:latin typeface="Consolas" pitchFamily="49" charset="0"/>
+                <a:cs typeface="Consolas" pitchFamily="49" charset="0"/>
+              </a:rPr>
+              <a:t>lon</a:t>
+            </a:r>
+            <a:r>
+              <a:rPr lang="en-US" sz="2400" b="1" dirty="0">
+                <a:latin typeface="Consolas" pitchFamily="49" charset="0"/>
+                <a:cs typeface="Consolas" pitchFamily="49" charset="0"/>
+              </a:rPr>
+              <a:t>-length empty) = 0</a:t>
+            </a:r>
+          </a:p>
+          <a:p>
+            <a:pPr>
+              <a:buNone/>
+            </a:pPr>
+            <a:r>
+              <a:rPr lang="en-US" sz="2400" b="1" dirty="0">
+                <a:latin typeface="Consolas" pitchFamily="49" charset="0"/>
+                <a:cs typeface="Consolas" pitchFamily="49" charset="0"/>
+              </a:rPr>
+              <a:t>(</a:t>
+            </a:r>
+            <a:r>
+              <a:rPr lang="en-US" sz="2400" b="1" dirty="0" err="1">
+                <a:latin typeface="Consolas" pitchFamily="49" charset="0"/>
+                <a:cs typeface="Consolas" pitchFamily="49" charset="0"/>
+              </a:rPr>
+              <a:t>lon</a:t>
+            </a:r>
+            <a:r>
+              <a:rPr lang="en-US" sz="2400" b="1" dirty="0">
+                <a:latin typeface="Consolas" pitchFamily="49" charset="0"/>
+                <a:cs typeface="Consolas" pitchFamily="49" charset="0"/>
+              </a:rPr>
+              <a:t>-length (cons 11 empty)) = 1</a:t>
+            </a:r>
+          </a:p>
+          <a:p>
+            <a:pPr>
+              <a:buNone/>
+            </a:pPr>
+            <a:r>
+              <a:rPr lang="en-US" sz="2400" b="1" dirty="0">
+                <a:latin typeface="Consolas" pitchFamily="49" charset="0"/>
+                <a:cs typeface="Consolas" pitchFamily="49" charset="0"/>
+              </a:rPr>
+              <a:t>(</a:t>
+            </a:r>
+            <a:r>
+              <a:rPr lang="en-US" sz="2400" b="1" dirty="0" err="1">
+                <a:latin typeface="Consolas" pitchFamily="49" charset="0"/>
+                <a:cs typeface="Consolas" pitchFamily="49" charset="0"/>
+              </a:rPr>
+              <a:t>lon</a:t>
+            </a:r>
+            <a:r>
+              <a:rPr lang="en-US" sz="2400" b="1" dirty="0">
+                <a:latin typeface="Consolas" pitchFamily="49" charset="0"/>
+                <a:cs typeface="Consolas" pitchFamily="49" charset="0"/>
+              </a:rPr>
+              <a:t>-length (cons 33 (cons 11 empty))) = 2</a:t>
+            </a:r>
+          </a:p>
+          <a:p>
+            <a:pPr>
+              <a:buNone/>
+            </a:pPr>
+            <a:r>
+              <a:rPr lang="en-US" sz="2400" b="1" dirty="0">
+                <a:latin typeface="Consolas" pitchFamily="49" charset="0"/>
+                <a:cs typeface="Consolas" pitchFamily="49" charset="0"/>
+              </a:rPr>
+              <a:t>STRATEGY: Use template for </a:t>
+            </a:r>
+            <a:r>
+              <a:rPr lang="en-US" sz="2400" b="1" dirty="0" err="1">
+                <a:latin typeface="Consolas" pitchFamily="49" charset="0"/>
+                <a:cs typeface="Consolas" pitchFamily="49" charset="0"/>
+              </a:rPr>
+              <a:t>ListOfNumber</a:t>
+            </a:r>
+            <a:r>
+              <a:rPr lang="en-US" sz="2400" b="1" dirty="0">
+                <a:latin typeface="Consolas" pitchFamily="49" charset="0"/>
+                <a:cs typeface="Consolas" pitchFamily="49" charset="0"/>
+              </a:rPr>
+              <a:t> on </a:t>
+            </a:r>
+            <a:r>
+              <a:rPr lang="en-US" sz="2400" b="1" dirty="0" err="1">
+                <a:latin typeface="Consolas" pitchFamily="49" charset="0"/>
+                <a:cs typeface="Consolas" pitchFamily="49" charset="0"/>
+              </a:rPr>
+              <a:t>lst</a:t>
+            </a:r>
+            <a:endParaRPr lang="en-US" sz="2400" b="1" dirty="0">
+              <a:latin typeface="Consolas" pitchFamily="49" charset="0"/>
+              <a:cs typeface="Consolas" pitchFamily="49" charset="0"/>
+            </a:endParaRPr>
+          </a:p>
+          <a:p>
+            <a:pPr>
+              <a:buNone/>
+            </a:pPr>
+            <a:r>
+              <a:rPr lang="en-US" sz="2400" b="1" dirty="0">
+                <a:latin typeface="Consolas" pitchFamily="49" charset="0"/>
+                <a:cs typeface="Consolas" pitchFamily="49" charset="0"/>
+              </a:rPr>
+              <a:t>  </a:t>
+            </a:r>
           </a:p>
         </p:txBody>
       </p:sp>
@@ -6458,13 +6322,6 @@
   <p:clrMapOvr>
     <a:masterClrMapping/>
   </p:clrMapOvr>
-  <p:timing>
-    <p:tnLst>
-      <p:par>
-        <p:cTn id="1" dur="indefinite" restart="never" nodeType="tmRoot"/>
-      </p:par>
-    </p:tnLst>
-  </p:timing>
 </p:sld>
 </file>
 
@@ -6501,18 +6358,17 @@
           <a:lstStyle/>
           <a:p>
             <a:r>
-              <a:rPr lang="en-US" dirty="0" smtClean="0"/>
+              <a:rPr lang="en-US" dirty="0"/>
               <a:t>Example 1: </a:t>
             </a:r>
             <a:r>
-              <a:rPr lang="en-US" dirty="0" err="1" smtClean="0"/>
+              <a:rPr lang="en-US" dirty="0" err="1"/>
               <a:t>lon</a:t>
             </a:r>
             <a:r>
-              <a:rPr lang="en-US" dirty="0" smtClean="0"/>
+              <a:rPr lang="en-US" dirty="0"/>
               <a:t>-length</a:t>
             </a:r>
-            <a:endParaRPr lang="en-US" dirty="0"/>
           </a:p>
         </p:txBody>
       </p:sp>
@@ -6537,14 +6393,14 @@
               <a:buNone/>
             </a:pPr>
             <a:r>
-              <a:rPr lang="en-US" sz="2000" b="1" dirty="0" err="1" smtClean="0">
+              <a:rPr lang="en-US" sz="2000" b="1" dirty="0" err="1">
                 <a:latin typeface="Consolas" pitchFamily="49" charset="0"/>
                 <a:cs typeface="Consolas" pitchFamily="49" charset="0"/>
               </a:rPr>
               <a:t>lon</a:t>
             </a:r>
             <a:r>
-              <a:rPr lang="en-US" sz="2000" b="1" dirty="0" smtClean="0">
+              <a:rPr lang="en-US" sz="2000" b="1" dirty="0">
                 <a:latin typeface="Consolas" pitchFamily="49" charset="0"/>
                 <a:cs typeface="Consolas" pitchFamily="49" charset="0"/>
               </a:rPr>
@@ -6556,7 +6412,7 @@
               <a:buNone/>
             </a:pPr>
             <a:r>
-              <a:rPr lang="en-US" sz="2000" b="1" dirty="0" smtClean="0">
+              <a:rPr lang="en-US" sz="2000" b="1" dirty="0">
                 <a:latin typeface="Consolas" pitchFamily="49" charset="0"/>
                 <a:cs typeface="Consolas" pitchFamily="49" charset="0"/>
               </a:rPr>
@@ -6568,35 +6424,35 @@
               <a:buNone/>
             </a:pPr>
             <a:r>
-              <a:rPr lang="en-US" sz="2000" b="1" dirty="0" smtClean="0">
+              <a:rPr lang="en-US" sz="2000" b="1" dirty="0">
                 <a:latin typeface="Consolas" pitchFamily="49" charset="0"/>
                 <a:cs typeface="Consolas" pitchFamily="49" charset="0"/>
               </a:rPr>
               <a:t>(define (</a:t>
             </a:r>
             <a:r>
-              <a:rPr lang="en-US" sz="2000" b="1" dirty="0" err="1" smtClean="0">
+              <a:rPr lang="en-US" sz="2000" b="1" dirty="0" err="1">
                 <a:latin typeface="Consolas" pitchFamily="49" charset="0"/>
                 <a:cs typeface="Consolas" pitchFamily="49" charset="0"/>
               </a:rPr>
               <a:t>lon</a:t>
             </a:r>
             <a:r>
-              <a:rPr lang="en-US" sz="2000" b="1" dirty="0" smtClean="0">
+              <a:rPr lang="en-US" sz="2000" b="1" dirty="0">
                 <a:latin typeface="Consolas" pitchFamily="49" charset="0"/>
                 <a:cs typeface="Consolas" pitchFamily="49" charset="0"/>
               </a:rPr>
               <a:t>-length </a:t>
             </a:r>
             <a:r>
-              <a:rPr lang="en-US" sz="2000" b="1" dirty="0" err="1" smtClean="0">
+              <a:rPr lang="en-US" sz="2000" b="1" dirty="0" err="1">
                 <a:latin typeface="Consolas" pitchFamily="49" charset="0"/>
                 <a:cs typeface="Consolas" pitchFamily="49" charset="0"/>
               </a:rPr>
               <a:t>lst</a:t>
             </a:r>
             <a:r>
-              <a:rPr lang="en-US" sz="2000" b="1" dirty="0" smtClean="0">
+              <a:rPr lang="en-US" sz="2000" b="1" dirty="0">
                 <a:latin typeface="Consolas" pitchFamily="49" charset="0"/>
                 <a:cs typeface="Consolas" pitchFamily="49" charset="0"/>
               </a:rPr>
@@ -6608,20 +6464,20 @@
               <a:buNone/>
             </a:pPr>
             <a:r>
-              <a:rPr lang="en-US" sz="2000" b="1" dirty="0" smtClean="0">
+              <a:rPr lang="en-US" sz="2000" b="1" dirty="0">
                 <a:latin typeface="Consolas" pitchFamily="49" charset="0"/>
                 <a:cs typeface="Consolas" pitchFamily="49" charset="0"/>
               </a:rPr>
               <a:t>  (</a:t>
             </a:r>
             <a:r>
-              <a:rPr lang="en-US" sz="2000" b="1" dirty="0" err="1" smtClean="0">
+              <a:rPr lang="en-US" sz="2000" b="1" dirty="0" err="1">
                 <a:latin typeface="Consolas" pitchFamily="49" charset="0"/>
                 <a:cs typeface="Consolas" pitchFamily="49" charset="0"/>
               </a:rPr>
               <a:t>cond</a:t>
             </a:r>
-            <a:endParaRPr lang="en-US" sz="2000" b="1" dirty="0" smtClean="0">
+            <a:endParaRPr lang="en-US" sz="2000" b="1" dirty="0">
               <a:latin typeface="Consolas" pitchFamily="49" charset="0"/>
               <a:cs typeface="Consolas" pitchFamily="49" charset="0"/>
             </a:endParaRPr>
@@ -6631,21 +6487,21 @@
               <a:buNone/>
             </a:pPr>
             <a:r>
-              <a:rPr lang="en-US" sz="2000" b="1" dirty="0" smtClean="0">
+              <a:rPr lang="en-US" sz="2000" b="1" dirty="0">
                 <a:latin typeface="Consolas" pitchFamily="49" charset="0"/>
                 <a:cs typeface="Consolas" pitchFamily="49" charset="0"/>
               </a:rPr>
               <a:t>    [(empty? </a:t>
             </a:r>
             <a:r>
-              <a:rPr lang="en-US" sz="2000" b="1" dirty="0" err="1" smtClean="0">
+              <a:rPr lang="en-US" sz="2000" b="1" dirty="0" err="1">
                 <a:latin typeface="Consolas" pitchFamily="49" charset="0"/>
                 <a:cs typeface="Consolas" pitchFamily="49" charset="0"/>
               </a:rPr>
               <a:t>lst</a:t>
             </a:r>
             <a:r>
-              <a:rPr lang="en-US" sz="2000" b="1" dirty="0" smtClean="0">
+              <a:rPr lang="en-US" sz="2000" b="1" dirty="0">
                 <a:latin typeface="Consolas" pitchFamily="49" charset="0"/>
                 <a:cs typeface="Consolas" pitchFamily="49" charset="0"/>
               </a:rPr>
@@ -6657,21 +6513,21 @@
               <a:buNone/>
             </a:pPr>
             <a:r>
-              <a:rPr lang="en-US" sz="2000" b="1" dirty="0" smtClean="0">
+              <a:rPr lang="en-US" sz="2000" b="1" dirty="0">
                 <a:latin typeface="Consolas" pitchFamily="49" charset="0"/>
                 <a:cs typeface="Consolas" pitchFamily="49" charset="0"/>
               </a:rPr>
               <a:t>    [else (... (first </a:t>
             </a:r>
             <a:r>
-              <a:rPr lang="en-US" sz="2000" b="1" dirty="0" err="1" smtClean="0">
+              <a:rPr lang="en-US" sz="2000" b="1" dirty="0" err="1">
                 <a:latin typeface="Consolas" pitchFamily="49" charset="0"/>
                 <a:cs typeface="Consolas" pitchFamily="49" charset="0"/>
               </a:rPr>
               <a:t>lst</a:t>
             </a:r>
             <a:r>
-              <a:rPr lang="en-US" sz="2000" b="1" dirty="0" smtClean="0">
+              <a:rPr lang="en-US" sz="2000" b="1" dirty="0">
                 <a:latin typeface="Consolas" pitchFamily="49" charset="0"/>
                 <a:cs typeface="Consolas" pitchFamily="49" charset="0"/>
               </a:rPr>
@@ -6683,35 +6539,35 @@
               <a:buNone/>
             </a:pPr>
             <a:r>
-              <a:rPr lang="en-US" sz="2000" b="1" dirty="0" smtClean="0">
+              <a:rPr lang="en-US" sz="2000" b="1" dirty="0">
                 <a:latin typeface="Consolas" pitchFamily="49" charset="0"/>
                 <a:cs typeface="Consolas" pitchFamily="49" charset="0"/>
               </a:rPr>
               <a:t>               (</a:t>
             </a:r>
             <a:r>
-              <a:rPr lang="en-US" sz="2000" b="1" dirty="0" err="1" smtClean="0">
+              <a:rPr lang="en-US" sz="2000" b="1" dirty="0" err="1">
                 <a:latin typeface="Consolas" pitchFamily="49" charset="0"/>
                 <a:cs typeface="Consolas" pitchFamily="49" charset="0"/>
               </a:rPr>
               <a:t>lon</a:t>
             </a:r>
             <a:r>
-              <a:rPr lang="en-US" sz="2000" b="1" dirty="0" smtClean="0">
+              <a:rPr lang="en-US" sz="2000" b="1" dirty="0">
                 <a:latin typeface="Consolas" pitchFamily="49" charset="0"/>
                 <a:cs typeface="Consolas" pitchFamily="49" charset="0"/>
               </a:rPr>
               <a:t>-length (rest </a:t>
             </a:r>
             <a:r>
-              <a:rPr lang="en-US" sz="2000" b="1" dirty="0" err="1" smtClean="0">
+              <a:rPr lang="en-US" sz="2000" b="1" dirty="0" err="1">
                 <a:latin typeface="Consolas" pitchFamily="49" charset="0"/>
                 <a:cs typeface="Consolas" pitchFamily="49" charset="0"/>
               </a:rPr>
               <a:t>lst</a:t>
             </a:r>
             <a:r>
-              <a:rPr lang="en-US" sz="2000" b="1" dirty="0" smtClean="0">
+              <a:rPr lang="en-US" sz="2000" b="1" dirty="0">
                 <a:latin typeface="Consolas" pitchFamily="49" charset="0"/>
                 <a:cs typeface="Consolas" pitchFamily="49" charset="0"/>
               </a:rPr>
@@ -6722,7 +6578,7 @@
             <a:pPr>
               <a:buNone/>
             </a:pPr>
-            <a:endParaRPr lang="en-US" sz="2000" b="1" dirty="0" smtClean="0">
+            <a:endParaRPr lang="en-US" sz="2000" b="1" dirty="0">
               <a:latin typeface="Courier New" pitchFamily="49" charset="0"/>
               <a:cs typeface="Courier New" pitchFamily="49" charset="0"/>
             </a:endParaRPr>
@@ -6800,7 +6656,7 @@
           <a:p>
             <a:pPr algn="ctr"/>
             <a:r>
-              <a:rPr lang="en-US" sz="2000" dirty="0" smtClean="0">
+              <a:rPr lang="en-US" sz="2000" dirty="0">
                 <a:solidFill>
                   <a:schemeClr val="tx1"/>
                 </a:solidFill>
@@ -6808,7 +6664,7 @@
               <a:t>We start by copying the template and changing  list-</a:t>
             </a:r>
             <a:r>
-              <a:rPr lang="en-US" sz="2000" dirty="0" err="1" smtClean="0">
+              <a:rPr lang="en-US" sz="2000" dirty="0" err="1">
                 <a:solidFill>
                   <a:schemeClr val="tx1"/>
                 </a:solidFill>
@@ -6816,7 +6672,7 @@
               <a:t>fn</a:t>
             </a:r>
             <a:r>
-              <a:rPr lang="en-US" sz="2000" dirty="0" smtClean="0">
+              <a:rPr lang="en-US" sz="2000" dirty="0">
                 <a:solidFill>
                   <a:schemeClr val="tx1"/>
                 </a:solidFill>
@@ -6824,7 +6680,7 @@
               <a:t> to </a:t>
             </a:r>
             <a:r>
-              <a:rPr lang="en-US" sz="2000" dirty="0" err="1" smtClean="0">
+              <a:rPr lang="en-US" sz="2000" dirty="0" err="1">
                 <a:solidFill>
                   <a:schemeClr val="tx1"/>
                 </a:solidFill>
@@ -6832,7 +6688,7 @@
               <a:t>lon</a:t>
             </a:r>
             <a:r>
-              <a:rPr lang="en-US" sz="2000" dirty="0" smtClean="0">
+              <a:rPr lang="en-US" sz="2000" dirty="0">
                 <a:solidFill>
                   <a:schemeClr val="tx1"/>
                 </a:solidFill>
@@ -6852,13 +6708,6 @@
   <p:clrMapOvr>
     <a:masterClrMapping/>
   </p:clrMapOvr>
-  <p:timing>
-    <p:tnLst>
-      <p:par>
-        <p:cTn id="1" dur="indefinite" restart="never" nodeType="tmRoot"/>
-      </p:par>
-    </p:tnLst>
-  </p:timing>
 </p:sld>
 </file>
 
@@ -6895,22 +6744,17 @@
           <a:lstStyle/>
           <a:p>
             <a:r>
-              <a:rPr lang="en-US" dirty="0" smtClean="0"/>
+              <a:rPr lang="en-US" dirty="0"/>
               <a:t>Example 1: </a:t>
             </a:r>
             <a:r>
-              <a:rPr lang="en-US" dirty="0" err="1" smtClean="0"/>
+              <a:rPr lang="en-US" dirty="0" err="1"/>
               <a:t>lon</a:t>
             </a:r>
             <a:r>
               <a:rPr lang="en-US" dirty="0"/>
-              <a:t>-</a:t>
-            </a:r>
-            <a:r>
-              <a:rPr lang="en-US" dirty="0" smtClean="0"/>
-              <a:t>length</a:t>
-            </a:r>
-            <a:endParaRPr lang="en-US" dirty="0"/>
+              <a:t>-length</a:t>
+            </a:r>
           </a:p>
         </p:txBody>
       </p:sp>
@@ -6935,14 +6779,14 @@
               <a:buNone/>
             </a:pPr>
             <a:r>
-              <a:rPr lang="en-US" sz="2000" b="1" dirty="0" err="1" smtClean="0">
+              <a:rPr lang="en-US" sz="2000" b="1" dirty="0" err="1">
                 <a:latin typeface="Consolas" pitchFamily="49" charset="0"/>
                 <a:cs typeface="Consolas" pitchFamily="49" charset="0"/>
               </a:rPr>
               <a:t>lon</a:t>
             </a:r>
             <a:r>
-              <a:rPr lang="en-US" sz="2000" b="1" dirty="0" smtClean="0">
+              <a:rPr lang="en-US" sz="2000" b="1" dirty="0">
                 <a:latin typeface="Consolas" pitchFamily="49" charset="0"/>
                 <a:cs typeface="Consolas" pitchFamily="49" charset="0"/>
               </a:rPr>
@@ -6954,7 +6798,7 @@
               <a:buNone/>
             </a:pPr>
             <a:r>
-              <a:rPr lang="en-US" sz="2000" b="1" dirty="0" smtClean="0">
+              <a:rPr lang="en-US" sz="2000" b="1" dirty="0">
                 <a:latin typeface="Consolas" pitchFamily="49" charset="0"/>
                 <a:cs typeface="Consolas" pitchFamily="49" charset="0"/>
               </a:rPr>
@@ -6966,35 +6810,35 @@
               <a:buNone/>
             </a:pPr>
             <a:r>
-              <a:rPr lang="en-US" sz="2000" b="1" dirty="0" smtClean="0">
+              <a:rPr lang="en-US" sz="2000" b="1" dirty="0">
                 <a:latin typeface="Consolas" pitchFamily="49" charset="0"/>
                 <a:cs typeface="Consolas" pitchFamily="49" charset="0"/>
               </a:rPr>
               <a:t>(define (</a:t>
             </a:r>
             <a:r>
-              <a:rPr lang="en-US" sz="2000" b="1" dirty="0" err="1" smtClean="0">
+              <a:rPr lang="en-US" sz="2000" b="1" dirty="0" err="1">
                 <a:latin typeface="Consolas" pitchFamily="49" charset="0"/>
                 <a:cs typeface="Consolas" pitchFamily="49" charset="0"/>
               </a:rPr>
               <a:t>lon</a:t>
             </a:r>
             <a:r>
-              <a:rPr lang="en-US" sz="2000" b="1" dirty="0" smtClean="0">
+              <a:rPr lang="en-US" sz="2000" b="1" dirty="0">
                 <a:latin typeface="Consolas" pitchFamily="49" charset="0"/>
                 <a:cs typeface="Consolas" pitchFamily="49" charset="0"/>
               </a:rPr>
               <a:t>-length </a:t>
             </a:r>
             <a:r>
-              <a:rPr lang="en-US" sz="2000" b="1" dirty="0" err="1" smtClean="0">
+              <a:rPr lang="en-US" sz="2000" b="1" dirty="0" err="1">
                 <a:latin typeface="Consolas" pitchFamily="49" charset="0"/>
                 <a:cs typeface="Consolas" pitchFamily="49" charset="0"/>
               </a:rPr>
               <a:t>lst</a:t>
             </a:r>
             <a:r>
-              <a:rPr lang="en-US" sz="2000" b="1" dirty="0" smtClean="0">
+              <a:rPr lang="en-US" sz="2000" b="1" dirty="0">
                 <a:latin typeface="Consolas" pitchFamily="49" charset="0"/>
                 <a:cs typeface="Consolas" pitchFamily="49" charset="0"/>
               </a:rPr>
@@ -7006,20 +6850,20 @@
               <a:buNone/>
             </a:pPr>
             <a:r>
-              <a:rPr lang="en-US" sz="2000" b="1" dirty="0" smtClean="0">
+              <a:rPr lang="en-US" sz="2000" b="1" dirty="0">
                 <a:latin typeface="Consolas" pitchFamily="49" charset="0"/>
                 <a:cs typeface="Consolas" pitchFamily="49" charset="0"/>
               </a:rPr>
               <a:t>  (</a:t>
             </a:r>
             <a:r>
-              <a:rPr lang="en-US" sz="2000" b="1" dirty="0" err="1" smtClean="0">
+              <a:rPr lang="en-US" sz="2000" b="1" dirty="0" err="1">
                 <a:latin typeface="Consolas" pitchFamily="49" charset="0"/>
                 <a:cs typeface="Consolas" pitchFamily="49" charset="0"/>
               </a:rPr>
               <a:t>cond</a:t>
             </a:r>
-            <a:endParaRPr lang="en-US" sz="2000" b="1" dirty="0" smtClean="0">
+            <a:endParaRPr lang="en-US" sz="2000" b="1" dirty="0">
               <a:latin typeface="Consolas" pitchFamily="49" charset="0"/>
               <a:cs typeface="Consolas" pitchFamily="49" charset="0"/>
             </a:endParaRPr>
@@ -7029,28 +6873,28 @@
               <a:buNone/>
             </a:pPr>
             <a:r>
-              <a:rPr lang="en-US" sz="2000" b="1" dirty="0" smtClean="0">
+              <a:rPr lang="en-US" sz="2000" b="1" dirty="0">
                 <a:latin typeface="Consolas" pitchFamily="49" charset="0"/>
                 <a:cs typeface="Consolas" pitchFamily="49" charset="0"/>
               </a:rPr>
               <a:t>    [(empty? </a:t>
             </a:r>
             <a:r>
-              <a:rPr lang="en-US" sz="2000" b="1" dirty="0" err="1" smtClean="0">
+              <a:rPr lang="en-US" sz="2000" b="1" dirty="0" err="1">
                 <a:latin typeface="Consolas" pitchFamily="49" charset="0"/>
                 <a:cs typeface="Consolas" pitchFamily="49" charset="0"/>
               </a:rPr>
               <a:t>lst</a:t>
             </a:r>
             <a:r>
-              <a:rPr lang="en-US" sz="2000" b="1" dirty="0" smtClean="0">
+              <a:rPr lang="en-US" sz="2000" b="1" dirty="0">
                 <a:latin typeface="Consolas" pitchFamily="49" charset="0"/>
                 <a:cs typeface="Consolas" pitchFamily="49" charset="0"/>
               </a:rPr>
               <a:t>) </a:t>
             </a:r>
             <a:r>
-              <a:rPr lang="en-US" sz="2000" b="1" dirty="0" smtClean="0">
+              <a:rPr lang="en-US" sz="2000" b="1" dirty="0">
                 <a:solidFill>
                   <a:srgbClr val="FF0000"/>
                 </a:solidFill>
@@ -7060,7 +6904,7 @@
               <a:t>0</a:t>
             </a:r>
             <a:r>
-              <a:rPr lang="en-US" sz="2000" b="1" dirty="0" smtClean="0">
+              <a:rPr lang="en-US" sz="2000" b="1" dirty="0">
                 <a:latin typeface="Consolas" pitchFamily="49" charset="0"/>
                 <a:cs typeface="Consolas" pitchFamily="49" charset="0"/>
               </a:rPr>
@@ -7072,14 +6916,14 @@
               <a:buNone/>
             </a:pPr>
             <a:r>
-              <a:rPr lang="en-US" sz="2000" b="1" dirty="0" smtClean="0">
+              <a:rPr lang="en-US" sz="2000" b="1" dirty="0">
                 <a:latin typeface="Consolas" pitchFamily="49" charset="0"/>
                 <a:cs typeface="Consolas" pitchFamily="49" charset="0"/>
               </a:rPr>
               <a:t>    [else (</a:t>
             </a:r>
             <a:r>
-              <a:rPr lang="en-US" sz="2000" b="1" dirty="0" smtClean="0">
+              <a:rPr lang="en-US" sz="2000" b="1" dirty="0">
                 <a:solidFill>
                   <a:srgbClr val="FF0000"/>
                 </a:solidFill>
@@ -7089,7 +6933,7 @@
               <a:t>+ 1 </a:t>
             </a:r>
             <a:r>
-              <a:rPr lang="en-US" sz="2000" b="1" strike="sngStrike" dirty="0" smtClean="0">
+              <a:rPr lang="en-US" sz="2000" b="1" strike="sngStrike" dirty="0">
                 <a:solidFill>
                   <a:schemeClr val="bg1">
                     <a:lumMod val="65000"/>
@@ -7101,7 +6945,7 @@
               <a:t>(first </a:t>
             </a:r>
             <a:r>
-              <a:rPr lang="en-US" sz="2000" b="1" strike="sngStrike" dirty="0" err="1" smtClean="0">
+              <a:rPr lang="en-US" sz="2000" b="1" strike="sngStrike" dirty="0" err="1">
                 <a:solidFill>
                   <a:schemeClr val="bg1">
                     <a:lumMod val="65000"/>
@@ -7113,7 +6957,7 @@
               <a:t>lst</a:t>
             </a:r>
             <a:r>
-              <a:rPr lang="en-US" sz="2000" b="1" strike="sngStrike" dirty="0" smtClean="0">
+              <a:rPr lang="en-US" sz="2000" b="1" strike="sngStrike" dirty="0">
                 <a:solidFill>
                   <a:schemeClr val="bg1">
                     <a:lumMod val="65000"/>
@@ -7130,35 +6974,35 @@
               <a:buNone/>
             </a:pPr>
             <a:r>
-              <a:rPr lang="en-US" sz="2000" b="1" dirty="0" smtClean="0">
+              <a:rPr lang="en-US" sz="2000" b="1" dirty="0">
                 <a:latin typeface="Consolas" pitchFamily="49" charset="0"/>
                 <a:cs typeface="Consolas" pitchFamily="49" charset="0"/>
               </a:rPr>
               <a:t>               (</a:t>
             </a:r>
             <a:r>
-              <a:rPr lang="en-US" sz="2000" b="1" dirty="0" err="1" smtClean="0">
+              <a:rPr lang="en-US" sz="2000" b="1" dirty="0" err="1">
                 <a:latin typeface="Consolas" pitchFamily="49" charset="0"/>
                 <a:cs typeface="Consolas" pitchFamily="49" charset="0"/>
               </a:rPr>
               <a:t>lon</a:t>
             </a:r>
             <a:r>
-              <a:rPr lang="en-US" sz="2000" b="1" dirty="0" smtClean="0">
+              <a:rPr lang="en-US" sz="2000" b="1" dirty="0">
                 <a:latin typeface="Consolas" pitchFamily="49" charset="0"/>
                 <a:cs typeface="Consolas" pitchFamily="49" charset="0"/>
               </a:rPr>
               <a:t>-length (rest </a:t>
             </a:r>
             <a:r>
-              <a:rPr lang="en-US" sz="2000" b="1" dirty="0" err="1" smtClean="0">
+              <a:rPr lang="en-US" sz="2000" b="1" dirty="0" err="1">
                 <a:latin typeface="Consolas" pitchFamily="49" charset="0"/>
                 <a:cs typeface="Consolas" pitchFamily="49" charset="0"/>
               </a:rPr>
               <a:t>lst</a:t>
             </a:r>
             <a:r>
-              <a:rPr lang="en-US" sz="2000" b="1" dirty="0" smtClean="0">
+              <a:rPr lang="en-US" sz="2000" b="1" dirty="0">
                 <a:latin typeface="Consolas" pitchFamily="49" charset="0"/>
                 <a:cs typeface="Consolas" pitchFamily="49" charset="0"/>
               </a:rPr>
@@ -7169,7 +7013,7 @@
             <a:pPr>
               <a:buNone/>
             </a:pPr>
-            <a:endParaRPr lang="en-US" sz="2000" b="1" dirty="0" smtClean="0">
+            <a:endParaRPr lang="en-US" sz="2000" b="1" dirty="0">
               <a:latin typeface="Courier New" pitchFamily="49" charset="0"/>
               <a:cs typeface="Courier New" pitchFamily="49" charset="0"/>
             </a:endParaRPr>
@@ -7256,7 +7100,7 @@
             <a:p>
               <a:pPr algn="ctr"/>
               <a:r>
-                <a:rPr lang="en-US" sz="2400" dirty="0" smtClean="0">
+                <a:rPr lang="en-US" sz="2400" dirty="0">
                   <a:solidFill>
                     <a:schemeClr val="tx1"/>
                   </a:solidFill>
@@ -7413,7 +7257,7 @@
             <a:p>
               <a:pPr algn="ctr"/>
               <a:r>
-                <a:rPr lang="en-US" sz="2400" dirty="0" smtClean="0">
+                <a:rPr lang="en-US" sz="2400" dirty="0">
                   <a:solidFill>
                     <a:schemeClr val="tx1"/>
                   </a:solidFill>
@@ -7509,7 +7353,7 @@
           <a:p>
             <a:pPr algn="ctr"/>
             <a:r>
-              <a:rPr lang="en-US" sz="2000" dirty="0" smtClean="0">
+              <a:rPr lang="en-US" sz="2000" dirty="0">
                 <a:solidFill>
                   <a:schemeClr val="tx1"/>
                 </a:solidFill>
@@ -7683,14 +7527,14 @@
               <a:buNone/>
             </a:pPr>
             <a:r>
-              <a:rPr lang="en-US" sz="2000" b="1" dirty="0" err="1" smtClean="0">
+              <a:rPr lang="en-US" sz="2000" b="1" dirty="0" err="1">
                 <a:latin typeface="Consolas" pitchFamily="49" charset="0"/>
                 <a:cs typeface="Consolas" pitchFamily="49" charset="0"/>
               </a:rPr>
               <a:t>lon</a:t>
             </a:r>
             <a:r>
-              <a:rPr lang="en-US" sz="2000" b="1" dirty="0" smtClean="0">
+              <a:rPr lang="en-US" sz="2000" b="1" dirty="0">
                 <a:latin typeface="Consolas" pitchFamily="49" charset="0"/>
                 <a:cs typeface="Consolas" pitchFamily="49" charset="0"/>
               </a:rPr>
@@ -7703,7 +7547,7 @@
               <a:buNone/>
             </a:pPr>
             <a:r>
-              <a:rPr lang="en-US" sz="2000" b="1" dirty="0" smtClean="0">
+              <a:rPr lang="en-US" sz="2000" b="1" dirty="0">
                 <a:latin typeface="Consolas" pitchFamily="49" charset="0"/>
                 <a:cs typeface="Consolas" pitchFamily="49" charset="0"/>
               </a:rPr>
@@ -7716,35 +7560,35 @@
               <a:buNone/>
             </a:pPr>
             <a:r>
-              <a:rPr lang="en-US" sz="2000" b="1" dirty="0" smtClean="0">
+              <a:rPr lang="en-US" sz="2000" b="1" dirty="0">
                 <a:latin typeface="Consolas" pitchFamily="49" charset="0"/>
                 <a:cs typeface="Consolas" pitchFamily="49" charset="0"/>
               </a:rPr>
               <a:t>(define (</a:t>
             </a:r>
             <a:r>
-              <a:rPr lang="en-US" sz="2000" b="1" dirty="0" err="1" smtClean="0">
+              <a:rPr lang="en-US" sz="2000" b="1" dirty="0" err="1">
                 <a:latin typeface="Consolas" pitchFamily="49" charset="0"/>
                 <a:cs typeface="Consolas" pitchFamily="49" charset="0"/>
               </a:rPr>
               <a:t>lon</a:t>
             </a:r>
             <a:r>
-              <a:rPr lang="en-US" sz="2000" b="1" dirty="0" smtClean="0">
+              <a:rPr lang="en-US" sz="2000" b="1" dirty="0">
                 <a:latin typeface="Consolas" pitchFamily="49" charset="0"/>
                 <a:cs typeface="Consolas" pitchFamily="49" charset="0"/>
               </a:rPr>
               <a:t>-length </a:t>
             </a:r>
             <a:r>
-              <a:rPr lang="en-US" sz="2000" b="1" dirty="0" err="1" smtClean="0">
+              <a:rPr lang="en-US" sz="2000" b="1" dirty="0" err="1">
                 <a:latin typeface="Consolas" pitchFamily="49" charset="0"/>
                 <a:cs typeface="Consolas" pitchFamily="49" charset="0"/>
               </a:rPr>
               <a:t>lst</a:t>
             </a:r>
             <a:r>
-              <a:rPr lang="en-US" sz="2000" b="1" dirty="0" smtClean="0">
+              <a:rPr lang="en-US" sz="2000" b="1" dirty="0">
                 <a:latin typeface="Consolas" pitchFamily="49" charset="0"/>
                 <a:cs typeface="Consolas" pitchFamily="49" charset="0"/>
               </a:rPr>
@@ -7757,20 +7601,20 @@
               <a:buNone/>
             </a:pPr>
             <a:r>
-              <a:rPr lang="en-US" sz="2000" b="1" dirty="0" smtClean="0">
+              <a:rPr lang="en-US" sz="2000" b="1" dirty="0">
                 <a:latin typeface="Consolas" pitchFamily="49" charset="0"/>
                 <a:cs typeface="Consolas" pitchFamily="49" charset="0"/>
               </a:rPr>
               <a:t>  (</a:t>
             </a:r>
             <a:r>
-              <a:rPr lang="en-US" sz="2000" b="1" dirty="0" err="1" smtClean="0">
+              <a:rPr lang="en-US" sz="2000" b="1" dirty="0" err="1">
                 <a:latin typeface="Consolas" pitchFamily="49" charset="0"/>
                 <a:cs typeface="Consolas" pitchFamily="49" charset="0"/>
               </a:rPr>
               <a:t>cond</a:t>
             </a:r>
-            <a:endParaRPr lang="en-US" sz="2000" b="1" dirty="0" smtClean="0">
+            <a:endParaRPr lang="en-US" sz="2000" b="1" dirty="0">
               <a:latin typeface="Consolas" pitchFamily="49" charset="0"/>
               <a:cs typeface="Consolas" pitchFamily="49" charset="0"/>
             </a:endParaRPr>
@@ -7781,21 +7625,21 @@
               <a:buNone/>
             </a:pPr>
             <a:r>
-              <a:rPr lang="en-US" sz="2000" b="1" dirty="0" smtClean="0">
+              <a:rPr lang="en-US" sz="2000" b="1" dirty="0">
                 <a:latin typeface="Consolas" pitchFamily="49" charset="0"/>
                 <a:cs typeface="Consolas" pitchFamily="49" charset="0"/>
               </a:rPr>
               <a:t>    [(empty? </a:t>
             </a:r>
             <a:r>
-              <a:rPr lang="en-US" sz="2000" b="1" dirty="0" err="1" smtClean="0">
+              <a:rPr lang="en-US" sz="2000" b="1" dirty="0" err="1">
                 <a:latin typeface="Consolas" pitchFamily="49" charset="0"/>
                 <a:cs typeface="Consolas" pitchFamily="49" charset="0"/>
               </a:rPr>
               <a:t>lst</a:t>
             </a:r>
             <a:r>
-              <a:rPr lang="en-US" sz="2000" b="1" dirty="0" smtClean="0">
+              <a:rPr lang="en-US" sz="2000" b="1" dirty="0">
                 <a:latin typeface="Consolas" pitchFamily="49" charset="0"/>
                 <a:cs typeface="Consolas" pitchFamily="49" charset="0"/>
               </a:rPr>
@@ -7808,21 +7652,21 @@
               <a:buNone/>
             </a:pPr>
             <a:r>
-              <a:rPr lang="en-US" sz="2000" b="1" dirty="0" smtClean="0">
+              <a:rPr lang="en-US" sz="2000" b="1" dirty="0">
                 <a:latin typeface="Consolas" pitchFamily="49" charset="0"/>
                 <a:cs typeface="Consolas" pitchFamily="49" charset="0"/>
               </a:rPr>
               <a:t>    [else (... (first </a:t>
             </a:r>
             <a:r>
-              <a:rPr lang="en-US" sz="2000" b="1" dirty="0" err="1" smtClean="0">
+              <a:rPr lang="en-US" sz="2000" b="1" dirty="0" err="1">
                 <a:latin typeface="Consolas" pitchFamily="49" charset="0"/>
                 <a:cs typeface="Consolas" pitchFamily="49" charset="0"/>
               </a:rPr>
               <a:t>lst</a:t>
             </a:r>
             <a:r>
-              <a:rPr lang="en-US" sz="2000" b="1" dirty="0" smtClean="0">
+              <a:rPr lang="en-US" sz="2000" b="1" dirty="0">
                 <a:latin typeface="Consolas" pitchFamily="49" charset="0"/>
                 <a:cs typeface="Consolas" pitchFamily="49" charset="0"/>
               </a:rPr>
@@ -7835,35 +7679,35 @@
               <a:buNone/>
             </a:pPr>
             <a:r>
-              <a:rPr lang="en-US" sz="2000" b="1" dirty="0" smtClean="0">
+              <a:rPr lang="en-US" sz="2000" b="1" dirty="0">
                 <a:latin typeface="Consolas" pitchFamily="49" charset="0"/>
                 <a:cs typeface="Consolas" pitchFamily="49" charset="0"/>
               </a:rPr>
               <a:t>               (</a:t>
             </a:r>
             <a:r>
-              <a:rPr lang="en-US" sz="2000" b="1" dirty="0" err="1" smtClean="0">
+              <a:rPr lang="en-US" sz="2000" b="1" dirty="0" err="1">
                 <a:latin typeface="Consolas" pitchFamily="49" charset="0"/>
                 <a:cs typeface="Consolas" pitchFamily="49" charset="0"/>
               </a:rPr>
               <a:t>lon</a:t>
             </a:r>
             <a:r>
-              <a:rPr lang="en-US" sz="2000" b="1" dirty="0" smtClean="0">
+              <a:rPr lang="en-US" sz="2000" b="1" dirty="0">
                 <a:latin typeface="Consolas" pitchFamily="49" charset="0"/>
                 <a:cs typeface="Consolas" pitchFamily="49" charset="0"/>
               </a:rPr>
               <a:t>-length (rest </a:t>
             </a:r>
             <a:r>
-              <a:rPr lang="en-US" sz="2000" b="1" dirty="0" err="1" smtClean="0">
+              <a:rPr lang="en-US" sz="2000" b="1" dirty="0" err="1">
                 <a:latin typeface="Consolas" pitchFamily="49" charset="0"/>
                 <a:cs typeface="Consolas" pitchFamily="49" charset="0"/>
               </a:rPr>
               <a:t>lst</a:t>
             </a:r>
             <a:r>
-              <a:rPr lang="en-US" sz="2000" b="1" dirty="0" smtClean="0">
+              <a:rPr lang="en-US" sz="2000" b="1" dirty="0">
                 <a:latin typeface="Consolas" pitchFamily="49" charset="0"/>
                 <a:cs typeface="Consolas" pitchFamily="49" charset="0"/>
               </a:rPr>
@@ -7875,7 +7719,7 @@
               <a:buFont typeface="Arial" pitchFamily="34" charset="0"/>
               <a:buNone/>
             </a:pPr>
-            <a:endParaRPr lang="en-US" sz="2000" b="1" dirty="0" smtClean="0">
+            <a:endParaRPr lang="en-US" sz="2000" b="1" dirty="0">
               <a:latin typeface="Courier New" pitchFamily="49" charset="0"/>
               <a:cs typeface="Courier New" pitchFamily="49" charset="0"/>
             </a:endParaRPr>
@@ -8138,10 +7982,9 @@
           <a:lstStyle/>
           <a:p>
             <a:r>
-              <a:rPr lang="en-US" dirty="0" smtClean="0"/>
+              <a:rPr lang="en-US" dirty="0"/>
               <a:t>The code is self-referential, too</a:t>
             </a:r>
-            <a:endParaRPr lang="en-US" dirty="0"/>
           </a:p>
         </p:txBody>
       </p:sp>
@@ -8166,14 +8009,14 @@
               <a:buNone/>
             </a:pPr>
             <a:r>
-              <a:rPr lang="en-US" sz="2000" b="1" dirty="0" err="1" smtClean="0">
+              <a:rPr lang="en-US" sz="2000" b="1" dirty="0" err="1">
                 <a:latin typeface="Consolas" pitchFamily="49" charset="0"/>
                 <a:cs typeface="Consolas" pitchFamily="49" charset="0"/>
               </a:rPr>
               <a:t>lon</a:t>
             </a:r>
             <a:r>
-              <a:rPr lang="en-US" sz="2000" b="1" dirty="0" smtClean="0">
+              <a:rPr lang="en-US" sz="2000" b="1" dirty="0">
                 <a:latin typeface="Consolas" pitchFamily="49" charset="0"/>
                 <a:cs typeface="Consolas" pitchFamily="49" charset="0"/>
               </a:rPr>
@@ -8185,7 +8028,7 @@
               <a:buNone/>
             </a:pPr>
             <a:r>
-              <a:rPr lang="en-US" sz="2000" b="1" dirty="0" smtClean="0">
+              <a:rPr lang="en-US" sz="2000" b="1" dirty="0">
                 <a:latin typeface="Consolas" pitchFamily="49" charset="0"/>
                 <a:cs typeface="Consolas" pitchFamily="49" charset="0"/>
               </a:rPr>
@@ -8197,14 +8040,14 @@
               <a:buNone/>
             </a:pPr>
             <a:r>
-              <a:rPr lang="en-US" sz="2000" b="1" dirty="0" smtClean="0">
+              <a:rPr lang="en-US" sz="2000" b="1" dirty="0">
                 <a:latin typeface="Consolas" pitchFamily="49" charset="0"/>
                 <a:cs typeface="Consolas" pitchFamily="49" charset="0"/>
               </a:rPr>
               <a:t>(define (</a:t>
             </a:r>
             <a:r>
-              <a:rPr lang="en-US" sz="2000" b="1" dirty="0" err="1" smtClean="0">
+              <a:rPr lang="en-US" sz="2000" b="1" dirty="0" err="1">
                 <a:solidFill>
                   <a:srgbClr val="FF0000"/>
                 </a:solidFill>
@@ -8214,7 +8057,7 @@
               <a:t>lon</a:t>
             </a:r>
             <a:r>
-              <a:rPr lang="en-US" sz="2000" b="1" dirty="0" smtClean="0">
+              <a:rPr lang="en-US" sz="2000" b="1" dirty="0">
                 <a:solidFill>
                   <a:srgbClr val="FF0000"/>
                 </a:solidFill>
@@ -8224,21 +8067,21 @@
               <a:t>-length</a:t>
             </a:r>
             <a:r>
-              <a:rPr lang="en-US" sz="2000" b="1" dirty="0" smtClean="0">
+              <a:rPr lang="en-US" sz="2000" b="1" dirty="0">
                 <a:latin typeface="Consolas" pitchFamily="49" charset="0"/>
                 <a:cs typeface="Consolas" pitchFamily="49" charset="0"/>
               </a:rPr>
               <a:t> </a:t>
             </a:r>
             <a:r>
-              <a:rPr lang="en-US" sz="2000" b="1" dirty="0" err="1" smtClean="0">
+              <a:rPr lang="en-US" sz="2000" b="1" dirty="0" err="1">
                 <a:latin typeface="Consolas" pitchFamily="49" charset="0"/>
                 <a:cs typeface="Consolas" pitchFamily="49" charset="0"/>
               </a:rPr>
               <a:t>lst</a:t>
             </a:r>
             <a:r>
-              <a:rPr lang="en-US" sz="2000" b="1" dirty="0" smtClean="0">
+              <a:rPr lang="en-US" sz="2000" b="1" dirty="0">
                 <a:latin typeface="Consolas" pitchFamily="49" charset="0"/>
                 <a:cs typeface="Consolas" pitchFamily="49" charset="0"/>
               </a:rPr>
@@ -8250,20 +8093,20 @@
               <a:buNone/>
             </a:pPr>
             <a:r>
-              <a:rPr lang="en-US" sz="2000" b="1" dirty="0" smtClean="0">
+              <a:rPr lang="en-US" sz="2000" b="1" dirty="0">
                 <a:latin typeface="Consolas" pitchFamily="49" charset="0"/>
                 <a:cs typeface="Consolas" pitchFamily="49" charset="0"/>
               </a:rPr>
               <a:t>  (</a:t>
             </a:r>
             <a:r>
-              <a:rPr lang="en-US" sz="2000" b="1" dirty="0" err="1" smtClean="0">
+              <a:rPr lang="en-US" sz="2000" b="1" dirty="0" err="1">
                 <a:latin typeface="Consolas" pitchFamily="49" charset="0"/>
                 <a:cs typeface="Consolas" pitchFamily="49" charset="0"/>
               </a:rPr>
               <a:t>cond</a:t>
             </a:r>
-            <a:endParaRPr lang="en-US" sz="2000" b="1" dirty="0" smtClean="0">
+            <a:endParaRPr lang="en-US" sz="2000" b="1" dirty="0">
               <a:latin typeface="Consolas" pitchFamily="49" charset="0"/>
               <a:cs typeface="Consolas" pitchFamily="49" charset="0"/>
             </a:endParaRPr>
@@ -8273,21 +8116,21 @@
               <a:buNone/>
             </a:pPr>
             <a:r>
-              <a:rPr lang="en-US" sz="2000" b="1" dirty="0" smtClean="0">
+              <a:rPr lang="en-US" sz="2000" b="1" dirty="0">
                 <a:latin typeface="Consolas" pitchFamily="49" charset="0"/>
                 <a:cs typeface="Consolas" pitchFamily="49" charset="0"/>
               </a:rPr>
               <a:t>    [(empty? </a:t>
             </a:r>
             <a:r>
-              <a:rPr lang="en-US" sz="2000" b="1" dirty="0" err="1" smtClean="0">
+              <a:rPr lang="en-US" sz="2000" b="1" dirty="0" err="1">
                 <a:latin typeface="Consolas" pitchFamily="49" charset="0"/>
                 <a:cs typeface="Consolas" pitchFamily="49" charset="0"/>
               </a:rPr>
               <a:t>lst</a:t>
             </a:r>
             <a:r>
-              <a:rPr lang="en-US" sz="2000" b="1" dirty="0" smtClean="0">
+              <a:rPr lang="en-US" sz="2000" b="1" dirty="0">
                 <a:latin typeface="Consolas" pitchFamily="49" charset="0"/>
                 <a:cs typeface="Consolas" pitchFamily="49" charset="0"/>
               </a:rPr>
@@ -8299,14 +8142,14 @@
               <a:buNone/>
             </a:pPr>
             <a:r>
-              <a:rPr lang="en-US" sz="2000" b="1" dirty="0" smtClean="0">
+              <a:rPr lang="en-US" sz="2000" b="1" dirty="0">
                 <a:latin typeface="Consolas" pitchFamily="49" charset="0"/>
                 <a:cs typeface="Consolas" pitchFamily="49" charset="0"/>
               </a:rPr>
               <a:t>    [else (+ 1 </a:t>
             </a:r>
             <a:r>
-              <a:rPr lang="en-US" sz="2000" b="1" strike="sngStrike" dirty="0" smtClean="0">
+              <a:rPr lang="en-US" sz="2000" b="1" strike="sngStrike" dirty="0">
                 <a:solidFill>
                   <a:schemeClr val="bg1">
                     <a:lumMod val="65000"/>
@@ -8318,7 +8161,7 @@
               <a:t>(first </a:t>
             </a:r>
             <a:r>
-              <a:rPr lang="en-US" sz="2000" b="1" strike="sngStrike" dirty="0" err="1" smtClean="0">
+              <a:rPr lang="en-US" sz="2000" b="1" strike="sngStrike" dirty="0" err="1">
                 <a:solidFill>
                   <a:schemeClr val="bg1">
                     <a:lumMod val="65000"/>
@@ -8330,7 +8173,7 @@
               <a:t>lst</a:t>
             </a:r>
             <a:r>
-              <a:rPr lang="en-US" sz="2000" b="1" strike="sngStrike" dirty="0" smtClean="0">
+              <a:rPr lang="en-US" sz="2000" b="1" strike="sngStrike" dirty="0">
                 <a:solidFill>
                   <a:schemeClr val="bg1">
                     <a:lumMod val="65000"/>
@@ -8347,14 +8190,14 @@
               <a:buNone/>
             </a:pPr>
             <a:r>
-              <a:rPr lang="en-US" sz="2000" b="1" dirty="0" smtClean="0">
+              <a:rPr lang="en-US" sz="2000" b="1" dirty="0">
                 <a:latin typeface="Consolas" pitchFamily="49" charset="0"/>
                 <a:cs typeface="Consolas" pitchFamily="49" charset="0"/>
               </a:rPr>
               <a:t>               (</a:t>
             </a:r>
             <a:r>
-              <a:rPr lang="en-US" sz="2000" b="1" dirty="0" err="1" smtClean="0">
+              <a:rPr lang="en-US" sz="2000" b="1" dirty="0" err="1">
                 <a:solidFill>
                   <a:srgbClr val="FF0000"/>
                 </a:solidFill>
@@ -8364,7 +8207,7 @@
               <a:t>lon</a:t>
             </a:r>
             <a:r>
-              <a:rPr lang="en-US" sz="2000" b="1" dirty="0" smtClean="0">
+              <a:rPr lang="en-US" sz="2000" b="1" dirty="0">
                 <a:solidFill>
                   <a:srgbClr val="FF0000"/>
                 </a:solidFill>
@@ -8374,21 +8217,21 @@
               <a:t>-length</a:t>
             </a:r>
             <a:r>
-              <a:rPr lang="en-US" sz="2000" b="1" dirty="0" smtClean="0">
+              <a:rPr lang="en-US" sz="2000" b="1" dirty="0">
                 <a:latin typeface="Consolas" pitchFamily="49" charset="0"/>
                 <a:cs typeface="Consolas" pitchFamily="49" charset="0"/>
               </a:rPr>
               <a:t> (rest </a:t>
             </a:r>
             <a:r>
-              <a:rPr lang="en-US" sz="2000" b="1" dirty="0" err="1" smtClean="0">
+              <a:rPr lang="en-US" sz="2000" b="1" dirty="0" err="1">
                 <a:latin typeface="Consolas" pitchFamily="49" charset="0"/>
                 <a:cs typeface="Consolas" pitchFamily="49" charset="0"/>
               </a:rPr>
               <a:t>lst</a:t>
             </a:r>
             <a:r>
-              <a:rPr lang="en-US" sz="2000" b="1" dirty="0" smtClean="0">
+              <a:rPr lang="en-US" sz="2000" b="1" dirty="0">
                 <a:latin typeface="Consolas" pitchFamily="49" charset="0"/>
                 <a:cs typeface="Consolas" pitchFamily="49" charset="0"/>
               </a:rPr>
@@ -8399,7 +8242,7 @@
             <a:pPr>
               <a:buNone/>
             </a:pPr>
-            <a:endParaRPr lang="en-US" sz="2000" b="1" dirty="0" smtClean="0">
+            <a:endParaRPr lang="en-US" sz="2000" b="1" dirty="0">
               <a:latin typeface="Courier New" pitchFamily="49" charset="0"/>
               <a:cs typeface="Courier New" pitchFamily="49" charset="0"/>
             </a:endParaRPr>
@@ -8477,7 +8320,7 @@
           <a:lstStyle/>
           <a:p>
             <a:pPr algn="ctr"/>
-            <a:endParaRPr lang="en-US" dirty="0" smtClean="0">
+            <a:endParaRPr lang="en-US" dirty="0">
               <a:solidFill>
                 <a:schemeClr val="tx1"/>
               </a:solidFill>
@@ -8520,7 +8363,7 @@
           <a:lstStyle/>
           <a:p>
             <a:r>
-              <a:rPr lang="en-US" i="1" dirty="0" smtClean="0">
+              <a:rPr lang="en-US" i="1" dirty="0">
                 <a:solidFill>
                   <a:srgbClr val="FF0000"/>
                 </a:solidFill>
@@ -8530,7 +8373,7 @@
           </a:p>
           <a:p>
             <a:r>
-              <a:rPr lang="en-US" i="1" dirty="0" smtClean="0">
+              <a:rPr lang="en-US" i="1" dirty="0">
                 <a:solidFill>
                   <a:srgbClr val="FF0000"/>
                 </a:solidFill>
@@ -8718,18 +8561,17 @@
           <a:lstStyle/>
           <a:p>
             <a:r>
-              <a:rPr lang="en-US" dirty="0" smtClean="0"/>
+              <a:rPr lang="en-US" dirty="0"/>
               <a:t>Example 2: </a:t>
             </a:r>
             <a:r>
-              <a:rPr lang="en-US" dirty="0" err="1" smtClean="0"/>
+              <a:rPr lang="en-US" dirty="0" err="1"/>
               <a:t>lon</a:t>
             </a:r>
             <a:r>
-              <a:rPr lang="en-US" dirty="0" smtClean="0"/>
+              <a:rPr lang="en-US" dirty="0"/>
               <a:t>-sum</a:t>
             </a:r>
-            <a:endParaRPr lang="en-US" dirty="0"/>
           </a:p>
         </p:txBody>
       </p:sp>
@@ -8759,14 +8601,14 @@
               <a:buNone/>
             </a:pPr>
             <a:r>
-              <a:rPr lang="en-US" sz="2000" b="1" dirty="0" err="1" smtClean="0">
+              <a:rPr lang="en-US" sz="2000" b="1" dirty="0" err="1">
                 <a:latin typeface="Consolas" pitchFamily="49" charset="0"/>
                 <a:cs typeface="Consolas" pitchFamily="49" charset="0"/>
               </a:rPr>
               <a:t>lon</a:t>
             </a:r>
             <a:r>
-              <a:rPr lang="en-US" sz="2000" b="1" dirty="0" smtClean="0">
+              <a:rPr lang="en-US" sz="2000" b="1" dirty="0">
                 <a:latin typeface="Consolas" pitchFamily="49" charset="0"/>
                 <a:cs typeface="Consolas" pitchFamily="49" charset="0"/>
               </a:rPr>
@@ -8778,7 +8620,7 @@
               <a:buNone/>
             </a:pPr>
             <a:r>
-              <a:rPr lang="en-US" sz="2000" b="1" dirty="0" smtClean="0">
+              <a:rPr lang="en-US" sz="2000" b="1" dirty="0">
                 <a:latin typeface="Consolas" pitchFamily="49" charset="0"/>
                 <a:cs typeface="Consolas" pitchFamily="49" charset="0"/>
               </a:rPr>
@@ -8790,7 +8632,7 @@
               <a:buNone/>
             </a:pPr>
             <a:r>
-              <a:rPr lang="en-US" sz="2000" b="1" dirty="0" smtClean="0">
+              <a:rPr lang="en-US" sz="2000" b="1" dirty="0">
                 <a:latin typeface="Consolas" pitchFamily="49" charset="0"/>
                 <a:cs typeface="Consolas" pitchFamily="49" charset="0"/>
               </a:rPr>
@@ -8802,7 +8644,7 @@
               <a:buNone/>
             </a:pPr>
             <a:r>
-              <a:rPr lang="en-US" sz="2000" b="1" dirty="0" smtClean="0">
+              <a:rPr lang="en-US" sz="2000" b="1" dirty="0">
                 <a:latin typeface="Consolas" pitchFamily="49" charset="0"/>
                 <a:cs typeface="Consolas" pitchFamily="49" charset="0"/>
               </a:rPr>
@@ -8814,21 +8656,21 @@
               <a:buNone/>
             </a:pPr>
             <a:r>
-              <a:rPr lang="en-US" sz="2000" b="1" dirty="0" smtClean="0">
+              <a:rPr lang="en-US" sz="2000" b="1" dirty="0">
                 <a:latin typeface="Consolas" pitchFamily="49" charset="0"/>
                 <a:cs typeface="Consolas" pitchFamily="49" charset="0"/>
               </a:rPr>
               <a:t>(</a:t>
             </a:r>
             <a:r>
-              <a:rPr lang="en-US" sz="2000" b="1" dirty="0" err="1" smtClean="0">
+              <a:rPr lang="en-US" sz="2000" b="1" dirty="0" err="1">
                 <a:latin typeface="Consolas" pitchFamily="49" charset="0"/>
                 <a:cs typeface="Consolas" pitchFamily="49" charset="0"/>
               </a:rPr>
               <a:t>lon</a:t>
             </a:r>
             <a:r>
-              <a:rPr lang="en-US" sz="2000" b="1" dirty="0" smtClean="0">
+              <a:rPr lang="en-US" sz="2000" b="1" dirty="0">
                 <a:latin typeface="Consolas" pitchFamily="49" charset="0"/>
                 <a:cs typeface="Consolas" pitchFamily="49" charset="0"/>
               </a:rPr>
@@ -8840,21 +8682,21 @@
               <a:buNone/>
             </a:pPr>
             <a:r>
-              <a:rPr lang="en-US" sz="2000" b="1" dirty="0" smtClean="0">
+              <a:rPr lang="en-US" sz="2000" b="1" dirty="0">
                 <a:latin typeface="Consolas" pitchFamily="49" charset="0"/>
                 <a:cs typeface="Consolas" pitchFamily="49" charset="0"/>
               </a:rPr>
               <a:t>(</a:t>
             </a:r>
             <a:r>
-              <a:rPr lang="en-US" sz="2000" b="1" dirty="0" err="1" smtClean="0">
+              <a:rPr lang="en-US" sz="2000" b="1" dirty="0" err="1">
                 <a:latin typeface="Consolas" pitchFamily="49" charset="0"/>
                 <a:cs typeface="Consolas" pitchFamily="49" charset="0"/>
               </a:rPr>
               <a:t>lon</a:t>
             </a:r>
             <a:r>
-              <a:rPr lang="en-US" sz="2000" b="1" dirty="0" smtClean="0">
+              <a:rPr lang="en-US" sz="2000" b="1" dirty="0">
                 <a:latin typeface="Consolas" pitchFamily="49" charset="0"/>
                 <a:cs typeface="Consolas" pitchFamily="49" charset="0"/>
               </a:rPr>
@@ -8866,21 +8708,21 @@
               <a:buNone/>
             </a:pPr>
             <a:r>
-              <a:rPr lang="en-US" sz="2000" b="1" dirty="0" smtClean="0">
+              <a:rPr lang="en-US" sz="2000" b="1" dirty="0">
                 <a:latin typeface="Consolas" pitchFamily="49" charset="0"/>
                 <a:cs typeface="Consolas" pitchFamily="49" charset="0"/>
               </a:rPr>
               <a:t>(</a:t>
             </a:r>
             <a:r>
-              <a:rPr lang="en-US" sz="2000" b="1" dirty="0" err="1" smtClean="0">
+              <a:rPr lang="en-US" sz="2000" b="1" dirty="0" err="1">
                 <a:latin typeface="Consolas" pitchFamily="49" charset="0"/>
                 <a:cs typeface="Consolas" pitchFamily="49" charset="0"/>
               </a:rPr>
               <a:t>lon</a:t>
             </a:r>
             <a:r>
-              <a:rPr lang="en-US" sz="2000" b="1" dirty="0" smtClean="0">
+              <a:rPr lang="en-US" sz="2000" b="1" dirty="0">
                 <a:latin typeface="Consolas" pitchFamily="49" charset="0"/>
                 <a:cs typeface="Consolas" pitchFamily="49" charset="0"/>
               </a:rPr>
@@ -8892,21 +8734,21 @@
               <a:buNone/>
             </a:pPr>
             <a:r>
-              <a:rPr lang="en-US" sz="2000" b="1" dirty="0" smtClean="0">
+              <a:rPr lang="en-US" sz="2000" b="1" dirty="0">
                 <a:latin typeface="Consolas" pitchFamily="49" charset="0"/>
                 <a:cs typeface="Consolas" pitchFamily="49" charset="0"/>
               </a:rPr>
               <a:t>(</a:t>
             </a:r>
             <a:r>
-              <a:rPr lang="en-US" sz="2000" b="1" dirty="0" err="1" smtClean="0">
+              <a:rPr lang="en-US" sz="2000" b="1" dirty="0" err="1">
                 <a:latin typeface="Consolas" pitchFamily="49" charset="0"/>
                 <a:cs typeface="Consolas" pitchFamily="49" charset="0"/>
               </a:rPr>
               <a:t>lon</a:t>
             </a:r>
             <a:r>
-              <a:rPr lang="en-US" sz="2000" b="1" dirty="0" smtClean="0">
+              <a:rPr lang="en-US" sz="2000" b="1" dirty="0">
                 <a:latin typeface="Consolas" pitchFamily="49" charset="0"/>
                 <a:cs typeface="Consolas" pitchFamily="49" charset="0"/>
               </a:rPr>
@@ -8918,14 +8760,14 @@
               <a:buNone/>
             </a:pPr>
             <a:r>
-              <a:rPr lang="en-US" sz="2000" b="1" dirty="0" smtClean="0">
+              <a:rPr lang="en-US" sz="2000" b="1" dirty="0">
                 <a:latin typeface="Consolas" pitchFamily="49" charset="0"/>
                 <a:cs typeface="Consolas" pitchFamily="49" charset="0"/>
               </a:rPr>
               <a:t>STRATEGY: Use template for LON on </a:t>
             </a:r>
             <a:r>
-              <a:rPr lang="en-US" sz="2000" b="1" dirty="0" err="1" smtClean="0">
+              <a:rPr lang="en-US" sz="2000" b="1" dirty="0" err="1">
                 <a:latin typeface="Consolas" pitchFamily="49" charset="0"/>
                 <a:cs typeface="Consolas" pitchFamily="49" charset="0"/>
               </a:rPr>
@@ -9009,7 +8851,7 @@
           <a:p>
             <a:pPr algn="ctr"/>
             <a:r>
-              <a:rPr lang="en-US" sz="2000" dirty="0" smtClean="0">
+              <a:rPr lang="en-US" sz="2000" dirty="0">
                 <a:solidFill>
                   <a:schemeClr val="tx1"/>
                 </a:solidFill>
@@ -9029,13 +8871,6 @@
   <p:clrMapOvr>
     <a:masterClrMapping/>
   </p:clrMapOvr>
-  <p:timing>
-    <p:tnLst>
-      <p:par>
-        <p:cTn id="1" dur="indefinite" restart="never" nodeType="tmRoot"/>
-      </p:par>
-    </p:tnLst>
-  </p:timing>
 </p:sld>
 </file>
 
@@ -9072,18 +8907,17 @@
           <a:lstStyle/>
           <a:p>
             <a:r>
-              <a:rPr lang="en-US" dirty="0" smtClean="0"/>
+              <a:rPr lang="en-US" dirty="0"/>
               <a:t>Example 2: </a:t>
             </a:r>
             <a:r>
-              <a:rPr lang="en-US" dirty="0" err="1" smtClean="0"/>
+              <a:rPr lang="en-US" dirty="0" err="1"/>
               <a:t>lon</a:t>
             </a:r>
             <a:r>
-              <a:rPr lang="en-US" dirty="0" smtClean="0"/>
+              <a:rPr lang="en-US" dirty="0"/>
               <a:t>-sum</a:t>
             </a:r>
-            <a:endParaRPr lang="en-US" dirty="0"/>
           </a:p>
         </p:txBody>
       </p:sp>
@@ -9108,14 +8942,14 @@
               <a:buNone/>
             </a:pPr>
             <a:r>
-              <a:rPr lang="en-US" sz="2000" b="1" dirty="0" err="1" smtClean="0">
+              <a:rPr lang="en-US" sz="2000" b="1" dirty="0" err="1">
                 <a:latin typeface="Consolas" pitchFamily="49" charset="0"/>
                 <a:cs typeface="Consolas" pitchFamily="49" charset="0"/>
               </a:rPr>
               <a:t>lon</a:t>
             </a:r>
             <a:r>
-              <a:rPr lang="en-US" sz="2000" b="1" dirty="0" smtClean="0">
+              <a:rPr lang="en-US" sz="2000" b="1" dirty="0">
                 <a:latin typeface="Consolas" pitchFamily="49" charset="0"/>
                 <a:cs typeface="Consolas" pitchFamily="49" charset="0"/>
               </a:rPr>
@@ -9127,35 +8961,35 @@
               <a:buNone/>
             </a:pPr>
             <a:r>
-              <a:rPr lang="en-US" sz="2000" b="1" dirty="0" smtClean="0">
+              <a:rPr lang="en-US" sz="2000" b="1" dirty="0">
                 <a:latin typeface="Consolas" pitchFamily="49" charset="0"/>
                 <a:cs typeface="Consolas" pitchFamily="49" charset="0"/>
               </a:rPr>
               <a:t>(define (</a:t>
             </a:r>
             <a:r>
-              <a:rPr lang="en-US" sz="2000" b="1" dirty="0" err="1" smtClean="0">
+              <a:rPr lang="en-US" sz="2000" b="1" dirty="0" err="1">
                 <a:latin typeface="Consolas" pitchFamily="49" charset="0"/>
                 <a:cs typeface="Consolas" pitchFamily="49" charset="0"/>
               </a:rPr>
               <a:t>lon</a:t>
             </a:r>
             <a:r>
-              <a:rPr lang="en-US" sz="2000" b="1" dirty="0" smtClean="0">
+              <a:rPr lang="en-US" sz="2000" b="1" dirty="0">
                 <a:latin typeface="Consolas" pitchFamily="49" charset="0"/>
                 <a:cs typeface="Consolas" pitchFamily="49" charset="0"/>
               </a:rPr>
               <a:t>-sum </a:t>
             </a:r>
             <a:r>
-              <a:rPr lang="en-US" sz="2000" b="1" dirty="0" err="1" smtClean="0">
+              <a:rPr lang="en-US" sz="2000" b="1" dirty="0" err="1">
                 <a:latin typeface="Consolas" pitchFamily="49" charset="0"/>
                 <a:cs typeface="Consolas" pitchFamily="49" charset="0"/>
               </a:rPr>
               <a:t>lst</a:t>
             </a:r>
             <a:r>
-              <a:rPr lang="en-US" sz="2000" b="1" dirty="0" smtClean="0">
+              <a:rPr lang="en-US" sz="2000" b="1" dirty="0">
                 <a:latin typeface="Consolas" pitchFamily="49" charset="0"/>
                 <a:cs typeface="Consolas" pitchFamily="49" charset="0"/>
               </a:rPr>
@@ -9167,20 +9001,20 @@
               <a:buNone/>
             </a:pPr>
             <a:r>
-              <a:rPr lang="en-US" sz="2000" b="1" dirty="0" smtClean="0">
+              <a:rPr lang="en-US" sz="2000" b="1" dirty="0">
                 <a:latin typeface="Consolas" pitchFamily="49" charset="0"/>
                 <a:cs typeface="Consolas" pitchFamily="49" charset="0"/>
               </a:rPr>
               <a:t>  (</a:t>
             </a:r>
             <a:r>
-              <a:rPr lang="en-US" sz="2000" b="1" dirty="0" err="1" smtClean="0">
+              <a:rPr lang="en-US" sz="2000" b="1" dirty="0" err="1">
                 <a:latin typeface="Consolas" pitchFamily="49" charset="0"/>
                 <a:cs typeface="Consolas" pitchFamily="49" charset="0"/>
               </a:rPr>
               <a:t>cond</a:t>
             </a:r>
-            <a:endParaRPr lang="en-US" sz="2000" b="1" dirty="0" smtClean="0">
+            <a:endParaRPr lang="en-US" sz="2000" b="1" dirty="0">
               <a:latin typeface="Consolas" pitchFamily="49" charset="0"/>
               <a:cs typeface="Consolas" pitchFamily="49" charset="0"/>
             </a:endParaRPr>
@@ -9190,21 +9024,21 @@
               <a:buNone/>
             </a:pPr>
             <a:r>
-              <a:rPr lang="en-US" sz="2000" b="1" dirty="0" smtClean="0">
+              <a:rPr lang="en-US" sz="2000" b="1" dirty="0">
                 <a:latin typeface="Consolas" pitchFamily="49" charset="0"/>
                 <a:cs typeface="Consolas" pitchFamily="49" charset="0"/>
               </a:rPr>
               <a:t>    [(empty? </a:t>
             </a:r>
             <a:r>
-              <a:rPr lang="en-US" sz="2000" b="1" dirty="0" err="1" smtClean="0">
+              <a:rPr lang="en-US" sz="2000" b="1" dirty="0" err="1">
                 <a:latin typeface="Consolas" pitchFamily="49" charset="0"/>
                 <a:cs typeface="Consolas" pitchFamily="49" charset="0"/>
               </a:rPr>
               <a:t>lst</a:t>
             </a:r>
             <a:r>
-              <a:rPr lang="en-US" sz="2000" b="1" dirty="0" smtClean="0">
+              <a:rPr lang="en-US" sz="2000" b="1" dirty="0">
                 <a:latin typeface="Consolas" pitchFamily="49" charset="0"/>
                 <a:cs typeface="Consolas" pitchFamily="49" charset="0"/>
               </a:rPr>
@@ -9216,21 +9050,21 @@
               <a:buNone/>
             </a:pPr>
             <a:r>
-              <a:rPr lang="en-US" sz="2000" b="1" dirty="0" smtClean="0">
+              <a:rPr lang="en-US" sz="2000" b="1" dirty="0">
                 <a:latin typeface="Consolas" pitchFamily="49" charset="0"/>
                 <a:cs typeface="Consolas" pitchFamily="49" charset="0"/>
               </a:rPr>
               <a:t>    [else (... (first </a:t>
             </a:r>
             <a:r>
-              <a:rPr lang="en-US" sz="2000" b="1" dirty="0" err="1" smtClean="0">
+              <a:rPr lang="en-US" sz="2000" b="1" dirty="0" err="1">
                 <a:latin typeface="Consolas" pitchFamily="49" charset="0"/>
                 <a:cs typeface="Consolas" pitchFamily="49" charset="0"/>
               </a:rPr>
               <a:t>lst</a:t>
             </a:r>
             <a:r>
-              <a:rPr lang="en-US" sz="2000" b="1" dirty="0" smtClean="0">
+              <a:rPr lang="en-US" sz="2000" b="1" dirty="0">
                 <a:latin typeface="Consolas" pitchFamily="49" charset="0"/>
                 <a:cs typeface="Consolas" pitchFamily="49" charset="0"/>
               </a:rPr>
@@ -9242,35 +9076,35 @@
               <a:buNone/>
             </a:pPr>
             <a:r>
-              <a:rPr lang="en-US" sz="2000" b="1" dirty="0" smtClean="0">
+              <a:rPr lang="en-US" sz="2000" b="1" dirty="0">
                 <a:latin typeface="Consolas" pitchFamily="49" charset="0"/>
                 <a:cs typeface="Consolas" pitchFamily="49" charset="0"/>
               </a:rPr>
               <a:t>               (</a:t>
             </a:r>
             <a:r>
-              <a:rPr lang="en-US" sz="2000" b="1" dirty="0" err="1" smtClean="0">
+              <a:rPr lang="en-US" sz="2000" b="1" dirty="0" err="1">
                 <a:latin typeface="Consolas" pitchFamily="49" charset="0"/>
                 <a:cs typeface="Consolas" pitchFamily="49" charset="0"/>
               </a:rPr>
               <a:t>lon</a:t>
             </a:r>
             <a:r>
-              <a:rPr lang="en-US" sz="2000" b="1" dirty="0" smtClean="0">
+              <a:rPr lang="en-US" sz="2000" b="1" dirty="0">
                 <a:latin typeface="Consolas" pitchFamily="49" charset="0"/>
                 <a:cs typeface="Consolas" pitchFamily="49" charset="0"/>
               </a:rPr>
               <a:t>-sum (rest </a:t>
             </a:r>
             <a:r>
-              <a:rPr lang="en-US" sz="2000" b="1" dirty="0" err="1" smtClean="0">
+              <a:rPr lang="en-US" sz="2000" b="1" dirty="0" err="1">
                 <a:latin typeface="Consolas" pitchFamily="49" charset="0"/>
                 <a:cs typeface="Consolas" pitchFamily="49" charset="0"/>
               </a:rPr>
               <a:t>lst</a:t>
             </a:r>
             <a:r>
-              <a:rPr lang="en-US" sz="2000" b="1" dirty="0" smtClean="0">
+              <a:rPr lang="en-US" sz="2000" b="1" dirty="0">
                 <a:latin typeface="Consolas" pitchFamily="49" charset="0"/>
                 <a:cs typeface="Consolas" pitchFamily="49" charset="0"/>
               </a:rPr>
@@ -9281,7 +9115,7 @@
             <a:pPr>
               <a:buNone/>
             </a:pPr>
-            <a:endParaRPr lang="en-US" sz="2000" b="1" dirty="0" smtClean="0">
+            <a:endParaRPr lang="en-US" sz="2000" b="1" dirty="0">
               <a:latin typeface="Courier New" pitchFamily="49" charset="0"/>
               <a:cs typeface="Courier New" pitchFamily="49" charset="0"/>
             </a:endParaRPr>
@@ -9368,7 +9202,7 @@
             <a:p>
               <a:pPr algn="ctr"/>
               <a:r>
-                <a:rPr lang="en-US" sz="2400" dirty="0" smtClean="0">
+                <a:rPr lang="en-US" sz="2400" dirty="0">
                   <a:solidFill>
                     <a:schemeClr val="tx1"/>
                   </a:solidFill>
@@ -9525,7 +9359,7 @@
             <a:p>
               <a:pPr algn="ctr"/>
               <a:r>
-                <a:rPr lang="en-US" sz="2400" dirty="0" smtClean="0">
+                <a:rPr lang="en-US" sz="2400" dirty="0">
                   <a:solidFill>
                     <a:schemeClr val="tx1"/>
                   </a:solidFill>
@@ -9738,14 +9572,14 @@
               <a:buNone/>
             </a:pPr>
             <a:r>
-              <a:rPr lang="en-US" sz="2000" b="1" dirty="0" err="1" smtClean="0">
+              <a:rPr lang="en-US" sz="2000" b="1" dirty="0" err="1">
                 <a:latin typeface="Consolas" pitchFamily="49" charset="0"/>
                 <a:cs typeface="Consolas" pitchFamily="49" charset="0"/>
               </a:rPr>
               <a:t>lon</a:t>
             </a:r>
             <a:r>
-              <a:rPr lang="en-US" sz="2000" b="1" dirty="0" smtClean="0">
+              <a:rPr lang="en-US" sz="2000" b="1" dirty="0">
                 <a:latin typeface="Consolas" pitchFamily="49" charset="0"/>
                 <a:cs typeface="Consolas" pitchFamily="49" charset="0"/>
               </a:rPr>
@@ -9758,35 +9592,35 @@
               <a:buNone/>
             </a:pPr>
             <a:r>
-              <a:rPr lang="en-US" sz="2000" b="1" dirty="0" smtClean="0">
+              <a:rPr lang="en-US" sz="2000" b="1" dirty="0">
                 <a:latin typeface="Consolas" pitchFamily="49" charset="0"/>
                 <a:cs typeface="Consolas" pitchFamily="49" charset="0"/>
               </a:rPr>
               <a:t>(define (</a:t>
             </a:r>
             <a:r>
-              <a:rPr lang="en-US" sz="2000" b="1" dirty="0" err="1" smtClean="0">
+              <a:rPr lang="en-US" sz="2000" b="1" dirty="0" err="1">
                 <a:latin typeface="Consolas" pitchFamily="49" charset="0"/>
                 <a:cs typeface="Consolas" pitchFamily="49" charset="0"/>
               </a:rPr>
               <a:t>lon</a:t>
             </a:r>
             <a:r>
-              <a:rPr lang="en-US" sz="2000" b="1" dirty="0" smtClean="0">
+              <a:rPr lang="en-US" sz="2000" b="1" dirty="0">
                 <a:latin typeface="Consolas" pitchFamily="49" charset="0"/>
                 <a:cs typeface="Consolas" pitchFamily="49" charset="0"/>
               </a:rPr>
               <a:t>-sum </a:t>
             </a:r>
             <a:r>
-              <a:rPr lang="en-US" sz="2000" b="1" dirty="0" err="1" smtClean="0">
+              <a:rPr lang="en-US" sz="2000" b="1" dirty="0" err="1">
                 <a:latin typeface="Consolas" pitchFamily="49" charset="0"/>
                 <a:cs typeface="Consolas" pitchFamily="49" charset="0"/>
               </a:rPr>
               <a:t>lst</a:t>
             </a:r>
             <a:r>
-              <a:rPr lang="en-US" sz="2000" b="1" dirty="0" smtClean="0">
+              <a:rPr lang="en-US" sz="2000" b="1" dirty="0">
                 <a:latin typeface="Consolas" pitchFamily="49" charset="0"/>
                 <a:cs typeface="Consolas" pitchFamily="49" charset="0"/>
               </a:rPr>
@@ -9799,20 +9633,20 @@
               <a:buNone/>
             </a:pPr>
             <a:r>
-              <a:rPr lang="en-US" sz="2000" b="1" dirty="0" smtClean="0">
+              <a:rPr lang="en-US" sz="2000" b="1" dirty="0">
                 <a:latin typeface="Consolas" pitchFamily="49" charset="0"/>
                 <a:cs typeface="Consolas" pitchFamily="49" charset="0"/>
               </a:rPr>
               <a:t>  (</a:t>
             </a:r>
             <a:r>
-              <a:rPr lang="en-US" sz="2000" b="1" dirty="0" err="1" smtClean="0">
+              <a:rPr lang="en-US" sz="2000" b="1" dirty="0" err="1">
                 <a:latin typeface="Consolas" pitchFamily="49" charset="0"/>
                 <a:cs typeface="Consolas" pitchFamily="49" charset="0"/>
               </a:rPr>
               <a:t>cond</a:t>
             </a:r>
-            <a:endParaRPr lang="en-US" sz="2000" b="1" dirty="0" smtClean="0">
+            <a:endParaRPr lang="en-US" sz="2000" b="1" dirty="0">
               <a:latin typeface="Consolas" pitchFamily="49" charset="0"/>
               <a:cs typeface="Consolas" pitchFamily="49" charset="0"/>
             </a:endParaRPr>
@@ -9823,28 +9657,28 @@
               <a:buNone/>
             </a:pPr>
             <a:r>
-              <a:rPr lang="en-US" sz="2000" b="1" dirty="0" smtClean="0">
+              <a:rPr lang="en-US" sz="2000" b="1" dirty="0">
                 <a:latin typeface="Consolas" pitchFamily="49" charset="0"/>
                 <a:cs typeface="Consolas" pitchFamily="49" charset="0"/>
               </a:rPr>
               <a:t>    [(empty? </a:t>
             </a:r>
             <a:r>
-              <a:rPr lang="en-US" sz="2000" b="1" dirty="0" err="1" smtClean="0">
+              <a:rPr lang="en-US" sz="2000" b="1" dirty="0" err="1">
                 <a:latin typeface="Consolas" pitchFamily="49" charset="0"/>
                 <a:cs typeface="Consolas" pitchFamily="49" charset="0"/>
               </a:rPr>
               <a:t>lst</a:t>
             </a:r>
             <a:r>
-              <a:rPr lang="en-US" sz="2000" b="1" dirty="0" smtClean="0">
+              <a:rPr lang="en-US" sz="2000" b="1" dirty="0">
                 <a:latin typeface="Consolas" pitchFamily="49" charset="0"/>
                 <a:cs typeface="Consolas" pitchFamily="49" charset="0"/>
               </a:rPr>
               <a:t>) </a:t>
             </a:r>
             <a:r>
-              <a:rPr lang="en-US" sz="2000" b="1" dirty="0" smtClean="0">
+              <a:rPr lang="en-US" sz="2000" b="1" dirty="0">
                 <a:solidFill>
                   <a:srgbClr val="FF0000"/>
                 </a:solidFill>
@@ -9854,7 +9688,7 @@
               <a:t>0</a:t>
             </a:r>
             <a:r>
-              <a:rPr lang="en-US" sz="2000" b="1" dirty="0" smtClean="0">
+              <a:rPr lang="en-US" sz="2000" b="1" dirty="0">
                 <a:latin typeface="Consolas" pitchFamily="49" charset="0"/>
                 <a:cs typeface="Consolas" pitchFamily="49" charset="0"/>
               </a:rPr>
@@ -9867,14 +9701,14 @@
               <a:buNone/>
             </a:pPr>
             <a:r>
-              <a:rPr lang="en-US" sz="2000" b="1" dirty="0" smtClean="0">
+              <a:rPr lang="en-US" sz="2000" b="1" dirty="0">
                 <a:latin typeface="Consolas" pitchFamily="49" charset="0"/>
                 <a:cs typeface="Consolas" pitchFamily="49" charset="0"/>
               </a:rPr>
               <a:t>    [else (</a:t>
             </a:r>
             <a:r>
-              <a:rPr lang="en-US" sz="2000" b="1" dirty="0" smtClean="0">
+              <a:rPr lang="en-US" sz="2000" b="1" dirty="0">
                 <a:solidFill>
                   <a:srgbClr val="FF0000"/>
                 </a:solidFill>
@@ -9884,21 +9718,21 @@
               <a:t>+</a:t>
             </a:r>
             <a:r>
-              <a:rPr lang="en-US" sz="2000" b="1" dirty="0" smtClean="0">
+              <a:rPr lang="en-US" sz="2000" b="1" dirty="0">
                 <a:latin typeface="Consolas" pitchFamily="49" charset="0"/>
                 <a:cs typeface="Consolas" pitchFamily="49" charset="0"/>
               </a:rPr>
               <a:t>   (first </a:t>
             </a:r>
             <a:r>
-              <a:rPr lang="en-US" sz="2000" b="1" dirty="0" err="1" smtClean="0">
+              <a:rPr lang="en-US" sz="2000" b="1" dirty="0" err="1">
                 <a:latin typeface="Consolas" pitchFamily="49" charset="0"/>
                 <a:cs typeface="Consolas" pitchFamily="49" charset="0"/>
               </a:rPr>
               <a:t>lst</a:t>
             </a:r>
             <a:r>
-              <a:rPr lang="en-US" sz="2000" b="1" dirty="0" smtClean="0">
+              <a:rPr lang="en-US" sz="2000" b="1" dirty="0">
                 <a:latin typeface="Consolas" pitchFamily="49" charset="0"/>
                 <a:cs typeface="Consolas" pitchFamily="49" charset="0"/>
               </a:rPr>
@@ -9911,35 +9745,35 @@
               <a:buNone/>
             </a:pPr>
             <a:r>
-              <a:rPr lang="en-US" sz="2000" b="1" dirty="0" smtClean="0">
+              <a:rPr lang="en-US" sz="2000" b="1" dirty="0">
                 <a:latin typeface="Consolas" pitchFamily="49" charset="0"/>
                 <a:cs typeface="Consolas" pitchFamily="49" charset="0"/>
               </a:rPr>
               <a:t>               (</a:t>
             </a:r>
             <a:r>
-              <a:rPr lang="en-US" sz="2000" b="1" dirty="0" err="1" smtClean="0">
+              <a:rPr lang="en-US" sz="2000" b="1" dirty="0" err="1">
                 <a:latin typeface="Consolas" pitchFamily="49" charset="0"/>
                 <a:cs typeface="Consolas" pitchFamily="49" charset="0"/>
               </a:rPr>
               <a:t>lon</a:t>
             </a:r>
             <a:r>
-              <a:rPr lang="en-US" sz="2000" b="1" dirty="0" smtClean="0">
+              <a:rPr lang="en-US" sz="2000" b="1" dirty="0">
                 <a:latin typeface="Consolas" pitchFamily="49" charset="0"/>
                 <a:cs typeface="Consolas" pitchFamily="49" charset="0"/>
               </a:rPr>
               <a:t>-sum (rest </a:t>
             </a:r>
             <a:r>
-              <a:rPr lang="en-US" sz="2000" b="1" dirty="0" err="1" smtClean="0">
+              <a:rPr lang="en-US" sz="2000" b="1" dirty="0" err="1">
                 <a:latin typeface="Consolas" pitchFamily="49" charset="0"/>
                 <a:cs typeface="Consolas" pitchFamily="49" charset="0"/>
               </a:rPr>
               <a:t>lst</a:t>
             </a:r>
             <a:r>
-              <a:rPr lang="en-US" sz="2000" b="1" dirty="0" smtClean="0">
+              <a:rPr lang="en-US" sz="2000" b="1" dirty="0">
                 <a:latin typeface="Consolas" pitchFamily="49" charset="0"/>
                 <a:cs typeface="Consolas" pitchFamily="49" charset="0"/>
               </a:rPr>
@@ -9951,7 +9785,7 @@
               <a:buFont typeface="Arial" pitchFamily="34" charset="0"/>
               <a:buNone/>
             </a:pPr>
-            <a:endParaRPr lang="en-US" sz="2000" b="1" dirty="0" smtClean="0">
+            <a:endParaRPr lang="en-US" sz="2000" b="1" dirty="0">
               <a:latin typeface="Courier New" pitchFamily="49" charset="0"/>
               <a:cs typeface="Courier New" pitchFamily="49" charset="0"/>
             </a:endParaRPr>
@@ -10214,10 +10048,9 @@
           <a:lstStyle/>
           <a:p>
             <a:r>
-              <a:rPr lang="en-US" dirty="0" smtClean="0"/>
+              <a:rPr lang="en-US" dirty="0"/>
               <a:t>Watch this work:</a:t>
             </a:r>
-            <a:endParaRPr lang="en-US" dirty="0"/>
           </a:p>
         </p:txBody>
       </p:sp>
@@ -10242,14 +10075,14 @@
               <a:buNone/>
             </a:pPr>
             <a:r>
-              <a:rPr lang="en-US" sz="2400" b="1" dirty="0" smtClean="0">
+              <a:rPr lang="en-US" sz="2400" b="1" dirty="0">
                 <a:latin typeface="Consolas" pitchFamily="49" charset="0"/>
                 <a:cs typeface="Consolas" pitchFamily="49" charset="0"/>
               </a:rPr>
               <a:t>(</a:t>
             </a:r>
             <a:r>
-              <a:rPr lang="en-US" sz="2400" b="1" dirty="0" err="1" smtClean="0">
+              <a:rPr lang="en-US" sz="2400" b="1" dirty="0" err="1">
                 <a:solidFill>
                   <a:srgbClr val="FF0000"/>
                 </a:solidFill>
@@ -10259,7 +10092,7 @@
               <a:t>lon</a:t>
             </a:r>
             <a:r>
-              <a:rPr lang="en-US" sz="2400" b="1" dirty="0" smtClean="0">
+              <a:rPr lang="en-US" sz="2400" b="1" dirty="0">
                 <a:solidFill>
                   <a:srgbClr val="FF0000"/>
                 </a:solidFill>
@@ -10269,7 +10102,7 @@
               <a:t>-sum</a:t>
             </a:r>
             <a:r>
-              <a:rPr lang="en-US" sz="2400" b="1" dirty="0" smtClean="0">
+              <a:rPr lang="en-US" sz="2400" b="1" dirty="0">
                 <a:latin typeface="Consolas" pitchFamily="49" charset="0"/>
                 <a:cs typeface="Consolas" pitchFamily="49" charset="0"/>
               </a:rPr>
@@ -10281,14 +10114,14 @@
               <a:buNone/>
             </a:pPr>
             <a:r>
-              <a:rPr lang="en-US" sz="2400" b="1" dirty="0" smtClean="0">
+              <a:rPr lang="en-US" sz="2400" b="1" dirty="0">
                 <a:latin typeface="Consolas" pitchFamily="49" charset="0"/>
                 <a:cs typeface="Consolas" pitchFamily="49" charset="0"/>
               </a:rPr>
               <a:t>= (+ 11  (</a:t>
             </a:r>
             <a:r>
-              <a:rPr lang="en-US" sz="2400" b="1" dirty="0" err="1" smtClean="0">
+              <a:rPr lang="en-US" sz="2400" b="1" dirty="0" err="1">
                 <a:solidFill>
                   <a:srgbClr val="FF0000"/>
                 </a:solidFill>
@@ -10298,7 +10131,7 @@
               <a:t>lon</a:t>
             </a:r>
             <a:r>
-              <a:rPr lang="en-US" sz="2400" b="1" dirty="0" smtClean="0">
+              <a:rPr lang="en-US" sz="2400" b="1" dirty="0">
                 <a:solidFill>
                   <a:srgbClr val="FF0000"/>
                 </a:solidFill>
@@ -10308,7 +10141,7 @@
               <a:t>-sum</a:t>
             </a:r>
             <a:r>
-              <a:rPr lang="en-US" sz="2400" b="1" dirty="0" smtClean="0">
+              <a:rPr lang="en-US" sz="2400" b="1" dirty="0">
                 <a:latin typeface="Consolas" pitchFamily="49" charset="0"/>
                 <a:cs typeface="Consolas" pitchFamily="49" charset="0"/>
               </a:rPr>
@@ -10320,14 +10153,14 @@
               <a:buNone/>
             </a:pPr>
             <a:r>
-              <a:rPr lang="en-US" sz="2400" b="1" dirty="0" smtClean="0">
+              <a:rPr lang="en-US" sz="2400" b="1" dirty="0">
                 <a:latin typeface="Consolas" pitchFamily="49" charset="0"/>
                 <a:cs typeface="Consolas" pitchFamily="49" charset="0"/>
               </a:rPr>
               <a:t>= (+ 11  (+ 22    (</a:t>
             </a:r>
             <a:r>
-              <a:rPr lang="en-US" sz="2400" b="1" dirty="0" err="1" smtClean="0">
+              <a:rPr lang="en-US" sz="2400" b="1" dirty="0" err="1">
                 <a:solidFill>
                   <a:srgbClr val="FF0000"/>
                 </a:solidFill>
@@ -10337,7 +10170,7 @@
               <a:t>lon</a:t>
             </a:r>
             <a:r>
-              <a:rPr lang="en-US" sz="2400" b="1" dirty="0" smtClean="0">
+              <a:rPr lang="en-US" sz="2400" b="1" dirty="0">
                 <a:solidFill>
                   <a:srgbClr val="FF0000"/>
                 </a:solidFill>
@@ -10347,7 +10180,7 @@
               <a:t>-sum</a:t>
             </a:r>
             <a:r>
-              <a:rPr lang="en-US" sz="2400" b="1" dirty="0" smtClean="0">
+              <a:rPr lang="en-US" sz="2400" b="1" dirty="0">
                 <a:latin typeface="Consolas" pitchFamily="49" charset="0"/>
                 <a:cs typeface="Consolas" pitchFamily="49" charset="0"/>
               </a:rPr>
@@ -10359,14 +10192,14 @@
               <a:buNone/>
             </a:pPr>
             <a:r>
-              <a:rPr lang="en-US" sz="2400" b="1" dirty="0" smtClean="0">
+              <a:rPr lang="en-US" sz="2400" b="1" dirty="0">
                 <a:latin typeface="Consolas" pitchFamily="49" charset="0"/>
                 <a:cs typeface="Consolas" pitchFamily="49" charset="0"/>
               </a:rPr>
               <a:t>= (+ 11  (+ 22    (+ 33    (</a:t>
             </a:r>
             <a:r>
-              <a:rPr lang="en-US" sz="2400" b="1" dirty="0" err="1" smtClean="0">
+              <a:rPr lang="en-US" sz="2400" b="1" dirty="0" err="1">
                 <a:solidFill>
                   <a:srgbClr val="FF0000"/>
                 </a:solidFill>
@@ -10376,7 +10209,7 @@
               <a:t>lon</a:t>
             </a:r>
             <a:r>
-              <a:rPr lang="en-US" sz="2400" b="1" dirty="0" smtClean="0">
+              <a:rPr lang="en-US" sz="2400" b="1" dirty="0">
                 <a:solidFill>
                   <a:srgbClr val="FF0000"/>
                 </a:solidFill>
@@ -10386,7 +10219,7 @@
               <a:t>-sum</a:t>
             </a:r>
             <a:r>
-              <a:rPr lang="en-US" sz="2400" b="1" dirty="0" smtClean="0">
+              <a:rPr lang="en-US" sz="2400" b="1" dirty="0">
                 <a:latin typeface="Consolas" pitchFamily="49" charset="0"/>
                 <a:cs typeface="Consolas" pitchFamily="49" charset="0"/>
               </a:rPr>
@@ -10398,7 +10231,7 @@
               <a:buNone/>
             </a:pPr>
             <a:r>
-              <a:rPr lang="en-US" sz="2400" b="1" dirty="0" smtClean="0">
+              <a:rPr lang="en-US" sz="2400" b="1" dirty="0">
                 <a:latin typeface="Consolas" pitchFamily="49" charset="0"/>
                 <a:cs typeface="Consolas" pitchFamily="49" charset="0"/>
               </a:rPr>
@@ -10410,7 +10243,7 @@
               <a:buNone/>
             </a:pPr>
             <a:r>
-              <a:rPr lang="en-US" sz="2400" b="1" dirty="0" smtClean="0">
+              <a:rPr lang="en-US" sz="2400" b="1" dirty="0">
                 <a:latin typeface="Consolas" pitchFamily="49" charset="0"/>
                 <a:cs typeface="Consolas" pitchFamily="49" charset="0"/>
               </a:rPr>
@@ -10422,7 +10255,7 @@
               <a:buNone/>
             </a:pPr>
             <a:r>
-              <a:rPr lang="en-US" sz="2400" b="1" dirty="0" smtClean="0">
+              <a:rPr lang="en-US" sz="2400" b="1" dirty="0">
                 <a:latin typeface="Consolas" pitchFamily="49" charset="0"/>
                 <a:cs typeface="Consolas" pitchFamily="49" charset="0"/>
               </a:rPr>
@@ -10434,16 +10267,12 @@
               <a:buNone/>
             </a:pPr>
             <a:r>
-              <a:rPr lang="en-US" sz="2400" b="1" dirty="0" smtClean="0">
+              <a:rPr lang="en-US" sz="2400" b="1" dirty="0">
                 <a:latin typeface="Consolas" pitchFamily="49" charset="0"/>
                 <a:cs typeface="Consolas" pitchFamily="49" charset="0"/>
               </a:rPr>
               <a:t>= 66</a:t>
             </a:r>
-            <a:endParaRPr lang="en-US" sz="2400" b="1" dirty="0">
-              <a:latin typeface="Consolas" pitchFamily="49" charset="0"/>
-              <a:cs typeface="Consolas" pitchFamily="49" charset="0"/>
-            </a:endParaRPr>
           </a:p>
         </p:txBody>
       </p:sp>
@@ -10890,10 +10719,9 @@
           <a:lstStyle/>
           <a:p>
             <a:r>
-              <a:rPr lang="en-US" dirty="0" smtClean="0"/>
+              <a:rPr lang="en-US" dirty="0"/>
               <a:t>Learning Objectives</a:t>
             </a:r>
-            <a:endParaRPr lang="en-US" dirty="0"/>
           </a:p>
         </p:txBody>
       </p:sp>
@@ -10916,7 +10744,7 @@
               <a:buNone/>
             </a:pPr>
             <a:r>
-              <a:rPr lang="en-US" dirty="0" smtClean="0"/>
+              <a:rPr lang="en-US" dirty="0"/>
               <a:t>At the end of this lesson you should be able to:</a:t>
             </a:r>
           </a:p>
@@ -10930,19 +10758,7 @@
             <a:pPr lvl="0"/>
             <a:r>
               <a:rPr lang="en-US" dirty="0"/>
-              <a:t>Use </a:t>
-            </a:r>
-            <a:r>
-              <a:rPr lang="en-US" dirty="0" smtClean="0"/>
-              <a:t>the </a:t>
-            </a:r>
-            <a:r>
-              <a:rPr lang="en-US" dirty="0" smtClean="0"/>
-              <a:t>template </a:t>
-            </a:r>
-            <a:r>
-              <a:rPr lang="en-US" dirty="0"/>
-              <a:t>for list data to write simple functions on lists. </a:t>
+              <a:t>Use the template for list data to write simple functions on lists. </a:t>
             </a:r>
           </a:p>
         </p:txBody>
@@ -10981,13 +10797,6 @@
   <p:clrMapOvr>
     <a:masterClrMapping/>
   </p:clrMapOvr>
-  <p:timing>
-    <p:tnLst>
-      <p:par>
-        <p:cTn id="1" dur="indefinite" restart="never" nodeType="tmRoot"/>
-      </p:par>
-    </p:tnLst>
-  </p:timing>
 </p:sld>
 </file>
 
@@ -11024,10 +10833,9 @@
           <a:lstStyle/>
           <a:p>
             <a:r>
-              <a:rPr lang="en-US" dirty="0" smtClean="0"/>
+              <a:rPr lang="en-US" dirty="0"/>
               <a:t>Example 3: double-all</a:t>
             </a:r>
-            <a:endParaRPr lang="en-US" dirty="0"/>
           </a:p>
         </p:txBody>
       </p:sp>
@@ -11052,7 +10860,7 @@
               <a:buNone/>
             </a:pPr>
             <a:r>
-              <a:rPr lang="en-US" sz="2800" b="1" dirty="0" smtClean="0">
+              <a:rPr lang="en-US" sz="2800" b="1" dirty="0">
                 <a:latin typeface="Consolas" pitchFamily="49" charset="0"/>
                 <a:cs typeface="Consolas" pitchFamily="49" charset="0"/>
               </a:rPr>
@@ -11064,7 +10872,7 @@
               <a:buNone/>
             </a:pPr>
             <a:r>
-              <a:rPr lang="en-US" sz="2800" b="1" dirty="0" smtClean="0">
+              <a:rPr lang="en-US" sz="2800" b="1" dirty="0">
                 <a:latin typeface="Consolas" pitchFamily="49" charset="0"/>
                 <a:cs typeface="Consolas" pitchFamily="49" charset="0"/>
               </a:rPr>
@@ -11076,7 +10884,7 @@
               <a:buNone/>
             </a:pPr>
             <a:r>
-              <a:rPr lang="en-US" sz="2800" b="1" dirty="0" smtClean="0">
+              <a:rPr lang="en-US" sz="2800" b="1" dirty="0">
                 <a:latin typeface="Consolas" pitchFamily="49" charset="0"/>
                 <a:cs typeface="Consolas" pitchFamily="49" charset="0"/>
               </a:rPr>
@@ -11092,14 +10900,7 @@
                 <a:latin typeface="Consolas" pitchFamily="49" charset="0"/>
                 <a:cs typeface="Consolas" pitchFamily="49" charset="0"/>
               </a:rPr>
-              <a:t> </a:t>
-            </a:r>
-            <a:r>
-              <a:rPr lang="en-US" sz="2800" b="1" dirty="0" smtClean="0">
-                <a:latin typeface="Consolas" pitchFamily="49" charset="0"/>
-                <a:cs typeface="Consolas" pitchFamily="49" charset="0"/>
-              </a:rPr>
-              <a:t>        with each number doubled</a:t>
+              <a:t>         with each number doubled</a:t>
             </a:r>
           </a:p>
           <a:p>
@@ -11107,7 +10908,7 @@
               <a:buNone/>
             </a:pPr>
             <a:r>
-              <a:rPr lang="en-US" sz="2800" b="1" dirty="0" smtClean="0">
+              <a:rPr lang="en-US" sz="2800" b="1" dirty="0">
                 <a:latin typeface="Consolas" pitchFamily="49" charset="0"/>
                 <a:cs typeface="Consolas" pitchFamily="49" charset="0"/>
               </a:rPr>
@@ -11119,7 +10920,7 @@
               <a:buNone/>
             </a:pPr>
             <a:r>
-              <a:rPr lang="en-US" sz="2800" b="1" dirty="0" smtClean="0">
+              <a:rPr lang="en-US" sz="2800" b="1" dirty="0">
                 <a:latin typeface="Consolas" pitchFamily="49" charset="0"/>
                 <a:cs typeface="Consolas" pitchFamily="49" charset="0"/>
               </a:rPr>
@@ -11131,7 +10932,7 @@
               <a:buNone/>
             </a:pPr>
             <a:r>
-              <a:rPr lang="en-US" sz="2800" b="1" dirty="0" smtClean="0">
+              <a:rPr lang="en-US" sz="2800" b="1" dirty="0">
                 <a:latin typeface="Consolas" pitchFamily="49" charset="0"/>
                 <a:cs typeface="Consolas" pitchFamily="49" charset="0"/>
               </a:rPr>
@@ -11143,7 +10944,7 @@
               <a:buNone/>
             </a:pPr>
             <a:r>
-              <a:rPr lang="en-US" sz="2800" b="1" dirty="0" smtClean="0">
+              <a:rPr lang="en-US" sz="2800" b="1" dirty="0">
                 <a:latin typeface="Consolas" pitchFamily="49" charset="0"/>
                 <a:cs typeface="Consolas" pitchFamily="49" charset="0"/>
               </a:rPr>
@@ -11155,7 +10956,7 @@
               <a:buNone/>
             </a:pPr>
             <a:r>
-              <a:rPr lang="en-US" sz="2800" b="1" dirty="0" smtClean="0">
+              <a:rPr lang="en-US" sz="2800" b="1" dirty="0">
                 <a:latin typeface="Consolas" pitchFamily="49" charset="0"/>
                 <a:cs typeface="Consolas" pitchFamily="49" charset="0"/>
               </a:rPr>
@@ -11167,7 +10968,7 @@
               <a:buNone/>
             </a:pPr>
             <a:r>
-              <a:rPr lang="en-US" sz="2800" b="1" dirty="0" smtClean="0">
+              <a:rPr lang="en-US" sz="2800" b="1" dirty="0">
                 <a:latin typeface="Consolas" pitchFamily="49" charset="0"/>
                 <a:cs typeface="Consolas" pitchFamily="49" charset="0"/>
               </a:rPr>
@@ -11179,21 +10980,21 @@
               <a:buNone/>
             </a:pPr>
             <a:r>
-              <a:rPr lang="en-US" sz="2800" b="1" dirty="0" smtClean="0">
+              <a:rPr lang="en-US" sz="2800" b="1" dirty="0">
                 <a:latin typeface="Consolas" pitchFamily="49" charset="0"/>
                 <a:cs typeface="Consolas" pitchFamily="49" charset="0"/>
               </a:rPr>
               <a:t>STRATEGY: Use template for LON on </a:t>
             </a:r>
             <a:r>
-              <a:rPr lang="en-US" sz="2800" b="1" dirty="0" err="1" smtClean="0">
+              <a:rPr lang="en-US" sz="2800" b="1" dirty="0" err="1">
                 <a:latin typeface="Consolas" pitchFamily="49" charset="0"/>
                 <a:cs typeface="Consolas" pitchFamily="49" charset="0"/>
               </a:rPr>
               <a:t>lst</a:t>
             </a:r>
             <a:r>
-              <a:rPr lang="en-US" sz="2800" b="1" dirty="0" smtClean="0">
+              <a:rPr lang="en-US" sz="2800" b="1" dirty="0">
                 <a:latin typeface="Consolas" pitchFamily="49" charset="0"/>
                 <a:cs typeface="Consolas" pitchFamily="49" charset="0"/>
               </a:rPr>
@@ -11236,13 +11037,6 @@
   <p:clrMapOvr>
     <a:masterClrMapping/>
   </p:clrMapOvr>
-  <p:timing>
-    <p:tnLst>
-      <p:par>
-        <p:cTn id="1" dur="indefinite" restart="never" nodeType="tmRoot"/>
-      </p:par>
-    </p:tnLst>
-  </p:timing>
 </p:sld>
 </file>
 
@@ -11279,10 +11073,9 @@
           <a:lstStyle/>
           <a:p>
             <a:r>
-              <a:rPr lang="en-US" dirty="0" smtClean="0"/>
+              <a:rPr lang="en-US" dirty="0"/>
               <a:t>Example 3: double-all</a:t>
             </a:r>
-            <a:endParaRPr lang="en-US" dirty="0"/>
           </a:p>
         </p:txBody>
       </p:sp>
@@ -11312,7 +11105,7 @@
               <a:buNone/>
             </a:pPr>
             <a:r>
-              <a:rPr lang="en-US" sz="2400" b="1" dirty="0" smtClean="0">
+              <a:rPr lang="en-US" sz="2400" b="1" dirty="0">
                 <a:latin typeface="Consolas" pitchFamily="49" charset="0"/>
                 <a:cs typeface="Consolas" pitchFamily="49" charset="0"/>
               </a:rPr>
@@ -11324,21 +11117,21 @@
               <a:buNone/>
             </a:pPr>
             <a:r>
-              <a:rPr lang="en-US" sz="2400" b="1" dirty="0" smtClean="0">
+              <a:rPr lang="en-US" sz="2400" b="1" dirty="0">
                 <a:latin typeface="Consolas" pitchFamily="49" charset="0"/>
                 <a:cs typeface="Consolas" pitchFamily="49" charset="0"/>
               </a:rPr>
               <a:t>(define (double-all </a:t>
             </a:r>
             <a:r>
-              <a:rPr lang="en-US" sz="2400" b="1" dirty="0" err="1" smtClean="0">
+              <a:rPr lang="en-US" sz="2400" b="1" dirty="0" err="1">
                 <a:latin typeface="Consolas" pitchFamily="49" charset="0"/>
                 <a:cs typeface="Consolas" pitchFamily="49" charset="0"/>
               </a:rPr>
               <a:t>lst</a:t>
             </a:r>
             <a:r>
-              <a:rPr lang="en-US" sz="2400" b="1" dirty="0" smtClean="0">
+              <a:rPr lang="en-US" sz="2400" b="1" dirty="0">
                 <a:latin typeface="Consolas" pitchFamily="49" charset="0"/>
                 <a:cs typeface="Consolas" pitchFamily="49" charset="0"/>
               </a:rPr>
@@ -11350,20 +11143,20 @@
               <a:buNone/>
             </a:pPr>
             <a:r>
-              <a:rPr lang="en-US" sz="2400" b="1" dirty="0" smtClean="0">
+              <a:rPr lang="en-US" sz="2400" b="1" dirty="0">
                 <a:latin typeface="Consolas" pitchFamily="49" charset="0"/>
                 <a:cs typeface="Consolas" pitchFamily="49" charset="0"/>
               </a:rPr>
               <a:t>  (</a:t>
             </a:r>
             <a:r>
-              <a:rPr lang="en-US" sz="2400" b="1" dirty="0" err="1" smtClean="0">
+              <a:rPr lang="en-US" sz="2400" b="1" dirty="0" err="1">
                 <a:latin typeface="Consolas" pitchFamily="49" charset="0"/>
                 <a:cs typeface="Consolas" pitchFamily="49" charset="0"/>
               </a:rPr>
               <a:t>cond</a:t>
             </a:r>
-            <a:endParaRPr lang="en-US" sz="2400" b="1" dirty="0" smtClean="0">
+            <a:endParaRPr lang="en-US" sz="2400" b="1" dirty="0">
               <a:latin typeface="Consolas" pitchFamily="49" charset="0"/>
               <a:cs typeface="Consolas" pitchFamily="49" charset="0"/>
             </a:endParaRPr>
@@ -11373,21 +11166,21 @@
               <a:buNone/>
             </a:pPr>
             <a:r>
-              <a:rPr lang="en-US" sz="2400" b="1" dirty="0" smtClean="0">
+              <a:rPr lang="en-US" sz="2400" b="1" dirty="0">
                 <a:latin typeface="Consolas" pitchFamily="49" charset="0"/>
                 <a:cs typeface="Consolas" pitchFamily="49" charset="0"/>
               </a:rPr>
               <a:t>    [(empty? </a:t>
             </a:r>
             <a:r>
-              <a:rPr lang="en-US" sz="2400" b="1" dirty="0" err="1" smtClean="0">
+              <a:rPr lang="en-US" sz="2400" b="1" dirty="0" err="1">
                 <a:latin typeface="Consolas" pitchFamily="49" charset="0"/>
                 <a:cs typeface="Consolas" pitchFamily="49" charset="0"/>
               </a:rPr>
               <a:t>lst</a:t>
             </a:r>
             <a:r>
-              <a:rPr lang="en-US" sz="2400" b="1" dirty="0" smtClean="0">
+              <a:rPr lang="en-US" sz="2400" b="1" dirty="0">
                 <a:latin typeface="Consolas" pitchFamily="49" charset="0"/>
                 <a:cs typeface="Consolas" pitchFamily="49" charset="0"/>
               </a:rPr>
@@ -11399,21 +11192,21 @@
               <a:buNone/>
             </a:pPr>
             <a:r>
-              <a:rPr lang="en-US" sz="2400" b="1" dirty="0" smtClean="0">
+              <a:rPr lang="en-US" sz="2400" b="1" dirty="0">
                 <a:latin typeface="Consolas" pitchFamily="49" charset="0"/>
                 <a:cs typeface="Consolas" pitchFamily="49" charset="0"/>
               </a:rPr>
               <a:t>    [else (... (first </a:t>
             </a:r>
             <a:r>
-              <a:rPr lang="en-US" sz="2400" b="1" dirty="0" err="1" smtClean="0">
+              <a:rPr lang="en-US" sz="2400" b="1" dirty="0" err="1">
                 <a:latin typeface="Consolas" pitchFamily="49" charset="0"/>
                 <a:cs typeface="Consolas" pitchFamily="49" charset="0"/>
               </a:rPr>
               <a:t>lst</a:t>
             </a:r>
             <a:r>
-              <a:rPr lang="en-US" sz="2400" b="1" dirty="0" smtClean="0">
+              <a:rPr lang="en-US" sz="2400" b="1" dirty="0">
                 <a:latin typeface="Consolas" pitchFamily="49" charset="0"/>
                 <a:cs typeface="Consolas" pitchFamily="49" charset="0"/>
               </a:rPr>
@@ -11425,21 +11218,21 @@
               <a:buNone/>
             </a:pPr>
             <a:r>
-              <a:rPr lang="en-US" sz="2400" b="1" dirty="0" smtClean="0">
+              <a:rPr lang="en-US" sz="2400" b="1" dirty="0">
                 <a:latin typeface="Consolas" pitchFamily="49" charset="0"/>
                 <a:cs typeface="Consolas" pitchFamily="49" charset="0"/>
               </a:rPr>
               <a:t>               (double-all (rest </a:t>
             </a:r>
             <a:r>
-              <a:rPr lang="en-US" sz="2400" b="1" dirty="0" err="1" smtClean="0">
+              <a:rPr lang="en-US" sz="2400" b="1" dirty="0" err="1">
                 <a:latin typeface="Consolas" pitchFamily="49" charset="0"/>
                 <a:cs typeface="Consolas" pitchFamily="49" charset="0"/>
               </a:rPr>
               <a:t>lst</a:t>
             </a:r>
             <a:r>
-              <a:rPr lang="en-US" sz="2400" b="1" dirty="0" smtClean="0">
+              <a:rPr lang="en-US" sz="2400" b="1" dirty="0">
                 <a:latin typeface="Consolas" pitchFamily="49" charset="0"/>
                 <a:cs typeface="Consolas" pitchFamily="49" charset="0"/>
               </a:rPr>
@@ -11450,7 +11243,7 @@
             <a:pPr>
               <a:buNone/>
             </a:pPr>
-            <a:endParaRPr lang="en-US" sz="2800" b="1" dirty="0" smtClean="0">
+            <a:endParaRPr lang="en-US" sz="2800" b="1" dirty="0">
               <a:latin typeface="Consolas" pitchFamily="49" charset="0"/>
               <a:cs typeface="Consolas" pitchFamily="49" charset="0"/>
             </a:endParaRPr>
@@ -11537,7 +11330,7 @@
             <a:p>
               <a:pPr algn="ctr"/>
               <a:r>
-                <a:rPr lang="en-US" sz="2400" dirty="0" smtClean="0">
+                <a:rPr lang="en-US" sz="2400" dirty="0">
                   <a:solidFill>
                     <a:schemeClr val="tx1"/>
                   </a:solidFill>
@@ -11694,7 +11487,7 @@
             <a:p>
               <a:pPr algn="ctr"/>
               <a:r>
-                <a:rPr lang="en-US" sz="2400" dirty="0" smtClean="0">
+                <a:rPr lang="en-US" sz="2400" dirty="0">
                   <a:solidFill>
                     <a:schemeClr val="tx1"/>
                   </a:solidFill>
@@ -11907,7 +11700,7 @@
               <a:buNone/>
             </a:pPr>
             <a:r>
-              <a:rPr lang="en-US" sz="2400" b="1" dirty="0" smtClean="0">
+              <a:rPr lang="en-US" sz="2400" b="1" dirty="0">
                 <a:latin typeface="Consolas" pitchFamily="49" charset="0"/>
                 <a:cs typeface="Consolas" pitchFamily="49" charset="0"/>
               </a:rPr>
@@ -11920,21 +11713,21 @@
               <a:buNone/>
             </a:pPr>
             <a:r>
-              <a:rPr lang="en-US" sz="2400" b="1" dirty="0" smtClean="0">
+              <a:rPr lang="en-US" sz="2400" b="1" dirty="0">
                 <a:latin typeface="Consolas" pitchFamily="49" charset="0"/>
                 <a:cs typeface="Consolas" pitchFamily="49" charset="0"/>
               </a:rPr>
               <a:t>(define (double-all </a:t>
             </a:r>
             <a:r>
-              <a:rPr lang="en-US" sz="2400" b="1" dirty="0" err="1" smtClean="0">
+              <a:rPr lang="en-US" sz="2400" b="1" dirty="0" err="1">
                 <a:latin typeface="Consolas" pitchFamily="49" charset="0"/>
                 <a:cs typeface="Consolas" pitchFamily="49" charset="0"/>
               </a:rPr>
               <a:t>lst</a:t>
             </a:r>
             <a:r>
-              <a:rPr lang="en-US" sz="2400" b="1" dirty="0" smtClean="0">
+              <a:rPr lang="en-US" sz="2400" b="1" dirty="0">
                 <a:latin typeface="Consolas" pitchFamily="49" charset="0"/>
                 <a:cs typeface="Consolas" pitchFamily="49" charset="0"/>
               </a:rPr>
@@ -11947,20 +11740,20 @@
               <a:buNone/>
             </a:pPr>
             <a:r>
-              <a:rPr lang="en-US" sz="2400" b="1" dirty="0" smtClean="0">
+              <a:rPr lang="en-US" sz="2400" b="1" dirty="0">
                 <a:latin typeface="Consolas" pitchFamily="49" charset="0"/>
                 <a:cs typeface="Consolas" pitchFamily="49" charset="0"/>
               </a:rPr>
               <a:t>  (</a:t>
             </a:r>
             <a:r>
-              <a:rPr lang="en-US" sz="2400" b="1" dirty="0" err="1" smtClean="0">
+              <a:rPr lang="en-US" sz="2400" b="1" dirty="0" err="1">
                 <a:latin typeface="Consolas" pitchFamily="49" charset="0"/>
                 <a:cs typeface="Consolas" pitchFamily="49" charset="0"/>
               </a:rPr>
               <a:t>cond</a:t>
             </a:r>
-            <a:endParaRPr lang="en-US" sz="2400" b="1" dirty="0" smtClean="0">
+            <a:endParaRPr lang="en-US" sz="2400" b="1" dirty="0">
               <a:latin typeface="Consolas" pitchFamily="49" charset="0"/>
               <a:cs typeface="Consolas" pitchFamily="49" charset="0"/>
             </a:endParaRPr>
@@ -11971,28 +11764,28 @@
               <a:buNone/>
             </a:pPr>
             <a:r>
-              <a:rPr lang="en-US" sz="2400" b="1" dirty="0" smtClean="0">
+              <a:rPr lang="en-US" sz="2400" b="1" dirty="0">
                 <a:latin typeface="Consolas" pitchFamily="49" charset="0"/>
                 <a:cs typeface="Consolas" pitchFamily="49" charset="0"/>
               </a:rPr>
               <a:t>    [(empty? </a:t>
             </a:r>
             <a:r>
-              <a:rPr lang="en-US" sz="2400" b="1" dirty="0" err="1" smtClean="0">
+              <a:rPr lang="en-US" sz="2400" b="1" dirty="0" err="1">
                 <a:latin typeface="Consolas" pitchFamily="49" charset="0"/>
                 <a:cs typeface="Consolas" pitchFamily="49" charset="0"/>
               </a:rPr>
               <a:t>lst</a:t>
             </a:r>
             <a:r>
-              <a:rPr lang="en-US" sz="2400" b="1" dirty="0" smtClean="0">
+              <a:rPr lang="en-US" sz="2400" b="1" dirty="0">
                 <a:latin typeface="Consolas" pitchFamily="49" charset="0"/>
                 <a:cs typeface="Consolas" pitchFamily="49" charset="0"/>
               </a:rPr>
               <a:t>) </a:t>
             </a:r>
             <a:r>
-              <a:rPr lang="en-US" sz="2400" b="1" dirty="0" smtClean="0">
+              <a:rPr lang="en-US" sz="2400" b="1" dirty="0">
                 <a:solidFill>
                   <a:srgbClr val="FF0000"/>
                 </a:solidFill>
@@ -12002,7 +11795,7 @@
               <a:t>empty</a:t>
             </a:r>
             <a:r>
-              <a:rPr lang="en-US" sz="2400" b="1" dirty="0" smtClean="0">
+              <a:rPr lang="en-US" sz="2400" b="1" dirty="0">
                 <a:latin typeface="Consolas" pitchFamily="49" charset="0"/>
                 <a:cs typeface="Consolas" pitchFamily="49" charset="0"/>
               </a:rPr>
@@ -12015,14 +11808,14 @@
               <a:buNone/>
             </a:pPr>
             <a:r>
-              <a:rPr lang="en-US" sz="2400" b="1" dirty="0" smtClean="0">
+              <a:rPr lang="en-US" sz="2400" b="1" dirty="0">
                 <a:latin typeface="Consolas" pitchFamily="49" charset="0"/>
                 <a:cs typeface="Consolas" pitchFamily="49" charset="0"/>
               </a:rPr>
               <a:t>    [else </a:t>
             </a:r>
             <a:r>
-              <a:rPr lang="en-US" sz="2400" b="1" dirty="0" smtClean="0">
+              <a:rPr lang="en-US" sz="2400" b="1" dirty="0">
                 <a:solidFill>
                   <a:srgbClr val="FF0000"/>
                 </a:solidFill>
@@ -12032,7 +11825,7 @@
               <a:t>(cons (* 2 (first </a:t>
             </a:r>
             <a:r>
-              <a:rPr lang="en-US" sz="2400" b="1" dirty="0" err="1" smtClean="0">
+              <a:rPr lang="en-US" sz="2400" b="1" dirty="0" err="1">
                 <a:solidFill>
                   <a:srgbClr val="FF0000"/>
                 </a:solidFill>
@@ -12042,7 +11835,7 @@
               <a:t>lst</a:t>
             </a:r>
             <a:r>
-              <a:rPr lang="en-US" sz="2400" b="1" dirty="0" smtClean="0">
+              <a:rPr lang="en-US" sz="2400" b="1" dirty="0">
                 <a:solidFill>
                   <a:srgbClr val="FF0000"/>
                 </a:solidFill>
@@ -12058,21 +11851,21 @@
               <a:buNone/>
             </a:pPr>
             <a:r>
-              <a:rPr lang="en-US" sz="2400" b="1" dirty="0" smtClean="0">
+              <a:rPr lang="en-US" sz="2400" b="1" dirty="0">
                 <a:latin typeface="Consolas" pitchFamily="49" charset="0"/>
                 <a:cs typeface="Consolas" pitchFamily="49" charset="0"/>
               </a:rPr>
               <a:t>               (double-all (rest </a:t>
             </a:r>
             <a:r>
-              <a:rPr lang="en-US" sz="2400" b="1" dirty="0" err="1" smtClean="0">
+              <a:rPr lang="en-US" sz="2400" b="1" dirty="0" err="1">
                 <a:latin typeface="Consolas" pitchFamily="49" charset="0"/>
                 <a:cs typeface="Consolas" pitchFamily="49" charset="0"/>
               </a:rPr>
               <a:t>lst</a:t>
             </a:r>
             <a:r>
-              <a:rPr lang="en-US" sz="2400" b="1" dirty="0" smtClean="0">
+              <a:rPr lang="en-US" sz="2400" b="1" dirty="0">
                 <a:latin typeface="Consolas" pitchFamily="49" charset="0"/>
                 <a:cs typeface="Consolas" pitchFamily="49" charset="0"/>
               </a:rPr>
@@ -12084,7 +11877,7 @@
               <a:buFont typeface="Arial" pitchFamily="34" charset="0"/>
               <a:buNone/>
             </a:pPr>
-            <a:endParaRPr lang="en-US" sz="2800" b="1" dirty="0" smtClean="0">
+            <a:endParaRPr lang="en-US" sz="2800" b="1" dirty="0">
               <a:latin typeface="Consolas" pitchFamily="49" charset="0"/>
               <a:cs typeface="Consolas" pitchFamily="49" charset="0"/>
             </a:endParaRPr>
@@ -12347,10 +12140,9 @@
           <a:lstStyle/>
           <a:p>
             <a:r>
-              <a:rPr lang="en-US" dirty="0" smtClean="0"/>
+              <a:rPr lang="en-US" dirty="0"/>
               <a:t>Example 4: remove-evens</a:t>
             </a:r>
-            <a:endParaRPr lang="en-US" dirty="0"/>
           </a:p>
         </p:txBody>
       </p:sp>
@@ -12370,33 +12162,33 @@
           <a:lstStyle/>
           <a:p>
             <a:r>
-              <a:rPr lang="en-US" dirty="0" smtClean="0"/>
+              <a:rPr lang="en-US" dirty="0"/>
               <a:t>For this one, we'll need to specialize to integers.</a:t>
             </a:r>
           </a:p>
           <a:p>
-            <a:endParaRPr lang="en-US" dirty="0" smtClean="0"/>
+            <a:endParaRPr lang="en-US" dirty="0"/>
           </a:p>
           <a:p>
             <a:pPr marL="0" indent="0">
               <a:buNone/>
             </a:pPr>
             <a:r>
-              <a:rPr lang="en-US" sz="2400" b="1" dirty="0" smtClean="0">
+              <a:rPr lang="en-US" sz="2400" b="1" dirty="0">
                 <a:latin typeface="Consolas" panose="020B0609020204030204" pitchFamily="49" charset="0"/>
                 <a:cs typeface="Consolas" panose="020B0609020204030204" pitchFamily="49" charset="0"/>
               </a:rPr>
               <a:t>A </a:t>
             </a:r>
             <a:r>
-              <a:rPr lang="en-US" sz="2400" b="1" dirty="0" err="1" smtClean="0">
+              <a:rPr lang="en-US" sz="2400" b="1" dirty="0" err="1">
                 <a:latin typeface="Consolas" panose="020B0609020204030204" pitchFamily="49" charset="0"/>
                 <a:cs typeface="Consolas" panose="020B0609020204030204" pitchFamily="49" charset="0"/>
               </a:rPr>
               <a:t>ListOfIntegers</a:t>
             </a:r>
             <a:r>
-              <a:rPr lang="en-US" sz="2400" b="1" dirty="0" smtClean="0">
+              <a:rPr lang="en-US" sz="2400" b="1" dirty="0">
                 <a:latin typeface="Consolas" panose="020B0609020204030204" pitchFamily="49" charset="0"/>
                 <a:cs typeface="Consolas" panose="020B0609020204030204" pitchFamily="49" charset="0"/>
               </a:rPr>
@@ -12408,7 +12200,7 @@
               <a:buNone/>
             </a:pPr>
             <a:r>
-              <a:rPr lang="en-US" sz="2400" b="1" dirty="0" smtClean="0">
+              <a:rPr lang="en-US" sz="2400" b="1" dirty="0">
                 <a:latin typeface="Consolas" panose="020B0609020204030204" pitchFamily="49" charset="0"/>
                 <a:cs typeface="Consolas" panose="020B0609020204030204" pitchFamily="49" charset="0"/>
               </a:rPr>
@@ -12420,16 +12212,12 @@
               <a:buNone/>
             </a:pPr>
             <a:r>
-              <a:rPr lang="en-US" sz="2400" b="1" dirty="0" smtClean="0">
+              <a:rPr lang="en-US" sz="2400" b="1" dirty="0">
                 <a:latin typeface="Consolas" panose="020B0609020204030204" pitchFamily="49" charset="0"/>
                 <a:cs typeface="Consolas" panose="020B0609020204030204" pitchFamily="49" charset="0"/>
               </a:rPr>
               <a:t>-- (cons Integer LOI)</a:t>
             </a:r>
-            <a:endParaRPr lang="en-US" sz="2400" b="1" dirty="0">
-              <a:latin typeface="Consolas" panose="020B0609020204030204" pitchFamily="49" charset="0"/>
-              <a:cs typeface="Consolas" panose="020B0609020204030204" pitchFamily="49" charset="0"/>
-            </a:endParaRPr>
           </a:p>
         </p:txBody>
       </p:sp>
@@ -12467,13 +12255,6 @@
   <p:clrMapOvr>
     <a:masterClrMapping/>
   </p:clrMapOvr>
-  <p:timing>
-    <p:tnLst>
-      <p:par>
-        <p:cTn id="1" dur="indefinite" restart="never" nodeType="tmRoot"/>
-      </p:par>
-    </p:tnLst>
-  </p:timing>
 </p:sld>
 </file>
 
@@ -12510,10 +12291,9 @@
           <a:lstStyle/>
           <a:p>
             <a:r>
-              <a:rPr lang="en-US" dirty="0" smtClean="0"/>
+              <a:rPr lang="en-US" dirty="0"/>
               <a:t>Example 4: remove-evens</a:t>
             </a:r>
-            <a:endParaRPr lang="en-US" dirty="0"/>
           </a:p>
         </p:txBody>
       </p:sp>
@@ -12538,7 +12318,7 @@
               <a:buNone/>
             </a:pPr>
             <a:r>
-              <a:rPr lang="en-US" sz="2000" b="1" dirty="0" smtClean="0">
+              <a:rPr lang="en-US" sz="2000" b="1" dirty="0">
                 <a:latin typeface="Consolas" pitchFamily="49" charset="0"/>
                 <a:cs typeface="Consolas" pitchFamily="49" charset="0"/>
               </a:rPr>
@@ -12550,7 +12330,7 @@
               <a:buNone/>
             </a:pPr>
             <a:r>
-              <a:rPr lang="en-US" sz="2000" b="1" dirty="0" smtClean="0">
+              <a:rPr lang="en-US" sz="2000" b="1" dirty="0">
                 <a:latin typeface="Consolas" pitchFamily="49" charset="0"/>
                 <a:cs typeface="Consolas" pitchFamily="49" charset="0"/>
               </a:rPr>
@@ -12562,7 +12342,7 @@
               <a:buNone/>
             </a:pPr>
             <a:r>
-              <a:rPr lang="en-US" sz="2000" b="1" dirty="0" smtClean="0">
+              <a:rPr lang="en-US" sz="2000" b="1" dirty="0">
                 <a:latin typeface="Consolas" pitchFamily="49" charset="0"/>
                 <a:cs typeface="Consolas" pitchFamily="49" charset="0"/>
               </a:rPr>
@@ -12578,14 +12358,7 @@
                 <a:latin typeface="Consolas" pitchFamily="49" charset="0"/>
                 <a:cs typeface="Consolas" pitchFamily="49" charset="0"/>
               </a:rPr>
-              <a:t> </a:t>
-            </a:r>
-            <a:r>
-              <a:rPr lang="en-US" sz="2000" b="1" dirty="0" smtClean="0">
-                <a:latin typeface="Consolas" pitchFamily="49" charset="0"/>
-                <a:cs typeface="Consolas" pitchFamily="49" charset="0"/>
-              </a:rPr>
-              <a:t> even numbers removed</a:t>
+              <a:t>  even numbers removed</a:t>
             </a:r>
           </a:p>
           <a:p>
@@ -12593,7 +12366,7 @@
               <a:buNone/>
             </a:pPr>
             <a:r>
-              <a:rPr lang="en-US" sz="2000" b="1" dirty="0" smtClean="0">
+              <a:rPr lang="en-US" sz="2000" b="1" dirty="0">
                 <a:latin typeface="Consolas" pitchFamily="49" charset="0"/>
                 <a:cs typeface="Consolas" pitchFamily="49" charset="0"/>
               </a:rPr>
@@ -12605,7 +12378,7 @@
               <a:buNone/>
             </a:pPr>
             <a:r>
-              <a:rPr lang="en-US" sz="2000" b="1" dirty="0" smtClean="0">
+              <a:rPr lang="en-US" sz="2000" b="1" dirty="0">
                 <a:latin typeface="Consolas" pitchFamily="49" charset="0"/>
                 <a:cs typeface="Consolas" pitchFamily="49" charset="0"/>
               </a:rPr>
@@ -12617,7 +12390,7 @@
               <a:buNone/>
             </a:pPr>
             <a:r>
-              <a:rPr lang="en-US" sz="2000" b="1" dirty="0" smtClean="0">
+              <a:rPr lang="en-US" sz="2000" b="1" dirty="0">
                 <a:latin typeface="Consolas" pitchFamily="49" charset="0"/>
                 <a:cs typeface="Consolas" pitchFamily="49" charset="0"/>
               </a:rPr>
@@ -12629,7 +12402,7 @@
               <a:buNone/>
             </a:pPr>
             <a:r>
-              <a:rPr lang="en-US" sz="2000" b="1" dirty="0" smtClean="0">
+              <a:rPr lang="en-US" sz="2000" b="1" dirty="0">
                 <a:latin typeface="Consolas" pitchFamily="49" charset="0"/>
                 <a:cs typeface="Consolas" pitchFamily="49" charset="0"/>
               </a:rPr>
@@ -12641,7 +12414,7 @@
               <a:buNone/>
             </a:pPr>
             <a:r>
-              <a:rPr lang="en-US" sz="2000" b="1" dirty="0" smtClean="0">
+              <a:rPr lang="en-US" sz="2000" b="1" dirty="0">
                 <a:latin typeface="Consolas" pitchFamily="49" charset="0"/>
                 <a:cs typeface="Consolas" pitchFamily="49" charset="0"/>
               </a:rPr>
@@ -12653,7 +12426,7 @@
               <a:buNone/>
             </a:pPr>
             <a:r>
-              <a:rPr lang="en-US" sz="2000" b="1" dirty="0" smtClean="0">
+              <a:rPr lang="en-US" sz="2000" b="1" dirty="0">
                 <a:latin typeface="Consolas" pitchFamily="49" charset="0"/>
                 <a:cs typeface="Consolas" pitchFamily="49" charset="0"/>
               </a:rPr>
@@ -12665,7 +12438,7 @@
               <a:buNone/>
             </a:pPr>
             <a:r>
-              <a:rPr lang="en-US" sz="2000" b="1" dirty="0" smtClean="0">
+              <a:rPr lang="en-US" sz="2000" b="1" dirty="0">
                 <a:latin typeface="Consolas" pitchFamily="49" charset="0"/>
                 <a:cs typeface="Consolas" pitchFamily="49" charset="0"/>
               </a:rPr>
@@ -12677,14 +12450,14 @@
               <a:buNone/>
             </a:pPr>
             <a:r>
-              <a:rPr lang="en-US" sz="2000" b="1" dirty="0" smtClean="0">
+              <a:rPr lang="en-US" sz="2000" b="1" dirty="0">
                 <a:latin typeface="Consolas" pitchFamily="49" charset="0"/>
                 <a:cs typeface="Consolas" pitchFamily="49" charset="0"/>
               </a:rPr>
               <a:t>STRATEGY: Use template for LOI on </a:t>
             </a:r>
             <a:r>
-              <a:rPr lang="en-US" sz="2000" b="1" dirty="0" err="1" smtClean="0">
+              <a:rPr lang="en-US" sz="2000" b="1" dirty="0" err="1">
                 <a:latin typeface="Consolas" pitchFamily="49" charset="0"/>
                 <a:cs typeface="Consolas" pitchFamily="49" charset="0"/>
               </a:rPr>
@@ -12731,13 +12504,6 @@
   <p:clrMapOvr>
     <a:masterClrMapping/>
   </p:clrMapOvr>
-  <p:timing>
-    <p:tnLst>
-      <p:par>
-        <p:cTn id="1" dur="indefinite" restart="never" nodeType="tmRoot"/>
-      </p:par>
-    </p:tnLst>
-  </p:timing>
 </p:sld>
 </file>
 
@@ -12922,7 +12688,7 @@
               <a:buNone/>
             </a:pPr>
             <a:r>
-              <a:rPr lang="en-US" sz="2000" b="1" dirty="0" smtClean="0">
+              <a:rPr lang="en-US" sz="2000" b="1" dirty="0">
                 <a:latin typeface="Consolas" pitchFamily="49" charset="0"/>
                 <a:cs typeface="Consolas" pitchFamily="49" charset="0"/>
               </a:rPr>
@@ -12935,21 +12701,21 @@
               <a:buNone/>
             </a:pPr>
             <a:r>
-              <a:rPr lang="en-US" sz="2000" b="1" dirty="0" smtClean="0">
+              <a:rPr lang="en-US" sz="2000" b="1" dirty="0">
                 <a:latin typeface="Consolas" pitchFamily="49" charset="0"/>
                 <a:cs typeface="Consolas" pitchFamily="49" charset="0"/>
               </a:rPr>
               <a:t>(define (remove-evens </a:t>
             </a:r>
             <a:r>
-              <a:rPr lang="en-US" sz="2000" b="1" dirty="0" err="1" smtClean="0">
+              <a:rPr lang="en-US" sz="2000" b="1" dirty="0" err="1">
                 <a:latin typeface="Consolas" pitchFamily="49" charset="0"/>
                 <a:cs typeface="Consolas" pitchFamily="49" charset="0"/>
               </a:rPr>
               <a:t>lst</a:t>
             </a:r>
             <a:r>
-              <a:rPr lang="en-US" sz="2000" b="1" dirty="0" smtClean="0">
+              <a:rPr lang="en-US" sz="2000" b="1" dirty="0">
                 <a:latin typeface="Consolas" pitchFamily="49" charset="0"/>
                 <a:cs typeface="Consolas" pitchFamily="49" charset="0"/>
               </a:rPr>
@@ -12962,20 +12728,20 @@
               <a:buNone/>
             </a:pPr>
             <a:r>
-              <a:rPr lang="en-US" sz="2000" b="1" dirty="0" smtClean="0">
+              <a:rPr lang="en-US" sz="2000" b="1" dirty="0">
                 <a:latin typeface="Consolas" pitchFamily="49" charset="0"/>
                 <a:cs typeface="Consolas" pitchFamily="49" charset="0"/>
               </a:rPr>
               <a:t>  (</a:t>
             </a:r>
             <a:r>
-              <a:rPr lang="en-US" sz="2000" b="1" dirty="0" err="1" smtClean="0">
+              <a:rPr lang="en-US" sz="2000" b="1" dirty="0" err="1">
                 <a:latin typeface="Consolas" pitchFamily="49" charset="0"/>
                 <a:cs typeface="Consolas" pitchFamily="49" charset="0"/>
               </a:rPr>
               <a:t>cond</a:t>
             </a:r>
-            <a:endParaRPr lang="en-US" sz="2000" b="1" dirty="0" smtClean="0">
+            <a:endParaRPr lang="en-US" sz="2000" b="1" dirty="0">
               <a:latin typeface="Consolas" pitchFamily="49" charset="0"/>
               <a:cs typeface="Consolas" pitchFamily="49" charset="0"/>
             </a:endParaRPr>
@@ -12986,28 +12752,28 @@
               <a:buNone/>
             </a:pPr>
             <a:r>
-              <a:rPr lang="en-US" sz="2000" b="1" dirty="0" smtClean="0">
+              <a:rPr lang="en-US" sz="2000" b="1" dirty="0">
                 <a:latin typeface="Consolas" pitchFamily="49" charset="0"/>
                 <a:cs typeface="Consolas" pitchFamily="49" charset="0"/>
               </a:rPr>
               <a:t>    [(empty? </a:t>
             </a:r>
             <a:r>
-              <a:rPr lang="en-US" sz="2000" b="1" dirty="0" err="1" smtClean="0">
+              <a:rPr lang="en-US" sz="2000" b="1" dirty="0" err="1">
                 <a:latin typeface="Consolas" pitchFamily="49" charset="0"/>
                 <a:cs typeface="Consolas" pitchFamily="49" charset="0"/>
               </a:rPr>
               <a:t>lst</a:t>
             </a:r>
             <a:r>
-              <a:rPr lang="en-US" sz="2000" b="1" dirty="0" smtClean="0">
+              <a:rPr lang="en-US" sz="2000" b="1" dirty="0">
                 <a:latin typeface="Consolas" pitchFamily="49" charset="0"/>
                 <a:cs typeface="Consolas" pitchFamily="49" charset="0"/>
               </a:rPr>
               <a:t>) </a:t>
             </a:r>
             <a:r>
-              <a:rPr lang="en-US" sz="2000" b="1" dirty="0" smtClean="0">
+              <a:rPr lang="en-US" sz="2000" b="1" dirty="0">
                 <a:solidFill>
                   <a:srgbClr val="FF0000"/>
                 </a:solidFill>
@@ -13017,7 +12783,7 @@
               <a:t>empty</a:t>
             </a:r>
             <a:r>
-              <a:rPr lang="en-US" sz="2000" b="1" dirty="0" smtClean="0">
+              <a:rPr lang="en-US" sz="2000" b="1" dirty="0">
                 <a:latin typeface="Consolas" pitchFamily="49" charset="0"/>
                 <a:cs typeface="Consolas" pitchFamily="49" charset="0"/>
               </a:rPr>
@@ -13030,14 +12796,14 @@
               <a:buNone/>
             </a:pPr>
             <a:r>
-              <a:rPr lang="en-US" sz="2000" b="1" dirty="0" smtClean="0">
+              <a:rPr lang="en-US" sz="2000" b="1" dirty="0">
                 <a:latin typeface="Consolas" pitchFamily="49" charset="0"/>
                 <a:cs typeface="Consolas" pitchFamily="49" charset="0"/>
               </a:rPr>
               <a:t>    [else </a:t>
             </a:r>
             <a:r>
-              <a:rPr lang="en-US" sz="2000" b="1" dirty="0" smtClean="0">
+              <a:rPr lang="en-US" sz="2000" b="1" dirty="0">
                 <a:solidFill>
                   <a:srgbClr val="FF0000"/>
                 </a:solidFill>
@@ -13047,28 +12813,28 @@
               <a:t>(if (even? </a:t>
             </a:r>
             <a:r>
-              <a:rPr lang="en-US" sz="2000" b="1" dirty="0" smtClean="0">
+              <a:rPr lang="en-US" sz="2000" b="1" dirty="0">
                 <a:latin typeface="Consolas" pitchFamily="49" charset="0"/>
                 <a:cs typeface="Consolas" pitchFamily="49" charset="0"/>
               </a:rPr>
               <a:t>(first </a:t>
             </a:r>
             <a:r>
-              <a:rPr lang="en-US" sz="2000" b="1" dirty="0" err="1" smtClean="0">
+              <a:rPr lang="en-US" sz="2000" b="1" dirty="0" err="1">
                 <a:latin typeface="Consolas" pitchFamily="49" charset="0"/>
                 <a:cs typeface="Consolas" pitchFamily="49" charset="0"/>
               </a:rPr>
               <a:t>lst</a:t>
             </a:r>
             <a:r>
-              <a:rPr lang="en-US" sz="2000" b="1" dirty="0" smtClean="0">
+              <a:rPr lang="en-US" sz="2000" b="1" dirty="0">
                 <a:latin typeface="Consolas" pitchFamily="49" charset="0"/>
                 <a:cs typeface="Consolas" pitchFamily="49" charset="0"/>
               </a:rPr>
               <a:t>)</a:t>
             </a:r>
             <a:r>
-              <a:rPr lang="en-US" sz="2000" b="1" dirty="0" smtClean="0">
+              <a:rPr lang="en-US" sz="2000" b="1" dirty="0">
                 <a:solidFill>
                   <a:srgbClr val="FF0000"/>
                 </a:solidFill>
@@ -13084,7 +12850,7 @@
               <a:buNone/>
             </a:pPr>
             <a:r>
-              <a:rPr lang="en-US" sz="2000" b="1" dirty="0" smtClean="0">
+              <a:rPr lang="en-US" sz="2000" b="1" dirty="0">
                 <a:solidFill>
                   <a:srgbClr val="FF0000"/>
                 </a:solidFill>
@@ -13094,21 +12860,21 @@
               <a:t>              </a:t>
             </a:r>
             <a:r>
-              <a:rPr lang="en-US" sz="2000" b="1" dirty="0" smtClean="0">
+              <a:rPr lang="en-US" sz="2000" b="1" dirty="0">
                 <a:latin typeface="Consolas" pitchFamily="49" charset="0"/>
                 <a:cs typeface="Consolas" pitchFamily="49" charset="0"/>
               </a:rPr>
               <a:t>(remove-evens (rest </a:t>
             </a:r>
             <a:r>
-              <a:rPr lang="en-US" sz="2000" b="1" dirty="0" err="1" smtClean="0">
+              <a:rPr lang="en-US" sz="2000" b="1" dirty="0" err="1">
                 <a:latin typeface="Consolas" pitchFamily="49" charset="0"/>
                 <a:cs typeface="Consolas" pitchFamily="49" charset="0"/>
               </a:rPr>
               <a:t>lst</a:t>
             </a:r>
             <a:r>
-              <a:rPr lang="en-US" sz="2000" b="1" dirty="0" smtClean="0">
+              <a:rPr lang="en-US" sz="2000" b="1" dirty="0">
                 <a:latin typeface="Consolas" pitchFamily="49" charset="0"/>
                 <a:cs typeface="Consolas" pitchFamily="49" charset="0"/>
               </a:rPr>
@@ -13121,7 +12887,7 @@
               <a:buNone/>
             </a:pPr>
             <a:r>
-              <a:rPr lang="en-US" sz="2000" b="1" dirty="0" smtClean="0">
+              <a:rPr lang="en-US" sz="2000" b="1" dirty="0">
                 <a:solidFill>
                   <a:srgbClr val="FF0000"/>
                 </a:solidFill>
@@ -13131,21 +12897,21 @@
               <a:t>              (cons </a:t>
             </a:r>
             <a:r>
-              <a:rPr lang="en-US" sz="2000" b="1" dirty="0" smtClean="0">
+              <a:rPr lang="en-US" sz="2000" b="1" dirty="0">
                 <a:latin typeface="Consolas" pitchFamily="49" charset="0"/>
                 <a:cs typeface="Consolas" pitchFamily="49" charset="0"/>
               </a:rPr>
               <a:t>(first </a:t>
             </a:r>
             <a:r>
-              <a:rPr lang="en-US" sz="2000" b="1" dirty="0" err="1" smtClean="0">
+              <a:rPr lang="en-US" sz="2000" b="1" dirty="0" err="1">
                 <a:latin typeface="Consolas" pitchFamily="49" charset="0"/>
                 <a:cs typeface="Consolas" pitchFamily="49" charset="0"/>
               </a:rPr>
               <a:t>lst</a:t>
             </a:r>
             <a:r>
-              <a:rPr lang="en-US" sz="2000" b="1" dirty="0" smtClean="0">
+              <a:rPr lang="en-US" sz="2000" b="1" dirty="0">
                 <a:latin typeface="Consolas" pitchFamily="49" charset="0"/>
                 <a:cs typeface="Consolas" pitchFamily="49" charset="0"/>
               </a:rPr>
@@ -13158,7 +12924,7 @@
               <a:buNone/>
             </a:pPr>
             <a:r>
-              <a:rPr lang="en-US" sz="2000" b="1" dirty="0" smtClean="0">
+              <a:rPr lang="en-US" sz="2000" b="1" dirty="0">
                 <a:solidFill>
                   <a:srgbClr val="FF0000"/>
                 </a:solidFill>
@@ -13168,28 +12934,28 @@
               <a:t>                    </a:t>
             </a:r>
             <a:r>
-              <a:rPr lang="en-US" sz="2000" b="1" dirty="0" smtClean="0">
+              <a:rPr lang="en-US" sz="2000" b="1" dirty="0">
                 <a:latin typeface="Consolas" pitchFamily="49" charset="0"/>
                 <a:cs typeface="Consolas" pitchFamily="49" charset="0"/>
               </a:rPr>
               <a:t>(remove-evens (rest </a:t>
             </a:r>
             <a:r>
-              <a:rPr lang="en-US" sz="2000" b="1" dirty="0" err="1" smtClean="0">
+              <a:rPr lang="en-US" sz="2000" b="1" dirty="0" err="1">
                 <a:latin typeface="Consolas" pitchFamily="49" charset="0"/>
                 <a:cs typeface="Consolas" pitchFamily="49" charset="0"/>
               </a:rPr>
               <a:t>lst</a:t>
             </a:r>
             <a:r>
-              <a:rPr lang="en-US" sz="2000" b="1" dirty="0" smtClean="0">
+              <a:rPr lang="en-US" sz="2000" b="1" dirty="0">
                 <a:latin typeface="Consolas" pitchFamily="49" charset="0"/>
                 <a:cs typeface="Consolas" pitchFamily="49" charset="0"/>
               </a:rPr>
               <a:t>))</a:t>
             </a:r>
             <a:r>
-              <a:rPr lang="en-US" sz="2000" b="1" dirty="0" smtClean="0">
+              <a:rPr lang="en-US" sz="2000" b="1" dirty="0">
                 <a:solidFill>
                   <a:srgbClr val="FF0000"/>
                 </a:solidFill>
@@ -13199,32 +12965,12 @@
               <a:t>))</a:t>
             </a:r>
             <a:r>
-              <a:rPr lang="en-US" sz="2000" b="1" dirty="0" smtClean="0">
+              <a:rPr lang="en-US" sz="2000" b="1" dirty="0">
                 <a:latin typeface="Consolas" pitchFamily="49" charset="0"/>
                 <a:cs typeface="Consolas" pitchFamily="49" charset="0"/>
               </a:rPr>
               <a:t>]))</a:t>
             </a:r>
-          </a:p>
-          <a:p>
-            <a:pPr>
-              <a:buFont typeface="Arial" pitchFamily="34" charset="0"/>
-              <a:buNone/>
-            </a:pPr>
-            <a:endParaRPr lang="en-US" sz="2000" b="1" dirty="0" smtClean="0">
-              <a:latin typeface="Consolas" pitchFamily="49" charset="0"/>
-              <a:cs typeface="Consolas" pitchFamily="49" charset="0"/>
-            </a:endParaRPr>
-          </a:p>
-          <a:p>
-            <a:pPr>
-              <a:buFont typeface="Arial" pitchFamily="34" charset="0"/>
-              <a:buNone/>
-            </a:pPr>
-            <a:endParaRPr lang="en-US" sz="2000" b="1" dirty="0" smtClean="0">
-              <a:latin typeface="Consolas" pitchFamily="49" charset="0"/>
-              <a:cs typeface="Consolas" pitchFamily="49" charset="0"/>
-            </a:endParaRPr>
           </a:p>
           <a:p>
             <a:pPr>
@@ -13241,7 +12987,27 @@
               <a:buFont typeface="Arial" pitchFamily="34" charset="0"/>
               <a:buNone/>
             </a:pPr>
-            <a:endParaRPr lang="en-US" sz="2000" b="1" dirty="0" smtClean="0">
+            <a:endParaRPr lang="en-US" sz="2000" b="1" dirty="0">
+              <a:latin typeface="Consolas" pitchFamily="49" charset="0"/>
+              <a:cs typeface="Consolas" pitchFamily="49" charset="0"/>
+            </a:endParaRPr>
+          </a:p>
+          <a:p>
+            <a:pPr>
+              <a:buFont typeface="Arial" pitchFamily="34" charset="0"/>
+              <a:buNone/>
+            </a:pPr>
+            <a:endParaRPr lang="en-US" sz="2000" b="1" dirty="0">
+              <a:latin typeface="Consolas" pitchFamily="49" charset="0"/>
+              <a:cs typeface="Consolas" pitchFamily="49" charset="0"/>
+            </a:endParaRPr>
+          </a:p>
+          <a:p>
+            <a:pPr>
+              <a:buFont typeface="Arial" pitchFamily="34" charset="0"/>
+              <a:buNone/>
+            </a:pPr>
+            <a:endParaRPr lang="en-US" sz="2000" b="1" dirty="0">
               <a:latin typeface="Courier New" pitchFamily="49" charset="0"/>
               <a:cs typeface="Courier New" pitchFamily="49" charset="0"/>
             </a:endParaRPr>
@@ -13264,10 +13030,9 @@
           <a:lstStyle/>
           <a:p>
             <a:r>
-              <a:rPr lang="en-US" dirty="0" smtClean="0"/>
+              <a:rPr lang="en-US" dirty="0"/>
               <a:t>Example 4: remove-evens</a:t>
             </a:r>
-            <a:endParaRPr lang="en-US" dirty="0"/>
           </a:p>
         </p:txBody>
       </p:sp>
@@ -13292,7 +13057,7 @@
               <a:buNone/>
             </a:pPr>
             <a:r>
-              <a:rPr lang="en-US" sz="2000" b="1" dirty="0" smtClean="0">
+              <a:rPr lang="en-US" sz="2000" b="1" dirty="0">
                 <a:latin typeface="Consolas" pitchFamily="49" charset="0"/>
                 <a:cs typeface="Consolas" pitchFamily="49" charset="0"/>
               </a:rPr>
@@ -13304,21 +13069,21 @@
               <a:buNone/>
             </a:pPr>
             <a:r>
-              <a:rPr lang="en-US" sz="2000" b="1" dirty="0" smtClean="0">
+              <a:rPr lang="en-US" sz="2000" b="1" dirty="0">
                 <a:latin typeface="Consolas" pitchFamily="49" charset="0"/>
                 <a:cs typeface="Consolas" pitchFamily="49" charset="0"/>
               </a:rPr>
               <a:t>(define (remove-evens </a:t>
             </a:r>
             <a:r>
-              <a:rPr lang="en-US" sz="2000" b="1" dirty="0" err="1" smtClean="0">
+              <a:rPr lang="en-US" sz="2000" b="1" dirty="0" err="1">
                 <a:latin typeface="Consolas" pitchFamily="49" charset="0"/>
                 <a:cs typeface="Consolas" pitchFamily="49" charset="0"/>
               </a:rPr>
               <a:t>lst</a:t>
             </a:r>
             <a:r>
-              <a:rPr lang="en-US" sz="2000" b="1" dirty="0" smtClean="0">
+              <a:rPr lang="en-US" sz="2000" b="1" dirty="0">
                 <a:latin typeface="Consolas" pitchFamily="49" charset="0"/>
                 <a:cs typeface="Consolas" pitchFamily="49" charset="0"/>
               </a:rPr>
@@ -13330,20 +13095,20 @@
               <a:buNone/>
             </a:pPr>
             <a:r>
-              <a:rPr lang="en-US" sz="2000" b="1" dirty="0" smtClean="0">
+              <a:rPr lang="en-US" sz="2000" b="1" dirty="0">
                 <a:latin typeface="Consolas" pitchFamily="49" charset="0"/>
                 <a:cs typeface="Consolas" pitchFamily="49" charset="0"/>
               </a:rPr>
               <a:t>  (</a:t>
             </a:r>
             <a:r>
-              <a:rPr lang="en-US" sz="2000" b="1" dirty="0" err="1" smtClean="0">
+              <a:rPr lang="en-US" sz="2000" b="1" dirty="0" err="1">
                 <a:latin typeface="Consolas" pitchFamily="49" charset="0"/>
                 <a:cs typeface="Consolas" pitchFamily="49" charset="0"/>
               </a:rPr>
               <a:t>cond</a:t>
             </a:r>
-            <a:endParaRPr lang="en-US" sz="2000" b="1" dirty="0" smtClean="0">
+            <a:endParaRPr lang="en-US" sz="2000" b="1" dirty="0">
               <a:latin typeface="Consolas" pitchFamily="49" charset="0"/>
               <a:cs typeface="Consolas" pitchFamily="49" charset="0"/>
             </a:endParaRPr>
@@ -13353,21 +13118,21 @@
               <a:buNone/>
             </a:pPr>
             <a:r>
-              <a:rPr lang="en-US" sz="2000" b="1" dirty="0" smtClean="0">
+              <a:rPr lang="en-US" sz="2000" b="1" dirty="0">
                 <a:latin typeface="Consolas" pitchFamily="49" charset="0"/>
                 <a:cs typeface="Consolas" pitchFamily="49" charset="0"/>
               </a:rPr>
               <a:t>    [(empty? </a:t>
             </a:r>
             <a:r>
-              <a:rPr lang="en-US" sz="2000" b="1" dirty="0" err="1" smtClean="0">
+              <a:rPr lang="en-US" sz="2000" b="1" dirty="0" err="1">
                 <a:latin typeface="Consolas" pitchFamily="49" charset="0"/>
                 <a:cs typeface="Consolas" pitchFamily="49" charset="0"/>
               </a:rPr>
               <a:t>lst</a:t>
             </a:r>
             <a:r>
-              <a:rPr lang="en-US" sz="2000" b="1" dirty="0" smtClean="0">
+              <a:rPr lang="en-US" sz="2000" b="1" dirty="0">
                 <a:latin typeface="Consolas" pitchFamily="49" charset="0"/>
                 <a:cs typeface="Consolas" pitchFamily="49" charset="0"/>
               </a:rPr>
@@ -13379,21 +13144,21 @@
               <a:buNone/>
             </a:pPr>
             <a:r>
-              <a:rPr lang="en-US" sz="2000" b="1" dirty="0" smtClean="0">
+              <a:rPr lang="en-US" sz="2000" b="1" dirty="0">
                 <a:latin typeface="Consolas" pitchFamily="49" charset="0"/>
                 <a:cs typeface="Consolas" pitchFamily="49" charset="0"/>
               </a:rPr>
               <a:t>    [else (... (first </a:t>
             </a:r>
             <a:r>
-              <a:rPr lang="en-US" sz="2000" b="1" dirty="0" err="1" smtClean="0">
+              <a:rPr lang="en-US" sz="2000" b="1" dirty="0" err="1">
                 <a:latin typeface="Consolas" pitchFamily="49" charset="0"/>
                 <a:cs typeface="Consolas" pitchFamily="49" charset="0"/>
               </a:rPr>
               <a:t>lst</a:t>
             </a:r>
             <a:r>
-              <a:rPr lang="en-US" sz="2000" b="1" dirty="0" smtClean="0">
+              <a:rPr lang="en-US" sz="2000" b="1" dirty="0">
                 <a:latin typeface="Consolas" pitchFamily="49" charset="0"/>
                 <a:cs typeface="Consolas" pitchFamily="49" charset="0"/>
               </a:rPr>
@@ -13405,7 +13170,7 @@
               <a:buNone/>
             </a:pPr>
             <a:r>
-              <a:rPr lang="en-US" sz="2000" b="1" dirty="0" smtClean="0">
+              <a:rPr lang="en-US" sz="2000" b="1" dirty="0">
                 <a:solidFill>
                   <a:srgbClr val="FF0000"/>
                 </a:solidFill>
@@ -13415,21 +13180,21 @@
               <a:t>               </a:t>
             </a:r>
             <a:r>
-              <a:rPr lang="en-US" sz="2000" b="1" dirty="0" smtClean="0">
+              <a:rPr lang="en-US" sz="2000" b="1" dirty="0">
                 <a:latin typeface="Consolas" pitchFamily="49" charset="0"/>
                 <a:cs typeface="Consolas" pitchFamily="49" charset="0"/>
               </a:rPr>
               <a:t>(remove-evens (rest </a:t>
             </a:r>
             <a:r>
-              <a:rPr lang="en-US" sz="2000" b="1" dirty="0" err="1" smtClean="0">
+              <a:rPr lang="en-US" sz="2000" b="1" dirty="0" err="1">
                 <a:latin typeface="Consolas" pitchFamily="49" charset="0"/>
                 <a:cs typeface="Consolas" pitchFamily="49" charset="0"/>
               </a:rPr>
               <a:t>lst</a:t>
             </a:r>
             <a:r>
-              <a:rPr lang="en-US" sz="2000" b="1" dirty="0" smtClean="0">
+              <a:rPr lang="en-US" sz="2000" b="1" dirty="0">
                 <a:latin typeface="Consolas" pitchFamily="49" charset="0"/>
                 <a:cs typeface="Consolas" pitchFamily="49" charset="0"/>
               </a:rPr>
@@ -13440,7 +13205,7 @@
             <a:pPr>
               <a:buNone/>
             </a:pPr>
-            <a:endParaRPr lang="en-US" sz="2000" b="1" dirty="0" smtClean="0">
+            <a:endParaRPr lang="en-US" sz="2000" b="1" dirty="0">
               <a:latin typeface="Consolas" pitchFamily="49" charset="0"/>
               <a:cs typeface="Consolas" pitchFamily="49" charset="0"/>
             </a:endParaRPr>
@@ -13449,7 +13214,7 @@
             <a:pPr>
               <a:buNone/>
             </a:pPr>
-            <a:endParaRPr lang="en-US" sz="2000" b="1" dirty="0" smtClean="0">
+            <a:endParaRPr lang="en-US" sz="2000" b="1" dirty="0">
               <a:latin typeface="Courier New" pitchFamily="49" charset="0"/>
               <a:cs typeface="Courier New" pitchFamily="49" charset="0"/>
             </a:endParaRPr>
@@ -13536,7 +13301,7 @@
             <a:p>
               <a:pPr algn="ctr"/>
               <a:r>
-                <a:rPr lang="en-US" sz="2400" dirty="0" smtClean="0">
+                <a:rPr lang="en-US" sz="2400" dirty="0">
                   <a:solidFill>
                     <a:schemeClr val="tx1"/>
                   </a:solidFill>
@@ -13693,7 +13458,7 @@
             <a:p>
               <a:pPr algn="ctr"/>
               <a:r>
-                <a:rPr lang="en-US" sz="2400" dirty="0" smtClean="0">
+                <a:rPr lang="en-US" sz="2400" dirty="0">
                   <a:solidFill>
                     <a:schemeClr val="tx1"/>
                   </a:solidFill>
@@ -13998,10 +13763,9 @@
           <a:lstStyle/>
           <a:p>
             <a:r>
-              <a:rPr lang="en-US" dirty="0" smtClean="0"/>
+              <a:rPr lang="en-US" dirty="0"/>
               <a:t>Example 4: remove-evens</a:t>
             </a:r>
-            <a:endParaRPr lang="en-US" dirty="0"/>
           </a:p>
         </p:txBody>
       </p:sp>
@@ -14026,7 +13790,7 @@
               <a:buNone/>
             </a:pPr>
             <a:r>
-              <a:rPr lang="en-US" sz="2000" b="1" dirty="0" smtClean="0">
+              <a:rPr lang="en-US" sz="2000" b="1" dirty="0">
                 <a:latin typeface="Consolas" pitchFamily="49" charset="0"/>
                 <a:cs typeface="Consolas" pitchFamily="49" charset="0"/>
               </a:rPr>
@@ -14038,21 +13802,21 @@
               <a:buNone/>
             </a:pPr>
             <a:r>
-              <a:rPr lang="en-US" sz="2000" b="1" dirty="0" smtClean="0">
+              <a:rPr lang="en-US" sz="2000" b="1" dirty="0">
                 <a:latin typeface="Consolas" pitchFamily="49" charset="0"/>
                 <a:cs typeface="Consolas" pitchFamily="49" charset="0"/>
               </a:rPr>
               <a:t>(define (remove-evens </a:t>
             </a:r>
             <a:r>
-              <a:rPr lang="en-US" sz="2000" b="1" dirty="0" err="1" smtClean="0">
+              <a:rPr lang="en-US" sz="2000" b="1" dirty="0" err="1">
                 <a:latin typeface="Consolas" pitchFamily="49" charset="0"/>
                 <a:cs typeface="Consolas" pitchFamily="49" charset="0"/>
               </a:rPr>
               <a:t>lst</a:t>
             </a:r>
             <a:r>
-              <a:rPr lang="en-US" sz="2000" b="1" dirty="0" smtClean="0">
+              <a:rPr lang="en-US" sz="2000" b="1" dirty="0">
                 <a:latin typeface="Consolas" pitchFamily="49" charset="0"/>
                 <a:cs typeface="Consolas" pitchFamily="49" charset="0"/>
               </a:rPr>
@@ -14064,20 +13828,20 @@
               <a:buNone/>
             </a:pPr>
             <a:r>
-              <a:rPr lang="en-US" sz="2000" b="1" dirty="0" smtClean="0">
+              <a:rPr lang="en-US" sz="2000" b="1" dirty="0">
                 <a:latin typeface="Consolas" pitchFamily="49" charset="0"/>
                 <a:cs typeface="Consolas" pitchFamily="49" charset="0"/>
               </a:rPr>
               <a:t>  (</a:t>
             </a:r>
             <a:r>
-              <a:rPr lang="en-US" sz="2000" b="1" dirty="0" err="1" smtClean="0">
+              <a:rPr lang="en-US" sz="2000" b="1" dirty="0" err="1">
                 <a:latin typeface="Consolas" pitchFamily="49" charset="0"/>
                 <a:cs typeface="Consolas" pitchFamily="49" charset="0"/>
               </a:rPr>
               <a:t>cond</a:t>
             </a:r>
-            <a:endParaRPr lang="en-US" sz="2000" b="1" dirty="0" smtClean="0">
+            <a:endParaRPr lang="en-US" sz="2000" b="1" dirty="0">
               <a:latin typeface="Consolas" pitchFamily="49" charset="0"/>
               <a:cs typeface="Consolas" pitchFamily="49" charset="0"/>
             </a:endParaRPr>
@@ -14087,28 +13851,28 @@
               <a:buNone/>
             </a:pPr>
             <a:r>
-              <a:rPr lang="en-US" sz="2000" b="1" dirty="0" smtClean="0">
+              <a:rPr lang="en-US" sz="2000" b="1" dirty="0">
                 <a:latin typeface="Consolas" pitchFamily="49" charset="0"/>
                 <a:cs typeface="Consolas" pitchFamily="49" charset="0"/>
               </a:rPr>
               <a:t>    [(empty? </a:t>
             </a:r>
             <a:r>
-              <a:rPr lang="en-US" sz="2000" b="1" dirty="0" err="1" smtClean="0">
+              <a:rPr lang="en-US" sz="2000" b="1" dirty="0" err="1">
                 <a:latin typeface="Consolas" pitchFamily="49" charset="0"/>
                 <a:cs typeface="Consolas" pitchFamily="49" charset="0"/>
               </a:rPr>
               <a:t>lst</a:t>
             </a:r>
             <a:r>
-              <a:rPr lang="en-US" sz="2000" b="1" dirty="0" smtClean="0">
+              <a:rPr lang="en-US" sz="2000" b="1" dirty="0">
                 <a:latin typeface="Consolas" pitchFamily="49" charset="0"/>
                 <a:cs typeface="Consolas" pitchFamily="49" charset="0"/>
               </a:rPr>
               <a:t>) </a:t>
             </a:r>
             <a:r>
-              <a:rPr lang="en-US" sz="2000" b="1" dirty="0" smtClean="0">
+              <a:rPr lang="en-US" sz="2000" b="1" dirty="0">
                 <a:solidFill>
                   <a:srgbClr val="FF0000"/>
                 </a:solidFill>
@@ -14118,7 +13882,7 @@
               <a:t>empty</a:t>
             </a:r>
             <a:r>
-              <a:rPr lang="en-US" sz="2000" b="1" dirty="0" smtClean="0">
+              <a:rPr lang="en-US" sz="2000" b="1" dirty="0">
                 <a:latin typeface="Consolas" pitchFamily="49" charset="0"/>
                 <a:cs typeface="Consolas" pitchFamily="49" charset="0"/>
               </a:rPr>
@@ -14130,14 +13894,14 @@
               <a:buNone/>
             </a:pPr>
             <a:r>
-              <a:rPr lang="en-US" sz="2000" b="1" dirty="0" smtClean="0">
+              <a:rPr lang="en-US" sz="2000" b="1" dirty="0">
                 <a:latin typeface="Consolas" pitchFamily="49" charset="0"/>
                 <a:cs typeface="Consolas" pitchFamily="49" charset="0"/>
               </a:rPr>
               <a:t>    [else </a:t>
             </a:r>
             <a:r>
-              <a:rPr lang="en-US" sz="2000" b="1" dirty="0" smtClean="0">
+              <a:rPr lang="en-US" sz="2000" b="1" dirty="0">
                 <a:solidFill>
                   <a:srgbClr val="FF0000"/>
                 </a:solidFill>
@@ -14147,28 +13911,28 @@
               <a:t>(if (even? </a:t>
             </a:r>
             <a:r>
-              <a:rPr lang="en-US" sz="2000" b="1" dirty="0" smtClean="0">
+              <a:rPr lang="en-US" sz="2000" b="1" dirty="0">
                 <a:latin typeface="Consolas" pitchFamily="49" charset="0"/>
                 <a:cs typeface="Consolas" pitchFamily="49" charset="0"/>
               </a:rPr>
               <a:t>(first </a:t>
             </a:r>
             <a:r>
-              <a:rPr lang="en-US" sz="2000" b="1" dirty="0" err="1" smtClean="0">
+              <a:rPr lang="en-US" sz="2000" b="1" dirty="0" err="1">
                 <a:latin typeface="Consolas" pitchFamily="49" charset="0"/>
                 <a:cs typeface="Consolas" pitchFamily="49" charset="0"/>
               </a:rPr>
               <a:t>lst</a:t>
             </a:r>
             <a:r>
-              <a:rPr lang="en-US" sz="2000" b="1" dirty="0" smtClean="0">
+              <a:rPr lang="en-US" sz="2000" b="1" dirty="0">
                 <a:latin typeface="Consolas" pitchFamily="49" charset="0"/>
                 <a:cs typeface="Consolas" pitchFamily="49" charset="0"/>
               </a:rPr>
               <a:t>)</a:t>
             </a:r>
             <a:r>
-              <a:rPr lang="en-US" sz="2000" b="1" dirty="0" smtClean="0">
+              <a:rPr lang="en-US" sz="2000" b="1" dirty="0">
                 <a:solidFill>
                   <a:srgbClr val="FF0000"/>
                 </a:solidFill>
@@ -14183,7 +13947,7 @@
               <a:buNone/>
             </a:pPr>
             <a:r>
-              <a:rPr lang="en-US" sz="2000" b="1" dirty="0" smtClean="0">
+              <a:rPr lang="en-US" sz="2000" b="1" dirty="0">
                 <a:solidFill>
                   <a:srgbClr val="FF0000"/>
                 </a:solidFill>
@@ -14193,21 +13957,21 @@
               <a:t>              </a:t>
             </a:r>
             <a:r>
-              <a:rPr lang="en-US" sz="2000" b="1" dirty="0" smtClean="0">
+              <a:rPr lang="en-US" sz="2000" b="1" dirty="0">
                 <a:latin typeface="Consolas" pitchFamily="49" charset="0"/>
                 <a:cs typeface="Consolas" pitchFamily="49" charset="0"/>
               </a:rPr>
               <a:t>(remove-evens (rest </a:t>
             </a:r>
             <a:r>
-              <a:rPr lang="en-US" sz="2000" b="1" dirty="0" err="1" smtClean="0">
+              <a:rPr lang="en-US" sz="2000" b="1" dirty="0" err="1">
                 <a:latin typeface="Consolas" pitchFamily="49" charset="0"/>
                 <a:cs typeface="Consolas" pitchFamily="49" charset="0"/>
               </a:rPr>
               <a:t>lst</a:t>
             </a:r>
             <a:r>
-              <a:rPr lang="en-US" sz="2000" b="1" dirty="0" smtClean="0">
+              <a:rPr lang="en-US" sz="2000" b="1" dirty="0">
                 <a:latin typeface="Consolas" pitchFamily="49" charset="0"/>
                 <a:cs typeface="Consolas" pitchFamily="49" charset="0"/>
               </a:rPr>
@@ -14219,7 +13983,7 @@
               <a:buNone/>
             </a:pPr>
             <a:r>
-              <a:rPr lang="en-US" sz="2000" b="1" dirty="0" smtClean="0">
+              <a:rPr lang="en-US" sz="2000" b="1" dirty="0">
                 <a:solidFill>
                   <a:srgbClr val="FF0000"/>
                 </a:solidFill>
@@ -14229,21 +13993,21 @@
               <a:t>              (cons </a:t>
             </a:r>
             <a:r>
-              <a:rPr lang="en-US" sz="2000" b="1" dirty="0" smtClean="0">
+              <a:rPr lang="en-US" sz="2000" b="1" dirty="0">
                 <a:latin typeface="Consolas" pitchFamily="49" charset="0"/>
                 <a:cs typeface="Consolas" pitchFamily="49" charset="0"/>
               </a:rPr>
               <a:t>(first </a:t>
             </a:r>
             <a:r>
-              <a:rPr lang="en-US" sz="2000" b="1" dirty="0" err="1" smtClean="0">
+              <a:rPr lang="en-US" sz="2000" b="1" dirty="0" err="1">
                 <a:latin typeface="Consolas" pitchFamily="49" charset="0"/>
                 <a:cs typeface="Consolas" pitchFamily="49" charset="0"/>
               </a:rPr>
               <a:t>lst</a:t>
             </a:r>
             <a:r>
-              <a:rPr lang="en-US" sz="2000" b="1" dirty="0" smtClean="0">
+              <a:rPr lang="en-US" sz="2000" b="1" dirty="0">
                 <a:latin typeface="Consolas" pitchFamily="49" charset="0"/>
                 <a:cs typeface="Consolas" pitchFamily="49" charset="0"/>
               </a:rPr>
@@ -14255,7 +14019,7 @@
               <a:buNone/>
             </a:pPr>
             <a:r>
-              <a:rPr lang="en-US" sz="2000" b="1" dirty="0" smtClean="0">
+              <a:rPr lang="en-US" sz="2000" b="1" dirty="0">
                 <a:solidFill>
                   <a:srgbClr val="FF0000"/>
                 </a:solidFill>
@@ -14265,28 +14029,28 @@
               <a:t>                    </a:t>
             </a:r>
             <a:r>
-              <a:rPr lang="en-US" sz="2000" b="1" dirty="0" smtClean="0">
+              <a:rPr lang="en-US" sz="2000" b="1" dirty="0">
                 <a:latin typeface="Consolas" pitchFamily="49" charset="0"/>
                 <a:cs typeface="Consolas" pitchFamily="49" charset="0"/>
               </a:rPr>
               <a:t>(remove-evens (rest </a:t>
             </a:r>
             <a:r>
-              <a:rPr lang="en-US" sz="2000" b="1" dirty="0" err="1" smtClean="0">
+              <a:rPr lang="en-US" sz="2000" b="1" dirty="0" err="1">
                 <a:latin typeface="Consolas" pitchFamily="49" charset="0"/>
                 <a:cs typeface="Consolas" pitchFamily="49" charset="0"/>
               </a:rPr>
               <a:t>lst</a:t>
             </a:r>
             <a:r>
-              <a:rPr lang="en-US" sz="2000" b="1" dirty="0" smtClean="0">
+              <a:rPr lang="en-US" sz="2000" b="1" dirty="0">
                 <a:latin typeface="Consolas" pitchFamily="49" charset="0"/>
                 <a:cs typeface="Consolas" pitchFamily="49" charset="0"/>
               </a:rPr>
               <a:t>))</a:t>
             </a:r>
             <a:r>
-              <a:rPr lang="en-US" sz="2000" b="1" dirty="0" smtClean="0">
+              <a:rPr lang="en-US" sz="2000" b="1" dirty="0">
                 <a:solidFill>
                   <a:srgbClr val="FF0000"/>
                 </a:solidFill>
@@ -14296,7 +14060,7 @@
               <a:t>))</a:t>
             </a:r>
             <a:r>
-              <a:rPr lang="en-US" sz="2000" b="1" dirty="0" smtClean="0">
+              <a:rPr lang="en-US" sz="2000" b="1" dirty="0">
                 <a:latin typeface="Consolas" pitchFamily="49" charset="0"/>
                 <a:cs typeface="Consolas" pitchFamily="49" charset="0"/>
               </a:rPr>
@@ -14307,7 +14071,7 @@
             <a:pPr>
               <a:buNone/>
             </a:pPr>
-            <a:endParaRPr lang="en-US" sz="2000" b="1" dirty="0" smtClean="0">
+            <a:endParaRPr lang="en-US" sz="2000" b="1" dirty="0">
               <a:latin typeface="Consolas" pitchFamily="49" charset="0"/>
               <a:cs typeface="Consolas" pitchFamily="49" charset="0"/>
             </a:endParaRPr>
@@ -14316,7 +14080,7 @@
             <a:pPr>
               <a:buNone/>
             </a:pPr>
-            <a:endParaRPr lang="en-US" sz="2000" b="1" dirty="0" smtClean="0">
+            <a:endParaRPr lang="en-US" sz="2000" b="1" dirty="0">
               <a:latin typeface="Courier New" pitchFamily="49" charset="0"/>
               <a:cs typeface="Courier New" pitchFamily="49" charset="0"/>
             </a:endParaRPr>
@@ -14392,7 +14156,7 @@
           <a:lstStyle/>
           <a:p>
             <a:pPr algn="ctr"/>
-            <a:endParaRPr lang="en-US" sz="2000" dirty="0" smtClean="0">
+            <a:endParaRPr lang="en-US" sz="2000" dirty="0">
               <a:solidFill>
                 <a:schemeClr val="tx1"/>
               </a:solidFill>
@@ -14446,7 +14210,7 @@
           <a:lstStyle/>
           <a:p>
             <a:r>
-              <a:rPr lang="en-US" sz="2000" dirty="0" smtClean="0">
+              <a:rPr lang="en-US" sz="2000" dirty="0">
                 <a:solidFill>
                   <a:schemeClr val="tx1"/>
                 </a:solidFill>
@@ -14454,7 +14218,7 @@
               <a:t>Observe that this is a legal functional combination of </a:t>
             </a:r>
             <a:r>
-              <a:rPr lang="en-US" sz="2000" b="1" dirty="0" smtClean="0">
+              <a:rPr lang="en-US" sz="2000" b="1" dirty="0">
                 <a:solidFill>
                   <a:schemeClr val="tx1"/>
                 </a:solidFill>
@@ -14462,7 +14226,7 @@
               <a:t>(first </a:t>
             </a:r>
             <a:r>
-              <a:rPr lang="en-US" sz="2000" b="1" dirty="0" err="1" smtClean="0">
+              <a:rPr lang="en-US" sz="2000" b="1" dirty="0" err="1">
                 <a:solidFill>
                   <a:schemeClr val="tx1"/>
                 </a:solidFill>
@@ -14470,7 +14234,7 @@
               <a:t>lst</a:t>
             </a:r>
             <a:r>
-              <a:rPr lang="en-US" sz="2000" b="1" dirty="0" smtClean="0">
+              <a:rPr lang="en-US" sz="2000" b="1" dirty="0">
                 <a:solidFill>
                   <a:schemeClr val="tx1"/>
                 </a:solidFill>
@@ -14478,7 +14242,7 @@
               <a:t>) </a:t>
             </a:r>
             <a:r>
-              <a:rPr lang="en-US" sz="2000" dirty="0" smtClean="0">
+              <a:rPr lang="en-US" sz="2000" dirty="0">
                 <a:solidFill>
                   <a:schemeClr val="tx1"/>
                 </a:solidFill>
@@ -14486,7 +14250,7 @@
               <a:t>and </a:t>
             </a:r>
             <a:r>
-              <a:rPr lang="en-US" sz="2000" b="1" dirty="0" smtClean="0">
+              <a:rPr lang="en-US" sz="2000" b="1" dirty="0">
                 <a:solidFill>
                   <a:schemeClr val="tx1"/>
                 </a:solidFill>
@@ -14494,7 +14258,7 @@
               <a:t>(remove-evens (rest </a:t>
             </a:r>
             <a:r>
-              <a:rPr lang="en-US" sz="2000" b="1" dirty="0" err="1" smtClean="0">
+              <a:rPr lang="en-US" sz="2000" b="1" dirty="0" err="1">
                 <a:solidFill>
                   <a:schemeClr val="tx1"/>
                 </a:solidFill>
@@ -14502,7 +14266,7 @@
               <a:t>lst</a:t>
             </a:r>
             <a:r>
-              <a:rPr lang="en-US" sz="2000" b="1" dirty="0" smtClean="0">
+              <a:rPr lang="en-US" sz="2000" b="1" dirty="0">
                 <a:solidFill>
                   <a:schemeClr val="tx1"/>
                 </a:solidFill>
@@ -14510,7 +14274,7 @@
               <a:t>))</a:t>
             </a:r>
             <a:r>
-              <a:rPr lang="en-US" sz="2000" dirty="0" smtClean="0">
+              <a:rPr lang="en-US" sz="2000" dirty="0">
                 <a:solidFill>
                   <a:schemeClr val="tx1"/>
                 </a:solidFill>
@@ -14568,13 +14332,6 @@
   <p:clrMapOvr>
     <a:masterClrMapping/>
   </p:clrMapOvr>
-  <p:timing>
-    <p:tnLst>
-      <p:par>
-        <p:cTn id="1" dur="indefinite" restart="never" nodeType="tmRoot"/>
-      </p:par>
-    </p:tnLst>
-  </p:timing>
 </p:sld>
 </file>
 
@@ -14611,10 +14368,9 @@
           <a:lstStyle/>
           <a:p>
             <a:r>
-              <a:rPr lang="en-US" dirty="0" smtClean="0"/>
+              <a:rPr lang="en-US" dirty="0"/>
               <a:t>Example 5: remove-first-even</a:t>
             </a:r>
-            <a:endParaRPr lang="en-US" dirty="0"/>
           </a:p>
         </p:txBody>
       </p:sp>
@@ -14639,7 +14395,7 @@
               <a:buNone/>
             </a:pPr>
             <a:r>
-              <a:rPr lang="en-US" sz="2000" b="1" dirty="0" smtClean="0">
+              <a:rPr lang="en-US" sz="2000" b="1" dirty="0">
                 <a:latin typeface="Consolas" pitchFamily="49" charset="0"/>
                 <a:cs typeface="Consolas" pitchFamily="49" charset="0"/>
               </a:rPr>
@@ -14651,7 +14407,7 @@
               <a:buNone/>
             </a:pPr>
             <a:r>
-              <a:rPr lang="en-US" sz="2000" b="1" dirty="0" smtClean="0">
+              <a:rPr lang="en-US" sz="2000" b="1" dirty="0">
                 <a:latin typeface="Consolas" pitchFamily="49" charset="0"/>
                 <a:cs typeface="Consolas" pitchFamily="49" charset="0"/>
               </a:rPr>
@@ -14663,7 +14419,7 @@
               <a:buNone/>
             </a:pPr>
             <a:r>
-              <a:rPr lang="en-US" sz="2000" b="1" dirty="0" smtClean="0">
+              <a:rPr lang="en-US" sz="2000" b="1" dirty="0">
                 <a:latin typeface="Consolas" pitchFamily="49" charset="0"/>
                 <a:cs typeface="Consolas" pitchFamily="49" charset="0"/>
               </a:rPr>
@@ -14679,14 +14435,7 @@
                 <a:latin typeface="Consolas" pitchFamily="49" charset="0"/>
                 <a:cs typeface="Consolas" pitchFamily="49" charset="0"/>
               </a:rPr>
-              <a:t> </a:t>
-            </a:r>
-            <a:r>
-              <a:rPr lang="en-US" sz="2000" b="1" dirty="0" smtClean="0">
-                <a:latin typeface="Consolas" pitchFamily="49" charset="0"/>
-                <a:cs typeface="Consolas" pitchFamily="49" charset="0"/>
-              </a:rPr>
-              <a:t> even numbers removed</a:t>
+              <a:t>  even numbers removed</a:t>
             </a:r>
           </a:p>
           <a:p>
@@ -14694,7 +14443,7 @@
               <a:buNone/>
             </a:pPr>
             <a:r>
-              <a:rPr lang="en-US" sz="2000" b="1" dirty="0" smtClean="0">
+              <a:rPr lang="en-US" sz="2000" b="1" dirty="0">
                 <a:latin typeface="Consolas" pitchFamily="49" charset="0"/>
                 <a:cs typeface="Consolas" pitchFamily="49" charset="0"/>
               </a:rPr>
@@ -14706,7 +14455,7 @@
               <a:buNone/>
             </a:pPr>
             <a:r>
-              <a:rPr lang="en-US" sz="2000" b="1" dirty="0" smtClean="0">
+              <a:rPr lang="en-US" sz="2000" b="1" dirty="0">
                 <a:latin typeface="Consolas" pitchFamily="49" charset="0"/>
                 <a:cs typeface="Consolas" pitchFamily="49" charset="0"/>
               </a:rPr>
@@ -14718,7 +14467,7 @@
               <a:buNone/>
             </a:pPr>
             <a:r>
-              <a:rPr lang="en-US" sz="2000" b="1" dirty="0" smtClean="0">
+              <a:rPr lang="en-US" sz="2000" b="1" dirty="0">
                 <a:latin typeface="Consolas" pitchFamily="49" charset="0"/>
                 <a:cs typeface="Consolas" pitchFamily="49" charset="0"/>
               </a:rPr>
@@ -14730,7 +14479,7 @@
               <a:buNone/>
             </a:pPr>
             <a:r>
-              <a:rPr lang="en-US" sz="2000" b="1" dirty="0" smtClean="0">
+              <a:rPr lang="en-US" sz="2000" b="1" dirty="0">
                 <a:latin typeface="Consolas" pitchFamily="49" charset="0"/>
                 <a:cs typeface="Consolas" pitchFamily="49" charset="0"/>
               </a:rPr>
@@ -14742,7 +14491,7 @@
               <a:buNone/>
             </a:pPr>
             <a:r>
-              <a:rPr lang="en-US" sz="2000" b="1" dirty="0" smtClean="0">
+              <a:rPr lang="en-US" sz="2000" b="1" dirty="0">
                 <a:latin typeface="Consolas" pitchFamily="49" charset="0"/>
                 <a:cs typeface="Consolas" pitchFamily="49" charset="0"/>
               </a:rPr>
@@ -14754,7 +14503,7 @@
               <a:buNone/>
             </a:pPr>
             <a:r>
-              <a:rPr lang="en-US" sz="2000" b="1" dirty="0" smtClean="0">
+              <a:rPr lang="en-US" sz="2000" b="1" dirty="0">
                 <a:latin typeface="Consolas" pitchFamily="49" charset="0"/>
                 <a:cs typeface="Consolas" pitchFamily="49" charset="0"/>
               </a:rPr>
@@ -14766,7 +14515,7 @@
               <a:buNone/>
             </a:pPr>
             <a:r>
-              <a:rPr lang="en-US" sz="2000" b="1" dirty="0" smtClean="0">
+              <a:rPr lang="en-US" sz="2000" b="1" dirty="0">
                 <a:latin typeface="Consolas" pitchFamily="49" charset="0"/>
                 <a:cs typeface="Consolas" pitchFamily="49" charset="0"/>
               </a:rPr>
@@ -14778,14 +14527,14 @@
               <a:buNone/>
             </a:pPr>
             <a:r>
-              <a:rPr lang="en-US" sz="2000" b="1" dirty="0" smtClean="0">
+              <a:rPr lang="en-US" sz="2000" b="1" dirty="0">
                 <a:latin typeface="Consolas" pitchFamily="49" charset="0"/>
                 <a:cs typeface="Consolas" pitchFamily="49" charset="0"/>
               </a:rPr>
               <a:t>STRATEGY: Use template for LOI on </a:t>
             </a:r>
             <a:r>
-              <a:rPr lang="en-US" sz="2000" b="1" dirty="0" err="1" smtClean="0">
+              <a:rPr lang="en-US" sz="2000" b="1" dirty="0" err="1">
                 <a:latin typeface="Consolas" pitchFamily="49" charset="0"/>
                 <a:cs typeface="Consolas" pitchFamily="49" charset="0"/>
               </a:rPr>
@@ -14869,34 +14618,13 @@
           <a:p>
             <a:pPr algn="ctr"/>
             <a:r>
-              <a:rPr lang="en-US" sz="2000" dirty="0" smtClean="0">
+              <a:rPr lang="en-US" sz="2000" dirty="0">
                 <a:solidFill>
                   <a:schemeClr val="tx1"/>
                 </a:solidFill>
               </a:rPr>
-              <a:t>Why </a:t>
-            </a:r>
-            <a:r>
-              <a:rPr lang="en-US" sz="2000" dirty="0" smtClean="0">
-                <a:solidFill>
-                  <a:schemeClr val="tx1"/>
-                </a:solidFill>
-              </a:rPr>
-              <a:t>is this not a </a:t>
-            </a:r>
-            <a:r>
-              <a:rPr lang="en-US" sz="2000" dirty="0" smtClean="0">
-                <a:solidFill>
-                  <a:schemeClr val="tx1"/>
-                </a:solidFill>
-              </a:rPr>
-              <a:t>good set of examples?</a:t>
-            </a:r>
-            <a:endParaRPr lang="en-US" sz="2000" dirty="0" smtClean="0">
-              <a:solidFill>
-                <a:schemeClr val="tx1"/>
-              </a:solidFill>
-            </a:endParaRPr>
+              <a:t>Why is this not a good set of examples?</a:t>
+            </a:r>
           </a:p>
         </p:txBody>
       </p:sp>
@@ -14947,18 +14675,13 @@
           <a:p>
             <a:pPr algn="ctr"/>
             <a:r>
-              <a:rPr lang="en-US" sz="2000" dirty="0" smtClean="0">
+              <a:rPr lang="en-US" sz="2000" dirty="0">
                 <a:solidFill>
                   <a:schemeClr val="tx1"/>
                 </a:solidFill>
               </a:rPr>
               <a:t>Answer: None of them show what happens when the first element of the list is odd</a:t>
             </a:r>
-            <a:endParaRPr lang="en-US" sz="2000" dirty="0" smtClean="0">
-              <a:solidFill>
-                <a:schemeClr val="tx1"/>
-              </a:solidFill>
-            </a:endParaRPr>
           </a:p>
         </p:txBody>
       </p:sp>
@@ -15094,10 +14817,9 @@
           <a:lstStyle/>
           <a:p>
             <a:r>
-              <a:rPr lang="en-US" dirty="0" smtClean="0"/>
+              <a:rPr lang="en-US" dirty="0"/>
               <a:t>Example 5: remove-first-even</a:t>
             </a:r>
-            <a:endParaRPr lang="en-US" dirty="0"/>
           </a:p>
         </p:txBody>
       </p:sp>
@@ -15122,7 +14844,7 @@
               <a:buNone/>
             </a:pPr>
             <a:r>
-              <a:rPr lang="en-US" sz="2000" b="1" dirty="0" smtClean="0">
+              <a:rPr lang="en-US" sz="2000" b="1" dirty="0">
                 <a:latin typeface="Consolas" pitchFamily="49" charset="0"/>
                 <a:cs typeface="Consolas" pitchFamily="49" charset="0"/>
               </a:rPr>
@@ -15134,21 +14856,21 @@
               <a:buNone/>
             </a:pPr>
             <a:r>
-              <a:rPr lang="en-US" sz="2000" b="1" dirty="0" smtClean="0">
+              <a:rPr lang="en-US" sz="2000" b="1" dirty="0">
                 <a:latin typeface="Consolas" pitchFamily="49" charset="0"/>
                 <a:cs typeface="Consolas" pitchFamily="49" charset="0"/>
               </a:rPr>
               <a:t>(define (remove-first-even </a:t>
             </a:r>
             <a:r>
-              <a:rPr lang="en-US" sz="2000" b="1" dirty="0" err="1" smtClean="0">
+              <a:rPr lang="en-US" sz="2000" b="1" dirty="0" err="1">
                 <a:latin typeface="Consolas" pitchFamily="49" charset="0"/>
                 <a:cs typeface="Consolas" pitchFamily="49" charset="0"/>
               </a:rPr>
               <a:t>lst</a:t>
             </a:r>
             <a:r>
-              <a:rPr lang="en-US" sz="2000" b="1" dirty="0" smtClean="0">
+              <a:rPr lang="en-US" sz="2000" b="1" dirty="0">
                 <a:latin typeface="Consolas" pitchFamily="49" charset="0"/>
                 <a:cs typeface="Consolas" pitchFamily="49" charset="0"/>
               </a:rPr>
@@ -15160,20 +14882,20 @@
               <a:buNone/>
             </a:pPr>
             <a:r>
-              <a:rPr lang="en-US" sz="2000" b="1" dirty="0" smtClean="0">
+              <a:rPr lang="en-US" sz="2000" b="1" dirty="0">
                 <a:latin typeface="Consolas" pitchFamily="49" charset="0"/>
                 <a:cs typeface="Consolas" pitchFamily="49" charset="0"/>
               </a:rPr>
               <a:t>  (</a:t>
             </a:r>
             <a:r>
-              <a:rPr lang="en-US" sz="2000" b="1" dirty="0" err="1" smtClean="0">
+              <a:rPr lang="en-US" sz="2000" b="1" dirty="0" err="1">
                 <a:latin typeface="Consolas" pitchFamily="49" charset="0"/>
                 <a:cs typeface="Consolas" pitchFamily="49" charset="0"/>
               </a:rPr>
               <a:t>cond</a:t>
             </a:r>
-            <a:endParaRPr lang="en-US" sz="2000" b="1" dirty="0" smtClean="0">
+            <a:endParaRPr lang="en-US" sz="2000" b="1" dirty="0">
               <a:latin typeface="Consolas" pitchFamily="49" charset="0"/>
               <a:cs typeface="Consolas" pitchFamily="49" charset="0"/>
             </a:endParaRPr>
@@ -15183,21 +14905,21 @@
               <a:buNone/>
             </a:pPr>
             <a:r>
-              <a:rPr lang="en-US" sz="2000" b="1" dirty="0" smtClean="0">
+              <a:rPr lang="en-US" sz="2000" b="1" dirty="0">
                 <a:latin typeface="Consolas" pitchFamily="49" charset="0"/>
                 <a:cs typeface="Consolas" pitchFamily="49" charset="0"/>
               </a:rPr>
               <a:t>    [(empty? </a:t>
             </a:r>
             <a:r>
-              <a:rPr lang="en-US" sz="2000" b="1" dirty="0" err="1" smtClean="0">
+              <a:rPr lang="en-US" sz="2000" b="1" dirty="0" err="1">
                 <a:latin typeface="Consolas" pitchFamily="49" charset="0"/>
                 <a:cs typeface="Consolas" pitchFamily="49" charset="0"/>
               </a:rPr>
               <a:t>lst</a:t>
             </a:r>
             <a:r>
-              <a:rPr lang="en-US" sz="2000" b="1" dirty="0" smtClean="0">
+              <a:rPr lang="en-US" sz="2000" b="1" dirty="0">
                 <a:latin typeface="Consolas" pitchFamily="49" charset="0"/>
                 <a:cs typeface="Consolas" pitchFamily="49" charset="0"/>
               </a:rPr>
@@ -15209,21 +14931,21 @@
               <a:buNone/>
             </a:pPr>
             <a:r>
-              <a:rPr lang="en-US" sz="2000" b="1" dirty="0" smtClean="0">
+              <a:rPr lang="en-US" sz="2000" b="1" dirty="0">
                 <a:latin typeface="Consolas" pitchFamily="49" charset="0"/>
                 <a:cs typeface="Consolas" pitchFamily="49" charset="0"/>
               </a:rPr>
               <a:t>    [else (... (first </a:t>
             </a:r>
             <a:r>
-              <a:rPr lang="en-US" sz="2000" b="1" dirty="0" err="1" smtClean="0">
+              <a:rPr lang="en-US" sz="2000" b="1" dirty="0" err="1">
                 <a:latin typeface="Consolas" pitchFamily="49" charset="0"/>
                 <a:cs typeface="Consolas" pitchFamily="49" charset="0"/>
               </a:rPr>
               <a:t>lst</a:t>
             </a:r>
             <a:r>
-              <a:rPr lang="en-US" sz="2000" b="1" dirty="0" smtClean="0">
+              <a:rPr lang="en-US" sz="2000" b="1" dirty="0">
                 <a:latin typeface="Consolas" pitchFamily="49" charset="0"/>
                 <a:cs typeface="Consolas" pitchFamily="49" charset="0"/>
               </a:rPr>
@@ -15235,21 +14957,21 @@
               <a:buNone/>
             </a:pPr>
             <a:r>
-              <a:rPr lang="en-US" sz="2000" b="1" dirty="0" smtClean="0">
+              <a:rPr lang="en-US" sz="2000" b="1" dirty="0">
                 <a:latin typeface="Consolas" pitchFamily="49" charset="0"/>
                 <a:cs typeface="Consolas" pitchFamily="49" charset="0"/>
               </a:rPr>
               <a:t>               (remove-first-even (rest </a:t>
             </a:r>
             <a:r>
-              <a:rPr lang="en-US" sz="2000" b="1" dirty="0" err="1" smtClean="0">
+              <a:rPr lang="en-US" sz="2000" b="1" dirty="0" err="1">
                 <a:latin typeface="Consolas" pitchFamily="49" charset="0"/>
                 <a:cs typeface="Consolas" pitchFamily="49" charset="0"/>
               </a:rPr>
               <a:t>lst</a:t>
             </a:r>
             <a:r>
-              <a:rPr lang="en-US" sz="2000" b="1" dirty="0" smtClean="0">
+              <a:rPr lang="en-US" sz="2000" b="1" dirty="0">
                 <a:latin typeface="Consolas" pitchFamily="49" charset="0"/>
                 <a:cs typeface="Consolas" pitchFamily="49" charset="0"/>
               </a:rPr>
@@ -15260,7 +14982,7 @@
             <a:pPr>
               <a:buNone/>
             </a:pPr>
-            <a:endParaRPr lang="en-US" sz="2000" b="1" dirty="0" smtClean="0">
+            <a:endParaRPr lang="en-US" sz="2000" b="1" dirty="0">
               <a:latin typeface="Courier New" pitchFamily="49" charset="0"/>
               <a:cs typeface="Courier New" pitchFamily="49" charset="0"/>
             </a:endParaRPr>
@@ -15347,7 +15069,7 @@
             <a:p>
               <a:pPr algn="ctr"/>
               <a:r>
-                <a:rPr lang="en-US" sz="2400" dirty="0" smtClean="0">
+                <a:rPr lang="en-US" sz="2400" dirty="0">
                   <a:solidFill>
                     <a:schemeClr val="tx1"/>
                   </a:solidFill>
@@ -15612,7 +15334,7 @@
               <a:buNone/>
             </a:pPr>
             <a:r>
-              <a:rPr lang="en-US" sz="2000" b="1" dirty="0" smtClean="0">
+              <a:rPr lang="en-US" sz="2000" b="1" dirty="0">
                 <a:latin typeface="Consolas" pitchFamily="49" charset="0"/>
                 <a:cs typeface="Consolas" pitchFamily="49" charset="0"/>
               </a:rPr>
@@ -15625,21 +15347,21 @@
               <a:buNone/>
             </a:pPr>
             <a:r>
-              <a:rPr lang="en-US" sz="2000" b="1" dirty="0" smtClean="0">
+              <a:rPr lang="en-US" sz="2000" b="1" dirty="0">
                 <a:latin typeface="Consolas" pitchFamily="49" charset="0"/>
                 <a:cs typeface="Consolas" pitchFamily="49" charset="0"/>
               </a:rPr>
               <a:t>(define (remove-first-even </a:t>
             </a:r>
             <a:r>
-              <a:rPr lang="en-US" sz="2000" b="1" dirty="0" err="1" smtClean="0">
+              <a:rPr lang="en-US" sz="2000" b="1" dirty="0" err="1">
                 <a:latin typeface="Consolas" pitchFamily="49" charset="0"/>
                 <a:cs typeface="Consolas" pitchFamily="49" charset="0"/>
               </a:rPr>
               <a:t>lst</a:t>
             </a:r>
             <a:r>
-              <a:rPr lang="en-US" sz="2000" b="1" dirty="0" smtClean="0">
+              <a:rPr lang="en-US" sz="2000" b="1" dirty="0">
                 <a:latin typeface="Consolas" pitchFamily="49" charset="0"/>
                 <a:cs typeface="Consolas" pitchFamily="49" charset="0"/>
               </a:rPr>
@@ -15652,20 +15374,20 @@
               <a:buNone/>
             </a:pPr>
             <a:r>
-              <a:rPr lang="en-US" sz="2000" b="1" dirty="0" smtClean="0">
+              <a:rPr lang="en-US" sz="2000" b="1" dirty="0">
                 <a:latin typeface="Consolas" pitchFamily="49" charset="0"/>
                 <a:cs typeface="Consolas" pitchFamily="49" charset="0"/>
               </a:rPr>
               <a:t>  (</a:t>
             </a:r>
             <a:r>
-              <a:rPr lang="en-US" sz="2000" b="1" dirty="0" err="1" smtClean="0">
+              <a:rPr lang="en-US" sz="2000" b="1" dirty="0" err="1">
                 <a:latin typeface="Consolas" pitchFamily="49" charset="0"/>
                 <a:cs typeface="Consolas" pitchFamily="49" charset="0"/>
               </a:rPr>
               <a:t>cond</a:t>
             </a:r>
-            <a:endParaRPr lang="en-US" sz="2000" b="1" dirty="0" smtClean="0">
+            <a:endParaRPr lang="en-US" sz="2000" b="1" dirty="0">
               <a:latin typeface="Consolas" pitchFamily="49" charset="0"/>
               <a:cs typeface="Consolas" pitchFamily="49" charset="0"/>
             </a:endParaRPr>
@@ -15676,28 +15398,28 @@
               <a:buNone/>
             </a:pPr>
             <a:r>
-              <a:rPr lang="en-US" sz="2000" b="1" dirty="0" smtClean="0">
+              <a:rPr lang="en-US" sz="2000" b="1" dirty="0">
                 <a:latin typeface="Consolas" pitchFamily="49" charset="0"/>
                 <a:cs typeface="Consolas" pitchFamily="49" charset="0"/>
               </a:rPr>
               <a:t>    [(empty? </a:t>
             </a:r>
             <a:r>
-              <a:rPr lang="en-US" sz="2000" b="1" dirty="0" err="1" smtClean="0">
+              <a:rPr lang="en-US" sz="2000" b="1" dirty="0" err="1">
                 <a:latin typeface="Consolas" pitchFamily="49" charset="0"/>
                 <a:cs typeface="Consolas" pitchFamily="49" charset="0"/>
               </a:rPr>
               <a:t>lst</a:t>
             </a:r>
             <a:r>
-              <a:rPr lang="en-US" sz="2000" b="1" dirty="0" smtClean="0">
+              <a:rPr lang="en-US" sz="2000" b="1" dirty="0">
                 <a:latin typeface="Consolas" pitchFamily="49" charset="0"/>
                 <a:cs typeface="Consolas" pitchFamily="49" charset="0"/>
               </a:rPr>
               <a:t>) </a:t>
             </a:r>
             <a:r>
-              <a:rPr lang="en-US" sz="2000" b="1" dirty="0" smtClean="0">
+              <a:rPr lang="en-US" sz="2000" b="1" dirty="0">
                 <a:solidFill>
                   <a:srgbClr val="FF0000"/>
                 </a:solidFill>
@@ -15707,7 +15429,7 @@
               <a:t>empty</a:t>
             </a:r>
             <a:r>
-              <a:rPr lang="en-US" sz="2000" b="1" dirty="0" smtClean="0">
+              <a:rPr lang="en-US" sz="2000" b="1" dirty="0">
                 <a:latin typeface="Consolas" pitchFamily="49" charset="0"/>
                 <a:cs typeface="Consolas" pitchFamily="49" charset="0"/>
               </a:rPr>
@@ -15720,21 +15442,21 @@
               <a:buNone/>
             </a:pPr>
             <a:r>
-              <a:rPr lang="en-US" sz="2000" b="1" dirty="0" smtClean="0">
+              <a:rPr lang="en-US" sz="2000" b="1" dirty="0">
                 <a:latin typeface="Consolas" pitchFamily="49" charset="0"/>
                 <a:cs typeface="Consolas" pitchFamily="49" charset="0"/>
               </a:rPr>
               <a:t>    [else (... (first </a:t>
             </a:r>
             <a:r>
-              <a:rPr lang="en-US" sz="2000" b="1" dirty="0" err="1" smtClean="0">
+              <a:rPr lang="en-US" sz="2000" b="1" dirty="0" err="1">
                 <a:latin typeface="Consolas" pitchFamily="49" charset="0"/>
                 <a:cs typeface="Consolas" pitchFamily="49" charset="0"/>
               </a:rPr>
               <a:t>lst</a:t>
             </a:r>
             <a:r>
-              <a:rPr lang="en-US" sz="2000" b="1" dirty="0" smtClean="0">
+              <a:rPr lang="en-US" sz="2000" b="1" dirty="0">
                 <a:latin typeface="Consolas" pitchFamily="49" charset="0"/>
                 <a:cs typeface="Consolas" pitchFamily="49" charset="0"/>
               </a:rPr>
@@ -15747,21 +15469,21 @@
               <a:buNone/>
             </a:pPr>
             <a:r>
-              <a:rPr lang="en-US" sz="2000" b="1" dirty="0" smtClean="0">
+              <a:rPr lang="en-US" sz="2000" b="1" dirty="0">
                 <a:latin typeface="Consolas" pitchFamily="49" charset="0"/>
                 <a:cs typeface="Consolas" pitchFamily="49" charset="0"/>
               </a:rPr>
               <a:t>               (remove-first-even (rest </a:t>
             </a:r>
             <a:r>
-              <a:rPr lang="en-US" sz="2000" b="1" dirty="0" err="1" smtClean="0">
+              <a:rPr lang="en-US" sz="2000" b="1" dirty="0" err="1">
                 <a:latin typeface="Consolas" pitchFamily="49" charset="0"/>
                 <a:cs typeface="Consolas" pitchFamily="49" charset="0"/>
               </a:rPr>
               <a:t>lst</a:t>
             </a:r>
             <a:r>
-              <a:rPr lang="en-US" sz="2000" b="1" dirty="0" smtClean="0">
+              <a:rPr lang="en-US" sz="2000" b="1" dirty="0">
                 <a:latin typeface="Consolas" pitchFamily="49" charset="0"/>
                 <a:cs typeface="Consolas" pitchFamily="49" charset="0"/>
               </a:rPr>
@@ -15773,7 +15495,7 @@
               <a:buFont typeface="Arial" pitchFamily="34" charset="0"/>
               <a:buNone/>
             </a:pPr>
-            <a:endParaRPr lang="en-US" sz="2000" b="1" dirty="0" smtClean="0">
+            <a:endParaRPr lang="en-US" sz="2000" b="1" dirty="0">
               <a:latin typeface="Courier New" pitchFamily="49" charset="0"/>
               <a:cs typeface="Courier New" pitchFamily="49" charset="0"/>
             </a:endParaRPr>
@@ -15836,7 +15558,7 @@
             <a:p>
               <a:pPr algn="ctr"/>
               <a:r>
-                <a:rPr lang="en-US" sz="2400" dirty="0" smtClean="0">
+                <a:rPr lang="en-US" sz="2400" dirty="0">
                   <a:solidFill>
                     <a:schemeClr val="tx1"/>
                   </a:solidFill>
@@ -16049,7 +15771,7 @@
               <a:buNone/>
             </a:pPr>
             <a:r>
-              <a:rPr lang="en-US" sz="2000" b="1" dirty="0" smtClean="0">
+              <a:rPr lang="en-US" sz="2000" b="1" dirty="0">
                 <a:latin typeface="Consolas" pitchFamily="49" charset="0"/>
                 <a:cs typeface="Consolas" pitchFamily="49" charset="0"/>
               </a:rPr>
@@ -16062,21 +15784,21 @@
               <a:buNone/>
             </a:pPr>
             <a:r>
-              <a:rPr lang="en-US" sz="2000" b="1" dirty="0" smtClean="0">
+              <a:rPr lang="en-US" sz="2000" b="1" dirty="0">
                 <a:latin typeface="Consolas" pitchFamily="49" charset="0"/>
                 <a:cs typeface="Consolas" pitchFamily="49" charset="0"/>
               </a:rPr>
               <a:t>(define (remove-first-even </a:t>
             </a:r>
             <a:r>
-              <a:rPr lang="en-US" sz="2000" b="1" dirty="0" err="1" smtClean="0">
+              <a:rPr lang="en-US" sz="2000" b="1" dirty="0" err="1">
                 <a:latin typeface="Consolas" pitchFamily="49" charset="0"/>
                 <a:cs typeface="Consolas" pitchFamily="49" charset="0"/>
               </a:rPr>
               <a:t>lst</a:t>
             </a:r>
             <a:r>
-              <a:rPr lang="en-US" sz="2000" b="1" dirty="0" smtClean="0">
+              <a:rPr lang="en-US" sz="2000" b="1" dirty="0">
                 <a:latin typeface="Consolas" pitchFamily="49" charset="0"/>
                 <a:cs typeface="Consolas" pitchFamily="49" charset="0"/>
               </a:rPr>
@@ -16089,20 +15811,20 @@
               <a:buNone/>
             </a:pPr>
             <a:r>
-              <a:rPr lang="en-US" sz="2000" b="1" dirty="0" smtClean="0">
+              <a:rPr lang="en-US" sz="2000" b="1" dirty="0">
                 <a:latin typeface="Consolas" pitchFamily="49" charset="0"/>
                 <a:cs typeface="Consolas" pitchFamily="49" charset="0"/>
               </a:rPr>
               <a:t>  (</a:t>
             </a:r>
             <a:r>
-              <a:rPr lang="en-US" sz="2000" b="1" dirty="0" err="1" smtClean="0">
+              <a:rPr lang="en-US" sz="2000" b="1" dirty="0" err="1">
                 <a:latin typeface="Consolas" pitchFamily="49" charset="0"/>
                 <a:cs typeface="Consolas" pitchFamily="49" charset="0"/>
               </a:rPr>
               <a:t>cond</a:t>
             </a:r>
-            <a:endParaRPr lang="en-US" sz="2000" b="1" dirty="0" smtClean="0">
+            <a:endParaRPr lang="en-US" sz="2000" b="1" dirty="0">
               <a:latin typeface="Consolas" pitchFamily="49" charset="0"/>
               <a:cs typeface="Consolas" pitchFamily="49" charset="0"/>
             </a:endParaRPr>
@@ -16113,28 +15835,28 @@
               <a:buNone/>
             </a:pPr>
             <a:r>
-              <a:rPr lang="en-US" sz="2000" b="1" dirty="0" smtClean="0">
+              <a:rPr lang="en-US" sz="2000" b="1" dirty="0">
                 <a:latin typeface="Consolas" pitchFamily="49" charset="0"/>
                 <a:cs typeface="Consolas" pitchFamily="49" charset="0"/>
               </a:rPr>
               <a:t>    [(empty? </a:t>
             </a:r>
             <a:r>
-              <a:rPr lang="en-US" sz="2000" b="1" dirty="0" err="1" smtClean="0">
+              <a:rPr lang="en-US" sz="2000" b="1" dirty="0" err="1">
                 <a:latin typeface="Consolas" pitchFamily="49" charset="0"/>
                 <a:cs typeface="Consolas" pitchFamily="49" charset="0"/>
               </a:rPr>
               <a:t>lst</a:t>
             </a:r>
             <a:r>
-              <a:rPr lang="en-US" sz="2000" b="1" dirty="0" smtClean="0">
+              <a:rPr lang="en-US" sz="2000" b="1" dirty="0">
                 <a:latin typeface="Consolas" pitchFamily="49" charset="0"/>
                 <a:cs typeface="Consolas" pitchFamily="49" charset="0"/>
               </a:rPr>
               <a:t>) </a:t>
             </a:r>
             <a:r>
-              <a:rPr lang="en-US" sz="2000" b="1" dirty="0" smtClean="0">
+              <a:rPr lang="en-US" sz="2000" b="1" dirty="0">
                 <a:solidFill>
                   <a:srgbClr val="FF0000"/>
                 </a:solidFill>
@@ -16144,7 +15866,7 @@
               <a:t>empty</a:t>
             </a:r>
             <a:r>
-              <a:rPr lang="en-US" sz="2000" b="1" dirty="0" smtClean="0">
+              <a:rPr lang="en-US" sz="2000" b="1" dirty="0">
                 <a:latin typeface="Consolas" pitchFamily="49" charset="0"/>
                 <a:cs typeface="Consolas" pitchFamily="49" charset="0"/>
               </a:rPr>
@@ -16157,14 +15879,14 @@
               <a:buNone/>
             </a:pPr>
             <a:r>
-              <a:rPr lang="en-US" sz="2000" b="1" dirty="0" smtClean="0">
+              <a:rPr lang="en-US" sz="2000" b="1" dirty="0">
                 <a:latin typeface="Consolas" pitchFamily="49" charset="0"/>
                 <a:cs typeface="Consolas" pitchFamily="49" charset="0"/>
               </a:rPr>
               <a:t>    [else </a:t>
             </a:r>
             <a:r>
-              <a:rPr lang="en-US" sz="2000" b="1" dirty="0" smtClean="0">
+              <a:rPr lang="en-US" sz="2000" b="1" dirty="0">
                 <a:solidFill>
                   <a:srgbClr val="FF0000"/>
                 </a:solidFill>
@@ -16174,28 +15896,28 @@
               <a:t>(if (even? </a:t>
             </a:r>
             <a:r>
-              <a:rPr lang="en-US" sz="2000" b="1" dirty="0" smtClean="0">
+              <a:rPr lang="en-US" sz="2000" b="1" dirty="0">
                 <a:latin typeface="Consolas" pitchFamily="49" charset="0"/>
                 <a:cs typeface="Consolas" pitchFamily="49" charset="0"/>
               </a:rPr>
               <a:t>(first </a:t>
             </a:r>
             <a:r>
-              <a:rPr lang="en-US" sz="2000" b="1" dirty="0" err="1" smtClean="0">
+              <a:rPr lang="en-US" sz="2000" b="1" dirty="0" err="1">
                 <a:latin typeface="Consolas" pitchFamily="49" charset="0"/>
                 <a:cs typeface="Consolas" pitchFamily="49" charset="0"/>
               </a:rPr>
               <a:t>lst</a:t>
             </a:r>
             <a:r>
-              <a:rPr lang="en-US" sz="2000" b="1" dirty="0" smtClean="0">
+              <a:rPr lang="en-US" sz="2000" b="1" dirty="0">
                 <a:latin typeface="Consolas" pitchFamily="49" charset="0"/>
                 <a:cs typeface="Consolas" pitchFamily="49" charset="0"/>
               </a:rPr>
               <a:t>)</a:t>
             </a:r>
             <a:r>
-              <a:rPr lang="en-US" sz="2000" b="1" dirty="0" smtClean="0">
+              <a:rPr lang="en-US" sz="2000" b="1" dirty="0">
                 <a:solidFill>
                   <a:srgbClr val="FF0000"/>
                 </a:solidFill>
@@ -16211,7 +15933,7 @@
               <a:buNone/>
             </a:pPr>
             <a:r>
-              <a:rPr lang="en-US" sz="2000" b="1" dirty="0" smtClean="0">
+              <a:rPr lang="en-US" sz="2000" b="1" dirty="0">
                 <a:solidFill>
                   <a:srgbClr val="FF0000"/>
                 </a:solidFill>
@@ -16221,7 +15943,7 @@
               <a:t>              </a:t>
             </a:r>
             <a:r>
-              <a:rPr lang="en-US" sz="2000" b="1" dirty="0" smtClean="0">
+              <a:rPr lang="en-US" sz="2000" b="1" dirty="0">
                 <a:solidFill>
                   <a:srgbClr val="00B050"/>
                 </a:solidFill>
@@ -16231,7 +15953,7 @@
               <a:t>(rest </a:t>
             </a:r>
             <a:r>
-              <a:rPr lang="en-US" sz="2000" b="1" dirty="0" err="1" smtClean="0">
+              <a:rPr lang="en-US" sz="2000" b="1" dirty="0" err="1">
                 <a:solidFill>
                   <a:srgbClr val="00B050"/>
                 </a:solidFill>
@@ -16241,7 +15963,7 @@
               <a:t>lst</a:t>
             </a:r>
             <a:r>
-              <a:rPr lang="en-US" sz="2000" b="1" dirty="0" smtClean="0">
+              <a:rPr lang="en-US" sz="2000" b="1" dirty="0">
                 <a:solidFill>
                   <a:srgbClr val="00B050"/>
                 </a:solidFill>
@@ -16257,7 +15979,7 @@
               <a:buNone/>
             </a:pPr>
             <a:r>
-              <a:rPr lang="en-US" sz="2000" b="1" dirty="0" smtClean="0">
+              <a:rPr lang="en-US" sz="2000" b="1" dirty="0">
                 <a:solidFill>
                   <a:srgbClr val="FF0000"/>
                 </a:solidFill>
@@ -16267,21 +15989,21 @@
               <a:t>              (cons </a:t>
             </a:r>
             <a:r>
-              <a:rPr lang="en-US" sz="2000" b="1" dirty="0" smtClean="0">
+              <a:rPr lang="en-US" sz="2000" b="1" dirty="0">
                 <a:latin typeface="Consolas" pitchFamily="49" charset="0"/>
                 <a:cs typeface="Consolas" pitchFamily="49" charset="0"/>
               </a:rPr>
               <a:t>(first </a:t>
             </a:r>
             <a:r>
-              <a:rPr lang="en-US" sz="2000" b="1" dirty="0" err="1" smtClean="0">
+              <a:rPr lang="en-US" sz="2000" b="1" dirty="0" err="1">
                 <a:latin typeface="Consolas" pitchFamily="49" charset="0"/>
                 <a:cs typeface="Consolas" pitchFamily="49" charset="0"/>
               </a:rPr>
               <a:t>lst</a:t>
             </a:r>
             <a:r>
-              <a:rPr lang="en-US" sz="2000" b="1" dirty="0" smtClean="0">
+              <a:rPr lang="en-US" sz="2000" b="1" dirty="0">
                 <a:latin typeface="Consolas" pitchFamily="49" charset="0"/>
                 <a:cs typeface="Consolas" pitchFamily="49" charset="0"/>
               </a:rPr>
@@ -16294,7 +16016,7 @@
               <a:buNone/>
             </a:pPr>
             <a:r>
-              <a:rPr lang="en-US" sz="2000" b="1" dirty="0" smtClean="0">
+              <a:rPr lang="en-US" sz="2000" b="1" dirty="0">
                 <a:solidFill>
                   <a:srgbClr val="FF0000"/>
                 </a:solidFill>
@@ -16304,28 +16026,28 @@
               <a:t>                    </a:t>
             </a:r>
             <a:r>
-              <a:rPr lang="en-US" sz="2000" b="1" dirty="0" smtClean="0">
+              <a:rPr lang="en-US" sz="2000" b="1" dirty="0">
                 <a:latin typeface="Consolas" pitchFamily="49" charset="0"/>
                 <a:cs typeface="Consolas" pitchFamily="49" charset="0"/>
               </a:rPr>
               <a:t>(remove-first-even (rest </a:t>
             </a:r>
             <a:r>
-              <a:rPr lang="en-US" sz="2000" b="1" dirty="0" err="1" smtClean="0">
+              <a:rPr lang="en-US" sz="2000" b="1" dirty="0" err="1">
                 <a:latin typeface="Consolas" pitchFamily="49" charset="0"/>
                 <a:cs typeface="Consolas" pitchFamily="49" charset="0"/>
               </a:rPr>
               <a:t>lst</a:t>
             </a:r>
             <a:r>
-              <a:rPr lang="en-US" sz="2000" b="1" dirty="0" smtClean="0">
+              <a:rPr lang="en-US" sz="2000" b="1" dirty="0">
                 <a:latin typeface="Consolas" pitchFamily="49" charset="0"/>
                 <a:cs typeface="Consolas" pitchFamily="49" charset="0"/>
               </a:rPr>
               <a:t>))</a:t>
             </a:r>
             <a:r>
-              <a:rPr lang="en-US" sz="2000" b="1" dirty="0" smtClean="0">
+              <a:rPr lang="en-US" sz="2000" b="1" dirty="0">
                 <a:solidFill>
                   <a:srgbClr val="FF0000"/>
                 </a:solidFill>
@@ -16335,13 +16057,13 @@
               <a:t>))</a:t>
             </a:r>
             <a:r>
-              <a:rPr lang="en-US" sz="2000" b="1" dirty="0" smtClean="0">
+              <a:rPr lang="en-US" sz="2000" b="1" dirty="0">
                 <a:latin typeface="Consolas" pitchFamily="49" charset="0"/>
                 <a:cs typeface="Consolas" pitchFamily="49" charset="0"/>
               </a:rPr>
               <a:t>]))</a:t>
             </a:r>
-            <a:endParaRPr lang="en-US" sz="2000" b="1" dirty="0" smtClean="0">
+            <a:endParaRPr lang="en-US" sz="2000" b="1" dirty="0">
               <a:solidFill>
                 <a:srgbClr val="FF0000"/>
               </a:solidFill>
@@ -16354,7 +16076,7 @@
               <a:buFont typeface="Arial" pitchFamily="34" charset="0"/>
               <a:buNone/>
             </a:pPr>
-            <a:endParaRPr lang="en-US" sz="2000" b="1" dirty="0" smtClean="0">
+            <a:endParaRPr lang="en-US" sz="2000" b="1" dirty="0">
               <a:latin typeface="Courier New" pitchFamily="49" charset="0"/>
               <a:cs typeface="Courier New" pitchFamily="49" charset="0"/>
             </a:endParaRPr>
@@ -16422,7 +16144,7 @@
             <a:p>
               <a:pPr algn="ctr"/>
               <a:r>
-                <a:rPr lang="en-US" sz="2000" dirty="0" smtClean="0">
+                <a:rPr lang="en-US" sz="2000" dirty="0">
                   <a:solidFill>
                     <a:schemeClr val="tx1"/>
                   </a:solidFill>
@@ -16888,10 +16610,9 @@
           <a:lstStyle/>
           <a:p>
             <a:r>
-              <a:rPr lang="en-US" dirty="0" smtClean="0"/>
+              <a:rPr lang="en-US" dirty="0"/>
               <a:t>Summary</a:t>
             </a:r>
-            <a:endParaRPr lang="en-US" dirty="0"/>
           </a:p>
         </p:txBody>
       </p:sp>
@@ -16911,21 +16632,21 @@
           <a:lstStyle/>
           <a:p>
             <a:r>
-              <a:rPr lang="en-US" dirty="0" smtClean="0"/>
+              <a:rPr lang="en-US" dirty="0"/>
               <a:t>You should now be able to:</a:t>
             </a:r>
           </a:p>
           <a:p>
             <a:pPr lvl="1"/>
             <a:r>
-              <a:rPr lang="en-US" dirty="0" smtClean="0"/>
+              <a:rPr lang="en-US" dirty="0"/>
               <a:t>write down the template for a list data definition</a:t>
             </a:r>
           </a:p>
           <a:p>
             <a:pPr lvl="1"/>
             <a:r>
-              <a:rPr lang="en-US" dirty="0" smtClean="0"/>
+              <a:rPr lang="en-US" dirty="0"/>
               <a:t>use structural decomposition to define simple functions on lists</a:t>
             </a:r>
           </a:p>
@@ -16969,13 +16690,6 @@
   <p:clrMapOvr>
     <a:masterClrMapping/>
   </p:clrMapOvr>
-  <p:timing>
-    <p:tnLst>
-      <p:par>
-        <p:cTn id="1" dur="indefinite" restart="never" nodeType="tmRoot"/>
-      </p:par>
-    </p:tnLst>
-  </p:timing>
 </p:sld>
 </file>
 
@@ -17012,10 +16726,9 @@
           <a:lstStyle/>
           <a:p>
             <a:r>
-              <a:rPr lang="en-US" dirty="0" smtClean="0"/>
+              <a:rPr lang="en-US" dirty="0"/>
               <a:t>Next Steps</a:t>
             </a:r>
-            <a:endParaRPr lang="en-US" dirty="0"/>
           </a:p>
         </p:txBody>
       </p:sp>
@@ -17035,23 +16748,22 @@
           <a:lstStyle/>
           <a:p>
             <a:r>
-              <a:rPr lang="en-US" dirty="0" smtClean="0"/>
+              <a:rPr lang="en-US" dirty="0"/>
               <a:t>If you have questions about this lesson, ask them on the Discussion Board</a:t>
             </a:r>
           </a:p>
           <a:p>
             <a:r>
-              <a:rPr lang="en-US" smtClean="0"/>
+              <a:rPr lang="en-US"/>
               <a:t>Do Guided Practice 4.3</a:t>
             </a:r>
-            <a:endParaRPr lang="en-US" dirty="0" smtClean="0"/>
-          </a:p>
-          <a:p>
-            <a:r>
-              <a:rPr lang="en-US" dirty="0" smtClean="0"/>
+            <a:endParaRPr lang="en-US" dirty="0"/>
+          </a:p>
+          <a:p>
+            <a:r>
+              <a:rPr lang="en-US" dirty="0"/>
               <a:t>Go on to the next lesson</a:t>
             </a:r>
-            <a:endParaRPr lang="en-US" dirty="0"/>
           </a:p>
         </p:txBody>
       </p:sp>
@@ -17089,13 +16801,6 @@
   <p:clrMapOvr>
     <a:masterClrMapping/>
   </p:clrMapOvr>
-  <p:timing>
-    <p:tnLst>
-      <p:par>
-        <p:cTn id="1" dur="indefinite" restart="never" nodeType="tmRoot"/>
-      </p:par>
-    </p:tnLst>
-  </p:timing>
 </p:sld>
 </file>
 
@@ -17134,18 +16839,17 @@
           <a:lstStyle/>
           <a:p>
             <a:r>
-              <a:rPr lang="en-US" dirty="0" smtClean="0"/>
+              <a:rPr lang="en-US" dirty="0"/>
               <a:t>Review: The </a:t>
             </a:r>
             <a:r>
-              <a:rPr lang="en-US" dirty="0" err="1" smtClean="0"/>
+              <a:rPr lang="en-US" dirty="0" err="1"/>
               <a:t>ListOfX</a:t>
             </a:r>
             <a:r>
-              <a:rPr lang="en-US" dirty="0" smtClean="0"/>
+              <a:rPr lang="en-US" dirty="0"/>
               <a:t> Data Definition</a:t>
             </a:r>
-            <a:endParaRPr lang="en-US" dirty="0"/>
           </a:p>
         </p:txBody>
       </p:sp>
@@ -17171,16 +16875,12 @@
               <a:t>A </a:t>
             </a:r>
             <a:r>
-              <a:rPr lang="en-US" dirty="0" err="1" smtClean="0"/>
+              <a:rPr lang="en-US" dirty="0" err="1"/>
               <a:t>ListOfX</a:t>
             </a:r>
             <a:r>
-              <a:rPr lang="en-US" dirty="0" smtClean="0"/>
-              <a:t> </a:t>
-            </a:r>
-            <a:r>
               <a:rPr lang="en-US" dirty="0"/>
-              <a:t>is one of</a:t>
+              <a:t> is one of</a:t>
             </a:r>
           </a:p>
           <a:p>
@@ -17191,22 +16891,17 @@
           </a:p>
           <a:p>
             <a:r>
-              <a:rPr lang="en-US" dirty="0" smtClean="0"/>
-              <a:t>-- </a:t>
-            </a:r>
-            <a:r>
               <a:rPr lang="en-US" dirty="0"/>
-              <a:t>(cons X </a:t>
-            </a:r>
-            <a:r>
-              <a:rPr lang="en-US" dirty="0" err="1" smtClean="0"/>
+              <a:t>-- (cons X </a:t>
+            </a:r>
+            <a:r>
+              <a:rPr lang="en-US" dirty="0" err="1"/>
               <a:t>ListOfX</a:t>
             </a:r>
             <a:r>
-              <a:rPr lang="en-US" dirty="0" smtClean="0"/>
+              <a:rPr lang="en-US" dirty="0"/>
               <a:t>)</a:t>
             </a:r>
-            <a:endParaRPr lang="en-US" dirty="0"/>
           </a:p>
           <a:p>
             <a:endParaRPr lang="en-US" dirty="0"/>
@@ -17285,18 +16980,13 @@
               <a:defRPr/>
             </a:pPr>
             <a:r>
-              <a:rPr lang="en-US" sz="2400" dirty="0" smtClean="0">
+              <a:rPr lang="en-US" sz="2400" dirty="0">
                 <a:solidFill>
                   <a:schemeClr val="tx1"/>
                 </a:solidFill>
               </a:rPr>
               <a:t>Here is the data definition for a list of X's</a:t>
             </a:r>
-            <a:endParaRPr lang="en-US" sz="2400" dirty="0">
-              <a:solidFill>
-                <a:schemeClr val="tx1"/>
-              </a:solidFill>
-            </a:endParaRPr>
           </a:p>
         </p:txBody>
       </p:sp>
@@ -17310,13 +17000,6 @@
   <p:clrMapOvr>
     <a:masterClrMapping/>
   </p:clrMapOvr>
-  <p:timing>
-    <p:tnLst>
-      <p:par>
-        <p:cTn id="1" dur="indefinite" restart="never" nodeType="tmRoot"/>
-      </p:par>
-    </p:tnLst>
-  </p:timing>
 </p:sld>
 </file>
 
@@ -17355,10 +17038,9 @@
           <a:lstStyle/>
           <a:p>
             <a:r>
-              <a:rPr lang="en-US" dirty="0" smtClean="0"/>
+              <a:rPr lang="en-US" dirty="0"/>
               <a:t>This definition is self-referential.</a:t>
             </a:r>
-            <a:endParaRPr lang="en-US" dirty="0"/>
           </a:p>
         </p:txBody>
       </p:sp>
@@ -17384,16 +17066,12 @@
               <a:t>A </a:t>
             </a:r>
             <a:r>
-              <a:rPr lang="en-US" dirty="0" err="1" smtClean="0"/>
+              <a:rPr lang="en-US" dirty="0" err="1"/>
               <a:t>ListOfX</a:t>
             </a:r>
             <a:r>
-              <a:rPr lang="en-US" dirty="0" smtClean="0"/>
-              <a:t> </a:t>
-            </a:r>
-            <a:r>
               <a:rPr lang="en-US" dirty="0"/>
-              <a:t>is one of</a:t>
+              <a:t> is one of</a:t>
             </a:r>
           </a:p>
           <a:p>
@@ -17404,22 +17082,17 @@
           </a:p>
           <a:p>
             <a:r>
-              <a:rPr lang="en-US" dirty="0" smtClean="0"/>
-              <a:t>-- </a:t>
-            </a:r>
-            <a:r>
               <a:rPr lang="en-US" dirty="0"/>
-              <a:t>(cons X </a:t>
-            </a:r>
-            <a:r>
-              <a:rPr lang="en-US" dirty="0" err="1" smtClean="0"/>
+              <a:t>-- (cons X </a:t>
+            </a:r>
+            <a:r>
+              <a:rPr lang="en-US" dirty="0" err="1"/>
               <a:t>ListOfX</a:t>
             </a:r>
             <a:r>
-              <a:rPr lang="en-US" dirty="0" smtClean="0"/>
+              <a:rPr lang="en-US" dirty="0"/>
               <a:t>)</a:t>
             </a:r>
-            <a:endParaRPr lang="en-US" dirty="0"/>
           </a:p>
           <a:p>
             <a:endParaRPr lang="en-US" dirty="0"/>
@@ -17500,7 +17173,7 @@
           <a:lstStyle/>
           <a:p>
             <a:pPr algn="ctr"/>
-            <a:endParaRPr lang="en-US" dirty="0" smtClean="0">
+            <a:endParaRPr lang="en-US" dirty="0">
               <a:solidFill>
                 <a:prstClr val="black"/>
               </a:solidFill>
@@ -17518,13 +17191,6 @@
   <p:clrMapOvr>
     <a:masterClrMapping/>
   </p:clrMapOvr>
-  <p:timing>
-    <p:tnLst>
-      <p:par>
-        <p:cTn id="1" dur="indefinite" restart="never" nodeType="tmRoot"/>
-      </p:par>
-    </p:tnLst>
-  </p:timing>
 </p:sld>
 </file>
 
@@ -17561,10 +17227,9 @@
           <a:lstStyle/>
           <a:p>
             <a:r>
-              <a:rPr lang="en-US" dirty="0" smtClean="0"/>
+              <a:rPr lang="en-US" dirty="0"/>
               <a:t>Template for List data</a:t>
             </a:r>
-            <a:endParaRPr lang="en-US" dirty="0"/>
           </a:p>
         </p:txBody>
       </p:sp>
@@ -17589,21 +17254,21 @@
               <a:buNone/>
             </a:pPr>
             <a:r>
-              <a:rPr lang="en-US" sz="2800" b="1" dirty="0" smtClean="0">
+              <a:rPr lang="en-US" sz="2800" b="1" dirty="0">
                 <a:latin typeface="Consolas" pitchFamily="49" charset="0"/>
                 <a:cs typeface="Consolas" pitchFamily="49" charset="0"/>
               </a:rPr>
               <a:t>;; list-fn : </a:t>
             </a:r>
             <a:r>
-              <a:rPr lang="en-US" sz="2800" b="1" dirty="0" err="1" smtClean="0">
+              <a:rPr lang="en-US" sz="2800" b="1" dirty="0" err="1">
                 <a:latin typeface="Consolas" pitchFamily="49" charset="0"/>
                 <a:cs typeface="Consolas" pitchFamily="49" charset="0"/>
               </a:rPr>
               <a:t>ListOfX</a:t>
             </a:r>
             <a:r>
-              <a:rPr lang="en-US" sz="2800" b="1" dirty="0" smtClean="0">
+              <a:rPr lang="en-US" sz="2800" b="1" dirty="0">
                 <a:latin typeface="Consolas" pitchFamily="49" charset="0"/>
                 <a:cs typeface="Consolas" pitchFamily="49" charset="0"/>
               </a:rPr>
@@ -17615,14 +17280,14 @@
               <a:buNone/>
             </a:pPr>
             <a:r>
-              <a:rPr lang="en-US" sz="2800" b="1" dirty="0" smtClean="0">
+              <a:rPr lang="en-US" sz="2800" b="1" dirty="0">
                 <a:latin typeface="Consolas" pitchFamily="49" charset="0"/>
                 <a:cs typeface="Consolas" pitchFamily="49" charset="0"/>
               </a:rPr>
               <a:t>(define (</a:t>
             </a:r>
             <a:r>
-              <a:rPr lang="en-US" sz="2800" b="1" dirty="0" smtClean="0">
+              <a:rPr lang="en-US" sz="2800" b="1" dirty="0">
                 <a:solidFill>
                   <a:srgbClr val="FF0000"/>
                 </a:solidFill>
@@ -17632,21 +17297,21 @@
               <a:t>list-fn</a:t>
             </a:r>
             <a:r>
-              <a:rPr lang="en-US" sz="2800" b="1" dirty="0" smtClean="0">
+              <a:rPr lang="en-US" sz="2800" b="1" dirty="0">
                 <a:latin typeface="Consolas" pitchFamily="49" charset="0"/>
                 <a:cs typeface="Consolas" pitchFamily="49" charset="0"/>
               </a:rPr>
               <a:t> </a:t>
             </a:r>
             <a:r>
-              <a:rPr lang="en-US" sz="2800" b="1" dirty="0" err="1" smtClean="0">
+              <a:rPr lang="en-US" sz="2800" b="1" dirty="0" err="1">
                 <a:latin typeface="Consolas" pitchFamily="49" charset="0"/>
                 <a:cs typeface="Consolas" pitchFamily="49" charset="0"/>
               </a:rPr>
               <a:t>lst</a:t>
             </a:r>
             <a:r>
-              <a:rPr lang="en-US" sz="2800" b="1" dirty="0" smtClean="0">
+              <a:rPr lang="en-US" sz="2800" b="1" dirty="0">
                 <a:latin typeface="Consolas" pitchFamily="49" charset="0"/>
                 <a:cs typeface="Consolas" pitchFamily="49" charset="0"/>
               </a:rPr>
@@ -17658,122 +17323,118 @@
               <a:buNone/>
             </a:pPr>
             <a:r>
-              <a:rPr lang="en-US" sz="2800" b="1" dirty="0" smtClean="0">
+              <a:rPr lang="en-US" sz="2800" b="1" dirty="0">
                 <a:latin typeface="Consolas" pitchFamily="49" charset="0"/>
                 <a:cs typeface="Consolas" pitchFamily="49" charset="0"/>
               </a:rPr>
               <a:t>  (</a:t>
             </a:r>
             <a:r>
-              <a:rPr lang="en-US" sz="2800" b="1" dirty="0" err="1" smtClean="0">
+              <a:rPr lang="en-US" sz="2800" b="1" dirty="0" err="1">
                 <a:latin typeface="Consolas" pitchFamily="49" charset="0"/>
                 <a:cs typeface="Consolas" pitchFamily="49" charset="0"/>
               </a:rPr>
               <a:t>cond</a:t>
-            </a:r>
-            <a:endParaRPr lang="en-US" sz="2800" b="1" dirty="0" smtClean="0">
-              <a:latin typeface="Consolas" pitchFamily="49" charset="0"/>
-              <a:cs typeface="Consolas" pitchFamily="49" charset="0"/>
-            </a:endParaRPr>
-          </a:p>
-          <a:p>
-            <a:pPr>
-              <a:buNone/>
-            </a:pPr>
-            <a:r>
-              <a:rPr lang="en-US" sz="2800" b="1" dirty="0" smtClean="0">
-                <a:latin typeface="Consolas" pitchFamily="49" charset="0"/>
-                <a:cs typeface="Consolas" pitchFamily="49" charset="0"/>
-              </a:rPr>
-              <a:t>    [(empty? </a:t>
-            </a:r>
-            <a:r>
-              <a:rPr lang="en-US" sz="2800" b="1" dirty="0" err="1" smtClean="0">
-                <a:latin typeface="Consolas" pitchFamily="49" charset="0"/>
-                <a:cs typeface="Consolas" pitchFamily="49" charset="0"/>
-              </a:rPr>
-              <a:t>lst</a:t>
-            </a:r>
-            <a:r>
-              <a:rPr lang="en-US" sz="2800" b="1" dirty="0" smtClean="0">
-                <a:latin typeface="Consolas" pitchFamily="49" charset="0"/>
-                <a:cs typeface="Consolas" pitchFamily="49" charset="0"/>
-              </a:rPr>
-              <a:t>) ...]</a:t>
-            </a:r>
-          </a:p>
-          <a:p>
-            <a:pPr>
-              <a:buNone/>
-            </a:pPr>
-            <a:r>
-              <a:rPr lang="en-US" sz="2800" b="1" dirty="0" smtClean="0">
-                <a:latin typeface="Consolas" pitchFamily="49" charset="0"/>
-                <a:cs typeface="Consolas" pitchFamily="49" charset="0"/>
-              </a:rPr>
-              <a:t>    [else (... (first </a:t>
-            </a:r>
-            <a:r>
-              <a:rPr lang="en-US" sz="2800" b="1" dirty="0" err="1" smtClean="0">
-                <a:latin typeface="Consolas" pitchFamily="49" charset="0"/>
-                <a:cs typeface="Consolas" pitchFamily="49" charset="0"/>
-              </a:rPr>
-              <a:t>lst</a:t>
-            </a:r>
-            <a:r>
-              <a:rPr lang="en-US" sz="2800" b="1" dirty="0" smtClean="0">
-                <a:latin typeface="Consolas" pitchFamily="49" charset="0"/>
-                <a:cs typeface="Consolas" pitchFamily="49" charset="0"/>
-              </a:rPr>
-              <a:t>)</a:t>
-            </a:r>
-          </a:p>
-          <a:p>
-            <a:pPr>
-              <a:buNone/>
-            </a:pPr>
-            <a:r>
-              <a:rPr lang="en-US" sz="2800" b="1" dirty="0" smtClean="0">
-                <a:latin typeface="Consolas" pitchFamily="49" charset="0"/>
-                <a:cs typeface="Consolas" pitchFamily="49" charset="0"/>
-              </a:rPr>
-              <a:t>               (</a:t>
-            </a:r>
-            <a:r>
-              <a:rPr lang="en-US" sz="2800" b="1" dirty="0" smtClean="0">
-                <a:solidFill>
-                  <a:srgbClr val="FF0000"/>
-                </a:solidFill>
-                <a:latin typeface="Consolas" pitchFamily="49" charset="0"/>
-                <a:cs typeface="Consolas" pitchFamily="49" charset="0"/>
-              </a:rPr>
-              <a:t>list-fn</a:t>
-            </a:r>
-            <a:r>
-              <a:rPr lang="en-US" sz="2800" b="1" dirty="0" smtClean="0">
-                <a:latin typeface="Consolas" pitchFamily="49" charset="0"/>
-                <a:cs typeface="Consolas" pitchFamily="49" charset="0"/>
-              </a:rPr>
-              <a:t> (rest </a:t>
-            </a:r>
-            <a:r>
-              <a:rPr lang="en-US" sz="2800" b="1" dirty="0" err="1" smtClean="0">
-                <a:latin typeface="Consolas" pitchFamily="49" charset="0"/>
-                <a:cs typeface="Consolas" pitchFamily="49" charset="0"/>
-              </a:rPr>
-              <a:t>lst</a:t>
-            </a:r>
-            <a:r>
-              <a:rPr lang="en-US" sz="2800" b="1" dirty="0" smtClean="0">
-                <a:latin typeface="Consolas" pitchFamily="49" charset="0"/>
-                <a:cs typeface="Consolas" pitchFamily="49" charset="0"/>
-              </a:rPr>
-              <a:t>)))]))</a:t>
             </a:r>
             <a:endParaRPr lang="en-US" sz="2800" b="1" dirty="0">
               <a:latin typeface="Consolas" pitchFamily="49" charset="0"/>
               <a:cs typeface="Consolas" pitchFamily="49" charset="0"/>
             </a:endParaRPr>
+          </a:p>
+          <a:p>
+            <a:pPr>
+              <a:buNone/>
+            </a:pPr>
+            <a:r>
+              <a:rPr lang="en-US" sz="2800" b="1" dirty="0">
+                <a:latin typeface="Consolas" pitchFamily="49" charset="0"/>
+                <a:cs typeface="Consolas" pitchFamily="49" charset="0"/>
+              </a:rPr>
+              <a:t>    [(empty? </a:t>
+            </a:r>
+            <a:r>
+              <a:rPr lang="en-US" sz="2800" b="1" dirty="0" err="1">
+                <a:latin typeface="Consolas" pitchFamily="49" charset="0"/>
+                <a:cs typeface="Consolas" pitchFamily="49" charset="0"/>
+              </a:rPr>
+              <a:t>lst</a:t>
+            </a:r>
+            <a:r>
+              <a:rPr lang="en-US" sz="2800" b="1" dirty="0">
+                <a:latin typeface="Consolas" pitchFamily="49" charset="0"/>
+                <a:cs typeface="Consolas" pitchFamily="49" charset="0"/>
+              </a:rPr>
+              <a:t>) ...]</a:t>
+            </a:r>
+          </a:p>
+          <a:p>
+            <a:pPr>
+              <a:buNone/>
+            </a:pPr>
+            <a:r>
+              <a:rPr lang="en-US" sz="2800" b="1" dirty="0">
+                <a:latin typeface="Consolas" pitchFamily="49" charset="0"/>
+                <a:cs typeface="Consolas" pitchFamily="49" charset="0"/>
+              </a:rPr>
+              <a:t>    [else (... (first </a:t>
+            </a:r>
+            <a:r>
+              <a:rPr lang="en-US" sz="2800" b="1" dirty="0" err="1">
+                <a:latin typeface="Consolas" pitchFamily="49" charset="0"/>
+                <a:cs typeface="Consolas" pitchFamily="49" charset="0"/>
+              </a:rPr>
+              <a:t>lst</a:t>
+            </a:r>
+            <a:r>
+              <a:rPr lang="en-US" sz="2800" b="1" dirty="0">
+                <a:latin typeface="Consolas" pitchFamily="49" charset="0"/>
+                <a:cs typeface="Consolas" pitchFamily="49" charset="0"/>
+              </a:rPr>
+              <a:t>)</a:t>
+            </a:r>
+          </a:p>
+          <a:p>
+            <a:pPr>
+              <a:buNone/>
+            </a:pPr>
+            <a:r>
+              <a:rPr lang="en-US" sz="2800" b="1" dirty="0">
+                <a:latin typeface="Consolas" pitchFamily="49" charset="0"/>
+                <a:cs typeface="Consolas" pitchFamily="49" charset="0"/>
+              </a:rPr>
+              <a:t>               (</a:t>
+            </a:r>
+            <a:r>
+              <a:rPr lang="en-US" sz="2800" b="1" dirty="0">
+                <a:solidFill>
+                  <a:srgbClr val="FF0000"/>
+                </a:solidFill>
+                <a:latin typeface="Consolas" pitchFamily="49" charset="0"/>
+                <a:cs typeface="Consolas" pitchFamily="49" charset="0"/>
+              </a:rPr>
+              <a:t>list-fn</a:t>
+            </a:r>
+            <a:r>
+              <a:rPr lang="en-US" sz="2800" b="1" dirty="0">
+                <a:latin typeface="Consolas" pitchFamily="49" charset="0"/>
+                <a:cs typeface="Consolas" pitchFamily="49" charset="0"/>
+              </a:rPr>
+              <a:t> (rest </a:t>
+            </a:r>
+            <a:r>
+              <a:rPr lang="en-US" sz="2800" b="1" dirty="0" err="1">
+                <a:latin typeface="Consolas" pitchFamily="49" charset="0"/>
+                <a:cs typeface="Consolas" pitchFamily="49" charset="0"/>
+              </a:rPr>
+              <a:t>lst</a:t>
+            </a:r>
+            <a:r>
+              <a:rPr lang="en-US" sz="2800" b="1" dirty="0">
+                <a:latin typeface="Consolas" pitchFamily="49" charset="0"/>
+                <a:cs typeface="Consolas" pitchFamily="49" charset="0"/>
+              </a:rPr>
+              <a:t>)))]))</a:t>
+            </a:r>
           </a:p>
         </p:txBody>
       </p:sp>
@@ -17850,51 +17511,42 @@
           <a:p>
             <a:pPr algn="ctr"/>
             <a:r>
-              <a:rPr lang="en-US" dirty="0" smtClean="0"/>
+              <a:rPr lang="en-US" dirty="0"/>
               <a:t>Observe that </a:t>
             </a:r>
             <a:r>
-              <a:rPr lang="en-US" b="1" dirty="0" err="1" smtClean="0">
+              <a:rPr lang="en-US" b="1" dirty="0" err="1">
                 <a:latin typeface="Consolas" pitchFamily="49" charset="0"/>
                 <a:cs typeface="Consolas" pitchFamily="49" charset="0"/>
               </a:rPr>
               <a:t>lst</a:t>
             </a:r>
             <a:r>
-              <a:rPr lang="en-US" dirty="0" smtClean="0"/>
+              <a:rPr lang="en-US" dirty="0"/>
               <a:t> is non-empty when </a:t>
             </a:r>
             <a:r>
-              <a:rPr lang="en-US" b="1" dirty="0" smtClean="0">
+              <a:rPr lang="en-US" b="1" dirty="0">
                 <a:latin typeface="Consolas" pitchFamily="49" charset="0"/>
                 <a:cs typeface="Consolas" pitchFamily="49" charset="0"/>
               </a:rPr>
               <a:t>first</a:t>
             </a:r>
             <a:r>
-              <a:rPr lang="en-US" dirty="0" smtClean="0"/>
+              <a:rPr lang="en-US" dirty="0"/>
               <a:t> and </a:t>
             </a:r>
             <a:r>
-              <a:rPr lang="en-US" b="1" dirty="0" smtClean="0">
+              <a:rPr lang="en-US" b="1" dirty="0">
                 <a:latin typeface="Consolas" pitchFamily="49" charset="0"/>
                 <a:cs typeface="Consolas" pitchFamily="49" charset="0"/>
               </a:rPr>
               <a:t>rest</a:t>
             </a:r>
             <a:r>
-              <a:rPr lang="en-US" dirty="0" smtClean="0"/>
-              <a:t> are called, so their </a:t>
-            </a:r>
-            <a:r>
-              <a:rPr lang="en-US" dirty="0" smtClean="0"/>
-              <a:t>WHERE-clauses are </a:t>
-            </a:r>
-            <a:r>
-              <a:rPr lang="en-US" dirty="0" smtClean="0"/>
-              <a:t>satisfied.</a:t>
-            </a:r>
-            <a:endParaRPr lang="en-US" dirty="0"/>
+              <a:rPr lang="en-US" dirty="0"/>
+              <a:t> are called, so their WHERE-clauses are satisfied.</a:t>
+            </a:r>
           </a:p>
         </p:txBody>
       </p:sp>
@@ -18044,13 +17696,6 @@
   <p:clrMapOvr>
     <a:masterClrMapping/>
   </p:clrMapOvr>
-  <p:timing>
-    <p:tnLst>
-      <p:par>
-        <p:cTn id="1" dur="indefinite" restart="never" nodeType="tmRoot"/>
-      </p:par>
-    </p:tnLst>
-  </p:timing>
 </p:sld>
 </file>
 
@@ -18087,22 +17732,17 @@
           <a:lstStyle/>
           <a:p>
             <a:r>
-              <a:rPr lang="en-US" dirty="0" smtClean="0"/>
+              <a:rPr lang="en-US" dirty="0"/>
               <a:t>This template is </a:t>
             </a:r>
             <a:r>
-              <a:rPr lang="en-US" i="1" dirty="0" smtClean="0">
+              <a:rPr lang="en-US" i="1" dirty="0">
                 <a:solidFill>
                   <a:srgbClr val="FF0000"/>
                 </a:solidFill>
               </a:rPr>
               <a:t>self-referential</a:t>
             </a:r>
-            <a:endParaRPr lang="en-US" i="1" dirty="0">
-              <a:solidFill>
-                <a:srgbClr val="FF0000"/>
-              </a:solidFill>
-            </a:endParaRPr>
           </a:p>
         </p:txBody>
       </p:sp>
@@ -18127,21 +17767,21 @@
               <a:buNone/>
             </a:pPr>
             <a:r>
-              <a:rPr lang="en-US" sz="2800" b="1" dirty="0" smtClean="0">
+              <a:rPr lang="en-US" sz="2800" b="1" dirty="0">
                 <a:latin typeface="Consolas" pitchFamily="49" charset="0"/>
                 <a:cs typeface="Consolas" pitchFamily="49" charset="0"/>
               </a:rPr>
               <a:t>;; list-fn : </a:t>
             </a:r>
             <a:r>
-              <a:rPr lang="en-US" sz="2800" b="1" dirty="0" err="1" smtClean="0">
+              <a:rPr lang="en-US" sz="2800" b="1" dirty="0" err="1">
                 <a:latin typeface="Consolas" pitchFamily="49" charset="0"/>
                 <a:cs typeface="Consolas" pitchFamily="49" charset="0"/>
               </a:rPr>
               <a:t>ListOfX</a:t>
             </a:r>
             <a:r>
-              <a:rPr lang="en-US" sz="2800" b="1" dirty="0" smtClean="0">
+              <a:rPr lang="en-US" sz="2800" b="1" dirty="0">
                 <a:latin typeface="Consolas" pitchFamily="49" charset="0"/>
                 <a:cs typeface="Consolas" pitchFamily="49" charset="0"/>
               </a:rPr>
@@ -18153,14 +17793,14 @@
               <a:buNone/>
             </a:pPr>
             <a:r>
-              <a:rPr lang="en-US" sz="2800" b="1" dirty="0" smtClean="0">
+              <a:rPr lang="en-US" sz="2800" b="1" dirty="0">
                 <a:latin typeface="Consolas" pitchFamily="49" charset="0"/>
                 <a:cs typeface="Consolas" pitchFamily="49" charset="0"/>
               </a:rPr>
               <a:t>(define (</a:t>
             </a:r>
             <a:r>
-              <a:rPr lang="en-US" sz="2800" b="1" dirty="0" smtClean="0">
+              <a:rPr lang="en-US" sz="2800" b="1" dirty="0">
                 <a:solidFill>
                   <a:srgbClr val="FF0000"/>
                 </a:solidFill>
@@ -18170,21 +17810,21 @@
               <a:t>list-fn</a:t>
             </a:r>
             <a:r>
-              <a:rPr lang="en-US" sz="2800" b="1" dirty="0" smtClean="0">
+              <a:rPr lang="en-US" sz="2800" b="1" dirty="0">
                 <a:latin typeface="Consolas" pitchFamily="49" charset="0"/>
                 <a:cs typeface="Consolas" pitchFamily="49" charset="0"/>
               </a:rPr>
               <a:t> </a:t>
             </a:r>
             <a:r>
-              <a:rPr lang="en-US" sz="2800" b="1" dirty="0" err="1" smtClean="0">
+              <a:rPr lang="en-US" sz="2800" b="1" dirty="0" err="1">
                 <a:latin typeface="Consolas" pitchFamily="49" charset="0"/>
                 <a:cs typeface="Consolas" pitchFamily="49" charset="0"/>
               </a:rPr>
               <a:t>lst</a:t>
             </a:r>
             <a:r>
-              <a:rPr lang="en-US" sz="2800" b="1" dirty="0" smtClean="0">
+              <a:rPr lang="en-US" sz="2800" b="1" dirty="0">
                 <a:latin typeface="Consolas" pitchFamily="49" charset="0"/>
                 <a:cs typeface="Consolas" pitchFamily="49" charset="0"/>
               </a:rPr>
@@ -18196,122 +17836,118 @@
               <a:buNone/>
             </a:pPr>
             <a:r>
-              <a:rPr lang="en-US" sz="2800" b="1" dirty="0" smtClean="0">
+              <a:rPr lang="en-US" sz="2800" b="1" dirty="0">
                 <a:latin typeface="Consolas" pitchFamily="49" charset="0"/>
                 <a:cs typeface="Consolas" pitchFamily="49" charset="0"/>
               </a:rPr>
               <a:t>  (</a:t>
             </a:r>
             <a:r>
-              <a:rPr lang="en-US" sz="2800" b="1" dirty="0" err="1" smtClean="0">
+              <a:rPr lang="en-US" sz="2800" b="1" dirty="0" err="1">
                 <a:latin typeface="Consolas" pitchFamily="49" charset="0"/>
                 <a:cs typeface="Consolas" pitchFamily="49" charset="0"/>
               </a:rPr>
               <a:t>cond</a:t>
-            </a:r>
-            <a:endParaRPr lang="en-US" sz="2800" b="1" dirty="0" smtClean="0">
-              <a:latin typeface="Consolas" pitchFamily="49" charset="0"/>
-              <a:cs typeface="Consolas" pitchFamily="49" charset="0"/>
-            </a:endParaRPr>
-          </a:p>
-          <a:p>
-            <a:pPr>
-              <a:buNone/>
-            </a:pPr>
-            <a:r>
-              <a:rPr lang="en-US" sz="2800" b="1" dirty="0" smtClean="0">
-                <a:latin typeface="Consolas" pitchFamily="49" charset="0"/>
-                <a:cs typeface="Consolas" pitchFamily="49" charset="0"/>
-              </a:rPr>
-              <a:t>    [(empty? </a:t>
-            </a:r>
-            <a:r>
-              <a:rPr lang="en-US" sz="2800" b="1" dirty="0" err="1" smtClean="0">
-                <a:latin typeface="Consolas" pitchFamily="49" charset="0"/>
-                <a:cs typeface="Consolas" pitchFamily="49" charset="0"/>
-              </a:rPr>
-              <a:t>lst</a:t>
-            </a:r>
-            <a:r>
-              <a:rPr lang="en-US" sz="2800" b="1" dirty="0" smtClean="0">
-                <a:latin typeface="Consolas" pitchFamily="49" charset="0"/>
-                <a:cs typeface="Consolas" pitchFamily="49" charset="0"/>
-              </a:rPr>
-              <a:t>) ...]</a:t>
-            </a:r>
-          </a:p>
-          <a:p>
-            <a:pPr>
-              <a:buNone/>
-            </a:pPr>
-            <a:r>
-              <a:rPr lang="en-US" sz="2800" b="1" dirty="0" smtClean="0">
-                <a:latin typeface="Consolas" pitchFamily="49" charset="0"/>
-                <a:cs typeface="Consolas" pitchFamily="49" charset="0"/>
-              </a:rPr>
-              <a:t>    [else (... (first </a:t>
-            </a:r>
-            <a:r>
-              <a:rPr lang="en-US" sz="2800" b="1" dirty="0" err="1" smtClean="0">
-                <a:latin typeface="Consolas" pitchFamily="49" charset="0"/>
-                <a:cs typeface="Consolas" pitchFamily="49" charset="0"/>
-              </a:rPr>
-              <a:t>lst</a:t>
-            </a:r>
-            <a:r>
-              <a:rPr lang="en-US" sz="2800" b="1" dirty="0" smtClean="0">
-                <a:latin typeface="Consolas" pitchFamily="49" charset="0"/>
-                <a:cs typeface="Consolas" pitchFamily="49" charset="0"/>
-              </a:rPr>
-              <a:t>)</a:t>
-            </a:r>
-          </a:p>
-          <a:p>
-            <a:pPr>
-              <a:buNone/>
-            </a:pPr>
-            <a:r>
-              <a:rPr lang="en-US" sz="2800" b="1" dirty="0" smtClean="0">
-                <a:latin typeface="Consolas" pitchFamily="49" charset="0"/>
-                <a:cs typeface="Consolas" pitchFamily="49" charset="0"/>
-              </a:rPr>
-              <a:t>               (</a:t>
-            </a:r>
-            <a:r>
-              <a:rPr lang="en-US" sz="2800" b="1" dirty="0" smtClean="0">
-                <a:solidFill>
-                  <a:srgbClr val="FF0000"/>
-                </a:solidFill>
-                <a:latin typeface="Consolas" pitchFamily="49" charset="0"/>
-                <a:cs typeface="Consolas" pitchFamily="49" charset="0"/>
-              </a:rPr>
-              <a:t>list-fn</a:t>
-            </a:r>
-            <a:r>
-              <a:rPr lang="en-US" sz="2800" b="1" dirty="0" smtClean="0">
-                <a:latin typeface="Consolas" pitchFamily="49" charset="0"/>
-                <a:cs typeface="Consolas" pitchFamily="49" charset="0"/>
-              </a:rPr>
-              <a:t> (rest </a:t>
-            </a:r>
-            <a:r>
-              <a:rPr lang="en-US" sz="2800" b="1" dirty="0" err="1" smtClean="0">
-                <a:latin typeface="Consolas" pitchFamily="49" charset="0"/>
-                <a:cs typeface="Consolas" pitchFamily="49" charset="0"/>
-              </a:rPr>
-              <a:t>lst</a:t>
-            </a:r>
-            <a:r>
-              <a:rPr lang="en-US" sz="2800" b="1" dirty="0" smtClean="0">
-                <a:latin typeface="Consolas" pitchFamily="49" charset="0"/>
-                <a:cs typeface="Consolas" pitchFamily="49" charset="0"/>
-              </a:rPr>
-              <a:t>)))]))</a:t>
             </a:r>
             <a:endParaRPr lang="en-US" sz="2800" b="1" dirty="0">
               <a:latin typeface="Consolas" pitchFamily="49" charset="0"/>
               <a:cs typeface="Consolas" pitchFamily="49" charset="0"/>
             </a:endParaRPr>
+          </a:p>
+          <a:p>
+            <a:pPr>
+              <a:buNone/>
+            </a:pPr>
+            <a:r>
+              <a:rPr lang="en-US" sz="2800" b="1" dirty="0">
+                <a:latin typeface="Consolas" pitchFamily="49" charset="0"/>
+                <a:cs typeface="Consolas" pitchFamily="49" charset="0"/>
+              </a:rPr>
+              <a:t>    [(empty? </a:t>
+            </a:r>
+            <a:r>
+              <a:rPr lang="en-US" sz="2800" b="1" dirty="0" err="1">
+                <a:latin typeface="Consolas" pitchFamily="49" charset="0"/>
+                <a:cs typeface="Consolas" pitchFamily="49" charset="0"/>
+              </a:rPr>
+              <a:t>lst</a:t>
+            </a:r>
+            <a:r>
+              <a:rPr lang="en-US" sz="2800" b="1" dirty="0">
+                <a:latin typeface="Consolas" pitchFamily="49" charset="0"/>
+                <a:cs typeface="Consolas" pitchFamily="49" charset="0"/>
+              </a:rPr>
+              <a:t>) ...]</a:t>
+            </a:r>
+          </a:p>
+          <a:p>
+            <a:pPr>
+              <a:buNone/>
+            </a:pPr>
+            <a:r>
+              <a:rPr lang="en-US" sz="2800" b="1" dirty="0">
+                <a:latin typeface="Consolas" pitchFamily="49" charset="0"/>
+                <a:cs typeface="Consolas" pitchFamily="49" charset="0"/>
+              </a:rPr>
+              <a:t>    [else (... (first </a:t>
+            </a:r>
+            <a:r>
+              <a:rPr lang="en-US" sz="2800" b="1" dirty="0" err="1">
+                <a:latin typeface="Consolas" pitchFamily="49" charset="0"/>
+                <a:cs typeface="Consolas" pitchFamily="49" charset="0"/>
+              </a:rPr>
+              <a:t>lst</a:t>
+            </a:r>
+            <a:r>
+              <a:rPr lang="en-US" sz="2800" b="1" dirty="0">
+                <a:latin typeface="Consolas" pitchFamily="49" charset="0"/>
+                <a:cs typeface="Consolas" pitchFamily="49" charset="0"/>
+              </a:rPr>
+              <a:t>)</a:t>
+            </a:r>
+          </a:p>
+          <a:p>
+            <a:pPr>
+              <a:buNone/>
+            </a:pPr>
+            <a:r>
+              <a:rPr lang="en-US" sz="2800" b="1" dirty="0">
+                <a:latin typeface="Consolas" pitchFamily="49" charset="0"/>
+                <a:cs typeface="Consolas" pitchFamily="49" charset="0"/>
+              </a:rPr>
+              <a:t>               (</a:t>
+            </a:r>
+            <a:r>
+              <a:rPr lang="en-US" sz="2800" b="1" dirty="0">
+                <a:solidFill>
+                  <a:srgbClr val="FF0000"/>
+                </a:solidFill>
+                <a:latin typeface="Consolas" pitchFamily="49" charset="0"/>
+                <a:cs typeface="Consolas" pitchFamily="49" charset="0"/>
+              </a:rPr>
+              <a:t>list-fn</a:t>
+            </a:r>
+            <a:r>
+              <a:rPr lang="en-US" sz="2800" b="1" dirty="0">
+                <a:latin typeface="Consolas" pitchFamily="49" charset="0"/>
+                <a:cs typeface="Consolas" pitchFamily="49" charset="0"/>
+              </a:rPr>
+              <a:t> (rest </a:t>
+            </a:r>
+            <a:r>
+              <a:rPr lang="en-US" sz="2800" b="1" dirty="0" err="1">
+                <a:latin typeface="Consolas" pitchFamily="49" charset="0"/>
+                <a:cs typeface="Consolas" pitchFamily="49" charset="0"/>
+              </a:rPr>
+              <a:t>lst</a:t>
+            </a:r>
+            <a:r>
+              <a:rPr lang="en-US" sz="2800" b="1" dirty="0">
+                <a:latin typeface="Consolas" pitchFamily="49" charset="0"/>
+                <a:cs typeface="Consolas" pitchFamily="49" charset="0"/>
+              </a:rPr>
+              <a:t>)))]))</a:t>
+            </a:r>
           </a:p>
         </p:txBody>
       </p:sp>
@@ -18385,7 +18021,7 @@
           <a:lstStyle/>
           <a:p>
             <a:pPr algn="ctr"/>
-            <a:endParaRPr lang="en-US" dirty="0" smtClean="0">
+            <a:endParaRPr lang="en-US" dirty="0">
               <a:solidFill>
                 <a:schemeClr val="tx1"/>
               </a:solidFill>
@@ -18428,7 +18064,7 @@
           <a:lstStyle/>
           <a:p>
             <a:r>
-              <a:rPr lang="en-US" sz="2400" i="1" dirty="0" smtClean="0">
+              <a:rPr lang="en-US" sz="2400" i="1" dirty="0">
                 <a:solidFill>
                   <a:srgbClr val="FF0000"/>
                 </a:solidFill>
@@ -18480,66 +18116,65 @@
           <a:lstStyle/>
           <a:p>
             <a:r>
-              <a:rPr lang="en-US" sz="2400" b="1" dirty="0" smtClean="0">
+              <a:rPr lang="en-US" sz="2400" b="1" dirty="0">
                 <a:latin typeface="Consolas" pitchFamily="49" charset="0"/>
                 <a:cs typeface="Consolas" pitchFamily="49" charset="0"/>
               </a:rPr>
               <a:t>(rest </a:t>
             </a:r>
             <a:r>
-              <a:rPr lang="en-US" sz="2400" b="1" dirty="0" err="1" smtClean="0">
+              <a:rPr lang="en-US" sz="2400" b="1" dirty="0" err="1">
                 <a:latin typeface="Consolas" pitchFamily="49" charset="0"/>
                 <a:cs typeface="Consolas" pitchFamily="49" charset="0"/>
               </a:rPr>
               <a:t>lst</a:t>
             </a:r>
             <a:r>
-              <a:rPr lang="en-US" sz="2400" b="1" dirty="0" smtClean="0">
+              <a:rPr lang="en-US" sz="2400" b="1" dirty="0">
                 <a:latin typeface="Consolas" pitchFamily="49" charset="0"/>
                 <a:cs typeface="Consolas" pitchFamily="49" charset="0"/>
               </a:rPr>
               <a:t>)</a:t>
             </a:r>
             <a:r>
-              <a:rPr lang="en-US" sz="2400" dirty="0" smtClean="0"/>
+              <a:rPr lang="en-US" sz="2400" dirty="0"/>
               <a:t> is a </a:t>
             </a:r>
             <a:r>
-              <a:rPr lang="en-US" sz="2400" b="1" dirty="0" err="1" smtClean="0">
+              <a:rPr lang="en-US" sz="2400" b="1" dirty="0" err="1">
                 <a:latin typeface="Consolas" pitchFamily="49" charset="0"/>
                 <a:cs typeface="Consolas" pitchFamily="49" charset="0"/>
               </a:rPr>
               <a:t>ListOfX</a:t>
             </a:r>
             <a:r>
-              <a:rPr lang="en-US" sz="2400" dirty="0" smtClean="0">
+              <a:rPr lang="en-US" sz="2400" dirty="0">
                 <a:cs typeface="Consolas" pitchFamily="49" charset="0"/>
               </a:rPr>
               <a:t>, </a:t>
             </a:r>
             <a:r>
-              <a:rPr lang="en-US" sz="2400" dirty="0" smtClean="0"/>
+              <a:rPr lang="en-US" sz="2400" dirty="0"/>
               <a:t>so call </a:t>
             </a:r>
             <a:r>
-              <a:rPr lang="en-US" sz="2400" b="1" dirty="0" smtClean="0">
+              <a:rPr lang="en-US" sz="2400" b="1" dirty="0">
                 <a:latin typeface="Consolas" pitchFamily="49" charset="0"/>
                 <a:cs typeface="Consolas" pitchFamily="49" charset="0"/>
               </a:rPr>
               <a:t>list-</a:t>
             </a:r>
             <a:r>
-              <a:rPr lang="en-US" sz="2400" b="1" dirty="0" err="1" smtClean="0">
+              <a:rPr lang="en-US" sz="2400" b="1" dirty="0" err="1">
                 <a:latin typeface="Consolas" pitchFamily="49" charset="0"/>
                 <a:cs typeface="Consolas" pitchFamily="49" charset="0"/>
               </a:rPr>
               <a:t>fn</a:t>
             </a:r>
             <a:r>
-              <a:rPr lang="en-US" sz="2400" dirty="0" smtClean="0"/>
+              <a:rPr lang="en-US" sz="2400" dirty="0"/>
               <a:t> on it</a:t>
             </a:r>
-            <a:endParaRPr lang="en-US" sz="2400" dirty="0"/>
           </a:p>
         </p:txBody>
       </p:sp>
@@ -18787,10 +18422,9 @@
           <a:lstStyle/>
           <a:p>
             <a:r>
-              <a:rPr lang="en-US" dirty="0" smtClean="0"/>
+              <a:rPr lang="en-US" dirty="0"/>
               <a:t>Let's add this to the recipe for writing a template</a:t>
             </a:r>
-            <a:endParaRPr lang="en-US" dirty="0"/>
           </a:p>
         </p:txBody>
       </p:sp>
@@ -18820,8 +18454,20 @@
                 <a:tableStyleId>{5C22544A-7EE6-4342-B048-85BDC9FD1C3A}</a:tableStyleId>
               </a:tblPr>
               <a:tblGrid>
-                <a:gridCol w="4114800"/>
-                <a:gridCol w="4114800"/>
+                <a:gridCol w="4114800">
+                  <a:extLst>
+                    <a:ext uri="{9D8B030D-6E8A-4147-A177-3AD203B41FA5}">
+                      <a16:colId xmlns:a16="http://schemas.microsoft.com/office/drawing/2014/main" val="20000"/>
+                    </a:ext>
+                  </a:extLst>
+                </a:gridCol>
+                <a:gridCol w="4114800">
+                  <a:extLst>
+                    <a:ext uri="{9D8B030D-6E8A-4147-A177-3AD203B41FA5}">
+                      <a16:colId xmlns:a16="http://schemas.microsoft.com/office/drawing/2014/main" val="20001"/>
+                    </a:ext>
+                  </a:extLst>
+                </a:gridCol>
               </a:tblGrid>
               <a:tr h="370840">
                 <a:tc>
@@ -18830,10 +18476,9 @@
                     <a:lstStyle/>
                     <a:p>
                       <a:r>
-                        <a:rPr lang="en-US" dirty="0" smtClean="0"/>
+                        <a:rPr lang="en-US" dirty="0"/>
                         <a:t>Question</a:t>
                       </a:r>
-                      <a:endParaRPr lang="en-US" dirty="0"/>
                     </a:p>
                   </a:txBody>
                   <a:tcPr/>
@@ -18844,14 +18489,18 @@
                     <a:lstStyle/>
                     <a:p>
                       <a:r>
-                        <a:rPr lang="en-US" dirty="0" smtClean="0"/>
+                        <a:rPr lang="en-US" dirty="0"/>
                         <a:t>Answer</a:t>
                       </a:r>
-                      <a:endParaRPr lang="en-US" dirty="0"/>
                     </a:p>
                   </a:txBody>
                   <a:tcPr/>
                 </a:tc>
+                <a:extLst>
+                  <a:ext uri="{0D108BD9-81ED-4DB2-BD59-A6C34878D82A}">
+                    <a16:rowId xmlns:a16="http://schemas.microsoft.com/office/drawing/2014/main" val="10000"/>
+                  </a:ext>
+                </a:extLst>
               </a:tr>
               <a:tr h="370840">
                 <a:tc>
@@ -18860,10 +18509,9 @@
                     <a:lstStyle/>
                     <a:p>
                       <a:r>
-                        <a:rPr lang="en-US" dirty="0" smtClean="0"/>
+                        <a:rPr lang="en-US" dirty="0"/>
                         <a:t>Does the data definition distinguish among different subclasses of data?</a:t>
                       </a:r>
-                      <a:endParaRPr lang="en-US" dirty="0"/>
                     </a:p>
                   </a:txBody>
                   <a:tcPr/>
@@ -18874,24 +18522,28 @@
                     <a:lstStyle/>
                     <a:p>
                       <a:r>
-                        <a:rPr lang="en-US" dirty="0" smtClean="0"/>
+                        <a:rPr lang="en-US" dirty="0"/>
                         <a:t>Your template needs as many </a:t>
                       </a:r>
                       <a:r>
-                        <a:rPr lang="en-US" dirty="0" err="1" smtClean="0">
+                        <a:rPr lang="en-US" dirty="0" err="1">
                           <a:hlinkClick r:id="rId2"/>
                         </a:rPr>
                         <a:t>cond</a:t>
                       </a:r>
                       <a:r>
-                        <a:rPr lang="en-US" dirty="0" smtClean="0"/>
+                        <a:rPr lang="en-US" dirty="0"/>
                         <a:t> clauses as subclasses that the data definition distinguishes.</a:t>
                       </a:r>
-                      <a:endParaRPr lang="en-US" dirty="0"/>
                     </a:p>
                   </a:txBody>
                   <a:tcPr/>
                 </a:tc>
+                <a:extLst>
+                  <a:ext uri="{0D108BD9-81ED-4DB2-BD59-A6C34878D82A}">
+                    <a16:rowId xmlns:a16="http://schemas.microsoft.com/office/drawing/2014/main" val="10001"/>
+                  </a:ext>
+                </a:extLst>
               </a:tr>
               <a:tr h="370840">
                 <a:tc>
@@ -18900,10 +18552,9 @@
                     <a:lstStyle/>
                     <a:p>
                       <a:r>
-                        <a:rPr lang="en-US" dirty="0" smtClean="0"/>
+                        <a:rPr lang="en-US" dirty="0"/>
                         <a:t>How do the subclasses differ from each other?</a:t>
                       </a:r>
-                      <a:endParaRPr lang="en-US" dirty="0"/>
                     </a:p>
                   </a:txBody>
                   <a:tcPr/>
@@ -18914,14 +18565,18 @@
                     <a:lstStyle/>
                     <a:p>
                       <a:r>
-                        <a:rPr lang="en-US" dirty="0" smtClean="0"/>
+                        <a:rPr lang="en-US" dirty="0"/>
                         <a:t>Use the differences to formulate a condition per clause.</a:t>
                       </a:r>
-                      <a:endParaRPr lang="en-US" dirty="0"/>
                     </a:p>
                   </a:txBody>
                   <a:tcPr/>
                 </a:tc>
+                <a:extLst>
+                  <a:ext uri="{0D108BD9-81ED-4DB2-BD59-A6C34878D82A}">
+                    <a16:rowId xmlns:a16="http://schemas.microsoft.com/office/drawing/2014/main" val="10002"/>
+                  </a:ext>
+                </a:extLst>
               </a:tr>
               <a:tr h="370840">
                 <a:tc>
@@ -18930,10 +18585,9 @@
                     <a:lstStyle/>
                     <a:p>
                       <a:r>
-                        <a:rPr lang="en-US" dirty="0" smtClean="0"/>
+                        <a:rPr lang="en-US" dirty="0"/>
                         <a:t>Do any of the clauses deal with structured values?</a:t>
                       </a:r>
-                      <a:endParaRPr lang="en-US" dirty="0"/>
                     </a:p>
                   </a:txBody>
                   <a:tcPr/>
@@ -18944,14 +18598,18 @@
                     <a:lstStyle/>
                     <a:p>
                       <a:r>
-                        <a:rPr lang="en-US" dirty="0" smtClean="0"/>
+                        <a:rPr lang="en-US" dirty="0"/>
                         <a:t>If so, add appropriate selector expressions to the clause.</a:t>
                       </a:r>
-                      <a:endParaRPr lang="en-US" dirty="0"/>
                     </a:p>
                   </a:txBody>
                   <a:tcPr/>
                 </a:tc>
+                <a:extLst>
+                  <a:ext uri="{0D108BD9-81ED-4DB2-BD59-A6C34878D82A}">
+                    <a16:rowId xmlns:a16="http://schemas.microsoft.com/office/drawing/2014/main" val="10003"/>
+                  </a:ext>
+                </a:extLst>
               </a:tr>
               <a:tr h="370840">
                 <a:tc>
@@ -18960,18 +18618,13 @@
                     <a:lstStyle/>
                     <a:p>
                       <a:r>
-                        <a:rPr lang="en-US" dirty="0" smtClean="0">
+                        <a:rPr lang="en-US" dirty="0">
                           <a:solidFill>
                             <a:srgbClr val="FF0000"/>
                           </a:solidFill>
                         </a:rPr>
                         <a:t>Does the data definition use self-references?</a:t>
                       </a:r>
-                      <a:endParaRPr lang="en-US" dirty="0">
-                        <a:solidFill>
-                          <a:srgbClr val="FF0000"/>
-                        </a:solidFill>
-                      </a:endParaRPr>
                     </a:p>
                   </a:txBody>
                   <a:tcPr/>
@@ -18982,22 +18635,22 @@
                     <a:lstStyle/>
                     <a:p>
                       <a:r>
-                        <a:rPr lang="en-US" dirty="0" smtClean="0">
+                        <a:rPr lang="en-US" dirty="0">
                           <a:solidFill>
                             <a:srgbClr val="FF0000"/>
                           </a:solidFill>
                         </a:rPr>
                         <a:t>Formulate ``natural recursions'' for the template to represent the self-references of the data definition.</a:t>
                       </a:r>
-                      <a:endParaRPr lang="en-US" dirty="0">
-                        <a:solidFill>
-                          <a:srgbClr val="FF0000"/>
-                        </a:solidFill>
-                      </a:endParaRPr>
                     </a:p>
                   </a:txBody>
                   <a:tcPr/>
                 </a:tc>
+                <a:extLst>
+                  <a:ext uri="{0D108BD9-81ED-4DB2-BD59-A6C34878D82A}">
+                    <a16:rowId xmlns:a16="http://schemas.microsoft.com/office/drawing/2014/main" val="10004"/>
+                  </a:ext>
+                </a:extLst>
               </a:tr>
             </a:tbl>
           </a:graphicData>
@@ -19073,18 +18726,13 @@
           <a:lstStyle/>
           <a:p>
             <a:r>
-              <a:rPr lang="en-US" sz="2000" dirty="0" smtClean="0">
+              <a:rPr lang="en-US" sz="2000" dirty="0">
                 <a:solidFill>
                   <a:schemeClr val="tx1"/>
                 </a:solidFill>
               </a:rPr>
               <a:t>We got the list template by following the template recipe and adding one more step.</a:t>
             </a:r>
-            <a:endParaRPr lang="en-US" sz="2000" dirty="0">
-              <a:solidFill>
-                <a:schemeClr val="tx1"/>
-              </a:solidFill>
-            </a:endParaRPr>
           </a:p>
         </p:txBody>
       </p:sp>
@@ -19098,13 +18746,6 @@
   <p:clrMapOvr>
     <a:masterClrMapping/>
   </p:clrMapOvr>
-  <p:timing>
-    <p:tnLst>
-      <p:par>
-        <p:cTn id="1" dur="indefinite" restart="never" nodeType="tmRoot"/>
-      </p:par>
-    </p:tnLst>
-  </p:timing>
 </p:sld>
 </file>
 
@@ -19150,21 +18791,21 @@
               <a:buNone/>
             </a:pPr>
             <a:r>
-              <a:rPr lang="en-US" sz="2800" b="1" dirty="0" smtClean="0">
+              <a:rPr lang="en-US" sz="2800" b="1" dirty="0">
                 <a:latin typeface="Consolas" pitchFamily="49" charset="0"/>
                 <a:cs typeface="Consolas" pitchFamily="49" charset="0"/>
               </a:rPr>
               <a:t>;; list-fn : </a:t>
             </a:r>
             <a:r>
-              <a:rPr lang="en-US" sz="2800" b="1" dirty="0" err="1" smtClean="0">
+              <a:rPr lang="en-US" sz="2800" b="1" dirty="0" err="1">
                 <a:latin typeface="Consolas" pitchFamily="49" charset="0"/>
                 <a:cs typeface="Consolas" pitchFamily="49" charset="0"/>
               </a:rPr>
               <a:t>ListOfX</a:t>
             </a:r>
             <a:r>
-              <a:rPr lang="en-US" sz="2800" b="1" dirty="0" smtClean="0">
+              <a:rPr lang="en-US" sz="2800" b="1" dirty="0">
                 <a:latin typeface="Consolas" pitchFamily="49" charset="0"/>
                 <a:cs typeface="Consolas" pitchFamily="49" charset="0"/>
               </a:rPr>
@@ -19176,14 +18817,14 @@
               <a:buNone/>
             </a:pPr>
             <a:r>
-              <a:rPr lang="en-US" sz="2800" b="1" dirty="0" smtClean="0">
+              <a:rPr lang="en-US" sz="2800" b="1" dirty="0">
                 <a:latin typeface="Consolas" pitchFamily="49" charset="0"/>
                 <a:cs typeface="Consolas" pitchFamily="49" charset="0"/>
               </a:rPr>
               <a:t>(define (</a:t>
             </a:r>
             <a:r>
-              <a:rPr lang="en-US" sz="2800" b="1" dirty="0" smtClean="0">
+              <a:rPr lang="en-US" sz="2800" b="1" dirty="0">
                 <a:solidFill>
                   <a:srgbClr val="FF0000"/>
                 </a:solidFill>
@@ -19193,21 +18834,21 @@
               <a:t>list-fn</a:t>
             </a:r>
             <a:r>
-              <a:rPr lang="en-US" sz="2800" b="1" dirty="0" smtClean="0">
+              <a:rPr lang="en-US" sz="2800" b="1" dirty="0">
                 <a:latin typeface="Consolas" pitchFamily="49" charset="0"/>
                 <a:cs typeface="Consolas" pitchFamily="49" charset="0"/>
               </a:rPr>
               <a:t> </a:t>
             </a:r>
             <a:r>
-              <a:rPr lang="en-US" sz="2800" b="1" dirty="0" err="1" smtClean="0">
+              <a:rPr lang="en-US" sz="2800" b="1" dirty="0" err="1">
                 <a:latin typeface="Consolas" pitchFamily="49" charset="0"/>
                 <a:cs typeface="Consolas" pitchFamily="49" charset="0"/>
               </a:rPr>
               <a:t>lst</a:t>
             </a:r>
             <a:r>
-              <a:rPr lang="en-US" sz="2800" b="1" dirty="0" smtClean="0">
+              <a:rPr lang="en-US" sz="2800" b="1" dirty="0">
                 <a:latin typeface="Consolas" pitchFamily="49" charset="0"/>
                 <a:cs typeface="Consolas" pitchFamily="49" charset="0"/>
               </a:rPr>
@@ -19219,51 +18860,47 @@
               <a:buNone/>
             </a:pPr>
             <a:r>
-              <a:rPr lang="en-US" sz="2800" b="1" dirty="0" smtClean="0">
+              <a:rPr lang="en-US" sz="2800" b="1" dirty="0">
                 <a:latin typeface="Consolas" pitchFamily="49" charset="0"/>
                 <a:cs typeface="Consolas" pitchFamily="49" charset="0"/>
               </a:rPr>
               <a:t>  (</a:t>
             </a:r>
             <a:r>
-              <a:rPr lang="en-US" sz="2800" b="1" dirty="0" err="1" smtClean="0">
+              <a:rPr lang="en-US" sz="2800" b="1" dirty="0" err="1">
                 <a:latin typeface="Consolas" pitchFamily="49" charset="0"/>
                 <a:cs typeface="Consolas" pitchFamily="49" charset="0"/>
               </a:rPr>
               <a:t>cond</a:t>
-            </a:r>
-            <a:endParaRPr lang="en-US" sz="2800" b="1" dirty="0" smtClean="0">
-              <a:latin typeface="Consolas" pitchFamily="49" charset="0"/>
-              <a:cs typeface="Consolas" pitchFamily="49" charset="0"/>
-            </a:endParaRPr>
-          </a:p>
-          <a:p>
-            <a:pPr>
-              <a:buNone/>
-            </a:pPr>
-            <a:r>
-              <a:rPr lang="en-US" sz="2800" b="1" dirty="0" smtClean="0">
-                <a:latin typeface="Consolas" pitchFamily="49" charset="0"/>
-                <a:cs typeface="Consolas" pitchFamily="49" charset="0"/>
-              </a:rPr>
-              <a:t>    []</a:t>
-            </a:r>
-          </a:p>
-          <a:p>
-            <a:pPr>
-              <a:buNone/>
-            </a:pPr>
-            <a:r>
-              <a:rPr lang="en-US" sz="2800" b="1" dirty="0" smtClean="0">
-                <a:latin typeface="Consolas" pitchFamily="49" charset="0"/>
-                <a:cs typeface="Consolas" pitchFamily="49" charset="0"/>
-              </a:rPr>
-              <a:t>    []))</a:t>
             </a:r>
             <a:endParaRPr lang="en-US" sz="2800" b="1" dirty="0">
               <a:latin typeface="Consolas" pitchFamily="49" charset="0"/>
               <a:cs typeface="Consolas" pitchFamily="49" charset="0"/>
             </a:endParaRPr>
+          </a:p>
+          <a:p>
+            <a:pPr>
+              <a:buNone/>
+            </a:pPr>
+            <a:r>
+              <a:rPr lang="en-US" sz="2800" b="1" dirty="0">
+                <a:latin typeface="Consolas" pitchFamily="49" charset="0"/>
+                <a:cs typeface="Consolas" pitchFamily="49" charset="0"/>
+              </a:rPr>
+              <a:t>    []</a:t>
+            </a:r>
+          </a:p>
+          <a:p>
+            <a:pPr>
+              <a:buNone/>
+            </a:pPr>
+            <a:r>
+              <a:rPr lang="en-US" sz="2800" b="1" dirty="0">
+                <a:latin typeface="Consolas" pitchFamily="49" charset="0"/>
+                <a:cs typeface="Consolas" pitchFamily="49" charset="0"/>
+              </a:rPr>
+              <a:t>    []))</a:t>
+            </a:r>
           </a:p>
         </p:txBody>
       </p:sp>
@@ -19434,42 +19071,35 @@
               <a:buNone/>
             </a:pPr>
             <a:r>
-              <a:rPr lang="en-US" sz="2800" b="1" dirty="0" smtClean="0">
+              <a:rPr lang="en-US" sz="2800" b="1" dirty="0">
                 <a:latin typeface="Consolas" pitchFamily="49" charset="0"/>
                 <a:cs typeface="Consolas" pitchFamily="49" charset="0"/>
               </a:rPr>
               <a:t>;; list-</a:t>
             </a:r>
             <a:r>
-              <a:rPr lang="en-US" sz="2800" b="1" dirty="0" err="1" smtClean="0">
+              <a:rPr lang="en-US" sz="2800" b="1" dirty="0" err="1">
                 <a:latin typeface="Consolas" pitchFamily="49" charset="0"/>
                 <a:cs typeface="Consolas" pitchFamily="49" charset="0"/>
               </a:rPr>
               <a:t>fn</a:t>
             </a:r>
             <a:r>
-              <a:rPr lang="en-US" sz="2800" b="1" dirty="0" smtClean="0">
+              <a:rPr lang="en-US" sz="2800" b="1" dirty="0">
                 <a:latin typeface="Consolas" pitchFamily="49" charset="0"/>
                 <a:cs typeface="Consolas" pitchFamily="49" charset="0"/>
               </a:rPr>
               <a:t> : </a:t>
             </a:r>
             <a:r>
-              <a:rPr lang="en-US" sz="2800" b="1" dirty="0" err="1" smtClean="0">
-                <a:latin typeface="Consolas" pitchFamily="49" charset="0"/>
-                <a:cs typeface="Consolas" pitchFamily="49" charset="0"/>
-              </a:rPr>
-              <a:t>ListOf</a:t>
-            </a:r>
-            <a:r>
               <a:rPr lang="en-US" sz="2800" b="1" dirty="0" err="1">
                 <a:latin typeface="Consolas" pitchFamily="49" charset="0"/>
                 <a:cs typeface="Consolas" pitchFamily="49" charset="0"/>
               </a:rPr>
-              <a:t>X</a:t>
-            </a:r>
-            <a:r>
-              <a:rPr lang="en-US" sz="2800" b="1" dirty="0" smtClean="0">
+              <a:t>ListOfX</a:t>
+            </a:r>
+            <a:r>
+              <a:rPr lang="en-US" sz="2800" b="1" dirty="0">
                 <a:latin typeface="Consolas" pitchFamily="49" charset="0"/>
                 <a:cs typeface="Consolas" pitchFamily="49" charset="0"/>
               </a:rPr>
@@ -19482,14 +19112,14 @@
               <a:buNone/>
             </a:pPr>
             <a:r>
-              <a:rPr lang="en-US" sz="2800" b="1" dirty="0" smtClean="0">
+              <a:rPr lang="en-US" sz="2800" b="1" dirty="0">
                 <a:latin typeface="Consolas" pitchFamily="49" charset="0"/>
                 <a:cs typeface="Consolas" pitchFamily="49" charset="0"/>
               </a:rPr>
               <a:t>(define (</a:t>
             </a:r>
             <a:r>
-              <a:rPr lang="en-US" sz="2800" b="1" dirty="0" smtClean="0">
+              <a:rPr lang="en-US" sz="2800" b="1" dirty="0">
                 <a:solidFill>
                   <a:srgbClr val="FF0000"/>
                 </a:solidFill>
@@ -19499,7 +19129,7 @@
               <a:t>list-</a:t>
             </a:r>
             <a:r>
-              <a:rPr lang="en-US" sz="2800" b="1" dirty="0" err="1" smtClean="0">
+              <a:rPr lang="en-US" sz="2800" b="1" dirty="0" err="1">
                 <a:solidFill>
                   <a:srgbClr val="FF0000"/>
                 </a:solidFill>
@@ -19509,21 +19139,21 @@
               <a:t>fn</a:t>
             </a:r>
             <a:r>
-              <a:rPr lang="en-US" sz="2800" b="1" dirty="0" smtClean="0">
+              <a:rPr lang="en-US" sz="2800" b="1" dirty="0">
                 <a:latin typeface="Consolas" pitchFamily="49" charset="0"/>
                 <a:cs typeface="Consolas" pitchFamily="49" charset="0"/>
               </a:rPr>
               <a:t> </a:t>
             </a:r>
             <a:r>
-              <a:rPr lang="en-US" sz="2800" b="1" dirty="0" err="1" smtClean="0">
+              <a:rPr lang="en-US" sz="2800" b="1" dirty="0" err="1">
                 <a:latin typeface="Consolas" pitchFamily="49" charset="0"/>
                 <a:cs typeface="Consolas" pitchFamily="49" charset="0"/>
               </a:rPr>
               <a:t>lst</a:t>
             </a:r>
             <a:r>
-              <a:rPr lang="en-US" sz="2800" b="1" dirty="0" smtClean="0">
+              <a:rPr lang="en-US" sz="2800" b="1" dirty="0">
                 <a:latin typeface="Consolas" pitchFamily="49" charset="0"/>
                 <a:cs typeface="Consolas" pitchFamily="49" charset="0"/>
               </a:rPr>
@@ -19536,67 +19166,63 @@
               <a:buNone/>
             </a:pPr>
             <a:r>
-              <a:rPr lang="en-US" sz="2800" b="1" dirty="0" smtClean="0">
+              <a:rPr lang="en-US" sz="2800" b="1" dirty="0">
                 <a:latin typeface="Consolas" pitchFamily="49" charset="0"/>
                 <a:cs typeface="Consolas" pitchFamily="49" charset="0"/>
               </a:rPr>
               <a:t>  (</a:t>
             </a:r>
             <a:r>
-              <a:rPr lang="en-US" sz="2800" b="1" dirty="0" err="1" smtClean="0">
+              <a:rPr lang="en-US" sz="2800" b="1" dirty="0" err="1">
                 <a:latin typeface="Consolas" pitchFamily="49" charset="0"/>
                 <a:cs typeface="Consolas" pitchFamily="49" charset="0"/>
               </a:rPr>
               <a:t>cond</a:t>
-            </a:r>
-            <a:endParaRPr lang="en-US" sz="2800" b="1" dirty="0" smtClean="0">
-              <a:latin typeface="Consolas" pitchFamily="49" charset="0"/>
-              <a:cs typeface="Consolas" pitchFamily="49" charset="0"/>
-            </a:endParaRPr>
-          </a:p>
-          <a:p>
-            <a:pPr>
-              <a:buFont typeface="Arial" pitchFamily="34" charset="0"/>
-              <a:buNone/>
-            </a:pPr>
-            <a:r>
-              <a:rPr lang="en-US" sz="2800" b="1" dirty="0" smtClean="0">
-                <a:latin typeface="Consolas" pitchFamily="49" charset="0"/>
-                <a:cs typeface="Consolas" pitchFamily="49" charset="0"/>
-              </a:rPr>
-              <a:t>    [(empty? </a:t>
-            </a:r>
-            <a:r>
-              <a:rPr lang="en-US" sz="2800" b="1" dirty="0" err="1" smtClean="0">
-                <a:latin typeface="Consolas" pitchFamily="49" charset="0"/>
-                <a:cs typeface="Consolas" pitchFamily="49" charset="0"/>
-              </a:rPr>
-              <a:t>lst</a:t>
-            </a:r>
-            <a:r>
-              <a:rPr lang="en-US" sz="2800" b="1" dirty="0" smtClean="0">
-                <a:latin typeface="Consolas" pitchFamily="49" charset="0"/>
-                <a:cs typeface="Consolas" pitchFamily="49" charset="0"/>
-              </a:rPr>
-              <a:t>) ...]</a:t>
-            </a:r>
-          </a:p>
-          <a:p>
-            <a:pPr>
-              <a:buFont typeface="Arial" pitchFamily="34" charset="0"/>
-              <a:buNone/>
-            </a:pPr>
-            <a:r>
-              <a:rPr lang="en-US" sz="2800" b="1" dirty="0" smtClean="0">
-                <a:latin typeface="Consolas" pitchFamily="49" charset="0"/>
-                <a:cs typeface="Consolas" pitchFamily="49" charset="0"/>
-              </a:rPr>
-              <a:t>    [else ...]))</a:t>
             </a:r>
             <a:endParaRPr lang="en-US" sz="2800" b="1" dirty="0">
               <a:latin typeface="Consolas" pitchFamily="49" charset="0"/>
               <a:cs typeface="Consolas" pitchFamily="49" charset="0"/>
             </a:endParaRPr>
+          </a:p>
+          <a:p>
+            <a:pPr>
+              <a:buFont typeface="Arial" pitchFamily="34" charset="0"/>
+              <a:buNone/>
+            </a:pPr>
+            <a:r>
+              <a:rPr lang="en-US" sz="2800" b="1" dirty="0">
+                <a:latin typeface="Consolas" pitchFamily="49" charset="0"/>
+                <a:cs typeface="Consolas" pitchFamily="49" charset="0"/>
+              </a:rPr>
+              <a:t>    [(empty? </a:t>
+            </a:r>
+            <a:r>
+              <a:rPr lang="en-US" sz="2800" b="1" dirty="0" err="1">
+                <a:latin typeface="Consolas" pitchFamily="49" charset="0"/>
+                <a:cs typeface="Consolas" pitchFamily="49" charset="0"/>
+              </a:rPr>
+              <a:t>lst</a:t>
+            </a:r>
+            <a:r>
+              <a:rPr lang="en-US" sz="2800" b="1" dirty="0">
+                <a:latin typeface="Consolas" pitchFamily="49" charset="0"/>
+                <a:cs typeface="Consolas" pitchFamily="49" charset="0"/>
+              </a:rPr>
+              <a:t>) ...]</a:t>
+            </a:r>
+          </a:p>
+          <a:p>
+            <a:pPr>
+              <a:buFont typeface="Arial" pitchFamily="34" charset="0"/>
+              <a:buNone/>
+            </a:pPr>
+            <a:r>
+              <a:rPr lang="en-US" sz="2800" b="1" dirty="0">
+                <a:latin typeface="Consolas" pitchFamily="49" charset="0"/>
+                <a:cs typeface="Consolas" pitchFamily="49" charset="0"/>
+              </a:rPr>
+              <a:t>    [else ...]))</a:t>
+            </a:r>
           </a:p>
         </p:txBody>
       </p:sp>
@@ -19763,33 +19389,33 @@
           </a:lstStyle>
           <a:p>
             <a:r>
-              <a:rPr lang="en-US" sz="2800" dirty="0" smtClean="0"/>
+              <a:rPr lang="en-US" sz="2800" dirty="0"/>
               <a:t>;; list-</a:t>
             </a:r>
             <a:r>
-              <a:rPr lang="en-US" sz="2800" dirty="0" err="1" smtClean="0"/>
+              <a:rPr lang="en-US" sz="2800" dirty="0" err="1"/>
               <a:t>fn</a:t>
             </a:r>
             <a:r>
-              <a:rPr lang="en-US" sz="2800" dirty="0" smtClean="0"/>
+              <a:rPr lang="en-US" sz="2800" dirty="0"/>
               <a:t> : </a:t>
             </a:r>
             <a:r>
-              <a:rPr lang="en-US" sz="2800" dirty="0" err="1" smtClean="0"/>
+              <a:rPr lang="en-US" sz="2800" dirty="0" err="1"/>
               <a:t>ListOfX</a:t>
             </a:r>
             <a:r>
-              <a:rPr lang="en-US" sz="2800" dirty="0" smtClean="0"/>
+              <a:rPr lang="en-US" sz="2800" dirty="0"/>
               <a:t> -&gt; ??</a:t>
             </a:r>
           </a:p>
           <a:p>
             <a:r>
-              <a:rPr lang="en-US" sz="2800" dirty="0" smtClean="0"/>
+              <a:rPr lang="en-US" sz="2800" dirty="0"/>
               <a:t>(define (</a:t>
             </a:r>
             <a:r>
-              <a:rPr lang="en-US" sz="2800" dirty="0" smtClean="0">
+              <a:rPr lang="en-US" sz="2800" dirty="0">
                 <a:solidFill>
                   <a:srgbClr val="FF0000"/>
                 </a:solidFill>
@@ -19797,7 +19423,7 @@
               <a:t>list-</a:t>
             </a:r>
             <a:r>
-              <a:rPr lang="en-US" sz="2800" dirty="0" err="1" smtClean="0">
+              <a:rPr lang="en-US" sz="2800" dirty="0" err="1">
                 <a:solidFill>
                   <a:srgbClr val="FF0000"/>
                 </a:solidFill>
@@ -19805,71 +19431,70 @@
               <a:t>fn</a:t>
             </a:r>
             <a:r>
-              <a:rPr lang="en-US" sz="2800" dirty="0" smtClean="0"/>
+              <a:rPr lang="en-US" sz="2800" dirty="0"/>
               <a:t> </a:t>
             </a:r>
             <a:r>
-              <a:rPr lang="en-US" sz="2800" dirty="0" err="1" smtClean="0"/>
+              <a:rPr lang="en-US" sz="2800" dirty="0" err="1"/>
               <a:t>lst</a:t>
             </a:r>
             <a:r>
-              <a:rPr lang="en-US" sz="2800" dirty="0" smtClean="0"/>
+              <a:rPr lang="en-US" sz="2800" dirty="0"/>
               <a:t>)</a:t>
             </a:r>
           </a:p>
           <a:p>
             <a:r>
-              <a:rPr lang="en-US" sz="2800" dirty="0" smtClean="0"/>
+              <a:rPr lang="en-US" sz="2800" dirty="0"/>
               <a:t>  (</a:t>
             </a:r>
             <a:r>
-              <a:rPr lang="en-US" sz="2800" dirty="0" err="1" smtClean="0"/>
+              <a:rPr lang="en-US" sz="2800" dirty="0" err="1"/>
               <a:t>cond</a:t>
             </a:r>
-            <a:endParaRPr lang="en-US" sz="2800" dirty="0" smtClean="0"/>
-          </a:p>
-          <a:p>
-            <a:r>
-              <a:rPr lang="en-US" sz="2800" dirty="0" smtClean="0"/>
+            <a:endParaRPr lang="en-US" sz="2800" dirty="0"/>
+          </a:p>
+          <a:p>
+            <a:r>
+              <a:rPr lang="en-US" sz="2800" dirty="0"/>
               <a:t>    [(empty? </a:t>
             </a:r>
             <a:r>
-              <a:rPr lang="en-US" sz="2800" dirty="0" err="1" smtClean="0"/>
+              <a:rPr lang="en-US" sz="2800" dirty="0" err="1"/>
               <a:t>lst</a:t>
             </a:r>
             <a:r>
-              <a:rPr lang="en-US" sz="2800" dirty="0" smtClean="0"/>
+              <a:rPr lang="en-US" sz="2800" dirty="0"/>
               <a:t>) ...]</a:t>
             </a:r>
           </a:p>
           <a:p>
             <a:r>
-              <a:rPr lang="en-US" sz="2800" dirty="0" smtClean="0"/>
+              <a:rPr lang="en-US" sz="2800" dirty="0"/>
               <a:t>    [else (... (first </a:t>
             </a:r>
             <a:r>
-              <a:rPr lang="en-US" sz="2800" dirty="0" err="1" smtClean="0"/>
+              <a:rPr lang="en-US" sz="2800" dirty="0" err="1"/>
               <a:t>lst</a:t>
             </a:r>
             <a:r>
-              <a:rPr lang="en-US" sz="2800" dirty="0" smtClean="0"/>
+              <a:rPr lang="en-US" sz="2800" dirty="0"/>
               <a:t>)</a:t>
             </a:r>
           </a:p>
           <a:p>
             <a:r>
-              <a:rPr lang="en-US" sz="2800" dirty="0" smtClean="0"/>
+              <a:rPr lang="en-US" sz="2800" dirty="0"/>
               <a:t>               (rest </a:t>
             </a:r>
             <a:r>
-              <a:rPr lang="en-US" sz="2800" dirty="0" err="1" smtClean="0"/>
+              <a:rPr lang="en-US" sz="2800" dirty="0" err="1"/>
               <a:t>lst</a:t>
             </a:r>
             <a:r>
-              <a:rPr lang="en-US" sz="2800" dirty="0" smtClean="0"/>
+              <a:rPr lang="en-US" sz="2800" dirty="0"/>
               <a:t>))]))</a:t>
             </a:r>
-            <a:endParaRPr lang="en-US" sz="2800" dirty="0"/>
           </a:p>
         </p:txBody>
       </p:sp>
@@ -20036,33 +19661,33 @@
           </a:lstStyle>
           <a:p>
             <a:r>
-              <a:rPr lang="en-US" sz="2800" dirty="0" smtClean="0"/>
+              <a:rPr lang="en-US" sz="2800" dirty="0"/>
               <a:t>;; list-</a:t>
             </a:r>
             <a:r>
-              <a:rPr lang="en-US" sz="2800" dirty="0" err="1" smtClean="0"/>
+              <a:rPr lang="en-US" sz="2800" dirty="0" err="1"/>
               <a:t>fn</a:t>
             </a:r>
             <a:r>
-              <a:rPr lang="en-US" sz="2800" dirty="0" smtClean="0"/>
+              <a:rPr lang="en-US" sz="2800" dirty="0"/>
               <a:t> : </a:t>
             </a:r>
             <a:r>
-              <a:rPr lang="en-US" sz="2800" dirty="0" err="1" smtClean="0"/>
+              <a:rPr lang="en-US" sz="2800" dirty="0" err="1"/>
               <a:t>ListOfX</a:t>
             </a:r>
             <a:r>
-              <a:rPr lang="en-US" sz="2800" dirty="0" smtClean="0"/>
+              <a:rPr lang="en-US" sz="2800" dirty="0"/>
               <a:t> -&gt; ??</a:t>
             </a:r>
           </a:p>
           <a:p>
             <a:r>
-              <a:rPr lang="en-US" sz="2800" dirty="0" smtClean="0"/>
+              <a:rPr lang="en-US" sz="2800" dirty="0"/>
               <a:t>(define (</a:t>
             </a:r>
             <a:r>
-              <a:rPr lang="en-US" sz="2800" dirty="0" smtClean="0">
+              <a:rPr lang="en-US" sz="2800" dirty="0">
                 <a:solidFill>
                   <a:srgbClr val="FF0000"/>
                 </a:solidFill>
@@ -20070,7 +19695,7 @@
               <a:t>list-</a:t>
             </a:r>
             <a:r>
-              <a:rPr lang="en-US" sz="2800" dirty="0" err="1" smtClean="0">
+              <a:rPr lang="en-US" sz="2800" dirty="0" err="1">
                 <a:solidFill>
                   <a:srgbClr val="FF0000"/>
                 </a:solidFill>
@@ -20078,64 +19703,64 @@
               <a:t>fn</a:t>
             </a:r>
             <a:r>
-              <a:rPr lang="en-US" sz="2800" dirty="0" smtClean="0"/>
+              <a:rPr lang="en-US" sz="2800" dirty="0"/>
               <a:t> </a:t>
             </a:r>
             <a:r>
-              <a:rPr lang="en-US" sz="2800" dirty="0" err="1" smtClean="0"/>
+              <a:rPr lang="en-US" sz="2800" dirty="0" err="1"/>
               <a:t>lst</a:t>
             </a:r>
             <a:r>
-              <a:rPr lang="en-US" sz="2800" dirty="0" smtClean="0"/>
+              <a:rPr lang="en-US" sz="2800" dirty="0"/>
               <a:t>)</a:t>
             </a:r>
           </a:p>
           <a:p>
             <a:r>
-              <a:rPr lang="en-US" sz="2800" dirty="0" smtClean="0"/>
+              <a:rPr lang="en-US" sz="2800" dirty="0"/>
               <a:t>  (</a:t>
             </a:r>
             <a:r>
-              <a:rPr lang="en-US" sz="2800" dirty="0" err="1" smtClean="0"/>
+              <a:rPr lang="en-US" sz="2800" dirty="0" err="1"/>
               <a:t>cond</a:t>
             </a:r>
-            <a:endParaRPr lang="en-US" sz="2800" dirty="0" smtClean="0"/>
-          </a:p>
-          <a:p>
-            <a:r>
-              <a:rPr lang="en-US" sz="2800" dirty="0" smtClean="0"/>
+            <a:endParaRPr lang="en-US" sz="2800" dirty="0"/>
+          </a:p>
+          <a:p>
+            <a:r>
+              <a:rPr lang="en-US" sz="2800" dirty="0"/>
               <a:t>    [(empty? </a:t>
             </a:r>
             <a:r>
-              <a:rPr lang="en-US" sz="2800" dirty="0" err="1" smtClean="0"/>
+              <a:rPr lang="en-US" sz="2800" dirty="0" err="1"/>
               <a:t>lst</a:t>
             </a:r>
             <a:r>
-              <a:rPr lang="en-US" sz="2800" dirty="0" smtClean="0"/>
+              <a:rPr lang="en-US" sz="2800" dirty="0"/>
               <a:t>) ...]</a:t>
             </a:r>
           </a:p>
           <a:p>
             <a:r>
-              <a:rPr lang="en-US" sz="2800" dirty="0" smtClean="0"/>
+              <a:rPr lang="en-US" sz="2800" dirty="0"/>
               <a:t>    [else (... (first </a:t>
             </a:r>
             <a:r>
-              <a:rPr lang="en-US" sz="2800" dirty="0" err="1" smtClean="0"/>
+              <a:rPr lang="en-US" sz="2800" dirty="0" err="1"/>
               <a:t>lst</a:t>
             </a:r>
             <a:r>
-              <a:rPr lang="en-US" sz="2800" dirty="0" smtClean="0"/>
+              <a:rPr lang="en-US" sz="2800" dirty="0"/>
               <a:t>)</a:t>
             </a:r>
           </a:p>
           <a:p>
             <a:r>
-              <a:rPr lang="en-US" sz="2800" dirty="0" smtClean="0"/>
+              <a:rPr lang="en-US" sz="2800" dirty="0"/>
               <a:t>               (</a:t>
             </a:r>
             <a:r>
-              <a:rPr lang="en-US" sz="2800" dirty="0" smtClean="0">
+              <a:rPr lang="en-US" sz="2800" dirty="0">
                 <a:solidFill>
                   <a:srgbClr val="FF0000"/>
                 </a:solidFill>
@@ -20143,7 +19768,7 @@
               <a:t>list-</a:t>
             </a:r>
             <a:r>
-              <a:rPr lang="en-US" sz="2800" dirty="0" err="1" smtClean="0">
+              <a:rPr lang="en-US" sz="2800" dirty="0" err="1">
                 <a:solidFill>
                   <a:srgbClr val="FF0000"/>
                 </a:solidFill>
@@ -20151,7 +19776,7 @@
               <a:t>fn</a:t>
             </a:r>
             <a:r>
-              <a:rPr lang="en-US" sz="2800" dirty="0" smtClean="0">
+              <a:rPr lang="en-US" sz="2800" dirty="0">
                 <a:solidFill>
                   <a:srgbClr val="FF0000"/>
                 </a:solidFill>
@@ -20159,18 +19784,17 @@
               <a:t> </a:t>
             </a:r>
             <a:r>
-              <a:rPr lang="en-US" sz="2800" dirty="0" smtClean="0"/>
+              <a:rPr lang="en-US" sz="2800" dirty="0"/>
               <a:t>(rest </a:t>
             </a:r>
             <a:r>
-              <a:rPr lang="en-US" sz="2800" dirty="0" err="1" smtClean="0"/>
+              <a:rPr lang="en-US" sz="2800" dirty="0" err="1"/>
               <a:t>lst</a:t>
             </a:r>
             <a:r>
-              <a:rPr lang="en-US" sz="2800" dirty="0" smtClean="0"/>
+              <a:rPr lang="en-US" sz="2800" dirty="0"/>
               <a:t>))]))</a:t>
             </a:r>
-            <a:endParaRPr lang="en-US" sz="2800" dirty="0"/>
           </a:p>
         </p:txBody>
       </p:sp>
@@ -20263,16 +19887,10 @@
           <a:lstStyle/>
           <a:p>
             <a:r>
-              <a:rPr lang="en-US" sz="2400" dirty="0" smtClean="0">
-                <a:cs typeface="Consolas"/>
-              </a:rPr>
-              <a:t>1. Write </a:t>
-            </a:r>
-            <a:r>
               <a:rPr lang="en-US" sz="2400" dirty="0">
                 <a:cs typeface="Consolas"/>
               </a:rPr>
-              <a:t>a </a:t>
+              <a:t>1. Write a </a:t>
             </a:r>
             <a:r>
               <a:rPr lang="en-US" sz="2400" dirty="0" err="1">
@@ -20289,7 +19907,7 @@
           </a:p>
           <a:p>
             <a:r>
-              <a:rPr lang="en-US" sz="2400" dirty="0" smtClean="0">
+              <a:rPr lang="en-US" sz="2400" dirty="0">
                 <a:solidFill>
                   <a:schemeClr val="bg2">
                     <a:lumMod val="50000"/>
@@ -20297,8 +19915,10 @@
                 </a:solidFill>
                 <a:cs typeface="Consolas"/>
               </a:rPr>
-              <a:t>2. Write </a:t>
-            </a:r>
+              <a:t>2. Write predicates that distinguish the cases.</a:t>
+            </a:r>
+          </a:p>
+          <a:p>
             <a:r>
               <a:rPr lang="en-US" sz="2400" dirty="0">
                 <a:solidFill>
@@ -20306,61 +19926,21 @@
                     <a:lumMod val="50000"/>
                   </a:schemeClr>
                 </a:solidFill>
-                <a:cs typeface="Consolas"/>
-              </a:rPr>
-              <a:t>predicates that distinguish the cases.</a:t>
-            </a:r>
-          </a:p>
-          <a:p>
-            <a:r>
-              <a:rPr lang="en-US" sz="2400" dirty="0" smtClean="0">
+              </a:rPr>
+              <a:t>3. For mixed data, add selectors</a:t>
+            </a:r>
+          </a:p>
+          <a:p>
+            <a:r>
+              <a:rPr lang="en-US" sz="2400" dirty="0">
                 <a:solidFill>
                   <a:schemeClr val="bg2">
                     <a:lumMod val="50000"/>
                   </a:schemeClr>
                 </a:solidFill>
               </a:rPr>
-              <a:t>3. For </a:t>
-            </a:r>
-            <a:r>
-              <a:rPr lang="en-US" sz="2400" dirty="0">
-                <a:solidFill>
-                  <a:schemeClr val="bg2">
-                    <a:lumMod val="50000"/>
-                  </a:schemeClr>
-                </a:solidFill>
-              </a:rPr>
-              <a:t>mixed data, add </a:t>
-            </a:r>
-            <a:r>
-              <a:rPr lang="en-US" sz="2400" dirty="0" smtClean="0">
-                <a:solidFill>
-                  <a:schemeClr val="bg2">
-                    <a:lumMod val="50000"/>
-                  </a:schemeClr>
-                </a:solidFill>
-              </a:rPr>
-              <a:t>selectors</a:t>
-            </a:r>
-          </a:p>
-          <a:p>
-            <a:r>
-              <a:rPr lang="en-US" sz="2400" dirty="0" smtClean="0">
-                <a:solidFill>
-                  <a:schemeClr val="bg2">
-                    <a:lumMod val="50000"/>
-                  </a:schemeClr>
-                </a:solidFill>
-              </a:rPr>
               <a:t>4. For recursive data, add a recursive call</a:t>
             </a:r>
-            <a:endParaRPr lang="en-US" sz="2400" dirty="0">
-              <a:solidFill>
-                <a:schemeClr val="bg2">
-                  <a:lumMod val="50000"/>
-                </a:schemeClr>
-              </a:solidFill>
-            </a:endParaRPr>
           </a:p>
         </p:txBody>
       </p:sp>
@@ -20406,16 +19986,10 @@
           <a:lstStyle/>
           <a:p>
             <a:r>
-              <a:rPr lang="en-US" sz="2400" dirty="0" smtClean="0">
-                <a:cs typeface="Consolas"/>
-              </a:rPr>
-              <a:t>1. Write </a:t>
-            </a:r>
-            <a:r>
               <a:rPr lang="en-US" sz="2400" dirty="0">
                 <a:cs typeface="Consolas"/>
               </a:rPr>
-              <a:t>a </a:t>
+              <a:t>1. Write a </a:t>
             </a:r>
             <a:r>
               <a:rPr lang="en-US" sz="2400" dirty="0" err="1">
@@ -20432,35 +20006,28 @@
           </a:p>
           <a:p>
             <a:r>
-              <a:rPr lang="en-US" sz="2400" dirty="0" smtClean="0">
+              <a:rPr lang="en-US" sz="2400" dirty="0">
                 <a:solidFill>
                   <a:schemeClr val="tx1"/>
                 </a:solidFill>
                 <a:cs typeface="Consolas"/>
               </a:rPr>
-              <a:t>2. Write </a:t>
-            </a:r>
+              <a:t>2. Write predicates that distinguish the cases.</a:t>
+            </a:r>
+          </a:p>
+          <a:p>
             <a:r>
               <a:rPr lang="en-US" sz="2400" dirty="0">
-                <a:solidFill>
-                  <a:schemeClr val="tx1"/>
-                </a:solidFill>
-                <a:cs typeface="Consolas"/>
-              </a:rPr>
-              <a:t>predicates that distinguish the cases.</a:t>
-            </a:r>
-          </a:p>
-          <a:p>
-            <a:r>
-              <a:rPr lang="en-US" sz="2400" dirty="0" smtClean="0">
                 <a:solidFill>
                   <a:schemeClr val="bg2">
                     <a:lumMod val="50000"/>
                   </a:schemeClr>
                 </a:solidFill>
               </a:rPr>
-              <a:t>3. For </a:t>
-            </a:r>
+              <a:t>3. For mixed data, add selectors</a:t>
+            </a:r>
+          </a:p>
+          <a:p>
             <a:r>
               <a:rPr lang="en-US" sz="2400" dirty="0">
                 <a:solidFill>
@@ -20469,37 +20036,8 @@
                   </a:schemeClr>
                 </a:solidFill>
               </a:rPr>
-              <a:t>mixed data, add </a:t>
-            </a:r>
-            <a:r>
-              <a:rPr lang="en-US" sz="2400" dirty="0" smtClean="0">
-                <a:solidFill>
-                  <a:schemeClr val="bg2">
-                    <a:lumMod val="50000"/>
-                  </a:schemeClr>
-                </a:solidFill>
-              </a:rPr>
-              <a:t>selectors</a:t>
-            </a:r>
-          </a:p>
-          <a:p>
-            <a:r>
-              <a:rPr lang="en-US" sz="2400" dirty="0" smtClean="0">
-                <a:solidFill>
-                  <a:schemeClr val="bg2">
-                    <a:lumMod val="50000"/>
-                  </a:schemeClr>
-                </a:solidFill>
-              </a:rPr>
               <a:t>4. For recursive data, add a recursive call</a:t>
             </a:r>
-            <a:endParaRPr lang="en-US" sz="2400" dirty="0">
-              <a:solidFill>
-                <a:schemeClr val="bg2">
-                  <a:lumMod val="50000"/>
-                </a:schemeClr>
-              </a:solidFill>
-            </a:endParaRPr>
           </a:p>
         </p:txBody>
       </p:sp>
@@ -20545,16 +20083,10 @@
           <a:lstStyle/>
           <a:p>
             <a:r>
-              <a:rPr lang="en-US" sz="2400" dirty="0" smtClean="0">
-                <a:cs typeface="Consolas"/>
-              </a:rPr>
-              <a:t>1. Write </a:t>
-            </a:r>
-            <a:r>
               <a:rPr lang="en-US" sz="2400" dirty="0">
                 <a:cs typeface="Consolas"/>
               </a:rPr>
-              <a:t>a </a:t>
+              <a:t>1. Write a </a:t>
             </a:r>
             <a:r>
               <a:rPr lang="en-US" sz="2400" dirty="0" err="1">
@@ -20571,53 +20103,28 @@
           </a:p>
           <a:p>
             <a:r>
-              <a:rPr lang="en-US" sz="2400" dirty="0" smtClean="0">
+              <a:rPr lang="en-US" sz="2400" dirty="0">
                 <a:solidFill>
                   <a:schemeClr val="tx1"/>
                 </a:solidFill>
                 <a:cs typeface="Consolas"/>
               </a:rPr>
-              <a:t>2. Write </a:t>
-            </a:r>
+              <a:t>2. Write predicates that distinguish the cases.</a:t>
+            </a:r>
+          </a:p>
+          <a:p>
             <a:r>
               <a:rPr lang="en-US" sz="2400" dirty="0">
                 <a:solidFill>
                   <a:schemeClr val="tx1"/>
                 </a:solidFill>
-                <a:cs typeface="Consolas"/>
-              </a:rPr>
-              <a:t>predicates that distinguish the cases.</a:t>
-            </a:r>
-          </a:p>
-          <a:p>
-            <a:r>
-              <a:rPr lang="en-US" sz="2400" dirty="0" smtClean="0">
-                <a:solidFill>
-                  <a:schemeClr val="tx1"/>
-                </a:solidFill>
-              </a:rPr>
-              <a:t>3. For </a:t>
-            </a:r>
+              </a:rPr>
+              <a:t>3. For mixed data, add selectors</a:t>
+            </a:r>
+          </a:p>
+          <a:p>
             <a:r>
               <a:rPr lang="en-US" sz="2400" dirty="0">
-                <a:solidFill>
-                  <a:schemeClr val="tx1"/>
-                </a:solidFill>
-              </a:rPr>
-              <a:t>mixed data, add </a:t>
-            </a:r>
-            <a:r>
-              <a:rPr lang="en-US" sz="2400" dirty="0" smtClean="0">
-                <a:solidFill>
-                  <a:schemeClr val="tx1"/>
-                </a:solidFill>
-              </a:rPr>
-              <a:t>selectors</a:t>
-            </a:r>
-          </a:p>
-          <a:p>
-            <a:r>
-              <a:rPr lang="en-US" sz="2400" dirty="0" smtClean="0">
                 <a:solidFill>
                   <a:schemeClr val="bg2">
                     <a:lumMod val="50000"/>
@@ -20626,13 +20133,6 @@
               </a:rPr>
               <a:t>4. For recursive data, add a recursive call</a:t>
             </a:r>
-            <a:endParaRPr lang="en-US" sz="2400" dirty="0">
-              <a:solidFill>
-                <a:schemeClr val="bg2">
-                  <a:lumMod val="50000"/>
-                </a:schemeClr>
-              </a:solidFill>
-            </a:endParaRPr>
           </a:p>
         </p:txBody>
       </p:sp>
@@ -20678,16 +20178,10 @@
           <a:lstStyle/>
           <a:p>
             <a:r>
-              <a:rPr lang="en-US" sz="2400" dirty="0" smtClean="0">
-                <a:cs typeface="Consolas"/>
-              </a:rPr>
-              <a:t>1. Write </a:t>
-            </a:r>
-            <a:r>
               <a:rPr lang="en-US" sz="2400" dirty="0">
                 <a:cs typeface="Consolas"/>
               </a:rPr>
-              <a:t>a </a:t>
+              <a:t>1. Write a </a:t>
             </a:r>
             <a:r>
               <a:rPr lang="en-US" sz="2400" dirty="0" err="1">
@@ -20704,64 +20198,34 @@
           </a:p>
           <a:p>
             <a:r>
-              <a:rPr lang="en-US" sz="2400" dirty="0" smtClean="0">
+              <a:rPr lang="en-US" sz="2400" dirty="0">
                 <a:solidFill>
                   <a:schemeClr val="tx1"/>
                 </a:solidFill>
                 <a:cs typeface="Consolas"/>
               </a:rPr>
-              <a:t>2. Write </a:t>
-            </a:r>
+              <a:t>2. Write predicates that distinguish the cases.</a:t>
+            </a:r>
+          </a:p>
+          <a:p>
             <a:r>
               <a:rPr lang="en-US" sz="2400" dirty="0">
                 <a:solidFill>
                   <a:schemeClr val="tx1"/>
                 </a:solidFill>
-                <a:cs typeface="Consolas"/>
-              </a:rPr>
-              <a:t>predicates that distinguish the cases.</a:t>
-            </a:r>
-          </a:p>
-          <a:p>
-            <a:r>
-              <a:rPr lang="en-US" sz="2400" dirty="0" smtClean="0">
+              </a:rPr>
+              <a:t>3. For mixed data, add selectors</a:t>
+            </a:r>
+          </a:p>
+          <a:p>
+            <a:r>
+              <a:rPr lang="en-US" sz="2400" dirty="0">
                 <a:solidFill>
                   <a:schemeClr val="tx1"/>
                 </a:solidFill>
               </a:rPr>
-              <a:t>3. For </a:t>
-            </a:r>
-            <a:r>
-              <a:rPr lang="en-US" sz="2400" dirty="0">
-                <a:solidFill>
-                  <a:schemeClr val="tx1"/>
-                </a:solidFill>
-              </a:rPr>
-              <a:t>mixed data, add </a:t>
-            </a:r>
-            <a:r>
-              <a:rPr lang="en-US" sz="2400" dirty="0" smtClean="0">
-                <a:solidFill>
-                  <a:schemeClr val="tx1"/>
-                </a:solidFill>
-              </a:rPr>
-              <a:t>selectors</a:t>
-            </a:r>
-          </a:p>
-          <a:p>
-            <a:r>
-              <a:rPr lang="en-US" sz="2400" dirty="0" smtClean="0">
-                <a:solidFill>
-                  <a:schemeClr val="tx1"/>
-                </a:solidFill>
-              </a:rPr>
               <a:t>4. For recursive data, add a recursive call</a:t>
             </a:r>
-            <a:endParaRPr lang="en-US" sz="2400" dirty="0">
-              <a:solidFill>
-                <a:schemeClr val="tx1"/>
-              </a:solidFill>
-            </a:endParaRPr>
           </a:p>
         </p:txBody>
       </p:sp>
@@ -20874,62 +20338,57 @@
           </a:lstStyle>
           <a:p>
             <a:r>
-              <a:rPr lang="en-US" sz="1600" dirty="0" smtClean="0"/>
-              <a:t>Observe </a:t>
-            </a:r>
-            <a:r>
               <a:rPr lang="en-US" sz="1600" dirty="0"/>
-              <a:t>that </a:t>
+              <a:t>Observe that </a:t>
             </a:r>
             <a:r>
               <a:rPr lang="en-US" sz="1600" b="1" dirty="0"/>
               <a:t>(cons X </a:t>
             </a:r>
             <a:r>
-              <a:rPr lang="en-US" sz="1600" b="1" dirty="0" err="1" smtClean="0"/>
+              <a:rPr lang="en-US" sz="1600" b="1" dirty="0" err="1"/>
               <a:t>ListOfX</a:t>
             </a:r>
             <a:r>
-              <a:rPr lang="en-US" sz="1600" b="1" dirty="0" smtClean="0"/>
+              <a:rPr lang="en-US" sz="1600" b="1" dirty="0"/>
               <a:t>) </a:t>
             </a:r>
             <a:r>
-              <a:rPr lang="en-US" sz="1600" dirty="0" smtClean="0"/>
+              <a:rPr lang="en-US" sz="1600" dirty="0"/>
               <a:t>was a structured value, and that </a:t>
             </a:r>
             <a:r>
-              <a:rPr lang="en-US" sz="1600" b="1" dirty="0" smtClean="0"/>
+              <a:rPr lang="en-US" sz="1600" b="1" dirty="0"/>
               <a:t>(first </a:t>
             </a:r>
             <a:r>
-              <a:rPr lang="en-US" sz="1600" b="1" dirty="0" err="1" smtClean="0"/>
+              <a:rPr lang="en-US" sz="1600" b="1" dirty="0" err="1"/>
               <a:t>lst</a:t>
             </a:r>
             <a:r>
-              <a:rPr lang="en-US" sz="1600" b="1" dirty="0" smtClean="0"/>
+              <a:rPr lang="en-US" sz="1600" b="1" dirty="0"/>
               <a:t>) </a:t>
             </a:r>
             <a:r>
-              <a:rPr lang="en-US" sz="1600" dirty="0" smtClean="0"/>
+              <a:rPr lang="en-US" sz="1600" dirty="0"/>
               <a:t>and </a:t>
             </a:r>
             <a:r>
-              <a:rPr lang="en-US" sz="1600" b="1" dirty="0" smtClean="0"/>
+              <a:rPr lang="en-US" sz="1600" b="1" dirty="0"/>
               <a:t>(rest </a:t>
             </a:r>
             <a:r>
-              <a:rPr lang="en-US" sz="1600" b="1" dirty="0" err="1" smtClean="0"/>
+              <a:rPr lang="en-US" sz="1600" b="1" dirty="0" err="1"/>
               <a:t>lst</a:t>
             </a:r>
             <a:r>
-              <a:rPr lang="en-US" sz="1600" b="1" dirty="0" smtClean="0"/>
+              <a:rPr lang="en-US" sz="1600" b="1" dirty="0"/>
               <a:t>) </a:t>
             </a:r>
             <a:r>
-              <a:rPr lang="en-US" sz="1600" dirty="0" smtClean="0"/>
+              <a:rPr lang="en-US" sz="1600" dirty="0"/>
               <a:t>were the appropriate selector expressions</a:t>
             </a:r>
-            <a:endParaRPr lang="en-US" sz="1600" dirty="0"/>
           </a:p>
         </p:txBody>
       </p:sp>
@@ -21544,10 +21003,9 @@
           <a:lstStyle/>
           <a:p>
             <a:r>
-              <a:rPr lang="en-US" dirty="0" smtClean="0"/>
+              <a:rPr lang="en-US" dirty="0"/>
               <a:t>From Template to Function Definition</a:t>
             </a:r>
-            <a:endParaRPr lang="en-US" dirty="0"/>
           </a:p>
         </p:txBody>
       </p:sp>
@@ -21567,40 +21025,40 @@
           <a:lstStyle/>
           <a:p>
             <a:r>
-              <a:rPr lang="en-US" dirty="0" smtClean="0"/>
+              <a:rPr lang="en-US" dirty="0"/>
               <a:t>Remember that when we use a template, all we do is fill in the blanks.</a:t>
             </a:r>
           </a:p>
           <a:p>
             <a:r>
-              <a:rPr lang="en-US" dirty="0" smtClean="0"/>
+              <a:rPr lang="en-US" dirty="0"/>
               <a:t>For each blank, we had a question to answer:</a:t>
             </a:r>
           </a:p>
           <a:p>
             <a:pPr lvl="1"/>
             <a:r>
-              <a:rPr lang="en-US" dirty="0" smtClean="0"/>
+              <a:rPr lang="en-US" dirty="0"/>
               <a:t>"What's the answer for a red light?"</a:t>
             </a:r>
           </a:p>
           <a:p>
             <a:pPr lvl="1"/>
             <a:r>
-              <a:rPr lang="en-US" dirty="0" smtClean="0"/>
+              <a:rPr lang="en-US" dirty="0"/>
               <a:t>"What's the answer for a yellow light?"</a:t>
             </a:r>
           </a:p>
           <a:p>
             <a:pPr lvl="1"/>
             <a:r>
-              <a:rPr lang="en-US" dirty="0" smtClean="0"/>
+              <a:rPr lang="en-US" dirty="0"/>
               <a:t>"What's the answer for a green light?"</a:t>
             </a:r>
           </a:p>
           <a:p>
             <a:r>
-              <a:rPr lang="en-US" dirty="0" smtClean="0"/>
+              <a:rPr lang="en-US" dirty="0"/>
               <a:t>The questions are the same, no matter what the function is.</a:t>
             </a:r>
           </a:p>
@@ -21643,13 +21101,6 @@
   <p:clrMapOvr>
     <a:masterClrMapping/>
   </p:clrMapOvr>
-  <p:timing>
-    <p:tnLst>
-      <p:par>
-        <p:cTn id="1" dur="indefinite" restart="never" nodeType="tmRoot"/>
-      </p:par>
-    </p:tnLst>
-  </p:timing>
 </p:sld>
 </file>
 

--- a/Slides/Lesson 4.2 Using the List Template.pptx
+++ b/Slides/Lesson 4.2 Using the List Template.pptx
@@ -5,7 +5,7 @@
     <p:sldMasterId id="2147483661" r:id="rId1"/>
   </p:sldMasterIdLst>
   <p:notesMasterIdLst>
-    <p:notesMasterId r:id="rId31"/>
+    <p:notesMasterId r:id="rId33"/>
   </p:notesMasterIdLst>
   <p:sldIdLst>
     <p:sldId id="257" r:id="rId2"/>
@@ -33,15 +33,17 @@
     <p:sldId id="272" r:id="rId24"/>
     <p:sldId id="275" r:id="rId25"/>
     <p:sldId id="291" r:id="rId26"/>
-    <p:sldId id="292" r:id="rId27"/>
-    <p:sldId id="277" r:id="rId28"/>
-    <p:sldId id="293" r:id="rId29"/>
-    <p:sldId id="294" r:id="rId30"/>
+    <p:sldId id="298" r:id="rId27"/>
+    <p:sldId id="292" r:id="rId28"/>
+    <p:sldId id="277" r:id="rId29"/>
+    <p:sldId id="299" r:id="rId30"/>
+    <p:sldId id="293" r:id="rId31"/>
+    <p:sldId id="294" r:id="rId32"/>
   </p:sldIdLst>
   <p:sldSz cx="9144000" cy="6858000" type="screen4x3"/>
   <p:notesSz cx="6858000" cy="9144000"/>
   <p:custDataLst>
-    <p:tags r:id="rId32"/>
+    <p:tags r:id="rId34"/>
   </p:custDataLst>
   <p:defaultTextStyle>
     <a:defPPr>
@@ -240,7 +242,7 @@
             <a:fld id="{CF8F25F6-E1EF-4065-8525-42EDEBD9BD22}" type="datetimeFigureOut">
               <a:rPr lang="en-US" smtClean="0"/>
               <a:pPr/>
-              <a:t>8/11/2016</a:t>
+              <a:t>8/14/2016</a:t>
             </a:fld>
             <a:endParaRPr lang="en-US"/>
           </a:p>
@@ -776,7 +778,7 @@
           <a:p>
             <a:fld id="{2F1F79F5-7BEC-496A-AFC7-876E38F64D71}" type="datetime1">
               <a:rPr lang="en-US" smtClean="0"/>
-              <a:t>8/11/2016</a:t>
+              <a:t>8/14/2016</a:t>
             </a:fld>
             <a:endParaRPr lang="en-US"/>
           </a:p>
@@ -871,7 +873,7 @@
           <a:p>
             <a:fld id="{0A05703A-7669-4FEA-9056-25299B4D29D4}" type="datetime1">
               <a:rPr lang="en-US" smtClean="0"/>
-              <a:t>8/11/2016</a:t>
+              <a:t>8/14/2016</a:t>
             </a:fld>
             <a:endParaRPr lang="en-US"/>
           </a:p>
@@ -1146,7 +1148,7 @@
           <a:p>
             <a:fld id="{6E5077B5-BB57-49DB-88CA-226A139E5C01}" type="datetime1">
               <a:rPr lang="en-US" smtClean="0"/>
-              <a:t>8/11/2016</a:t>
+              <a:t>8/14/2016</a:t>
             </a:fld>
             <a:endParaRPr lang="en-US"/>
           </a:p>
@@ -1398,7 +1400,7 @@
           <a:p>
             <a:fld id="{C48D9447-CBD6-49A1-89FD-8512A8CF8999}" type="datetime1">
               <a:rPr lang="en-US" smtClean="0"/>
-              <a:t>8/11/2016</a:t>
+              <a:t>8/14/2016</a:t>
             </a:fld>
             <a:endParaRPr lang="en-US"/>
           </a:p>
@@ -1566,7 +1568,7 @@
           <a:p>
             <a:fld id="{A3639A2A-823D-48B7-9ACE-7FAF42870BA9}" type="datetime1">
               <a:rPr lang="en-US" smtClean="0"/>
-              <a:t>8/11/2016</a:t>
+              <a:t>8/14/2016</a:t>
             </a:fld>
             <a:endParaRPr lang="en-US"/>
           </a:p>
@@ -1744,7 +1746,7 @@
           <a:p>
             <a:fld id="{ED1B6996-82E9-463C-972C-7B56056E426C}" type="datetime1">
               <a:rPr lang="en-US" smtClean="0"/>
-              <a:t>8/11/2016</a:t>
+              <a:t>8/14/2016</a:t>
             </a:fld>
             <a:endParaRPr lang="en-US"/>
           </a:p>
@@ -1918,7 +1920,7 @@
           <a:p>
             <a:fld id="{E22ED4DA-448D-4BB1-B935-CC112220207B}" type="datetime1">
               <a:rPr lang="en-US" smtClean="0"/>
-              <a:t>8/11/2016</a:t>
+              <a:t>8/14/2016</a:t>
             </a:fld>
             <a:endParaRPr lang="en-US"/>
           </a:p>
@@ -2091,7 +2093,7 @@
           <a:p>
             <a:fld id="{E22ED4DA-448D-4BB1-B935-CC112220207B}" type="datetime1">
               <a:rPr lang="en-US" smtClean="0"/>
-              <a:t>8/11/2016</a:t>
+              <a:t>8/14/2016</a:t>
             </a:fld>
             <a:endParaRPr lang="en-US"/>
           </a:p>
@@ -2351,7 +2353,7 @@
           <a:p>
             <a:fld id="{FF5D65A6-AB94-4435-B0B7-3743215FA46C}" type="datetime1">
               <a:rPr lang="en-US" smtClean="0"/>
-              <a:t>8/11/2016</a:t>
+              <a:t>8/14/2016</a:t>
             </a:fld>
             <a:endParaRPr lang="en-US"/>
           </a:p>
@@ -2527,7 +2529,7 @@
           <a:p>
             <a:fld id="{FF5D65A6-AB94-4435-B0B7-3743215FA46C}" type="datetime1">
               <a:rPr lang="en-US" smtClean="0"/>
-              <a:t>8/11/2016</a:t>
+              <a:t>8/14/2016</a:t>
             </a:fld>
             <a:endParaRPr lang="en-US"/>
           </a:p>
@@ -2821,7 +2823,7 @@
           <a:p>
             <a:fld id="{7C193DC4-6EF0-48C9-B29C-616106A645E1}" type="datetime1">
               <a:rPr lang="en-US" smtClean="0"/>
-              <a:t>8/11/2016</a:t>
+              <a:t>8/14/2016</a:t>
             </a:fld>
             <a:endParaRPr lang="en-US"/>
           </a:p>
@@ -3106,7 +3108,7 @@
           <a:p>
             <a:fld id="{5D1846AD-9252-4647-9435-4C2AC365653A}" type="datetime1">
               <a:rPr lang="en-US" smtClean="0"/>
-              <a:t>8/11/2016</a:t>
+              <a:t>8/14/2016</a:t>
             </a:fld>
             <a:endParaRPr lang="en-US"/>
           </a:p>
@@ -3525,7 +3527,7 @@
           <a:p>
             <a:fld id="{CE56DC10-3561-4063-A6AF-C1CC7A41040A}" type="datetime1">
               <a:rPr lang="en-US" smtClean="0"/>
-              <a:t>8/11/2016</a:t>
+              <a:t>8/14/2016</a:t>
             </a:fld>
             <a:endParaRPr lang="en-US"/>
           </a:p>
@@ -3642,7 +3644,7 @@
           <a:p>
             <a:fld id="{2F7B77F5-1464-4F6B-92A8-64FC8A508293}" type="datetime1">
               <a:rPr lang="en-US" smtClean="0"/>
-              <a:t>8/11/2016</a:t>
+              <a:t>8/14/2016</a:t>
             </a:fld>
             <a:endParaRPr lang="en-US"/>
           </a:p>
@@ -3865,7 +3867,7 @@
           <a:p>
             <a:fld id="{02B3F677-983B-48DB-ADFD-63FE6CBC7FB2}" type="datetime1">
               <a:rPr lang="en-US" smtClean="0"/>
-              <a:t>8/11/2016</a:t>
+              <a:t>8/14/2016</a:t>
             </a:fld>
             <a:endParaRPr lang="en-US"/>
           </a:p>
@@ -14369,7 +14371,7 @@
           <a:p>
             <a:r>
               <a:rPr lang="en-US" dirty="0"/>
-              <a:t>Example 5: remove-first-even</a:t>
+              <a:t>Example 4: remove-evens</a:t>
             </a:r>
           </a:p>
         </p:txBody>
@@ -14399,6 +14401,464 @@
                 <a:latin typeface="Consolas" pitchFamily="49" charset="0"/>
                 <a:cs typeface="Consolas" pitchFamily="49" charset="0"/>
               </a:rPr>
+              <a:t>remove-evens : LOI -&gt; LOI</a:t>
+            </a:r>
+          </a:p>
+          <a:p>
+            <a:pPr>
+              <a:buNone/>
+            </a:pPr>
+            <a:r>
+              <a:rPr lang="en-US" sz="2000" b="1" dirty="0">
+                <a:latin typeface="Consolas" pitchFamily="49" charset="0"/>
+                <a:cs typeface="Consolas" pitchFamily="49" charset="0"/>
+              </a:rPr>
+              <a:t>(define (remove-evens </a:t>
+            </a:r>
+            <a:r>
+              <a:rPr lang="en-US" sz="2000" b="1" dirty="0" err="1">
+                <a:latin typeface="Consolas" pitchFamily="49" charset="0"/>
+                <a:cs typeface="Consolas" pitchFamily="49" charset="0"/>
+              </a:rPr>
+              <a:t>lst</a:t>
+            </a:r>
+            <a:r>
+              <a:rPr lang="en-US" sz="2000" b="1" dirty="0">
+                <a:latin typeface="Consolas" pitchFamily="49" charset="0"/>
+                <a:cs typeface="Consolas" pitchFamily="49" charset="0"/>
+              </a:rPr>
+              <a:t>)</a:t>
+            </a:r>
+          </a:p>
+          <a:p>
+            <a:pPr>
+              <a:buNone/>
+            </a:pPr>
+            <a:r>
+              <a:rPr lang="en-US" sz="2000" b="1" dirty="0">
+                <a:latin typeface="Consolas" pitchFamily="49" charset="0"/>
+                <a:cs typeface="Consolas" pitchFamily="49" charset="0"/>
+              </a:rPr>
+              <a:t>  (</a:t>
+            </a:r>
+            <a:r>
+              <a:rPr lang="en-US" sz="2000" b="1" dirty="0" err="1">
+                <a:latin typeface="Consolas" pitchFamily="49" charset="0"/>
+                <a:cs typeface="Consolas" pitchFamily="49" charset="0"/>
+              </a:rPr>
+              <a:t>cond</a:t>
+            </a:r>
+            <a:endParaRPr lang="en-US" sz="2000" b="1" dirty="0">
+              <a:latin typeface="Consolas" pitchFamily="49" charset="0"/>
+              <a:cs typeface="Consolas" pitchFamily="49" charset="0"/>
+            </a:endParaRPr>
+          </a:p>
+          <a:p>
+            <a:pPr>
+              <a:buNone/>
+            </a:pPr>
+            <a:r>
+              <a:rPr lang="en-US" sz="2000" b="1" dirty="0">
+                <a:latin typeface="Consolas" pitchFamily="49" charset="0"/>
+                <a:cs typeface="Consolas" pitchFamily="49" charset="0"/>
+              </a:rPr>
+              <a:t>    [(empty? </a:t>
+            </a:r>
+            <a:r>
+              <a:rPr lang="en-US" sz="2000" b="1" dirty="0" err="1">
+                <a:latin typeface="Consolas" pitchFamily="49" charset="0"/>
+                <a:cs typeface="Consolas" pitchFamily="49" charset="0"/>
+              </a:rPr>
+              <a:t>lst</a:t>
+            </a:r>
+            <a:r>
+              <a:rPr lang="en-US" sz="2000" b="1" dirty="0">
+                <a:latin typeface="Consolas" pitchFamily="49" charset="0"/>
+                <a:cs typeface="Consolas" pitchFamily="49" charset="0"/>
+              </a:rPr>
+              <a:t>) </a:t>
+            </a:r>
+            <a:r>
+              <a:rPr lang="en-US" sz="2000" b="1" dirty="0">
+                <a:solidFill>
+                  <a:srgbClr val="FF0000"/>
+                </a:solidFill>
+                <a:latin typeface="Consolas" pitchFamily="49" charset="0"/>
+                <a:cs typeface="Consolas" pitchFamily="49" charset="0"/>
+              </a:rPr>
+              <a:t>empty</a:t>
+            </a:r>
+            <a:r>
+              <a:rPr lang="en-US" sz="2000" b="1" dirty="0">
+                <a:latin typeface="Consolas" pitchFamily="49" charset="0"/>
+                <a:cs typeface="Consolas" pitchFamily="49" charset="0"/>
+              </a:rPr>
+              <a:t>]</a:t>
+            </a:r>
+          </a:p>
+          <a:p>
+            <a:pPr>
+              <a:buNone/>
+            </a:pPr>
+            <a:r>
+              <a:rPr lang="en-US" sz="2000" b="1" dirty="0">
+                <a:latin typeface="Consolas" pitchFamily="49" charset="0"/>
+                <a:cs typeface="Consolas" pitchFamily="49" charset="0"/>
+              </a:rPr>
+              <a:t>    [</a:t>
+            </a:r>
+            <a:r>
+              <a:rPr lang="en-US" sz="2000" b="1" dirty="0">
+                <a:solidFill>
+                  <a:srgbClr val="FF0000"/>
+                </a:solidFill>
+                <a:latin typeface="Consolas" pitchFamily="49" charset="0"/>
+                <a:cs typeface="Consolas" pitchFamily="49" charset="0"/>
+              </a:rPr>
+              <a:t>(even? </a:t>
+            </a:r>
+            <a:r>
+              <a:rPr lang="en-US" sz="2000" b="1" dirty="0">
+                <a:latin typeface="Consolas" pitchFamily="49" charset="0"/>
+                <a:cs typeface="Consolas" pitchFamily="49" charset="0"/>
+              </a:rPr>
+              <a:t>(first </a:t>
+            </a:r>
+            <a:r>
+              <a:rPr lang="en-US" sz="2000" b="1" dirty="0" err="1">
+                <a:latin typeface="Consolas" pitchFamily="49" charset="0"/>
+                <a:cs typeface="Consolas" pitchFamily="49" charset="0"/>
+              </a:rPr>
+              <a:t>lst</a:t>
+            </a:r>
+            <a:r>
+              <a:rPr lang="en-US" sz="2000" b="1" dirty="0">
+                <a:latin typeface="Consolas" pitchFamily="49" charset="0"/>
+                <a:cs typeface="Consolas" pitchFamily="49" charset="0"/>
+              </a:rPr>
+              <a:t>)</a:t>
+            </a:r>
+            <a:r>
+              <a:rPr lang="en-US" sz="2000" b="1" dirty="0">
+                <a:solidFill>
+                  <a:srgbClr val="FF0000"/>
+                </a:solidFill>
+                <a:latin typeface="Consolas" pitchFamily="49" charset="0"/>
+                <a:cs typeface="Consolas" pitchFamily="49" charset="0"/>
+              </a:rPr>
+              <a:t>)</a:t>
+            </a:r>
+          </a:p>
+          <a:p>
+            <a:pPr>
+              <a:buNone/>
+            </a:pPr>
+            <a:r>
+              <a:rPr lang="en-US" sz="2000" b="1" dirty="0">
+                <a:solidFill>
+                  <a:srgbClr val="FF0000"/>
+                </a:solidFill>
+                <a:latin typeface="Consolas" pitchFamily="49" charset="0"/>
+                <a:cs typeface="Consolas" pitchFamily="49" charset="0"/>
+              </a:rPr>
+              <a:t>     </a:t>
+            </a:r>
+            <a:r>
+              <a:rPr lang="en-US" sz="2000" b="1" dirty="0">
+                <a:latin typeface="Consolas" pitchFamily="49" charset="0"/>
+                <a:cs typeface="Consolas" pitchFamily="49" charset="0"/>
+              </a:rPr>
+              <a:t>(remove-evens (rest </a:t>
+            </a:r>
+            <a:r>
+              <a:rPr lang="en-US" sz="2000" b="1" dirty="0" err="1">
+                <a:latin typeface="Consolas" pitchFamily="49" charset="0"/>
+                <a:cs typeface="Consolas" pitchFamily="49" charset="0"/>
+              </a:rPr>
+              <a:t>lst</a:t>
+            </a:r>
+            <a:r>
+              <a:rPr lang="en-US" sz="2000" b="1" dirty="0">
+                <a:latin typeface="Consolas" pitchFamily="49" charset="0"/>
+                <a:cs typeface="Consolas" pitchFamily="49" charset="0"/>
+              </a:rPr>
+              <a:t>))]</a:t>
+            </a:r>
+          </a:p>
+          <a:p>
+            <a:pPr>
+              <a:buNone/>
+            </a:pPr>
+            <a:r>
+              <a:rPr lang="en-US" sz="2000" b="1" dirty="0">
+                <a:latin typeface="Consolas" pitchFamily="49" charset="0"/>
+                <a:cs typeface="Consolas" pitchFamily="49" charset="0"/>
+              </a:rPr>
+              <a:t>    [else</a:t>
+            </a:r>
+            <a:r>
+              <a:rPr lang="en-US" sz="2000" b="1" dirty="0">
+                <a:solidFill>
+                  <a:srgbClr val="FF0000"/>
+                </a:solidFill>
+                <a:latin typeface="Consolas" pitchFamily="49" charset="0"/>
+                <a:cs typeface="Consolas" pitchFamily="49" charset="0"/>
+              </a:rPr>
+              <a:t> (cons </a:t>
+            </a:r>
+            <a:r>
+              <a:rPr lang="en-US" sz="2000" b="1" dirty="0">
+                <a:latin typeface="Consolas" pitchFamily="49" charset="0"/>
+                <a:cs typeface="Consolas" pitchFamily="49" charset="0"/>
+              </a:rPr>
+              <a:t>(first </a:t>
+            </a:r>
+            <a:r>
+              <a:rPr lang="en-US" sz="2000" b="1" dirty="0" err="1">
+                <a:latin typeface="Consolas" pitchFamily="49" charset="0"/>
+                <a:cs typeface="Consolas" pitchFamily="49" charset="0"/>
+              </a:rPr>
+              <a:t>lst</a:t>
+            </a:r>
+            <a:r>
+              <a:rPr lang="en-US" sz="2000" b="1" dirty="0">
+                <a:latin typeface="Consolas" pitchFamily="49" charset="0"/>
+                <a:cs typeface="Consolas" pitchFamily="49" charset="0"/>
+              </a:rPr>
+              <a:t>)</a:t>
+            </a:r>
+          </a:p>
+          <a:p>
+            <a:pPr>
+              <a:buNone/>
+            </a:pPr>
+            <a:r>
+              <a:rPr lang="en-US" sz="2000" b="1" dirty="0">
+                <a:solidFill>
+                  <a:srgbClr val="FF0000"/>
+                </a:solidFill>
+                <a:latin typeface="Consolas" pitchFamily="49" charset="0"/>
+                <a:cs typeface="Consolas" pitchFamily="49" charset="0"/>
+              </a:rPr>
+              <a:t>                </a:t>
+            </a:r>
+            <a:r>
+              <a:rPr lang="en-US" sz="2000" b="1" dirty="0">
+                <a:latin typeface="Consolas" pitchFamily="49" charset="0"/>
+                <a:cs typeface="Consolas" pitchFamily="49" charset="0"/>
+              </a:rPr>
+              <a:t>(remove-evens (rest </a:t>
+            </a:r>
+            <a:r>
+              <a:rPr lang="en-US" sz="2000" b="1" dirty="0" err="1">
+                <a:latin typeface="Consolas" pitchFamily="49" charset="0"/>
+                <a:cs typeface="Consolas" pitchFamily="49" charset="0"/>
+              </a:rPr>
+              <a:t>lst</a:t>
+            </a:r>
+            <a:r>
+              <a:rPr lang="en-US" sz="2000" b="1" dirty="0">
+                <a:latin typeface="Consolas" pitchFamily="49" charset="0"/>
+                <a:cs typeface="Consolas" pitchFamily="49" charset="0"/>
+              </a:rPr>
+              <a:t>))</a:t>
+            </a:r>
+            <a:r>
+              <a:rPr lang="en-US" sz="2000" b="1" dirty="0">
+                <a:solidFill>
+                  <a:srgbClr val="FF0000"/>
+                </a:solidFill>
+                <a:latin typeface="Consolas" pitchFamily="49" charset="0"/>
+                <a:cs typeface="Consolas" pitchFamily="49" charset="0"/>
+              </a:rPr>
+              <a:t>)</a:t>
+            </a:r>
+            <a:r>
+              <a:rPr lang="en-US" sz="2000" b="1" dirty="0">
+                <a:latin typeface="Consolas" pitchFamily="49" charset="0"/>
+                <a:cs typeface="Consolas" pitchFamily="49" charset="0"/>
+              </a:rPr>
+              <a:t>]))</a:t>
+            </a:r>
+          </a:p>
+          <a:p>
+            <a:pPr>
+              <a:buNone/>
+            </a:pPr>
+            <a:endParaRPr lang="en-US" sz="2000" b="1" dirty="0">
+              <a:latin typeface="Consolas" pitchFamily="49" charset="0"/>
+              <a:cs typeface="Consolas" pitchFamily="49" charset="0"/>
+            </a:endParaRPr>
+          </a:p>
+          <a:p>
+            <a:pPr>
+              <a:buNone/>
+            </a:pPr>
+            <a:endParaRPr lang="en-US" sz="2000" b="1" dirty="0">
+              <a:latin typeface="Courier New" pitchFamily="49" charset="0"/>
+              <a:cs typeface="Courier New" pitchFamily="49" charset="0"/>
+            </a:endParaRPr>
+          </a:p>
+        </p:txBody>
+      </p:sp>
+      <p:sp>
+        <p:nvSpPr>
+          <p:cNvPr id="6" name="Slide Number Placeholder 5"/>
+          <p:cNvSpPr>
+            <a:spLocks noGrp="1"/>
+          </p:cNvSpPr>
+          <p:nvPr>
+            <p:ph type="sldNum" sz="quarter" idx="12"/>
+          </p:nvPr>
+        </p:nvSpPr>
+        <p:spPr/>
+        <p:txBody>
+          <a:bodyPr/>
+          <a:lstStyle/>
+          <a:p>
+            <a:fld id="{9F4492BD-6A9C-48FC-AC76-0B4FE11194A1}" type="slidenum">
+              <a:rPr lang="en-US" smtClean="0"/>
+              <a:pPr/>
+              <a:t>26</a:t>
+            </a:fld>
+            <a:endParaRPr lang="en-US"/>
+          </a:p>
+        </p:txBody>
+      </p:sp>
+      <p:sp>
+        <p:nvSpPr>
+          <p:cNvPr id="8" name="Rectangle 7"/>
+          <p:cNvSpPr/>
+          <p:nvPr/>
+        </p:nvSpPr>
+        <p:spPr>
+          <a:xfrm>
+            <a:off x="2133600" y="4800600"/>
+            <a:ext cx="4343400" cy="1555750"/>
+          </a:xfrm>
+          <a:prstGeom prst="rect">
+            <a:avLst/>
+          </a:prstGeom>
+          <a:solidFill>
+            <a:schemeClr val="accent3">
+              <a:lumMod val="40000"/>
+              <a:lumOff val="60000"/>
+            </a:schemeClr>
+          </a:solidFill>
+          <a:ln/>
+        </p:spPr>
+        <p:style>
+          <a:lnRef idx="2">
+            <a:schemeClr val="accent1"/>
+          </a:lnRef>
+          <a:fillRef idx="1">
+            <a:schemeClr val="lt1"/>
+          </a:fillRef>
+          <a:effectRef idx="0">
+            <a:schemeClr val="accent1"/>
+          </a:effectRef>
+          <a:fontRef idx="minor">
+            <a:schemeClr val="dk1"/>
+          </a:fontRef>
+        </p:style>
+        <p:txBody>
+          <a:bodyPr rot="0" spcFirstLastPara="0" vertOverflow="overflow" horzOverflow="overflow" vert="horz" wrap="square" lIns="91440" tIns="45720" rIns="91440" bIns="45720" numCol="1" spcCol="0" rtlCol="0" fromWordArt="0" anchor="ctr" anchorCtr="0" forceAA="0" compatLnSpc="1">
+            <a:prstTxWarp prst="textNoShape">
+              <a:avLst/>
+            </a:prstTxWarp>
+            <a:noAutofit/>
+          </a:bodyPr>
+          <a:lstStyle/>
+          <a:p>
+            <a:pPr algn="ctr"/>
+            <a:r>
+              <a:rPr lang="en-US" dirty="0">
+                <a:solidFill>
+                  <a:schemeClr val="tx1"/>
+                </a:solidFill>
+              </a:rPr>
+              <a:t>This version is OK, too.  The template is just a way for you to get started writing your function definition.  It's OK to vary it a little if it leads to more readable code.</a:t>
+            </a:r>
+          </a:p>
+        </p:txBody>
+      </p:sp>
+    </p:spTree>
+    <p:extLst>
+      <p:ext uri="{BB962C8B-B14F-4D97-AF65-F5344CB8AC3E}">
+        <p14:creationId xmlns:p14="http://schemas.microsoft.com/office/powerpoint/2010/main" val="2744438496"/>
+      </p:ext>
+    </p:extLst>
+  </p:cSld>
+  <p:clrMapOvr>
+    <a:masterClrMapping/>
+  </p:clrMapOvr>
+</p:sld>
+</file>
+
+<file path=ppt/slides/slide27.xml><?xml version="1.0" encoding="utf-8"?>
+<p:sld xmlns:a="http://schemas.openxmlformats.org/drawingml/2006/main" xmlns:r="http://schemas.openxmlformats.org/officeDocument/2006/relationships" xmlns:p="http://schemas.openxmlformats.org/presentationml/2006/main">
+  <p:cSld>
+    <p:spTree>
+      <p:nvGrpSpPr>
+        <p:cNvPr id="1" name=""/>
+        <p:cNvGrpSpPr/>
+        <p:nvPr/>
+      </p:nvGrpSpPr>
+      <p:grpSpPr>
+        <a:xfrm>
+          <a:off x="0" y="0"/>
+          <a:ext cx="0" cy="0"/>
+          <a:chOff x="0" y="0"/>
+          <a:chExt cx="0" cy="0"/>
+        </a:xfrm>
+      </p:grpSpPr>
+      <p:sp>
+        <p:nvSpPr>
+          <p:cNvPr id="2" name="Title 1"/>
+          <p:cNvSpPr>
+            <a:spLocks noGrp="1"/>
+          </p:cNvSpPr>
+          <p:nvPr>
+            <p:ph type="title"/>
+          </p:nvPr>
+        </p:nvSpPr>
+        <p:spPr/>
+        <p:txBody>
+          <a:bodyPr/>
+          <a:lstStyle/>
+          <a:p>
+            <a:r>
+              <a:rPr lang="en-US" dirty="0"/>
+              <a:t>Example 5: remove-first-even</a:t>
+            </a:r>
+          </a:p>
+        </p:txBody>
+      </p:sp>
+      <p:sp>
+        <p:nvSpPr>
+          <p:cNvPr id="3" name="Content Placeholder 2"/>
+          <p:cNvSpPr>
+            <a:spLocks noGrp="1"/>
+          </p:cNvSpPr>
+          <p:nvPr>
+            <p:ph idx="1"/>
+          </p:nvPr>
+        </p:nvSpPr>
+        <p:spPr/>
+        <p:txBody>
+          <a:bodyPr>
+            <a:normAutofit/>
+          </a:bodyPr>
+          <a:lstStyle/>
+          <a:p>
+            <a:pPr>
+              <a:buNone/>
+            </a:pPr>
+            <a:r>
+              <a:rPr lang="en-US" sz="2000" b="1" dirty="0">
+                <a:latin typeface="Consolas" pitchFamily="49" charset="0"/>
+                <a:cs typeface="Consolas" pitchFamily="49" charset="0"/>
+              </a:rPr>
               <a:t>remove-first-even : LOI -&gt; LOI</a:t>
             </a:r>
           </a:p>
@@ -14565,7 +15025,7 @@
             <a:fld id="{9F4492BD-6A9C-48FC-AC76-0B4FE11194A1}" type="slidenum">
               <a:rPr lang="en-US" smtClean="0"/>
               <a:pPr/>
-              <a:t>26</a:t>
+              <a:t>27</a:t>
             </a:fld>
             <a:endParaRPr lang="en-US"/>
           </a:p>
@@ -14784,7 +15244,7 @@
 </p:sld>
 </file>
 
-<file path=ppt/slides/slide27.xml><?xml version="1.0" encoding="utf-8"?>
+<file path=ppt/slides/slide28.xml><?xml version="1.0" encoding="utf-8"?>
 <p:sld xmlns:a="http://schemas.openxmlformats.org/drawingml/2006/main" xmlns:r="http://schemas.openxmlformats.org/officeDocument/2006/relationships" xmlns:p="http://schemas.openxmlformats.org/presentationml/2006/main">
   <p:cSld>
     <p:spTree>
@@ -15007,7 +15467,7 @@
             <a:fld id="{9F4492BD-6A9C-48FC-AC76-0B4FE11194A1}" type="slidenum">
               <a:rPr lang="en-US" smtClean="0"/>
               <a:pPr/>
-              <a:t>27</a:t>
+              <a:t>28</a:t>
             </a:fld>
             <a:endParaRPr lang="en-US"/>
           </a:p>
@@ -16577,122 +17037,6 @@
 </p:sld>
 </file>
 
-<file path=ppt/slides/slide28.xml><?xml version="1.0" encoding="utf-8"?>
-<p:sld xmlns:a="http://schemas.openxmlformats.org/drawingml/2006/main" xmlns:r="http://schemas.openxmlformats.org/officeDocument/2006/relationships" xmlns:p="http://schemas.openxmlformats.org/presentationml/2006/main">
-  <p:cSld>
-    <p:spTree>
-      <p:nvGrpSpPr>
-        <p:cNvPr id="1" name=""/>
-        <p:cNvGrpSpPr/>
-        <p:nvPr/>
-      </p:nvGrpSpPr>
-      <p:grpSpPr>
-        <a:xfrm>
-          <a:off x="0" y="0"/>
-          <a:ext cx="0" cy="0"/>
-          <a:chOff x="0" y="0"/>
-          <a:chExt cx="0" cy="0"/>
-        </a:xfrm>
-      </p:grpSpPr>
-      <p:sp>
-        <p:nvSpPr>
-          <p:cNvPr id="2" name="Title 1"/>
-          <p:cNvSpPr>
-            <a:spLocks noGrp="1"/>
-          </p:cNvSpPr>
-          <p:nvPr>
-            <p:ph type="title"/>
-          </p:nvPr>
-        </p:nvSpPr>
-        <p:spPr/>
-        <p:txBody>
-          <a:bodyPr/>
-          <a:lstStyle/>
-          <a:p>
-            <a:r>
-              <a:rPr lang="en-US" dirty="0"/>
-              <a:t>Summary</a:t>
-            </a:r>
-          </a:p>
-        </p:txBody>
-      </p:sp>
-      <p:sp>
-        <p:nvSpPr>
-          <p:cNvPr id="3" name="Content Placeholder 2"/>
-          <p:cNvSpPr>
-            <a:spLocks noGrp="1"/>
-          </p:cNvSpPr>
-          <p:nvPr>
-            <p:ph idx="1"/>
-          </p:nvPr>
-        </p:nvSpPr>
-        <p:spPr/>
-        <p:txBody>
-          <a:bodyPr/>
-          <a:lstStyle/>
-          <a:p>
-            <a:r>
-              <a:rPr lang="en-US" dirty="0"/>
-              <a:t>You should now be able to:</a:t>
-            </a:r>
-          </a:p>
-          <a:p>
-            <a:pPr lvl="1"/>
-            <a:r>
-              <a:rPr lang="en-US" dirty="0"/>
-              <a:t>write down the template for a list data definition</a:t>
-            </a:r>
-          </a:p>
-          <a:p>
-            <a:pPr lvl="1"/>
-            <a:r>
-              <a:rPr lang="en-US" dirty="0"/>
-              <a:t>use structural decomposition to define simple functions on lists</a:t>
-            </a:r>
-          </a:p>
-          <a:p>
-            <a:pPr lvl="1"/>
-            <a:endParaRPr lang="en-US" dirty="0"/>
-          </a:p>
-        </p:txBody>
-      </p:sp>
-      <p:sp>
-        <p:nvSpPr>
-          <p:cNvPr id="4" name="Slide Number Placeholder 3"/>
-          <p:cNvSpPr>
-            <a:spLocks noGrp="1"/>
-          </p:cNvSpPr>
-          <p:nvPr>
-            <p:ph type="sldNum" sz="quarter" idx="12"/>
-          </p:nvPr>
-        </p:nvSpPr>
-        <p:spPr/>
-        <p:txBody>
-          <a:bodyPr/>
-          <a:lstStyle/>
-          <a:p>
-            <a:fld id="{9F4492BD-6A9C-48FC-AC76-0B4FE11194A1}" type="slidenum">
-              <a:rPr lang="en-US" smtClean="0"/>
-              <a:pPr/>
-              <a:t>28</a:t>
-            </a:fld>
-            <a:endParaRPr lang="en-US"/>
-          </a:p>
-        </p:txBody>
-      </p:sp>
-    </p:spTree>
-    <p:extLst>
-      <p:ext uri="{BB962C8B-B14F-4D97-AF65-F5344CB8AC3E}">
-        <p14:creationId xmlns:p14="http://schemas.microsoft.com/office/powerpoint/2010/main" val="2015971023"/>
-      </p:ext>
-    </p:extLst>
-  </p:cSld>
-  <p:clrMapOvr>
-    <a:masterClrMapping/>
-  </p:clrMapOvr>
-</p:sld>
-</file>
-
 <file path=ppt/slides/slide29.xml><?xml version="1.0" encoding="utf-8"?>
 <p:sld xmlns:a="http://schemas.openxmlformats.org/drawingml/2006/main" xmlns:r="http://schemas.openxmlformats.org/officeDocument/2006/relationships" xmlns:p="http://schemas.openxmlformats.org/presentationml/2006/main">
   <p:cSld>
@@ -16727,42 +17071,7 @@
           <a:p>
             <a:r>
               <a:rPr lang="en-US" dirty="0"/>
-              <a:t>Next Steps</a:t>
-            </a:r>
-          </a:p>
-        </p:txBody>
-      </p:sp>
-      <p:sp>
-        <p:nvSpPr>
-          <p:cNvPr id="3" name="Content Placeholder 2"/>
-          <p:cNvSpPr>
-            <a:spLocks noGrp="1"/>
-          </p:cNvSpPr>
-          <p:nvPr>
-            <p:ph idx="1"/>
-          </p:nvPr>
-        </p:nvSpPr>
-        <p:spPr/>
-        <p:txBody>
-          <a:bodyPr/>
-          <a:lstStyle/>
-          <a:p>
-            <a:r>
-              <a:rPr lang="en-US" dirty="0"/>
-              <a:t>If you have questions about this lesson, ask them on the Discussion Board</a:t>
-            </a:r>
-          </a:p>
-          <a:p>
-            <a:r>
-              <a:rPr lang="en-US"/>
-              <a:t>Do Guided Practice 4.3</a:t>
-            </a:r>
-            <a:endParaRPr lang="en-US" dirty="0"/>
-          </a:p>
-          <a:p>
-            <a:r>
-              <a:rPr lang="en-US" dirty="0"/>
-              <a:t>Go on to the next lesson</a:t>
+              <a:t>Example 5: remove-first-even</a:t>
             </a:r>
           </a:p>
         </p:txBody>
@@ -16791,16 +17100,655 @@
           </a:p>
         </p:txBody>
       </p:sp>
+      <p:sp>
+        <p:nvSpPr>
+          <p:cNvPr id="20" name="Content Placeholder 2"/>
+          <p:cNvSpPr txBox="1">
+            <a:spLocks/>
+          </p:cNvSpPr>
+          <p:nvPr/>
+        </p:nvSpPr>
+        <p:spPr>
+          <a:xfrm>
+            <a:off x="609600" y="1647825"/>
+            <a:ext cx="8458200" cy="4525963"/>
+          </a:xfrm>
+          <a:prstGeom prst="rect">
+            <a:avLst/>
+          </a:prstGeom>
+        </p:spPr>
+        <p:txBody>
+          <a:bodyPr vert="horz" lIns="91440" tIns="45720" rIns="91440" bIns="45720" rtlCol="0">
+            <a:normAutofit/>
+          </a:bodyPr>
+          <a:lstStyle>
+            <a:lvl1pPr marL="342900" indent="-342900" algn="l" defTabSz="914400" rtl="0" eaLnBrk="1" latinLnBrk="0" hangingPunct="1">
+              <a:spcBef>
+                <a:spcPct val="20000"/>
+              </a:spcBef>
+              <a:buFont typeface="Arial" pitchFamily="34" charset="0"/>
+              <a:buChar char="•"/>
+              <a:defRPr sz="3200" kern="1200">
+                <a:solidFill>
+                  <a:schemeClr val="tx1"/>
+                </a:solidFill>
+                <a:latin typeface="+mn-lt"/>
+                <a:ea typeface="+mn-ea"/>
+                <a:cs typeface="+mn-cs"/>
+              </a:defRPr>
+            </a:lvl1pPr>
+            <a:lvl2pPr marL="742950" indent="-285750" algn="l" defTabSz="914400" rtl="0" eaLnBrk="1" latinLnBrk="0" hangingPunct="1">
+              <a:spcBef>
+                <a:spcPct val="20000"/>
+              </a:spcBef>
+              <a:buFont typeface="Arial" pitchFamily="34" charset="0"/>
+              <a:buChar char="–"/>
+              <a:defRPr sz="2800" kern="1200">
+                <a:solidFill>
+                  <a:schemeClr val="tx1"/>
+                </a:solidFill>
+                <a:latin typeface="+mn-lt"/>
+                <a:ea typeface="+mn-ea"/>
+                <a:cs typeface="+mn-cs"/>
+              </a:defRPr>
+            </a:lvl2pPr>
+            <a:lvl3pPr marL="1143000" indent="-228600" algn="l" defTabSz="914400" rtl="0" eaLnBrk="1" latinLnBrk="0" hangingPunct="1">
+              <a:spcBef>
+                <a:spcPct val="20000"/>
+              </a:spcBef>
+              <a:buFont typeface="Arial" pitchFamily="34" charset="0"/>
+              <a:buChar char="•"/>
+              <a:defRPr sz="2400" kern="1200">
+                <a:solidFill>
+                  <a:schemeClr val="tx1"/>
+                </a:solidFill>
+                <a:latin typeface="+mn-lt"/>
+                <a:ea typeface="+mn-ea"/>
+                <a:cs typeface="+mn-cs"/>
+              </a:defRPr>
+            </a:lvl3pPr>
+            <a:lvl4pPr marL="1600200" indent="-228600" algn="l" defTabSz="914400" rtl="0" eaLnBrk="1" latinLnBrk="0" hangingPunct="1">
+              <a:spcBef>
+                <a:spcPct val="20000"/>
+              </a:spcBef>
+              <a:buFont typeface="Arial" pitchFamily="34" charset="0"/>
+              <a:buChar char="–"/>
+              <a:defRPr sz="2000" kern="1200">
+                <a:solidFill>
+                  <a:schemeClr val="tx1"/>
+                </a:solidFill>
+                <a:latin typeface="+mn-lt"/>
+                <a:ea typeface="+mn-ea"/>
+                <a:cs typeface="+mn-cs"/>
+              </a:defRPr>
+            </a:lvl4pPr>
+            <a:lvl5pPr marL="2057400" indent="-228600" algn="l" defTabSz="914400" rtl="0" eaLnBrk="1" latinLnBrk="0" hangingPunct="1">
+              <a:spcBef>
+                <a:spcPct val="20000"/>
+              </a:spcBef>
+              <a:buFont typeface="Arial" pitchFamily="34" charset="0"/>
+              <a:buChar char="»"/>
+              <a:defRPr sz="2000" kern="1200">
+                <a:solidFill>
+                  <a:schemeClr val="tx1"/>
+                </a:solidFill>
+                <a:latin typeface="+mn-lt"/>
+                <a:ea typeface="+mn-ea"/>
+                <a:cs typeface="+mn-cs"/>
+              </a:defRPr>
+            </a:lvl5pPr>
+            <a:lvl6pPr marL="2514600" indent="-228600" algn="l" defTabSz="914400" rtl="0" eaLnBrk="1" latinLnBrk="0" hangingPunct="1">
+              <a:spcBef>
+                <a:spcPct val="20000"/>
+              </a:spcBef>
+              <a:buFont typeface="Arial" pitchFamily="34" charset="0"/>
+              <a:buChar char="•"/>
+              <a:defRPr sz="2000" kern="1200">
+                <a:solidFill>
+                  <a:schemeClr val="tx1"/>
+                </a:solidFill>
+                <a:latin typeface="+mn-lt"/>
+                <a:ea typeface="+mn-ea"/>
+                <a:cs typeface="+mn-cs"/>
+              </a:defRPr>
+            </a:lvl6pPr>
+            <a:lvl7pPr marL="2971800" indent="-228600" algn="l" defTabSz="914400" rtl="0" eaLnBrk="1" latinLnBrk="0" hangingPunct="1">
+              <a:spcBef>
+                <a:spcPct val="20000"/>
+              </a:spcBef>
+              <a:buFont typeface="Arial" pitchFamily="34" charset="0"/>
+              <a:buChar char="•"/>
+              <a:defRPr sz="2000" kern="1200">
+                <a:solidFill>
+                  <a:schemeClr val="tx1"/>
+                </a:solidFill>
+                <a:latin typeface="+mn-lt"/>
+                <a:ea typeface="+mn-ea"/>
+                <a:cs typeface="+mn-cs"/>
+              </a:defRPr>
+            </a:lvl7pPr>
+            <a:lvl8pPr marL="3429000" indent="-228600" algn="l" defTabSz="914400" rtl="0" eaLnBrk="1" latinLnBrk="0" hangingPunct="1">
+              <a:spcBef>
+                <a:spcPct val="20000"/>
+              </a:spcBef>
+              <a:buFont typeface="Arial" pitchFamily="34" charset="0"/>
+              <a:buChar char="•"/>
+              <a:defRPr sz="2000" kern="1200">
+                <a:solidFill>
+                  <a:schemeClr val="tx1"/>
+                </a:solidFill>
+                <a:latin typeface="+mn-lt"/>
+                <a:ea typeface="+mn-ea"/>
+                <a:cs typeface="+mn-cs"/>
+              </a:defRPr>
+            </a:lvl8pPr>
+            <a:lvl9pPr marL="3886200" indent="-228600" algn="l" defTabSz="914400" rtl="0" eaLnBrk="1" latinLnBrk="0" hangingPunct="1">
+              <a:spcBef>
+                <a:spcPct val="20000"/>
+              </a:spcBef>
+              <a:buFont typeface="Arial" pitchFamily="34" charset="0"/>
+              <a:buChar char="•"/>
+              <a:defRPr sz="2000" kern="1200">
+                <a:solidFill>
+                  <a:schemeClr val="tx1"/>
+                </a:solidFill>
+                <a:latin typeface="+mn-lt"/>
+                <a:ea typeface="+mn-ea"/>
+                <a:cs typeface="+mn-cs"/>
+              </a:defRPr>
+            </a:lvl9pPr>
+          </a:lstStyle>
+          <a:p>
+            <a:pPr>
+              <a:buFont typeface="Arial" pitchFamily="34" charset="0"/>
+              <a:buNone/>
+            </a:pPr>
+            <a:r>
+              <a:rPr lang="en-US" sz="2000" b="1" dirty="0">
+                <a:latin typeface="Consolas" pitchFamily="49" charset="0"/>
+                <a:cs typeface="Consolas" pitchFamily="49" charset="0"/>
+              </a:rPr>
+              <a:t>remove-first-even : LOI -&gt; LOI</a:t>
+            </a:r>
+          </a:p>
+          <a:p>
+            <a:pPr>
+              <a:buFont typeface="Arial" pitchFamily="34" charset="0"/>
+              <a:buNone/>
+            </a:pPr>
+            <a:r>
+              <a:rPr lang="en-US" sz="2000" b="1" dirty="0">
+                <a:latin typeface="Consolas" pitchFamily="49" charset="0"/>
+                <a:cs typeface="Consolas" pitchFamily="49" charset="0"/>
+              </a:rPr>
+              <a:t>(define (remove-first-even </a:t>
+            </a:r>
+            <a:r>
+              <a:rPr lang="en-US" sz="2000" b="1" dirty="0" err="1">
+                <a:latin typeface="Consolas" pitchFamily="49" charset="0"/>
+                <a:cs typeface="Consolas" pitchFamily="49" charset="0"/>
+              </a:rPr>
+              <a:t>lst</a:t>
+            </a:r>
+            <a:r>
+              <a:rPr lang="en-US" sz="2000" b="1" dirty="0">
+                <a:latin typeface="Consolas" pitchFamily="49" charset="0"/>
+                <a:cs typeface="Consolas" pitchFamily="49" charset="0"/>
+              </a:rPr>
+              <a:t>)</a:t>
+            </a:r>
+          </a:p>
+          <a:p>
+            <a:pPr>
+              <a:buFont typeface="Arial" pitchFamily="34" charset="0"/>
+              <a:buNone/>
+            </a:pPr>
+            <a:r>
+              <a:rPr lang="en-US" sz="2000" b="1" dirty="0">
+                <a:latin typeface="Consolas" pitchFamily="49" charset="0"/>
+                <a:cs typeface="Consolas" pitchFamily="49" charset="0"/>
+              </a:rPr>
+              <a:t>  (</a:t>
+            </a:r>
+            <a:r>
+              <a:rPr lang="en-US" sz="2000" b="1" dirty="0" err="1">
+                <a:latin typeface="Consolas" pitchFamily="49" charset="0"/>
+                <a:cs typeface="Consolas" pitchFamily="49" charset="0"/>
+              </a:rPr>
+              <a:t>cond</a:t>
+            </a:r>
+            <a:endParaRPr lang="en-US" sz="2000" b="1" dirty="0">
+              <a:latin typeface="Consolas" pitchFamily="49" charset="0"/>
+              <a:cs typeface="Consolas" pitchFamily="49" charset="0"/>
+            </a:endParaRPr>
+          </a:p>
+          <a:p>
+            <a:pPr>
+              <a:buFont typeface="Arial" pitchFamily="34" charset="0"/>
+              <a:buNone/>
+            </a:pPr>
+            <a:r>
+              <a:rPr lang="en-US" sz="2000" b="1" dirty="0">
+                <a:latin typeface="Consolas" pitchFamily="49" charset="0"/>
+                <a:cs typeface="Consolas" pitchFamily="49" charset="0"/>
+              </a:rPr>
+              <a:t>    [(empty? </a:t>
+            </a:r>
+            <a:r>
+              <a:rPr lang="en-US" sz="2000" b="1" dirty="0" err="1">
+                <a:latin typeface="Consolas" pitchFamily="49" charset="0"/>
+                <a:cs typeface="Consolas" pitchFamily="49" charset="0"/>
+              </a:rPr>
+              <a:t>lst</a:t>
+            </a:r>
+            <a:r>
+              <a:rPr lang="en-US" sz="2000" b="1" dirty="0">
+                <a:latin typeface="Consolas" pitchFamily="49" charset="0"/>
+                <a:cs typeface="Consolas" pitchFamily="49" charset="0"/>
+              </a:rPr>
+              <a:t>) </a:t>
+            </a:r>
+            <a:r>
+              <a:rPr lang="en-US" sz="2000" b="1" dirty="0">
+                <a:solidFill>
+                  <a:srgbClr val="FF0000"/>
+                </a:solidFill>
+                <a:latin typeface="Consolas" pitchFamily="49" charset="0"/>
+                <a:cs typeface="Consolas" pitchFamily="49" charset="0"/>
+              </a:rPr>
+              <a:t>empty</a:t>
+            </a:r>
+            <a:r>
+              <a:rPr lang="en-US" sz="2000" b="1" dirty="0">
+                <a:latin typeface="Consolas" pitchFamily="49" charset="0"/>
+                <a:cs typeface="Consolas" pitchFamily="49" charset="0"/>
+              </a:rPr>
+              <a:t>]</a:t>
+            </a:r>
+          </a:p>
+          <a:p>
+            <a:pPr>
+              <a:buFont typeface="Arial" pitchFamily="34" charset="0"/>
+              <a:buNone/>
+            </a:pPr>
+            <a:r>
+              <a:rPr lang="en-US" sz="2000" b="1" dirty="0">
+                <a:latin typeface="Consolas" pitchFamily="49" charset="0"/>
+                <a:cs typeface="Consolas" pitchFamily="49" charset="0"/>
+              </a:rPr>
+              <a:t>    [</a:t>
+            </a:r>
+            <a:r>
+              <a:rPr lang="en-US" sz="2000" b="1" dirty="0">
+                <a:solidFill>
+                  <a:srgbClr val="FF0000"/>
+                </a:solidFill>
+                <a:latin typeface="Consolas" pitchFamily="49" charset="0"/>
+                <a:cs typeface="Consolas" pitchFamily="49" charset="0"/>
+              </a:rPr>
+              <a:t>(even? </a:t>
+            </a:r>
+            <a:r>
+              <a:rPr lang="en-US" sz="2000" b="1" dirty="0">
+                <a:latin typeface="Consolas" pitchFamily="49" charset="0"/>
+                <a:cs typeface="Consolas" pitchFamily="49" charset="0"/>
+              </a:rPr>
+              <a:t>(first </a:t>
+            </a:r>
+            <a:r>
+              <a:rPr lang="en-US" sz="2000" b="1" dirty="0" err="1">
+                <a:latin typeface="Consolas" pitchFamily="49" charset="0"/>
+                <a:cs typeface="Consolas" pitchFamily="49" charset="0"/>
+              </a:rPr>
+              <a:t>lst</a:t>
+            </a:r>
+            <a:r>
+              <a:rPr lang="en-US" sz="2000" b="1" dirty="0">
+                <a:latin typeface="Consolas" pitchFamily="49" charset="0"/>
+                <a:cs typeface="Consolas" pitchFamily="49" charset="0"/>
+              </a:rPr>
+              <a:t>)</a:t>
+            </a:r>
+            <a:r>
+              <a:rPr lang="en-US" sz="2000" b="1" dirty="0">
+                <a:solidFill>
+                  <a:srgbClr val="FF0000"/>
+                </a:solidFill>
+                <a:latin typeface="Consolas" pitchFamily="49" charset="0"/>
+                <a:cs typeface="Consolas" pitchFamily="49" charset="0"/>
+              </a:rPr>
+              <a:t>)</a:t>
+            </a:r>
+          </a:p>
+          <a:p>
+            <a:pPr>
+              <a:buFont typeface="Arial" pitchFamily="34" charset="0"/>
+              <a:buNone/>
+            </a:pPr>
+            <a:r>
+              <a:rPr lang="en-US" sz="2000" b="1" dirty="0">
+                <a:solidFill>
+                  <a:srgbClr val="FF0000"/>
+                </a:solidFill>
+                <a:latin typeface="Consolas" pitchFamily="49" charset="0"/>
+                <a:cs typeface="Consolas" pitchFamily="49" charset="0"/>
+              </a:rPr>
+              <a:t>     </a:t>
+            </a:r>
+            <a:r>
+              <a:rPr lang="en-US" sz="2000" b="1" dirty="0">
+                <a:solidFill>
+                  <a:srgbClr val="00B050"/>
+                </a:solidFill>
+                <a:latin typeface="Consolas" pitchFamily="49" charset="0"/>
+                <a:cs typeface="Consolas" pitchFamily="49" charset="0"/>
+              </a:rPr>
+              <a:t>(rest </a:t>
+            </a:r>
+            <a:r>
+              <a:rPr lang="en-US" sz="2000" b="1" dirty="0" err="1">
+                <a:solidFill>
+                  <a:srgbClr val="00B050"/>
+                </a:solidFill>
+                <a:latin typeface="Consolas" pitchFamily="49" charset="0"/>
+                <a:cs typeface="Consolas" pitchFamily="49" charset="0"/>
+              </a:rPr>
+              <a:t>lst</a:t>
+            </a:r>
+            <a:r>
+              <a:rPr lang="en-US" sz="2000" b="1" dirty="0">
+                <a:solidFill>
+                  <a:srgbClr val="00B050"/>
+                </a:solidFill>
+                <a:latin typeface="Consolas" pitchFamily="49" charset="0"/>
+                <a:cs typeface="Consolas" pitchFamily="49" charset="0"/>
+              </a:rPr>
+              <a:t>)]</a:t>
+            </a:r>
+          </a:p>
+          <a:p>
+            <a:pPr>
+              <a:buFont typeface="Arial" pitchFamily="34" charset="0"/>
+              <a:buNone/>
+            </a:pPr>
+            <a:r>
+              <a:rPr lang="en-US" sz="2000" b="1" dirty="0">
+                <a:solidFill>
+                  <a:srgbClr val="FF0000"/>
+                </a:solidFill>
+                <a:latin typeface="Consolas" pitchFamily="49" charset="0"/>
+                <a:cs typeface="Consolas" pitchFamily="49" charset="0"/>
+              </a:rPr>
+              <a:t>    </a:t>
+            </a:r>
+            <a:r>
+              <a:rPr lang="en-US" sz="2000" b="1" dirty="0">
+                <a:latin typeface="Consolas" pitchFamily="49" charset="0"/>
+                <a:cs typeface="Consolas" pitchFamily="49" charset="0"/>
+              </a:rPr>
+              <a:t>[</a:t>
+            </a:r>
+            <a:r>
+              <a:rPr lang="en-US" sz="2000" b="1" dirty="0">
+                <a:solidFill>
+                  <a:srgbClr val="FF0000"/>
+                </a:solidFill>
+                <a:latin typeface="Consolas" pitchFamily="49" charset="0"/>
+                <a:cs typeface="Consolas" pitchFamily="49" charset="0"/>
+              </a:rPr>
+              <a:t>(cons </a:t>
+            </a:r>
+            <a:r>
+              <a:rPr lang="en-US" sz="2000" b="1" dirty="0">
+                <a:latin typeface="Consolas" pitchFamily="49" charset="0"/>
+                <a:cs typeface="Consolas" pitchFamily="49" charset="0"/>
+              </a:rPr>
+              <a:t>(first </a:t>
+            </a:r>
+            <a:r>
+              <a:rPr lang="en-US" sz="2000" b="1" dirty="0" err="1">
+                <a:latin typeface="Consolas" pitchFamily="49" charset="0"/>
+                <a:cs typeface="Consolas" pitchFamily="49" charset="0"/>
+              </a:rPr>
+              <a:t>lst</a:t>
+            </a:r>
+            <a:r>
+              <a:rPr lang="en-US" sz="2000" b="1" dirty="0">
+                <a:latin typeface="Consolas" pitchFamily="49" charset="0"/>
+                <a:cs typeface="Consolas" pitchFamily="49" charset="0"/>
+              </a:rPr>
+              <a:t>)</a:t>
+            </a:r>
+          </a:p>
+          <a:p>
+            <a:pPr>
+              <a:buFont typeface="Arial" pitchFamily="34" charset="0"/>
+              <a:buNone/>
+            </a:pPr>
+            <a:r>
+              <a:rPr lang="en-US" sz="2000" b="1" dirty="0">
+                <a:solidFill>
+                  <a:srgbClr val="FF0000"/>
+                </a:solidFill>
+                <a:latin typeface="Consolas" pitchFamily="49" charset="0"/>
+                <a:cs typeface="Consolas" pitchFamily="49" charset="0"/>
+              </a:rPr>
+              <a:t>           </a:t>
+            </a:r>
+            <a:r>
+              <a:rPr lang="en-US" sz="2000" b="1" dirty="0">
+                <a:latin typeface="Consolas" pitchFamily="49" charset="0"/>
+                <a:cs typeface="Consolas" pitchFamily="49" charset="0"/>
+              </a:rPr>
+              <a:t>(remove-first-even (rest </a:t>
+            </a:r>
+            <a:r>
+              <a:rPr lang="en-US" sz="2000" b="1" dirty="0" err="1">
+                <a:latin typeface="Consolas" pitchFamily="49" charset="0"/>
+                <a:cs typeface="Consolas" pitchFamily="49" charset="0"/>
+              </a:rPr>
+              <a:t>lst</a:t>
+            </a:r>
+            <a:r>
+              <a:rPr lang="en-US" sz="2000" b="1" dirty="0">
+                <a:latin typeface="Consolas" pitchFamily="49" charset="0"/>
+                <a:cs typeface="Consolas" pitchFamily="49" charset="0"/>
+              </a:rPr>
+              <a:t>))</a:t>
+            </a:r>
+            <a:r>
+              <a:rPr lang="en-US" sz="2000" b="1" dirty="0">
+                <a:solidFill>
+                  <a:srgbClr val="FF0000"/>
+                </a:solidFill>
+                <a:latin typeface="Consolas" pitchFamily="49" charset="0"/>
+                <a:cs typeface="Consolas" pitchFamily="49" charset="0"/>
+              </a:rPr>
+              <a:t>)</a:t>
+            </a:r>
+            <a:r>
+              <a:rPr lang="en-US" sz="2000" b="1" dirty="0">
+                <a:latin typeface="Consolas" pitchFamily="49" charset="0"/>
+                <a:cs typeface="Consolas" pitchFamily="49" charset="0"/>
+              </a:rPr>
+              <a:t>]))</a:t>
+            </a:r>
+            <a:endParaRPr lang="en-US" sz="2000" b="1" dirty="0">
+              <a:solidFill>
+                <a:srgbClr val="FF0000"/>
+              </a:solidFill>
+              <a:latin typeface="Consolas" pitchFamily="49" charset="0"/>
+              <a:cs typeface="Consolas" pitchFamily="49" charset="0"/>
+            </a:endParaRPr>
+          </a:p>
+          <a:p>
+            <a:pPr>
+              <a:buFont typeface="Arial" pitchFamily="34" charset="0"/>
+              <a:buNone/>
+            </a:pPr>
+            <a:endParaRPr lang="en-US" sz="2000" b="1" dirty="0">
+              <a:latin typeface="Courier New" pitchFamily="49" charset="0"/>
+              <a:cs typeface="Courier New" pitchFamily="49" charset="0"/>
+            </a:endParaRPr>
+          </a:p>
+        </p:txBody>
+      </p:sp>
+      <p:sp>
+        <p:nvSpPr>
+          <p:cNvPr id="6" name="Rectangle 5"/>
+          <p:cNvSpPr/>
+          <p:nvPr/>
+        </p:nvSpPr>
+        <p:spPr>
+          <a:xfrm>
+            <a:off x="2438400" y="4734864"/>
+            <a:ext cx="3810000" cy="1676400"/>
+          </a:xfrm>
+          <a:prstGeom prst="rect">
+            <a:avLst/>
+          </a:prstGeom>
+          <a:solidFill>
+            <a:schemeClr val="accent3">
+              <a:lumMod val="40000"/>
+              <a:lumOff val="60000"/>
+            </a:schemeClr>
+          </a:solidFill>
+          <a:ln/>
+        </p:spPr>
+        <p:style>
+          <a:lnRef idx="2">
+            <a:schemeClr val="accent1"/>
+          </a:lnRef>
+          <a:fillRef idx="1">
+            <a:schemeClr val="lt1"/>
+          </a:fillRef>
+          <a:effectRef idx="0">
+            <a:schemeClr val="accent1"/>
+          </a:effectRef>
+          <a:fontRef idx="minor">
+            <a:schemeClr val="dk1"/>
+          </a:fontRef>
+        </p:style>
+        <p:txBody>
+          <a:bodyPr rot="0" spcFirstLastPara="0" vertOverflow="overflow" horzOverflow="overflow" vert="horz" wrap="square" lIns="91440" tIns="45720" rIns="91440" bIns="45720" numCol="1" spcCol="0" rtlCol="0" fromWordArt="0" anchor="ctr" anchorCtr="0" forceAA="0" compatLnSpc="1">
+            <a:prstTxWarp prst="textNoShape">
+              <a:avLst/>
+            </a:prstTxWarp>
+            <a:noAutofit/>
+          </a:bodyPr>
+          <a:lstStyle/>
+          <a:p>
+            <a:pPr algn="ctr"/>
+            <a:r>
+              <a:rPr lang="en-US" dirty="0">
+                <a:solidFill>
+                  <a:schemeClr val="tx1"/>
+                </a:solidFill>
+              </a:rPr>
+              <a:t>Again, here's another version of remove-first-even that is acceptable.   It's OK to vary the template, but you'll be less likely to make mistakes if you stick close to the template.</a:t>
+            </a:r>
+          </a:p>
+        </p:txBody>
+      </p:sp>
     </p:spTree>
     <p:extLst>
       <p:ext uri="{BB962C8B-B14F-4D97-AF65-F5344CB8AC3E}">
-        <p14:creationId xmlns:p14="http://schemas.microsoft.com/office/powerpoint/2010/main" val="3352761229"/>
+        <p14:creationId xmlns:p14="http://schemas.microsoft.com/office/powerpoint/2010/main" val="571546878"/>
       </p:ext>
     </p:extLst>
   </p:cSld>
   <p:clrMapOvr>
     <a:masterClrMapping/>
   </p:clrMapOvr>
+  <p:timing>
+    <p:tnLst>
+      <p:par>
+        <p:cTn id="1" dur="indefinite" restart="never" nodeType="tmRoot">
+          <p:childTnLst>
+            <p:seq concurrent="1" nextAc="seek">
+              <p:cTn id="2" dur="indefinite" nodeType="mainSeq">
+                <p:childTnLst>
+                  <p:par>
+                    <p:cTn id="3" fill="hold">
+                      <p:stCondLst>
+                        <p:cond delay="indefinite"/>
+                        <p:cond evt="onBegin" delay="0">
+                          <p:tn val="2"/>
+                        </p:cond>
+                      </p:stCondLst>
+                      <p:childTnLst>
+                        <p:par>
+                          <p:cTn id="4" fill="hold">
+                            <p:stCondLst>
+                              <p:cond delay="0"/>
+                            </p:stCondLst>
+                            <p:childTnLst>
+                              <p:par>
+                                <p:cTn id="5" presetID="10" presetClass="entr" presetSubtype="0" fill="hold" grpId="0" nodeType="withEffect">
+                                  <p:stCondLst>
+                                    <p:cond delay="0"/>
+                                  </p:stCondLst>
+                                  <p:childTnLst>
+                                    <p:set>
+                                      <p:cBhvr>
+                                        <p:cTn id="6" dur="1" fill="hold">
+                                          <p:stCondLst>
+                                            <p:cond delay="0"/>
+                                          </p:stCondLst>
+                                        </p:cTn>
+                                        <p:tgtEl>
+                                          <p:spTgt spid="20"/>
+                                        </p:tgtEl>
+                                        <p:attrNameLst>
+                                          <p:attrName>style.visibility</p:attrName>
+                                        </p:attrNameLst>
+                                      </p:cBhvr>
+                                      <p:to>
+                                        <p:strVal val="visible"/>
+                                      </p:to>
+                                    </p:set>
+                                    <p:animEffect transition="in" filter="fade">
+                                      <p:cBhvr>
+                                        <p:cTn id="7" dur="500"/>
+                                        <p:tgtEl>
+                                          <p:spTgt spid="20"/>
+                                        </p:tgtEl>
+                                      </p:cBhvr>
+                                    </p:animEffect>
+                                  </p:childTnLst>
+                                </p:cTn>
+                              </p:par>
+                            </p:childTnLst>
+                          </p:cTn>
+                        </p:par>
+                      </p:childTnLst>
+                    </p:cTn>
+                  </p:par>
+                </p:childTnLst>
+              </p:cTn>
+              <p:prevCondLst>
+                <p:cond evt="onPrev" delay="0">
+                  <p:tgtEl>
+                    <p:sldTgt/>
+                  </p:tgtEl>
+                </p:cond>
+              </p:prevCondLst>
+              <p:nextCondLst>
+                <p:cond evt="onNext" delay="0">
+                  <p:tgtEl>
+                    <p:sldTgt/>
+                  </p:tgtEl>
+                </p:cond>
+              </p:nextCondLst>
+            </p:seq>
+          </p:childTnLst>
+        </p:cTn>
+      </p:par>
+    </p:tnLst>
+    <p:bldLst>
+      <p:bldP spid="20" grpId="0"/>
+    </p:bldLst>
+  </p:timing>
 </p:sld>
 </file>
 
@@ -16994,6 +17942,233 @@
     <p:extLst>
       <p:ext uri="{BB962C8B-B14F-4D97-AF65-F5344CB8AC3E}">
         <p14:creationId xmlns:p14="http://schemas.microsoft.com/office/powerpoint/2010/main" val="2495746605"/>
+      </p:ext>
+    </p:extLst>
+  </p:cSld>
+  <p:clrMapOvr>
+    <a:masterClrMapping/>
+  </p:clrMapOvr>
+</p:sld>
+</file>
+
+<file path=ppt/slides/slide30.xml><?xml version="1.0" encoding="utf-8"?>
+<p:sld xmlns:a="http://schemas.openxmlformats.org/drawingml/2006/main" xmlns:r="http://schemas.openxmlformats.org/officeDocument/2006/relationships" xmlns:p="http://schemas.openxmlformats.org/presentationml/2006/main">
+  <p:cSld>
+    <p:spTree>
+      <p:nvGrpSpPr>
+        <p:cNvPr id="1" name=""/>
+        <p:cNvGrpSpPr/>
+        <p:nvPr/>
+      </p:nvGrpSpPr>
+      <p:grpSpPr>
+        <a:xfrm>
+          <a:off x="0" y="0"/>
+          <a:ext cx="0" cy="0"/>
+          <a:chOff x="0" y="0"/>
+          <a:chExt cx="0" cy="0"/>
+        </a:xfrm>
+      </p:grpSpPr>
+      <p:sp>
+        <p:nvSpPr>
+          <p:cNvPr id="2" name="Title 1"/>
+          <p:cNvSpPr>
+            <a:spLocks noGrp="1"/>
+          </p:cNvSpPr>
+          <p:nvPr>
+            <p:ph type="title"/>
+          </p:nvPr>
+        </p:nvSpPr>
+        <p:spPr/>
+        <p:txBody>
+          <a:bodyPr/>
+          <a:lstStyle/>
+          <a:p>
+            <a:r>
+              <a:rPr lang="en-US" dirty="0"/>
+              <a:t>Summary</a:t>
+            </a:r>
+          </a:p>
+        </p:txBody>
+      </p:sp>
+      <p:sp>
+        <p:nvSpPr>
+          <p:cNvPr id="3" name="Content Placeholder 2"/>
+          <p:cNvSpPr>
+            <a:spLocks noGrp="1"/>
+          </p:cNvSpPr>
+          <p:nvPr>
+            <p:ph idx="1"/>
+          </p:nvPr>
+        </p:nvSpPr>
+        <p:spPr/>
+        <p:txBody>
+          <a:bodyPr/>
+          <a:lstStyle/>
+          <a:p>
+            <a:r>
+              <a:rPr lang="en-US" dirty="0"/>
+              <a:t>You should now be able to:</a:t>
+            </a:r>
+          </a:p>
+          <a:p>
+            <a:pPr lvl="1"/>
+            <a:r>
+              <a:rPr lang="en-US" dirty="0"/>
+              <a:t>write down the template for a list data definition</a:t>
+            </a:r>
+          </a:p>
+          <a:p>
+            <a:pPr lvl="1"/>
+            <a:r>
+              <a:rPr lang="en-US" dirty="0"/>
+              <a:t>use structural decomposition to define simple functions on lists</a:t>
+            </a:r>
+          </a:p>
+          <a:p>
+            <a:pPr lvl="1"/>
+            <a:endParaRPr lang="en-US" dirty="0"/>
+          </a:p>
+        </p:txBody>
+      </p:sp>
+      <p:sp>
+        <p:nvSpPr>
+          <p:cNvPr id="4" name="Slide Number Placeholder 3"/>
+          <p:cNvSpPr>
+            <a:spLocks noGrp="1"/>
+          </p:cNvSpPr>
+          <p:nvPr>
+            <p:ph type="sldNum" sz="quarter" idx="12"/>
+          </p:nvPr>
+        </p:nvSpPr>
+        <p:spPr/>
+        <p:txBody>
+          <a:bodyPr/>
+          <a:lstStyle/>
+          <a:p>
+            <a:fld id="{9F4492BD-6A9C-48FC-AC76-0B4FE11194A1}" type="slidenum">
+              <a:rPr lang="en-US" smtClean="0"/>
+              <a:pPr/>
+              <a:t>30</a:t>
+            </a:fld>
+            <a:endParaRPr lang="en-US"/>
+          </a:p>
+        </p:txBody>
+      </p:sp>
+    </p:spTree>
+    <p:extLst>
+      <p:ext uri="{BB962C8B-B14F-4D97-AF65-F5344CB8AC3E}">
+        <p14:creationId xmlns:p14="http://schemas.microsoft.com/office/powerpoint/2010/main" val="2015971023"/>
+      </p:ext>
+    </p:extLst>
+  </p:cSld>
+  <p:clrMapOvr>
+    <a:masterClrMapping/>
+  </p:clrMapOvr>
+</p:sld>
+</file>
+
+<file path=ppt/slides/slide31.xml><?xml version="1.0" encoding="utf-8"?>
+<p:sld xmlns:a="http://schemas.openxmlformats.org/drawingml/2006/main" xmlns:r="http://schemas.openxmlformats.org/officeDocument/2006/relationships" xmlns:p="http://schemas.openxmlformats.org/presentationml/2006/main">
+  <p:cSld>
+    <p:spTree>
+      <p:nvGrpSpPr>
+        <p:cNvPr id="1" name=""/>
+        <p:cNvGrpSpPr/>
+        <p:nvPr/>
+      </p:nvGrpSpPr>
+      <p:grpSpPr>
+        <a:xfrm>
+          <a:off x="0" y="0"/>
+          <a:ext cx="0" cy="0"/>
+          <a:chOff x="0" y="0"/>
+          <a:chExt cx="0" cy="0"/>
+        </a:xfrm>
+      </p:grpSpPr>
+      <p:sp>
+        <p:nvSpPr>
+          <p:cNvPr id="2" name="Title 1"/>
+          <p:cNvSpPr>
+            <a:spLocks noGrp="1"/>
+          </p:cNvSpPr>
+          <p:nvPr>
+            <p:ph type="title"/>
+          </p:nvPr>
+        </p:nvSpPr>
+        <p:spPr/>
+        <p:txBody>
+          <a:bodyPr/>
+          <a:lstStyle/>
+          <a:p>
+            <a:r>
+              <a:rPr lang="en-US" dirty="0"/>
+              <a:t>Next Steps</a:t>
+            </a:r>
+          </a:p>
+        </p:txBody>
+      </p:sp>
+      <p:sp>
+        <p:nvSpPr>
+          <p:cNvPr id="3" name="Content Placeholder 2"/>
+          <p:cNvSpPr>
+            <a:spLocks noGrp="1"/>
+          </p:cNvSpPr>
+          <p:nvPr>
+            <p:ph idx="1"/>
+          </p:nvPr>
+        </p:nvSpPr>
+        <p:spPr/>
+        <p:txBody>
+          <a:bodyPr/>
+          <a:lstStyle/>
+          <a:p>
+            <a:r>
+              <a:rPr lang="en-US" dirty="0"/>
+              <a:t>If you have questions about this lesson, ask them on the Discussion Board</a:t>
+            </a:r>
+          </a:p>
+          <a:p>
+            <a:r>
+              <a:rPr lang="en-US"/>
+              <a:t>Do Guided Practice 4.3</a:t>
+            </a:r>
+            <a:endParaRPr lang="en-US" dirty="0"/>
+          </a:p>
+          <a:p>
+            <a:r>
+              <a:rPr lang="en-US" dirty="0"/>
+              <a:t>Go on to the next lesson</a:t>
+            </a:r>
+          </a:p>
+        </p:txBody>
+      </p:sp>
+      <p:sp>
+        <p:nvSpPr>
+          <p:cNvPr id="4" name="Slide Number Placeholder 3"/>
+          <p:cNvSpPr>
+            <a:spLocks noGrp="1"/>
+          </p:cNvSpPr>
+          <p:nvPr>
+            <p:ph type="sldNum" sz="quarter" idx="12"/>
+          </p:nvPr>
+        </p:nvSpPr>
+        <p:spPr/>
+        <p:txBody>
+          <a:bodyPr/>
+          <a:lstStyle/>
+          <a:p>
+            <a:fld id="{9F4492BD-6A9C-48FC-AC76-0B4FE11194A1}" type="slidenum">
+              <a:rPr lang="en-US" smtClean="0"/>
+              <a:pPr/>
+              <a:t>31</a:t>
+            </a:fld>
+            <a:endParaRPr lang="en-US"/>
+          </a:p>
+        </p:txBody>
+      </p:sp>
+    </p:spTree>
+    <p:extLst>
+      <p:ext uri="{BB962C8B-B14F-4D97-AF65-F5344CB8AC3E}">
+        <p14:creationId xmlns:p14="http://schemas.microsoft.com/office/powerpoint/2010/main" val="3352761229"/>
       </p:ext>
     </p:extLst>
   </p:cSld>
